--- a/presentation_Pythonic.pptx
+++ b/presentation_Pythonic.pptx
@@ -5,21 +5,23 @@
     <p:sldMasterId id="2147483648" r:id="rId4"/>
   </p:sldMasterIdLst>
   <p:notesMasterIdLst>
-    <p:notesMasterId r:id="rId17"/>
+    <p:notesMasterId r:id="rId19"/>
   </p:notesMasterIdLst>
   <p:sldIdLst>
     <p:sldId id="279" r:id="rId5"/>
     <p:sldId id="291" r:id="rId6"/>
-    <p:sldId id="289" r:id="rId7"/>
-    <p:sldId id="295" r:id="rId8"/>
-    <p:sldId id="290" r:id="rId9"/>
-    <p:sldId id="292" r:id="rId10"/>
-    <p:sldId id="293" r:id="rId11"/>
-    <p:sldId id="296" r:id="rId12"/>
-    <p:sldId id="294" r:id="rId13"/>
-    <p:sldId id="297" r:id="rId14"/>
-    <p:sldId id="287" r:id="rId15"/>
-    <p:sldId id="286" r:id="rId16"/>
+    <p:sldId id="299" r:id="rId7"/>
+    <p:sldId id="289" r:id="rId8"/>
+    <p:sldId id="295" r:id="rId9"/>
+    <p:sldId id="290" r:id="rId10"/>
+    <p:sldId id="292" r:id="rId11"/>
+    <p:sldId id="293" r:id="rId12"/>
+    <p:sldId id="296" r:id="rId13"/>
+    <p:sldId id="294" r:id="rId14"/>
+    <p:sldId id="297" r:id="rId15"/>
+    <p:sldId id="300" r:id="rId16"/>
+    <p:sldId id="287" r:id="rId17"/>
+    <p:sldId id="286" r:id="rId18"/>
   </p:sldIdLst>
   <p:sldSz cx="12192000" cy="6858000"/>
   <p:notesSz cx="6858000" cy="9144000"/>
@@ -208,7 +210,7 @@
           <a:p>
             <a:fld id="{D7DE7EAA-DEF6-BF48-877D-021E0C6CA113}" type="datetimeFigureOut">
               <a:rPr lang="nl-NL" smtClean="0"/>
-              <a:t>09-01-2020</a:t>
+              <a:t>19-11-2021</a:t>
             </a:fld>
             <a:endParaRPr lang="nl-NL"/>
           </a:p>
@@ -16646,36 +16648,6 @@
           </a:p>
         </p:txBody>
       </p:sp>
-      <p:pic>
-        <p:nvPicPr>
-          <p:cNvPr id="6" name="Afbeelding 5">
-            <a:extLst>
-              <a:ext uri="{FF2B5EF4-FFF2-40B4-BE49-F238E27FC236}">
-                <a16:creationId xmlns:a16="http://schemas.microsoft.com/office/drawing/2014/main" id="{38FE2043-EDC0-7A40-A5FB-9C70211620B1}"/>
-              </a:ext>
-            </a:extLst>
-          </p:cNvPr>
-          <p:cNvPicPr>
-            <a:picLocks noChangeAspect="1"/>
-          </p:cNvPicPr>
-          <p:nvPr/>
-        </p:nvPicPr>
-        <p:blipFill>
-          <a:blip r:embed="rId2"/>
-          <a:stretch>
-            <a:fillRect/>
-          </a:stretch>
-        </p:blipFill>
-        <p:spPr>
-          <a:xfrm>
-            <a:off x="-461630" y="1415409"/>
-            <a:ext cx="5809714" cy="5809712"/>
-          </a:xfrm>
-          <a:prstGeom prst="rect">
-            <a:avLst/>
-          </a:prstGeom>
-        </p:spPr>
-      </p:pic>
       <p:sp>
         <p:nvSpPr>
           <p:cNvPr id="14" name="TextBox 2">
@@ -16691,7 +16663,7 @@
         <p:spPr>
           <a:xfrm>
             <a:off x="4971245" y="1832018"/>
-            <a:ext cx="6508381" cy="1569660"/>
+            <a:ext cx="6508381" cy="1200329"/>
           </a:xfrm>
           <a:prstGeom prst="rect">
             <a:avLst/>
@@ -16705,15 +16677,15 @@
           <a:lstStyle/>
           <a:p>
             <a:r>
-              <a:rPr lang="nl-NL" sz="2400" b="1">
-                <a:solidFill>
-                  <a:schemeClr val="bg1"/>
-                </a:solidFill>
-              </a:rPr>
-              <a:t>Python course </a:t>
-            </a:r>
-            <a:r>
-              <a:rPr lang="nl-NL" sz="2400" b="1" err="1">
+              <a:rPr lang="nl-NL" sz="2400" b="1" dirty="0">
+                <a:solidFill>
+                  <a:schemeClr val="bg1"/>
+                </a:solidFill>
+              </a:rPr>
+              <a:t>Python </a:t>
+            </a:r>
+            <a:r>
+              <a:rPr lang="nl-NL" sz="2400" b="1" dirty="0" err="1">
                 <a:solidFill>
                   <a:schemeClr val="bg1"/>
                 </a:solidFill>
@@ -16721,128 +16693,37 @@
               <a:t>for</a:t>
             </a:r>
             <a:r>
-              <a:rPr lang="nl-NL" sz="2400" b="1">
-                <a:solidFill>
-                  <a:schemeClr val="bg1"/>
-                </a:solidFill>
-              </a:rPr>
-              <a:t> </a:t>
-            </a:r>
-            <a:r>
-              <a:rPr lang="nl-NL" sz="2400" b="1" err="1">
-                <a:solidFill>
-                  <a:schemeClr val="bg1"/>
-                </a:solidFill>
-              </a:rPr>
-              <a:t>intermediate</a:t>
-            </a:r>
-            <a:r>
-              <a:rPr lang="nl-NL" sz="2400" b="1">
-                <a:solidFill>
-                  <a:schemeClr val="bg1"/>
-                </a:solidFill>
-              </a:rPr>
-              <a:t> Python </a:t>
-            </a:r>
-            <a:r>
-              <a:rPr lang="nl-NL" sz="2400" b="1" err="1">
-                <a:solidFill>
-                  <a:schemeClr val="bg1"/>
-                </a:solidFill>
-              </a:rPr>
-              <a:t>devs</a:t>
-            </a:r>
-            <a:r>
-              <a:rPr lang="nl-NL" sz="2400" b="1">
-                <a:solidFill>
-                  <a:schemeClr val="bg1"/>
-                </a:solidFill>
-              </a:rPr>
-              <a:t> </a:t>
-            </a:r>
-            <a:r>
-              <a:rPr lang="nl-NL" sz="2400" b="1" err="1">
-                <a:solidFill>
-                  <a:schemeClr val="bg1"/>
-                </a:solidFill>
-              </a:rPr>
-              <a:t>by</a:t>
-            </a:r>
-            <a:r>
-              <a:rPr lang="nl-NL" sz="2400" b="1">
-                <a:solidFill>
-                  <a:schemeClr val="bg1"/>
-                </a:solidFill>
-              </a:rPr>
-              <a:t> </a:t>
-            </a:r>
-            <a:r>
-              <a:rPr lang="nl-NL" sz="2400" b="1" err="1">
-                <a:solidFill>
-                  <a:schemeClr val="bg1"/>
-                </a:solidFill>
-              </a:rPr>
-              <a:t>solving</a:t>
-            </a:r>
-            <a:r>
-              <a:rPr lang="nl-NL" sz="2400" b="1">
-                <a:solidFill>
-                  <a:schemeClr val="bg1"/>
-                </a:solidFill>
-              </a:rPr>
-              <a:t> </a:t>
-            </a:r>
-            <a:r>
-              <a:rPr lang="nl-NL" sz="2400" b="1" err="1">
-                <a:solidFill>
-                  <a:schemeClr val="bg1"/>
-                </a:solidFill>
-              </a:rPr>
-              <a:t>some</a:t>
-            </a:r>
-            <a:r>
-              <a:rPr lang="nl-NL" sz="2400" b="1">
-                <a:solidFill>
-                  <a:schemeClr val="bg1"/>
-                </a:solidFill>
-              </a:rPr>
-              <a:t> </a:t>
-            </a:r>
-            <a:r>
-              <a:rPr lang="nl-NL" sz="2400" b="1" err="1">
-                <a:solidFill>
-                  <a:schemeClr val="bg1"/>
-                </a:solidFill>
-              </a:rPr>
-              <a:t>simple</a:t>
-            </a:r>
-            <a:r>
-              <a:rPr lang="nl-NL" sz="2400" b="1">
-                <a:solidFill>
-                  <a:schemeClr val="bg1"/>
-                </a:solidFill>
-              </a:rPr>
-              <a:t> </a:t>
-            </a:r>
-            <a:r>
-              <a:rPr lang="nl-NL" sz="2400" b="1" err="1">
-                <a:solidFill>
-                  <a:schemeClr val="bg1"/>
-                </a:solidFill>
-              </a:rPr>
-              <a:t>challenges</a:t>
-            </a:r>
-            <a:r>
-              <a:rPr lang="nl-NL" sz="2400" b="1">
-                <a:solidFill>
-                  <a:schemeClr val="bg1"/>
-                </a:solidFill>
-              </a:rPr>
-              <a:t>.</a:t>
-            </a:r>
-          </a:p>
-          <a:p>
-            <a:endParaRPr lang="nl-NL" sz="2400" b="1" i="1">
+              <a:rPr lang="nl-NL" sz="2400" b="1" dirty="0">
+                <a:solidFill>
+                  <a:schemeClr val="bg1"/>
+                </a:solidFill>
+              </a:rPr>
+              <a:t> </a:t>
+            </a:r>
+            <a:r>
+              <a:rPr lang="nl-NL" sz="2400" b="1" dirty="0" err="1">
+                <a:solidFill>
+                  <a:schemeClr val="bg1"/>
+                </a:solidFill>
+              </a:rPr>
+              <a:t>intermediates</a:t>
+            </a:r>
+            <a:r>
+              <a:rPr lang="nl-NL" sz="2400" b="1" dirty="0">
+                <a:solidFill>
+                  <a:schemeClr val="bg1"/>
+                </a:solidFill>
+              </a:rPr>
+              <a:t> </a:t>
+            </a:r>
+            <a:br>
+              <a:rPr lang="nl-NL" sz="2400" b="1" dirty="0">
+                <a:solidFill>
+                  <a:schemeClr val="bg1"/>
+                </a:solidFill>
+              </a:rPr>
+            </a:br>
+            <a:endParaRPr lang="nl-NL" sz="2400" b="1" i="1" dirty="0">
               <a:solidFill>
                 <a:schemeClr val="bg1"/>
               </a:solidFill>
@@ -16850,7 +16731,7 @@
           </a:p>
           <a:p>
             <a:r>
-              <a:rPr lang="nl-NL" sz="2400" b="1" i="1" err="1">
+              <a:rPr lang="nl-NL" sz="2400" b="1" i="1" dirty="0" err="1">
                 <a:solidFill>
                   <a:schemeClr val="bg1"/>
                 </a:solidFill>
@@ -16858,14 +16739,14 @@
               <a:t>By</a:t>
             </a:r>
             <a:r>
-              <a:rPr lang="nl-NL" sz="2400" b="1" i="1">
+              <a:rPr lang="nl-NL" sz="2400" b="1" i="1" dirty="0">
                 <a:solidFill>
                   <a:schemeClr val="bg1"/>
                 </a:solidFill>
               </a:rPr>
               <a:t> Herman van der Veer</a:t>
             </a:r>
-            <a:endParaRPr lang="nl-NL" sz="1400" i="1">
+            <a:endParaRPr lang="nl-NL" sz="1400" i="1" dirty="0">
               <a:solidFill>
                 <a:schemeClr val="bg1"/>
               </a:solidFill>
@@ -16888,7 +16769,7 @@
           <p:nvPr/>
         </p:nvPicPr>
         <p:blipFill>
-          <a:blip r:embed="rId3"/>
+          <a:blip r:embed="rId2"/>
           <a:stretch>
             <a:fillRect/>
           </a:stretch>
@@ -16903,52 +16784,53 @@
           </a:prstGeom>
         </p:spPr>
       </p:pic>
-      <p:sp>
-        <p:nvSpPr>
-          <p:cNvPr id="3" name="Ruit 2">
+      <p:pic>
+        <p:nvPicPr>
+          <p:cNvPr id="1026" name="Picture 2" descr="Python Logo transparent PNG - StickPNG">
             <a:extLst>
               <a:ext uri="{FF2B5EF4-FFF2-40B4-BE49-F238E27FC236}">
-                <a16:creationId xmlns:a16="http://schemas.microsoft.com/office/drawing/2014/main" id="{960C1DD4-F28C-4F81-8A06-1B6AC454A8AD}"/>
+                <a16:creationId xmlns:a16="http://schemas.microsoft.com/office/drawing/2014/main" id="{3B055A0A-5A97-F942-AD09-8BC8816366B1}"/>
               </a:ext>
             </a:extLst>
           </p:cNvPr>
-          <p:cNvSpPr/>
+          <p:cNvPicPr>
+            <a:picLocks noChangeAspect="1" noChangeArrowheads="1"/>
+          </p:cNvPicPr>
           <p:nvPr/>
-        </p:nvSpPr>
-        <p:spPr>
+        </p:nvPicPr>
+        <p:blipFill>
+          <a:blip r:embed="rId3">
+            <a:extLst>
+              <a:ext uri="{28A0092B-C50C-407E-A947-70E740481C1C}">
+                <a14:useLocalDpi xmlns:a14="http://schemas.microsoft.com/office/drawing/2010/main" val="0"/>
+              </a:ext>
+            </a:extLst>
+          </a:blip>
+          <a:srcRect/>
+          <a:stretch>
+            <a:fillRect/>
+          </a:stretch>
+        </p:blipFill>
+        <p:spPr bwMode="auto">
           <a:xfrm>
-            <a:off x="1234196" y="3108867"/>
-            <a:ext cx="2418061" cy="2422796"/>
+            <a:off x="820952" y="2218217"/>
+            <a:ext cx="3585284" cy="3571333"/>
           </a:xfrm>
-          <a:prstGeom prst="diamond">
+          <a:prstGeom prst="rect">
             <a:avLst/>
           </a:prstGeom>
+          <a:noFill/>
+          <a:extLst>
+            <a:ext uri="{909E8E84-426E-40DD-AFC4-6F175D3DCCD1}">
+              <a14:hiddenFill xmlns:a14="http://schemas.microsoft.com/office/drawing/2010/main">
+                <a:solidFill>
+                  <a:srgbClr val="FFFFFF"/>
+                </a:solidFill>
+              </a14:hiddenFill>
+            </a:ext>
+          </a:extLst>
         </p:spPr>
-        <p:style>
-          <a:lnRef idx="2">
-            <a:schemeClr val="accent1">
-              <a:shade val="50000"/>
-            </a:schemeClr>
-          </a:lnRef>
-          <a:fillRef idx="1">
-            <a:schemeClr val="accent1"/>
-          </a:fillRef>
-          <a:effectRef idx="0">
-            <a:schemeClr val="accent1"/>
-          </a:effectRef>
-          <a:fontRef idx="minor">
-            <a:schemeClr val="lt1"/>
-          </a:fontRef>
-        </p:style>
-        <p:txBody>
-          <a:bodyPr rtlCol="0" anchor="ctr"/>
-          <a:lstStyle/>
-          <a:p>
-            <a:pPr algn="ctr"/>
-            <a:endParaRPr lang="nl-NL"/>
-          </a:p>
-        </p:txBody>
-      </p:sp>
+      </p:pic>
     </p:spTree>
     <p:extLst>
       <p:ext uri="{BB962C8B-B14F-4D97-AF65-F5344CB8AC3E}">
@@ -17024,7 +16906,7 @@
                   <a:schemeClr val="bg1"/>
                 </a:solidFill>
               </a:rPr>
-              <a:t>Learnings</a:t>
+              <a:t>Assignment</a:t>
             </a:r>
             <a:r>
               <a:rPr lang="nl-NL" dirty="0">
@@ -17032,7 +16914,7 @@
                   <a:schemeClr val="bg1"/>
                 </a:solidFill>
               </a:rPr>
-              <a:t> timer</a:t>
+              <a:t> 4 - Timer</a:t>
             </a:r>
           </a:p>
         </p:txBody>
@@ -17051,8 +16933,8 @@
         </p:nvSpPr>
         <p:spPr>
           <a:xfrm>
-            <a:off x="811012" y="1769201"/>
-            <a:ext cx="9482279" cy="2308324"/>
+            <a:off x="811013" y="1769201"/>
+            <a:ext cx="6508381" cy="830997"/>
           </a:xfrm>
           <a:prstGeom prst="rect">
             <a:avLst/>
@@ -17065,222 +16947,76 @@
           </a:bodyPr>
           <a:lstStyle/>
           <a:p>
-            <a:pPr marL="457200" indent="-457200">
-              <a:buFont typeface="Arial" panose="020B0604020202020204" pitchFamily="34" charset="0"/>
-              <a:buChar char="•"/>
-            </a:pPr>
-            <a:r>
-              <a:rPr lang="nl-NL" sz="2400" b="1" dirty="0" err="1">
+            <a:r>
+              <a:rPr lang="nl-NL" sz="2400" b="1" dirty="0">
                 <a:solidFill>
                   <a:schemeClr val="bg1"/>
                 </a:solidFill>
                 <a:latin typeface="Consolas" panose="020B0609020204030204" pitchFamily="49" charset="0"/>
                 <a:cs typeface="Consolas" panose="020B0609020204030204" pitchFamily="49" charset="0"/>
               </a:rPr>
-              <a:t>Function</a:t>
-            </a:r>
-            <a:r>
-              <a:rPr lang="nl-NL" sz="2400" b="1" dirty="0">
+              <a:t>Time </a:t>
+            </a:r>
+            <a:r>
+              <a:rPr lang="nl-NL" sz="2400" b="1" dirty="0" err="1">
                 <a:solidFill>
                   <a:schemeClr val="bg1"/>
                 </a:solidFill>
                 <a:latin typeface="Consolas" panose="020B0609020204030204" pitchFamily="49" charset="0"/>
                 <a:cs typeface="Consolas" panose="020B0609020204030204" pitchFamily="49" charset="0"/>
               </a:rPr>
-              <a:t> </a:t>
-            </a:r>
-            <a:r>
-              <a:rPr lang="nl-NL" sz="2400" b="1" dirty="0" err="1">
+              <a:t>how</a:t>
+            </a:r>
+            <a:r>
+              <a:rPr lang="nl-NL" sz="2400" b="1" dirty="0">
                 <a:solidFill>
                   <a:schemeClr val="bg1"/>
                 </a:solidFill>
                 <a:latin typeface="Consolas" panose="020B0609020204030204" pitchFamily="49" charset="0"/>
                 <a:cs typeface="Consolas" panose="020B0609020204030204" pitchFamily="49" charset="0"/>
               </a:rPr>
-              <a:t>wrappers</a:t>
-            </a:r>
-            <a:endParaRPr lang="nl-NL" sz="2400" b="1" dirty="0">
-              <a:solidFill>
-                <a:schemeClr val="bg1"/>
-              </a:solidFill>
-              <a:latin typeface="Consolas" panose="020B0609020204030204" pitchFamily="49" charset="0"/>
-              <a:cs typeface="Consolas" panose="020B0609020204030204" pitchFamily="49" charset="0"/>
-            </a:endParaRPr>
-          </a:p>
-          <a:p>
-            <a:pPr marL="457200" indent="-457200">
-              <a:buFont typeface="Arial" panose="020B0604020202020204" pitchFamily="34" charset="0"/>
-              <a:buChar char="•"/>
-            </a:pPr>
-            <a:r>
-              <a:rPr lang="nl-NL" sz="2400" b="1" dirty="0">
+              <a:t> </a:t>
+            </a:r>
+            <a:r>
+              <a:rPr lang="nl-NL" sz="2400" b="1" dirty="0" err="1">
                 <a:solidFill>
                   <a:schemeClr val="bg1"/>
                 </a:solidFill>
                 <a:latin typeface="Consolas" panose="020B0609020204030204" pitchFamily="49" charset="0"/>
                 <a:cs typeface="Consolas" panose="020B0609020204030204" pitchFamily="49" charset="0"/>
               </a:rPr>
-              <a:t>Passing a </a:t>
-            </a:r>
-            <a:r>
-              <a:rPr lang="nl-NL" sz="2400" b="1" dirty="0" err="1">
+              <a:t>fast</a:t>
+            </a:r>
+            <a:r>
+              <a:rPr lang="nl-NL" sz="2400" b="1" dirty="0">
                 <a:solidFill>
                   <a:schemeClr val="bg1"/>
                 </a:solidFill>
                 <a:latin typeface="Consolas" panose="020B0609020204030204" pitchFamily="49" charset="0"/>
                 <a:cs typeface="Consolas" panose="020B0609020204030204" pitchFamily="49" charset="0"/>
               </a:rPr>
-              <a:t>variable</a:t>
-            </a:r>
-            <a:r>
-              <a:rPr lang="nl-NL" sz="2400" b="1" dirty="0">
+              <a:t> </a:t>
+            </a:r>
+            <a:r>
+              <a:rPr lang="nl-NL" sz="2400" b="1" dirty="0" err="1">
                 <a:solidFill>
                   <a:schemeClr val="bg1"/>
                 </a:solidFill>
                 <a:latin typeface="Consolas" panose="020B0609020204030204" pitchFamily="49" charset="0"/>
                 <a:cs typeface="Consolas" panose="020B0609020204030204" pitchFamily="49" charset="0"/>
               </a:rPr>
-              <a:t> </a:t>
-            </a:r>
-            <a:r>
-              <a:rPr lang="nl-NL" sz="2400" b="1" dirty="0" err="1">
+              <a:t>assignment</a:t>
+            </a:r>
+            <a:r>
+              <a:rPr lang="nl-NL" sz="2400" b="1" dirty="0">
                 <a:solidFill>
                   <a:schemeClr val="bg1"/>
                 </a:solidFill>
                 <a:latin typeface="Consolas" panose="020B0609020204030204" pitchFamily="49" charset="0"/>
                 <a:cs typeface="Consolas" panose="020B0609020204030204" pitchFamily="49" charset="0"/>
               </a:rPr>
-              <a:t>number</a:t>
-            </a:r>
-            <a:r>
-              <a:rPr lang="nl-NL" sz="2400" b="1" dirty="0">
-                <a:solidFill>
-                  <a:schemeClr val="bg1"/>
-                </a:solidFill>
-                <a:latin typeface="Consolas" panose="020B0609020204030204" pitchFamily="49" charset="0"/>
-                <a:cs typeface="Consolas" panose="020B0609020204030204" pitchFamily="49" charset="0"/>
-              </a:rPr>
-              <a:t> of </a:t>
-            </a:r>
-            <a:r>
-              <a:rPr lang="nl-NL" sz="2400" b="1" dirty="0" err="1">
-                <a:solidFill>
-                  <a:schemeClr val="bg1"/>
-                </a:solidFill>
-                <a:latin typeface="Consolas" panose="020B0609020204030204" pitchFamily="49" charset="0"/>
-                <a:cs typeface="Consolas" panose="020B0609020204030204" pitchFamily="49" charset="0"/>
-              </a:rPr>
-              <a:t>arguments</a:t>
-            </a:r>
-            <a:endParaRPr lang="nl-NL" sz="2400" b="1" dirty="0">
-              <a:solidFill>
-                <a:schemeClr val="bg1"/>
-              </a:solidFill>
-              <a:latin typeface="Consolas" panose="020B0609020204030204" pitchFamily="49" charset="0"/>
-              <a:cs typeface="Consolas" panose="020B0609020204030204" pitchFamily="49" charset="0"/>
-            </a:endParaRPr>
-          </a:p>
-          <a:p>
-            <a:pPr marL="457200" indent="-457200">
-              <a:buFont typeface="Arial" panose="020B0604020202020204" pitchFamily="34" charset="0"/>
-              <a:buChar char="•"/>
-            </a:pPr>
-            <a:r>
-              <a:rPr lang="nl-NL" sz="2400" b="1" dirty="0" err="1">
-                <a:solidFill>
-                  <a:schemeClr val="bg1"/>
-                </a:solidFill>
-                <a:latin typeface="Consolas" panose="020B0609020204030204" pitchFamily="49" charset="0"/>
-                <a:cs typeface="Consolas" panose="020B0609020204030204" pitchFamily="49" charset="0"/>
-              </a:rPr>
-              <a:t>Keyworded</a:t>
-            </a:r>
-            <a:r>
-              <a:rPr lang="nl-NL" sz="2400" b="1" dirty="0">
-                <a:solidFill>
-                  <a:schemeClr val="bg1"/>
-                </a:solidFill>
-                <a:latin typeface="Consolas" panose="020B0609020204030204" pitchFamily="49" charset="0"/>
-                <a:cs typeface="Consolas" panose="020B0609020204030204" pitchFamily="49" charset="0"/>
-              </a:rPr>
-              <a:t> </a:t>
-            </a:r>
-            <a:r>
-              <a:rPr lang="nl-NL" sz="2400" b="1" dirty="0" err="1">
-                <a:solidFill>
-                  <a:schemeClr val="bg1"/>
-                </a:solidFill>
-                <a:latin typeface="Consolas" panose="020B0609020204030204" pitchFamily="49" charset="0"/>
-                <a:cs typeface="Consolas" panose="020B0609020204030204" pitchFamily="49" charset="0"/>
-              </a:rPr>
-              <a:t>arguments</a:t>
-            </a:r>
-            <a:endParaRPr lang="nl-NL" sz="2400" b="1" dirty="0">
-              <a:solidFill>
-                <a:schemeClr val="bg1"/>
-              </a:solidFill>
-              <a:latin typeface="Consolas" panose="020B0609020204030204" pitchFamily="49" charset="0"/>
-              <a:cs typeface="Consolas" panose="020B0609020204030204" pitchFamily="49" charset="0"/>
-            </a:endParaRPr>
-          </a:p>
-          <a:p>
-            <a:pPr marL="457200" indent="-457200">
-              <a:buFont typeface="Arial" panose="020B0604020202020204" pitchFamily="34" charset="0"/>
-              <a:buChar char="•"/>
-            </a:pPr>
-            <a:r>
-              <a:rPr lang="nl-NL" sz="2400" b="1" dirty="0" err="1">
-                <a:solidFill>
-                  <a:schemeClr val="bg1"/>
-                </a:solidFill>
-                <a:latin typeface="Consolas" panose="020B0609020204030204" pitchFamily="49" charset="0"/>
-                <a:cs typeface="Consolas" panose="020B0609020204030204" pitchFamily="49" charset="0"/>
-              </a:rPr>
-              <a:t>Round</a:t>
-            </a:r>
-            <a:r>
-              <a:rPr lang="nl-NL" sz="2400" b="1" dirty="0">
-                <a:solidFill>
-                  <a:schemeClr val="bg1"/>
-                </a:solidFill>
-                <a:latin typeface="Consolas" panose="020B0609020204030204" pitchFamily="49" charset="0"/>
-                <a:cs typeface="Consolas" panose="020B0609020204030204" pitchFamily="49" charset="0"/>
-              </a:rPr>
-              <a:t> </a:t>
-            </a:r>
-            <a:r>
-              <a:rPr lang="nl-NL" sz="2400" b="1" dirty="0" err="1">
-                <a:solidFill>
-                  <a:schemeClr val="bg1"/>
-                </a:solidFill>
-                <a:latin typeface="Consolas" panose="020B0609020204030204" pitchFamily="49" charset="0"/>
-                <a:cs typeface="Consolas" panose="020B0609020204030204" pitchFamily="49" charset="0"/>
-              </a:rPr>
-              <a:t>using</a:t>
-            </a:r>
-            <a:r>
-              <a:rPr lang="nl-NL" sz="2400" b="1" dirty="0">
-                <a:solidFill>
-                  <a:schemeClr val="bg1"/>
-                </a:solidFill>
-                <a:latin typeface="Consolas" panose="020B0609020204030204" pitchFamily="49" charset="0"/>
-                <a:cs typeface="Consolas" panose="020B0609020204030204" pitchFamily="49" charset="0"/>
-              </a:rPr>
-              <a:t> f-strings (.2f)</a:t>
-            </a:r>
-          </a:p>
-          <a:p>
-            <a:pPr marL="457200" indent="-457200">
-              <a:buFont typeface="Arial" panose="020B0604020202020204" pitchFamily="34" charset="0"/>
-              <a:buChar char="•"/>
-            </a:pPr>
-            <a:endParaRPr lang="nl-NL" sz="2400" b="1" dirty="0">
-              <a:solidFill>
-                <a:schemeClr val="bg1"/>
-              </a:solidFill>
-              <a:latin typeface="Consolas" panose="020B0609020204030204" pitchFamily="49" charset="0"/>
-              <a:cs typeface="Consolas" panose="020B0609020204030204" pitchFamily="49" charset="0"/>
-            </a:endParaRPr>
+              <a:t> 3 runs</a:t>
+            </a:r>
           </a:p>
           <a:p>
             <a:endParaRPr lang="en" sz="2400" b="1" dirty="0">
@@ -17324,7 +17060,7 @@
     </p:spTree>
     <p:extLst>
       <p:ext uri="{BB962C8B-B14F-4D97-AF65-F5344CB8AC3E}">
-        <p14:creationId xmlns:p14="http://schemas.microsoft.com/office/powerpoint/2010/main" val="638645019"/>
+        <p14:creationId xmlns:p14="http://schemas.microsoft.com/office/powerpoint/2010/main" val="377636335"/>
       </p:ext>
     </p:extLst>
   </p:cSld>
@@ -17391,6 +17127,1156 @@
           <a:lstStyle/>
           <a:p>
             <a:r>
+              <a:rPr lang="nl-NL" dirty="0" err="1">
+                <a:solidFill>
+                  <a:schemeClr val="bg1"/>
+                </a:solidFill>
+              </a:rPr>
+              <a:t>Learnings</a:t>
+            </a:r>
+            <a:r>
+              <a:rPr lang="nl-NL" dirty="0">
+                <a:solidFill>
+                  <a:schemeClr val="bg1"/>
+                </a:solidFill>
+              </a:rPr>
+              <a:t> timer</a:t>
+            </a:r>
+          </a:p>
+        </p:txBody>
+      </p:sp>
+      <p:sp>
+        <p:nvSpPr>
+          <p:cNvPr id="14" name="TextBox 2">
+            <a:extLst>
+              <a:ext uri="{FF2B5EF4-FFF2-40B4-BE49-F238E27FC236}">
+                <a16:creationId xmlns:a16="http://schemas.microsoft.com/office/drawing/2014/main" id="{BFDD88AB-78F0-4A81-894B-1246B810565E}"/>
+              </a:ext>
+            </a:extLst>
+          </p:cNvPr>
+          <p:cNvSpPr txBox="1"/>
+          <p:nvPr/>
+        </p:nvSpPr>
+        <p:spPr>
+          <a:xfrm>
+            <a:off x="811012" y="1769201"/>
+            <a:ext cx="11021172" cy="2308324"/>
+          </a:xfrm>
+          <a:prstGeom prst="rect">
+            <a:avLst/>
+          </a:prstGeom>
+          <a:noFill/>
+        </p:spPr>
+        <p:txBody>
+          <a:bodyPr wrap="square" rtlCol="0">
+            <a:spAutoFit/>
+          </a:bodyPr>
+          <a:lstStyle/>
+          <a:p>
+            <a:pPr marL="457200" indent="-457200">
+              <a:buFont typeface="Arial" panose="020B0604020202020204" pitchFamily="34" charset="0"/>
+              <a:buChar char="•"/>
+            </a:pPr>
+            <a:r>
+              <a:rPr lang="nl-NL" sz="2400" b="1" dirty="0" err="1">
+                <a:solidFill>
+                  <a:schemeClr val="bg1"/>
+                </a:solidFill>
+                <a:latin typeface="Consolas" panose="020B0609020204030204" pitchFamily="49" charset="0"/>
+                <a:cs typeface="Consolas" panose="020B0609020204030204" pitchFamily="49" charset="0"/>
+              </a:rPr>
+              <a:t>Function</a:t>
+            </a:r>
+            <a:r>
+              <a:rPr lang="nl-NL" sz="2400" b="1" dirty="0">
+                <a:solidFill>
+                  <a:schemeClr val="bg1"/>
+                </a:solidFill>
+                <a:latin typeface="Consolas" panose="020B0609020204030204" pitchFamily="49" charset="0"/>
+                <a:cs typeface="Consolas" panose="020B0609020204030204" pitchFamily="49" charset="0"/>
+              </a:rPr>
+              <a:t> </a:t>
+            </a:r>
+            <a:r>
+              <a:rPr lang="nl-NL" sz="2400" b="1" dirty="0" err="1">
+                <a:solidFill>
+                  <a:schemeClr val="bg1"/>
+                </a:solidFill>
+                <a:latin typeface="Consolas" panose="020B0609020204030204" pitchFamily="49" charset="0"/>
+                <a:cs typeface="Consolas" panose="020B0609020204030204" pitchFamily="49" charset="0"/>
+              </a:rPr>
+              <a:t>wrappers</a:t>
+            </a:r>
+            <a:r>
+              <a:rPr lang="nl-NL" sz="2400" b="1" dirty="0">
+                <a:solidFill>
+                  <a:schemeClr val="bg1"/>
+                </a:solidFill>
+                <a:latin typeface="Consolas" panose="020B0609020204030204" pitchFamily="49" charset="0"/>
+                <a:cs typeface="Consolas" panose="020B0609020204030204" pitchFamily="49" charset="0"/>
+              </a:rPr>
+              <a:t>             </a:t>
+            </a:r>
+            <a:r>
+              <a:rPr lang="nl-NL" sz="2400" b="1" i="1" dirty="0" err="1">
+                <a:solidFill>
+                  <a:schemeClr val="bg1"/>
+                </a:solidFill>
+                <a:latin typeface="Consolas" panose="020B0609020204030204" pitchFamily="49" charset="0"/>
+                <a:cs typeface="Consolas" panose="020B0609020204030204" pitchFamily="49" charset="0"/>
+              </a:rPr>
+              <a:t>def</a:t>
+            </a:r>
+            <a:r>
+              <a:rPr lang="nl-NL" sz="2400" b="1" i="1" dirty="0">
+                <a:solidFill>
+                  <a:schemeClr val="bg1"/>
+                </a:solidFill>
+                <a:latin typeface="Consolas" panose="020B0609020204030204" pitchFamily="49" charset="0"/>
+                <a:cs typeface="Consolas" panose="020B0609020204030204" pitchFamily="49" charset="0"/>
+              </a:rPr>
+              <a:t> </a:t>
+            </a:r>
+            <a:r>
+              <a:rPr lang="nl-NL" sz="2400" b="1" i="1" dirty="0" err="1">
+                <a:solidFill>
+                  <a:schemeClr val="bg1"/>
+                </a:solidFill>
+                <a:latin typeface="Consolas" panose="020B0609020204030204" pitchFamily="49" charset="0"/>
+                <a:cs typeface="Consolas" panose="020B0609020204030204" pitchFamily="49" charset="0"/>
+              </a:rPr>
+              <a:t>func</a:t>
+            </a:r>
+            <a:r>
+              <a:rPr lang="nl-NL" sz="2400" b="1" i="1" dirty="0">
+                <a:solidFill>
+                  <a:schemeClr val="bg1"/>
+                </a:solidFill>
+                <a:latin typeface="Consolas" panose="020B0609020204030204" pitchFamily="49" charset="0"/>
+                <a:cs typeface="Consolas" panose="020B0609020204030204" pitchFamily="49" charset="0"/>
+              </a:rPr>
+              <a:t>(): </a:t>
+            </a:r>
+            <a:r>
+              <a:rPr lang="nl-NL" sz="2400" b="1" i="1" dirty="0" err="1">
+                <a:solidFill>
+                  <a:schemeClr val="bg1"/>
+                </a:solidFill>
+                <a:latin typeface="Consolas" panose="020B0609020204030204" pitchFamily="49" charset="0"/>
+                <a:cs typeface="Consolas" panose="020B0609020204030204" pitchFamily="49" charset="0"/>
+              </a:rPr>
+              <a:t>def</a:t>
+            </a:r>
+            <a:r>
+              <a:rPr lang="nl-NL" sz="2400" b="1" i="1" dirty="0">
+                <a:solidFill>
+                  <a:schemeClr val="bg1"/>
+                </a:solidFill>
+                <a:latin typeface="Consolas" panose="020B0609020204030204" pitchFamily="49" charset="0"/>
+                <a:cs typeface="Consolas" panose="020B0609020204030204" pitchFamily="49" charset="0"/>
+              </a:rPr>
+              <a:t> </a:t>
+            </a:r>
+            <a:r>
+              <a:rPr lang="nl-NL" sz="2400" b="1" i="1" dirty="0" err="1">
+                <a:solidFill>
+                  <a:schemeClr val="bg1"/>
+                </a:solidFill>
+                <a:latin typeface="Consolas" panose="020B0609020204030204" pitchFamily="49" charset="0"/>
+                <a:cs typeface="Consolas" panose="020B0609020204030204" pitchFamily="49" charset="0"/>
+              </a:rPr>
+              <a:t>wrapper</a:t>
+            </a:r>
+            <a:r>
+              <a:rPr lang="nl-NL" sz="2400" b="1" i="1" dirty="0">
+                <a:solidFill>
+                  <a:schemeClr val="bg1"/>
+                </a:solidFill>
+                <a:latin typeface="Consolas" panose="020B0609020204030204" pitchFamily="49" charset="0"/>
+                <a:cs typeface="Consolas" panose="020B0609020204030204" pitchFamily="49" charset="0"/>
+              </a:rPr>
+              <a:t>(*y):</a:t>
+            </a:r>
+          </a:p>
+          <a:p>
+            <a:pPr marL="457200" indent="-457200">
+              <a:buFont typeface="Arial" panose="020B0604020202020204" pitchFamily="34" charset="0"/>
+              <a:buChar char="•"/>
+            </a:pPr>
+            <a:r>
+              <a:rPr lang="nl-NL" sz="2400" b="1" dirty="0" err="1">
+                <a:solidFill>
+                  <a:schemeClr val="bg1"/>
+                </a:solidFill>
+                <a:latin typeface="Consolas" panose="020B0609020204030204" pitchFamily="49" charset="0"/>
+                <a:cs typeface="Consolas" panose="020B0609020204030204" pitchFamily="49" charset="0"/>
+              </a:rPr>
+              <a:t>Variable</a:t>
+            </a:r>
+            <a:r>
+              <a:rPr lang="nl-NL" sz="2400" b="1" dirty="0">
+                <a:solidFill>
+                  <a:schemeClr val="bg1"/>
+                </a:solidFill>
+                <a:latin typeface="Consolas" panose="020B0609020204030204" pitchFamily="49" charset="0"/>
+                <a:cs typeface="Consolas" panose="020B0609020204030204" pitchFamily="49" charset="0"/>
+              </a:rPr>
+              <a:t> </a:t>
+            </a:r>
+            <a:r>
+              <a:rPr lang="nl-NL" sz="2400" b="1" dirty="0" err="1">
+                <a:solidFill>
+                  <a:schemeClr val="bg1"/>
+                </a:solidFill>
+                <a:latin typeface="Consolas" panose="020B0609020204030204" pitchFamily="49" charset="0"/>
+                <a:cs typeface="Consolas" panose="020B0609020204030204" pitchFamily="49" charset="0"/>
+              </a:rPr>
+              <a:t>nr</a:t>
+            </a:r>
+            <a:r>
+              <a:rPr lang="nl-NL" sz="2400" b="1" dirty="0">
+                <a:solidFill>
+                  <a:schemeClr val="bg1"/>
+                </a:solidFill>
+                <a:latin typeface="Consolas" panose="020B0609020204030204" pitchFamily="49" charset="0"/>
+                <a:cs typeface="Consolas" panose="020B0609020204030204" pitchFamily="49" charset="0"/>
+              </a:rPr>
+              <a:t> of </a:t>
+            </a:r>
+            <a:r>
+              <a:rPr lang="nl-NL" sz="2400" b="1" dirty="0" err="1">
+                <a:solidFill>
+                  <a:schemeClr val="bg1"/>
+                </a:solidFill>
+                <a:latin typeface="Consolas" panose="020B0609020204030204" pitchFamily="49" charset="0"/>
+                <a:cs typeface="Consolas" panose="020B0609020204030204" pitchFamily="49" charset="0"/>
+              </a:rPr>
+              <a:t>arguments</a:t>
+            </a:r>
+            <a:r>
+              <a:rPr lang="nl-NL" sz="2400" b="1" dirty="0">
+                <a:solidFill>
+                  <a:schemeClr val="bg1"/>
+                </a:solidFill>
+                <a:latin typeface="Consolas" panose="020B0609020204030204" pitchFamily="49" charset="0"/>
+                <a:cs typeface="Consolas" panose="020B0609020204030204" pitchFamily="49" charset="0"/>
+              </a:rPr>
+              <a:t>      </a:t>
+            </a:r>
+            <a:r>
+              <a:rPr lang="nl-NL" sz="2400" b="1" i="1" dirty="0">
+                <a:solidFill>
+                  <a:schemeClr val="bg1"/>
+                </a:solidFill>
+                <a:latin typeface="Consolas" panose="020B0609020204030204" pitchFamily="49" charset="0"/>
+                <a:cs typeface="Consolas" panose="020B0609020204030204" pitchFamily="49" charset="0"/>
+              </a:rPr>
+              <a:t>*</a:t>
+            </a:r>
+            <a:r>
+              <a:rPr lang="nl-NL" sz="2400" b="1" i="1" dirty="0" err="1">
+                <a:solidFill>
+                  <a:schemeClr val="bg1"/>
+                </a:solidFill>
+                <a:latin typeface="Consolas" panose="020B0609020204030204" pitchFamily="49" charset="0"/>
+                <a:cs typeface="Consolas" panose="020B0609020204030204" pitchFamily="49" charset="0"/>
+              </a:rPr>
+              <a:t>args</a:t>
+            </a:r>
+            <a:r>
+              <a:rPr lang="nl-NL" sz="2400" b="1" i="1" dirty="0">
+                <a:solidFill>
+                  <a:schemeClr val="bg1"/>
+                </a:solidFill>
+                <a:latin typeface="Consolas" panose="020B0609020204030204" pitchFamily="49" charset="0"/>
+                <a:cs typeface="Consolas" panose="020B0609020204030204" pitchFamily="49" charset="0"/>
+              </a:rPr>
+              <a:t> **</a:t>
+            </a:r>
+            <a:r>
+              <a:rPr lang="nl-NL" sz="2400" b="1" i="1" dirty="0" err="1">
+                <a:solidFill>
+                  <a:schemeClr val="bg1"/>
+                </a:solidFill>
+                <a:latin typeface="Consolas" panose="020B0609020204030204" pitchFamily="49" charset="0"/>
+                <a:cs typeface="Consolas" panose="020B0609020204030204" pitchFamily="49" charset="0"/>
+              </a:rPr>
+              <a:t>kwargs</a:t>
+            </a:r>
+            <a:endParaRPr lang="nl-NL" sz="2400" b="1" i="1" dirty="0">
+              <a:solidFill>
+                <a:schemeClr val="bg1"/>
+              </a:solidFill>
+              <a:latin typeface="Consolas" panose="020B0609020204030204" pitchFamily="49" charset="0"/>
+              <a:cs typeface="Consolas" panose="020B0609020204030204" pitchFamily="49" charset="0"/>
+            </a:endParaRPr>
+          </a:p>
+          <a:p>
+            <a:pPr marL="457200" indent="-457200">
+              <a:buFont typeface="Arial" panose="020B0604020202020204" pitchFamily="34" charset="0"/>
+              <a:buChar char="•"/>
+            </a:pPr>
+            <a:r>
+              <a:rPr lang="nl-NL" sz="2400" b="1" dirty="0" err="1">
+                <a:solidFill>
+                  <a:schemeClr val="bg1"/>
+                </a:solidFill>
+                <a:latin typeface="Consolas" panose="020B0609020204030204" pitchFamily="49" charset="0"/>
+                <a:cs typeface="Consolas" panose="020B0609020204030204" pitchFamily="49" charset="0"/>
+              </a:rPr>
+              <a:t>Round</a:t>
+            </a:r>
+            <a:r>
+              <a:rPr lang="nl-NL" sz="2400" b="1" dirty="0">
+                <a:solidFill>
+                  <a:schemeClr val="bg1"/>
+                </a:solidFill>
+                <a:latin typeface="Consolas" panose="020B0609020204030204" pitchFamily="49" charset="0"/>
+                <a:cs typeface="Consolas" panose="020B0609020204030204" pitchFamily="49" charset="0"/>
+              </a:rPr>
+              <a:t> </a:t>
+            </a:r>
+            <a:r>
+              <a:rPr lang="nl-NL" sz="2400" b="1" dirty="0" err="1">
+                <a:solidFill>
+                  <a:schemeClr val="bg1"/>
+                </a:solidFill>
+                <a:latin typeface="Consolas" panose="020B0609020204030204" pitchFamily="49" charset="0"/>
+                <a:cs typeface="Consolas" panose="020B0609020204030204" pitchFamily="49" charset="0"/>
+              </a:rPr>
+              <a:t>using</a:t>
+            </a:r>
+            <a:r>
+              <a:rPr lang="nl-NL" sz="2400" b="1" dirty="0">
+                <a:solidFill>
+                  <a:schemeClr val="bg1"/>
+                </a:solidFill>
+                <a:latin typeface="Consolas" panose="020B0609020204030204" pitchFamily="49" charset="0"/>
+                <a:cs typeface="Consolas" panose="020B0609020204030204" pitchFamily="49" charset="0"/>
+              </a:rPr>
+              <a:t> f-strings         </a:t>
+            </a:r>
+            <a:r>
+              <a:rPr lang="nl-NL" sz="2400" b="1" i="1" dirty="0">
+                <a:solidFill>
+                  <a:schemeClr val="bg1"/>
+                </a:solidFill>
+                <a:latin typeface="Consolas" panose="020B0609020204030204" pitchFamily="49" charset="0"/>
+                <a:cs typeface="Consolas" panose="020B0609020204030204" pitchFamily="49" charset="0"/>
+              </a:rPr>
+              <a:t>:.2f</a:t>
+            </a:r>
+          </a:p>
+          <a:p>
+            <a:pPr marL="457200" indent="-457200">
+              <a:buFont typeface="Arial" panose="020B0604020202020204" pitchFamily="34" charset="0"/>
+              <a:buChar char="•"/>
+            </a:pPr>
+            <a:r>
+              <a:rPr lang="nl-NL" sz="2400" b="1" dirty="0" err="1">
+                <a:solidFill>
+                  <a:schemeClr val="bg1"/>
+                </a:solidFill>
+                <a:latin typeface="Consolas" panose="020B0609020204030204" pitchFamily="49" charset="0"/>
+                <a:cs typeface="Consolas" panose="020B0609020204030204" pitchFamily="49" charset="0"/>
+              </a:rPr>
+              <a:t>Decorators</a:t>
+            </a:r>
+            <a:r>
+              <a:rPr lang="nl-NL" sz="2400" b="1" dirty="0">
+                <a:solidFill>
+                  <a:schemeClr val="bg1"/>
+                </a:solidFill>
+                <a:latin typeface="Consolas" panose="020B0609020204030204" pitchFamily="49" charset="0"/>
+                <a:cs typeface="Consolas" panose="020B0609020204030204" pitchFamily="49" charset="0"/>
+              </a:rPr>
+              <a:t>                    </a:t>
+            </a:r>
+            <a:r>
+              <a:rPr lang="nl-NL" sz="2400" b="1" i="1" dirty="0">
+                <a:solidFill>
+                  <a:schemeClr val="bg1"/>
+                </a:solidFill>
+                <a:latin typeface="Consolas" panose="020B0609020204030204" pitchFamily="49" charset="0"/>
+                <a:cs typeface="Consolas" panose="020B0609020204030204" pitchFamily="49" charset="0"/>
+              </a:rPr>
+              <a:t>@</a:t>
+            </a:r>
+            <a:r>
+              <a:rPr lang="nl-NL" sz="2400" b="1" i="1" dirty="0" err="1">
+                <a:solidFill>
+                  <a:schemeClr val="bg1"/>
+                </a:solidFill>
+                <a:latin typeface="Consolas" panose="020B0609020204030204" pitchFamily="49" charset="0"/>
+                <a:cs typeface="Consolas" panose="020B0609020204030204" pitchFamily="49" charset="0"/>
+              </a:rPr>
+              <a:t>func</a:t>
+            </a:r>
+            <a:endParaRPr lang="nl-NL" sz="2400" b="1" i="1" dirty="0">
+              <a:solidFill>
+                <a:schemeClr val="bg1"/>
+              </a:solidFill>
+              <a:latin typeface="Consolas" panose="020B0609020204030204" pitchFamily="49" charset="0"/>
+              <a:cs typeface="Consolas" panose="020B0609020204030204" pitchFamily="49" charset="0"/>
+            </a:endParaRPr>
+          </a:p>
+          <a:p>
+            <a:pPr marL="457200" indent="-457200">
+              <a:buFont typeface="Arial" panose="020B0604020202020204" pitchFamily="34" charset="0"/>
+              <a:buChar char="•"/>
+            </a:pPr>
+            <a:r>
+              <a:rPr lang="nl-NL" sz="2400" b="1" dirty="0">
+                <a:solidFill>
+                  <a:schemeClr val="bg1"/>
+                </a:solidFill>
+                <a:latin typeface="Consolas" panose="020B0609020204030204" pitchFamily="49" charset="0"/>
+                <a:cs typeface="Consolas" panose="020B0609020204030204" pitchFamily="49" charset="0"/>
+              </a:rPr>
+              <a:t>Import </a:t>
+            </a:r>
+            <a:r>
+              <a:rPr lang="nl-NL" sz="2400" b="1" dirty="0" err="1">
+                <a:solidFill>
+                  <a:schemeClr val="bg1"/>
+                </a:solidFill>
+                <a:latin typeface="Consolas" panose="020B0609020204030204" pitchFamily="49" charset="0"/>
+                <a:cs typeface="Consolas" panose="020B0609020204030204" pitchFamily="49" charset="0"/>
+              </a:rPr>
+              <a:t>function</a:t>
+            </a:r>
+            <a:r>
+              <a:rPr lang="nl-NL" sz="2400" b="1" dirty="0">
+                <a:solidFill>
+                  <a:schemeClr val="bg1"/>
+                </a:solidFill>
+                <a:latin typeface="Consolas" panose="020B0609020204030204" pitchFamily="49" charset="0"/>
+                <a:cs typeface="Consolas" panose="020B0609020204030204" pitchFamily="49" charset="0"/>
+              </a:rPr>
+              <a:t>			import timer</a:t>
+            </a:r>
+          </a:p>
+          <a:p>
+            <a:pPr marL="457200" indent="-457200">
+              <a:buFont typeface="Arial" panose="020B0604020202020204" pitchFamily="34" charset="0"/>
+              <a:buChar char="•"/>
+            </a:pPr>
+            <a:r>
+              <a:rPr lang="nl-NL" sz="2400" b="1" dirty="0" err="1">
+                <a:solidFill>
+                  <a:schemeClr val="bg1"/>
+                </a:solidFill>
+                <a:latin typeface="Consolas" panose="020B0609020204030204" pitchFamily="49" charset="0"/>
+                <a:cs typeface="Consolas" panose="020B0609020204030204" pitchFamily="49" charset="0"/>
+              </a:rPr>
+              <a:t>Why</a:t>
+            </a:r>
+            <a:r>
+              <a:rPr lang="nl-NL" sz="2400" b="1" dirty="0">
+                <a:solidFill>
+                  <a:schemeClr val="bg1"/>
+                </a:solidFill>
+                <a:latin typeface="Consolas" panose="020B0609020204030204" pitchFamily="49" charset="0"/>
+                <a:cs typeface="Consolas" panose="020B0609020204030204" pitchFamily="49" charset="0"/>
+              </a:rPr>
+              <a:t> </a:t>
+            </a:r>
+            <a:r>
+              <a:rPr lang="nl-NL" sz="2400" b="1" dirty="0" err="1">
+                <a:solidFill>
+                  <a:schemeClr val="bg1"/>
+                </a:solidFill>
+                <a:latin typeface="Consolas" panose="020B0609020204030204" pitchFamily="49" charset="0"/>
+                <a:cs typeface="Consolas" panose="020B0609020204030204" pitchFamily="49" charset="0"/>
+              </a:rPr>
+              <a:t>use</a:t>
+            </a:r>
+            <a:r>
+              <a:rPr lang="nl-NL" sz="2400" b="1" dirty="0">
+                <a:solidFill>
+                  <a:schemeClr val="bg1"/>
+                </a:solidFill>
+                <a:latin typeface="Consolas" panose="020B0609020204030204" pitchFamily="49" charset="0"/>
+                <a:cs typeface="Consolas" panose="020B0609020204030204" pitchFamily="49" charset="0"/>
+              </a:rPr>
+              <a:t> </a:t>
+            </a:r>
+            <a:r>
+              <a:rPr lang="nl-NL" sz="2400" b="1" i="1" dirty="0">
+                <a:solidFill>
+                  <a:schemeClr val="bg1"/>
+                </a:solidFill>
+                <a:latin typeface="Consolas" panose="020B0609020204030204" pitchFamily="49" charset="0"/>
+                <a:cs typeface="Consolas" panose="020B0609020204030204" pitchFamily="49" charset="0"/>
+              </a:rPr>
+              <a:t>__</a:t>
+            </a:r>
+            <a:r>
+              <a:rPr lang="nl-NL" sz="2400" b="1" i="1" dirty="0" err="1">
+                <a:solidFill>
+                  <a:schemeClr val="bg1"/>
+                </a:solidFill>
+                <a:latin typeface="Consolas" panose="020B0609020204030204" pitchFamily="49" charset="0"/>
+                <a:cs typeface="Consolas" panose="020B0609020204030204" pitchFamily="49" charset="0"/>
+              </a:rPr>
+              <a:t>main</a:t>
+            </a:r>
+            <a:r>
+              <a:rPr lang="nl-NL" sz="2400" b="1" i="1" dirty="0">
+                <a:solidFill>
+                  <a:schemeClr val="bg1"/>
+                </a:solidFill>
+                <a:latin typeface="Consolas" panose="020B0609020204030204" pitchFamily="49" charset="0"/>
+                <a:cs typeface="Consolas" panose="020B0609020204030204" pitchFamily="49" charset="0"/>
+              </a:rPr>
+              <a:t>__</a:t>
+            </a:r>
+            <a:endParaRPr lang="en" sz="2400" b="1" i="1" dirty="0">
+              <a:solidFill>
+                <a:schemeClr val="bg1"/>
+              </a:solidFill>
+            </a:endParaRPr>
+          </a:p>
+        </p:txBody>
+      </p:sp>
+      <p:pic>
+        <p:nvPicPr>
+          <p:cNvPr id="15" name="Afbeelding 14">
+            <a:extLst>
+              <a:ext uri="{FF2B5EF4-FFF2-40B4-BE49-F238E27FC236}">
+                <a16:creationId xmlns:a16="http://schemas.microsoft.com/office/drawing/2014/main" id="{A19ED3C7-454A-47FB-AD57-3FA71759BB4A}"/>
+              </a:ext>
+            </a:extLst>
+          </p:cNvPr>
+          <p:cNvPicPr>
+            <a:picLocks noChangeAspect="1"/>
+          </p:cNvPicPr>
+          <p:nvPr/>
+        </p:nvPicPr>
+        <p:blipFill>
+          <a:blip r:embed="rId2"/>
+          <a:stretch>
+            <a:fillRect/>
+          </a:stretch>
+        </p:blipFill>
+        <p:spPr>
+          <a:xfrm>
+            <a:off x="10692696" y="5400964"/>
+            <a:ext cx="1598706" cy="1598706"/>
+          </a:xfrm>
+          <a:prstGeom prst="rect">
+            <a:avLst/>
+          </a:prstGeom>
+        </p:spPr>
+      </p:pic>
+    </p:spTree>
+    <p:extLst>
+      <p:ext uri="{BB962C8B-B14F-4D97-AF65-F5344CB8AC3E}">
+        <p14:creationId xmlns:p14="http://schemas.microsoft.com/office/powerpoint/2010/main" val="638645019"/>
+      </p:ext>
+    </p:extLst>
+  </p:cSld>
+  <p:clrMapOvr>
+    <a:masterClrMapping/>
+  </p:clrMapOvr>
+</p:sld>
+</file>
+
+<file path=ppt/slides/slide12.xml><?xml version="1.0" encoding="utf-8"?>
+<p:sld xmlns:a="http://schemas.openxmlformats.org/drawingml/2006/main" xmlns:r="http://schemas.openxmlformats.org/officeDocument/2006/relationships" xmlns:p="http://schemas.openxmlformats.org/presentationml/2006/main">
+  <p:cSld>
+    <p:bg>
+      <p:bgPr>
+        <a:solidFill>
+          <a:schemeClr val="tx1">
+            <a:alpha val="69000"/>
+          </a:schemeClr>
+        </a:solidFill>
+        <a:effectLst/>
+      </p:bgPr>
+    </p:bg>
+    <p:spTree>
+      <p:nvGrpSpPr>
+        <p:cNvPr id="1" name=""/>
+        <p:cNvGrpSpPr/>
+        <p:nvPr/>
+      </p:nvGrpSpPr>
+      <p:grpSpPr>
+        <a:xfrm>
+          <a:off x="0" y="0"/>
+          <a:ext cx="0" cy="0"/>
+          <a:chOff x="0" y="0"/>
+          <a:chExt cx="0" cy="0"/>
+        </a:xfrm>
+      </p:grpSpPr>
+      <p:sp>
+        <p:nvSpPr>
+          <p:cNvPr id="2" name="Titel 1">
+            <a:extLst>
+              <a:ext uri="{FF2B5EF4-FFF2-40B4-BE49-F238E27FC236}">
+                <a16:creationId xmlns:a16="http://schemas.microsoft.com/office/drawing/2014/main" id="{28BD0C3D-07D2-8549-AE25-94E0F0A959EE}"/>
+              </a:ext>
+            </a:extLst>
+          </p:cNvPr>
+          <p:cNvSpPr>
+            <a:spLocks noGrp="1"/>
+          </p:cNvSpPr>
+          <p:nvPr>
+            <p:ph type="title"/>
+          </p:nvPr>
+        </p:nvSpPr>
+        <p:spPr>
+          <a:xfrm>
+            <a:off x="820952" y="789196"/>
+            <a:ext cx="11021172" cy="867326"/>
+          </a:xfrm>
+          <a:prstGeom prst="rect">
+            <a:avLst/>
+          </a:prstGeom>
+        </p:spPr>
+        <p:txBody>
+          <a:bodyPr/>
+          <a:lstStyle/>
+          <a:p>
+            <a:r>
+              <a:rPr lang="nl-NL" dirty="0" err="1">
+                <a:solidFill>
+                  <a:schemeClr val="bg1"/>
+                </a:solidFill>
+              </a:rPr>
+              <a:t>Assignment</a:t>
+            </a:r>
+            <a:r>
+              <a:rPr lang="nl-NL" dirty="0">
+                <a:solidFill>
+                  <a:schemeClr val="bg1"/>
+                </a:solidFill>
+              </a:rPr>
+              <a:t> 5 – Walrus operator</a:t>
+            </a:r>
+          </a:p>
+        </p:txBody>
+      </p:sp>
+      <p:sp>
+        <p:nvSpPr>
+          <p:cNvPr id="14" name="TextBox 2">
+            <a:extLst>
+              <a:ext uri="{FF2B5EF4-FFF2-40B4-BE49-F238E27FC236}">
+                <a16:creationId xmlns:a16="http://schemas.microsoft.com/office/drawing/2014/main" id="{BFDD88AB-78F0-4A81-894B-1246B810565E}"/>
+              </a:ext>
+            </a:extLst>
+          </p:cNvPr>
+          <p:cNvSpPr txBox="1"/>
+          <p:nvPr/>
+        </p:nvSpPr>
+        <p:spPr>
+          <a:xfrm>
+            <a:off x="811013" y="1769201"/>
+            <a:ext cx="8878110" cy="2308324"/>
+          </a:xfrm>
+          <a:prstGeom prst="rect">
+            <a:avLst/>
+          </a:prstGeom>
+          <a:noFill/>
+        </p:spPr>
+        <p:txBody>
+          <a:bodyPr wrap="square" rtlCol="0">
+            <a:spAutoFit/>
+          </a:bodyPr>
+          <a:lstStyle/>
+          <a:p>
+            <a:pPr marL="342900" indent="-342900">
+              <a:buFont typeface="Arial" panose="020B0604020202020204" pitchFamily="34" charset="0"/>
+              <a:buChar char="•"/>
+            </a:pPr>
+            <a:r>
+              <a:rPr lang="nl-NL" sz="2400" b="1" dirty="0">
+                <a:solidFill>
+                  <a:schemeClr val="bg1"/>
+                </a:solidFill>
+                <a:latin typeface="Consolas" panose="020B0609020204030204" pitchFamily="49" charset="0"/>
+                <a:cs typeface="Consolas" panose="020B0609020204030204" pitchFamily="49" charset="0"/>
+              </a:rPr>
+              <a:t>The walrus operator </a:t>
+            </a:r>
+            <a:r>
+              <a:rPr lang="nl-NL" sz="2400" b="1" dirty="0" err="1">
+                <a:solidFill>
+                  <a:schemeClr val="bg1"/>
+                </a:solidFill>
+                <a:latin typeface="Consolas" panose="020B0609020204030204" pitchFamily="49" charset="0"/>
+                <a:cs typeface="Consolas" panose="020B0609020204030204" pitchFamily="49" charset="0"/>
+              </a:rPr>
+              <a:t>allows</a:t>
+            </a:r>
+            <a:r>
+              <a:rPr lang="nl-NL" sz="2400" b="1" dirty="0">
+                <a:solidFill>
+                  <a:schemeClr val="bg1"/>
+                </a:solidFill>
+                <a:latin typeface="Consolas" panose="020B0609020204030204" pitchFamily="49" charset="0"/>
+                <a:cs typeface="Consolas" panose="020B0609020204030204" pitchFamily="49" charset="0"/>
+              </a:rPr>
+              <a:t> </a:t>
+            </a:r>
+            <a:r>
+              <a:rPr lang="nl-NL" sz="2400" b="1" dirty="0" err="1">
+                <a:solidFill>
+                  <a:schemeClr val="bg1"/>
+                </a:solidFill>
+                <a:latin typeface="Consolas" panose="020B0609020204030204" pitchFamily="49" charset="0"/>
+                <a:cs typeface="Consolas" panose="020B0609020204030204" pitchFamily="49" charset="0"/>
+              </a:rPr>
+              <a:t>you</a:t>
+            </a:r>
+            <a:r>
+              <a:rPr lang="nl-NL" sz="2400" b="1" dirty="0">
+                <a:solidFill>
+                  <a:schemeClr val="bg1"/>
+                </a:solidFill>
+                <a:latin typeface="Consolas" panose="020B0609020204030204" pitchFamily="49" charset="0"/>
+                <a:cs typeface="Consolas" panose="020B0609020204030204" pitchFamily="49" charset="0"/>
+              </a:rPr>
+              <a:t> </a:t>
+            </a:r>
+            <a:r>
+              <a:rPr lang="nl-NL" sz="2400" b="1" dirty="0" err="1">
+                <a:solidFill>
+                  <a:schemeClr val="bg1"/>
+                </a:solidFill>
+                <a:latin typeface="Consolas" panose="020B0609020204030204" pitchFamily="49" charset="0"/>
+                <a:cs typeface="Consolas" panose="020B0609020204030204" pitchFamily="49" charset="0"/>
+              </a:rPr>
+              <a:t>to</a:t>
+            </a:r>
+            <a:r>
+              <a:rPr lang="nl-NL" sz="2400" b="1" dirty="0">
+                <a:solidFill>
+                  <a:schemeClr val="bg1"/>
+                </a:solidFill>
+                <a:latin typeface="Consolas" panose="020B0609020204030204" pitchFamily="49" charset="0"/>
+                <a:cs typeface="Consolas" panose="020B0609020204030204" pitchFamily="49" charset="0"/>
+              </a:rPr>
+              <a:t> </a:t>
+            </a:r>
+            <a:r>
+              <a:rPr lang="nl-NL" sz="2400" b="1" dirty="0" err="1">
+                <a:solidFill>
+                  <a:schemeClr val="bg1"/>
+                </a:solidFill>
+                <a:latin typeface="Consolas" panose="020B0609020204030204" pitchFamily="49" charset="0"/>
+                <a:cs typeface="Consolas" panose="020B0609020204030204" pitchFamily="49" charset="0"/>
+              </a:rPr>
+              <a:t>both</a:t>
+            </a:r>
+            <a:r>
+              <a:rPr lang="nl-NL" sz="2400" b="1" dirty="0">
+                <a:solidFill>
+                  <a:schemeClr val="bg1"/>
+                </a:solidFill>
+                <a:latin typeface="Consolas" panose="020B0609020204030204" pitchFamily="49" charset="0"/>
+                <a:cs typeface="Consolas" panose="020B0609020204030204" pitchFamily="49" charset="0"/>
+              </a:rPr>
+              <a:t> </a:t>
+            </a:r>
+            <a:r>
+              <a:rPr lang="nl-NL" sz="2400" b="1" dirty="0" err="1">
+                <a:solidFill>
+                  <a:schemeClr val="bg1"/>
+                </a:solidFill>
+                <a:latin typeface="Consolas" panose="020B0609020204030204" pitchFamily="49" charset="0"/>
+                <a:cs typeface="Consolas" panose="020B0609020204030204" pitchFamily="49" charset="0"/>
+              </a:rPr>
+              <a:t>assign</a:t>
+            </a:r>
+            <a:r>
+              <a:rPr lang="nl-NL" sz="2400" b="1" dirty="0">
+                <a:solidFill>
+                  <a:schemeClr val="bg1"/>
+                </a:solidFill>
+                <a:latin typeface="Consolas" panose="020B0609020204030204" pitchFamily="49" charset="0"/>
+                <a:cs typeface="Consolas" panose="020B0609020204030204" pitchFamily="49" charset="0"/>
+              </a:rPr>
+              <a:t> </a:t>
+            </a:r>
+            <a:r>
+              <a:rPr lang="nl-NL" sz="2400" b="1" dirty="0" err="1">
+                <a:solidFill>
+                  <a:schemeClr val="bg1"/>
+                </a:solidFill>
+                <a:latin typeface="Consolas" panose="020B0609020204030204" pitchFamily="49" charset="0"/>
+                <a:cs typeface="Consolas" panose="020B0609020204030204" pitchFamily="49" charset="0"/>
+              </a:rPr>
+              <a:t>and</a:t>
+            </a:r>
+            <a:r>
+              <a:rPr lang="nl-NL" sz="2400" b="1" dirty="0">
+                <a:solidFill>
+                  <a:schemeClr val="bg1"/>
+                </a:solidFill>
+                <a:latin typeface="Consolas" panose="020B0609020204030204" pitchFamily="49" charset="0"/>
+                <a:cs typeface="Consolas" panose="020B0609020204030204" pitchFamily="49" charset="0"/>
+              </a:rPr>
+              <a:t> return a </a:t>
+            </a:r>
+            <a:r>
+              <a:rPr lang="nl-NL" sz="2400" b="1" dirty="0" err="1">
+                <a:solidFill>
+                  <a:schemeClr val="bg1"/>
+                </a:solidFill>
+                <a:latin typeface="Consolas" panose="020B0609020204030204" pitchFamily="49" charset="0"/>
+                <a:cs typeface="Consolas" panose="020B0609020204030204" pitchFamily="49" charset="0"/>
+              </a:rPr>
+              <a:t>variable</a:t>
+            </a:r>
+            <a:r>
+              <a:rPr lang="nl-NL" sz="2400" b="1" dirty="0">
+                <a:solidFill>
+                  <a:schemeClr val="bg1"/>
+                </a:solidFill>
+                <a:latin typeface="Consolas" panose="020B0609020204030204" pitchFamily="49" charset="0"/>
+                <a:cs typeface="Consolas" panose="020B0609020204030204" pitchFamily="49" charset="0"/>
+              </a:rPr>
+              <a:t> in </a:t>
+            </a:r>
+            <a:r>
+              <a:rPr lang="nl-NL" sz="2400" b="1" dirty="0" err="1">
+                <a:solidFill>
+                  <a:schemeClr val="bg1"/>
+                </a:solidFill>
+                <a:latin typeface="Consolas" panose="020B0609020204030204" pitchFamily="49" charset="0"/>
+                <a:cs typeface="Consolas" panose="020B0609020204030204" pitchFamily="49" charset="0"/>
+              </a:rPr>
+              <a:t>the</a:t>
+            </a:r>
+            <a:r>
+              <a:rPr lang="nl-NL" sz="2400" b="1" dirty="0">
+                <a:solidFill>
+                  <a:schemeClr val="bg1"/>
+                </a:solidFill>
+                <a:latin typeface="Consolas" panose="020B0609020204030204" pitchFamily="49" charset="0"/>
+                <a:cs typeface="Consolas" panose="020B0609020204030204" pitchFamily="49" charset="0"/>
+              </a:rPr>
+              <a:t> </a:t>
+            </a:r>
+            <a:r>
+              <a:rPr lang="nl-NL" sz="2400" b="1" dirty="0" err="1">
+                <a:solidFill>
+                  <a:schemeClr val="bg1"/>
+                </a:solidFill>
+                <a:latin typeface="Consolas" panose="020B0609020204030204" pitchFamily="49" charset="0"/>
+                <a:cs typeface="Consolas" panose="020B0609020204030204" pitchFamily="49" charset="0"/>
+              </a:rPr>
+              <a:t>same</a:t>
+            </a:r>
+            <a:r>
+              <a:rPr lang="nl-NL" sz="2400" b="1" dirty="0">
+                <a:solidFill>
+                  <a:schemeClr val="bg1"/>
+                </a:solidFill>
+                <a:latin typeface="Consolas" panose="020B0609020204030204" pitchFamily="49" charset="0"/>
+                <a:cs typeface="Consolas" panose="020B0609020204030204" pitchFamily="49" charset="0"/>
+              </a:rPr>
+              <a:t> </a:t>
+            </a:r>
+            <a:r>
+              <a:rPr lang="nl-NL" sz="2400" b="1" dirty="0" err="1">
+                <a:solidFill>
+                  <a:schemeClr val="bg1"/>
+                </a:solidFill>
+                <a:latin typeface="Consolas" panose="020B0609020204030204" pitchFamily="49" charset="0"/>
+                <a:cs typeface="Consolas" panose="020B0609020204030204" pitchFamily="49" charset="0"/>
+              </a:rPr>
+              <a:t>expression</a:t>
+            </a:r>
+            <a:r>
+              <a:rPr lang="nl-NL" sz="2400" b="1" dirty="0">
+                <a:solidFill>
+                  <a:schemeClr val="bg1"/>
+                </a:solidFill>
+                <a:latin typeface="Consolas" panose="020B0609020204030204" pitchFamily="49" charset="0"/>
+                <a:cs typeface="Consolas" panose="020B0609020204030204" pitchFamily="49" charset="0"/>
+              </a:rPr>
+              <a:t> (</a:t>
+            </a:r>
+            <a:r>
+              <a:rPr lang="nl-NL" sz="2400" b="1" i="1" dirty="0">
+                <a:solidFill>
+                  <a:schemeClr val="bg1"/>
+                </a:solidFill>
+                <a:latin typeface="Consolas" panose="020B0609020204030204" pitchFamily="49" charset="0"/>
+                <a:cs typeface="Consolas" panose="020B0609020204030204" pitchFamily="49" charset="0"/>
+              </a:rPr>
+              <a:t>:=</a:t>
+            </a:r>
+            <a:r>
+              <a:rPr lang="nl-NL" sz="2400" b="1" dirty="0">
+                <a:solidFill>
+                  <a:schemeClr val="bg1"/>
+                </a:solidFill>
+                <a:latin typeface="Consolas" panose="020B0609020204030204" pitchFamily="49" charset="0"/>
+                <a:cs typeface="Consolas" panose="020B0609020204030204" pitchFamily="49" charset="0"/>
+              </a:rPr>
+              <a:t>)</a:t>
+            </a:r>
+            <a:endParaRPr lang="nl-NL" sz="2400" b="1" i="1" dirty="0">
+              <a:solidFill>
+                <a:schemeClr val="bg1"/>
+              </a:solidFill>
+              <a:latin typeface="Consolas" panose="020B0609020204030204" pitchFamily="49" charset="0"/>
+              <a:cs typeface="Consolas" panose="020B0609020204030204" pitchFamily="49" charset="0"/>
+            </a:endParaRPr>
+          </a:p>
+          <a:p>
+            <a:pPr marL="342900" indent="-342900">
+              <a:buFont typeface="Arial" panose="020B0604020202020204" pitchFamily="34" charset="0"/>
+              <a:buChar char="•"/>
+            </a:pPr>
+            <a:r>
+              <a:rPr lang="nl-NL" sz="2400" b="1" i="1" dirty="0">
+                <a:solidFill>
+                  <a:schemeClr val="bg1"/>
+                </a:solidFill>
+                <a:latin typeface="Consolas" panose="020B0609020204030204" pitchFamily="49" charset="0"/>
+                <a:cs typeface="Consolas" panose="020B0609020204030204" pitchFamily="49" charset="0"/>
+              </a:rPr>
+              <a:t>print(</a:t>
+            </a:r>
+            <a:r>
+              <a:rPr lang="nl-NL" sz="2400" b="1" i="1" dirty="0" err="1">
+                <a:solidFill>
+                  <a:schemeClr val="bg1"/>
+                </a:solidFill>
+                <a:latin typeface="Consolas" panose="020B0609020204030204" pitchFamily="49" charset="0"/>
+                <a:cs typeface="Consolas" panose="020B0609020204030204" pitchFamily="49" charset="0"/>
+              </a:rPr>
+              <a:t>ipa_price</a:t>
+            </a:r>
+            <a:r>
+              <a:rPr lang="nl-NL" sz="2400" b="1" i="1" dirty="0">
+                <a:solidFill>
+                  <a:schemeClr val="bg1"/>
+                </a:solidFill>
+                <a:latin typeface="Consolas" panose="020B0609020204030204" pitchFamily="49" charset="0"/>
+                <a:cs typeface="Consolas" panose="020B0609020204030204" pitchFamily="49" charset="0"/>
+              </a:rPr>
+              <a:t> := 5,50)</a:t>
+            </a:r>
+          </a:p>
+          <a:p>
+            <a:pPr marL="342900" indent="-342900">
+              <a:buFont typeface="Arial" panose="020B0604020202020204" pitchFamily="34" charset="0"/>
+              <a:buChar char="•"/>
+            </a:pPr>
+            <a:r>
+              <a:rPr lang="nl-NL" sz="2400" b="1" dirty="0" err="1">
+                <a:solidFill>
+                  <a:schemeClr val="bg1"/>
+                </a:solidFill>
+                <a:latin typeface="Consolas" panose="020B0609020204030204" pitchFamily="49" charset="0"/>
+                <a:cs typeface="Consolas" panose="020B0609020204030204" pitchFamily="49" charset="0"/>
+              </a:rPr>
+              <a:t>Refactor</a:t>
+            </a:r>
+            <a:r>
+              <a:rPr lang="nl-NL" sz="2400" b="1" dirty="0">
+                <a:solidFill>
+                  <a:schemeClr val="bg1"/>
+                </a:solidFill>
+                <a:latin typeface="Consolas" panose="020B0609020204030204" pitchFamily="49" charset="0"/>
+                <a:cs typeface="Consolas" panose="020B0609020204030204" pitchFamily="49" charset="0"/>
+              </a:rPr>
+              <a:t> </a:t>
+            </a:r>
+            <a:r>
+              <a:rPr lang="nl-NL" sz="2400" b="1" dirty="0" err="1">
+                <a:solidFill>
+                  <a:schemeClr val="bg1"/>
+                </a:solidFill>
+                <a:latin typeface="Consolas" panose="020B0609020204030204" pitchFamily="49" charset="0"/>
+                <a:cs typeface="Consolas" panose="020B0609020204030204" pitchFamily="49" charset="0"/>
+              </a:rPr>
+              <a:t>assignment</a:t>
+            </a:r>
+            <a:r>
+              <a:rPr lang="nl-NL" sz="2400" b="1" dirty="0">
+                <a:solidFill>
+                  <a:schemeClr val="bg1"/>
+                </a:solidFill>
+                <a:latin typeface="Consolas" panose="020B0609020204030204" pitchFamily="49" charset="0"/>
+                <a:cs typeface="Consolas" panose="020B0609020204030204" pitchFamily="49" charset="0"/>
+              </a:rPr>
+              <a:t> 5 </a:t>
+            </a:r>
+            <a:r>
+              <a:rPr lang="nl-NL" sz="2400" b="1" dirty="0" err="1">
+                <a:solidFill>
+                  <a:schemeClr val="bg1"/>
+                </a:solidFill>
+                <a:latin typeface="Consolas" panose="020B0609020204030204" pitchFamily="49" charset="0"/>
+                <a:cs typeface="Consolas" panose="020B0609020204030204" pitchFamily="49" charset="0"/>
+              </a:rPr>
+              <a:t>with</a:t>
+            </a:r>
+            <a:r>
+              <a:rPr lang="nl-NL" sz="2400" b="1" dirty="0">
+                <a:solidFill>
+                  <a:schemeClr val="bg1"/>
+                </a:solidFill>
+                <a:latin typeface="Consolas" panose="020B0609020204030204" pitchFamily="49" charset="0"/>
+                <a:cs typeface="Consolas" panose="020B0609020204030204" pitchFamily="49" charset="0"/>
+              </a:rPr>
+              <a:t> </a:t>
+            </a:r>
+            <a:r>
+              <a:rPr lang="nl-NL" sz="2400" b="1" dirty="0" err="1">
+                <a:solidFill>
+                  <a:schemeClr val="bg1"/>
+                </a:solidFill>
+                <a:latin typeface="Consolas" panose="020B0609020204030204" pitchFamily="49" charset="0"/>
+                <a:cs typeface="Consolas" panose="020B0609020204030204" pitchFamily="49" charset="0"/>
+              </a:rPr>
+              <a:t>the</a:t>
+            </a:r>
+            <a:r>
+              <a:rPr lang="nl-NL" sz="2400" b="1" dirty="0">
+                <a:solidFill>
+                  <a:schemeClr val="bg1"/>
+                </a:solidFill>
+                <a:latin typeface="Consolas" panose="020B0609020204030204" pitchFamily="49" charset="0"/>
+                <a:cs typeface="Consolas" panose="020B0609020204030204" pitchFamily="49" charset="0"/>
+              </a:rPr>
+              <a:t> </a:t>
+            </a:r>
+            <a:r>
+              <a:rPr lang="nl-NL" sz="2400" b="1" i="1" dirty="0">
+                <a:solidFill>
+                  <a:schemeClr val="bg1"/>
+                </a:solidFill>
+                <a:latin typeface="Consolas" panose="020B0609020204030204" pitchFamily="49" charset="0"/>
+                <a:cs typeface="Consolas" panose="020B0609020204030204" pitchFamily="49" charset="0"/>
+              </a:rPr>
+              <a:t>:=</a:t>
+            </a:r>
+          </a:p>
+          <a:p>
+            <a:endParaRPr lang="nl-NL" sz="2400" b="1" dirty="0">
+              <a:solidFill>
+                <a:schemeClr val="bg1"/>
+              </a:solidFill>
+              <a:latin typeface="Consolas" panose="020B0609020204030204" pitchFamily="49" charset="0"/>
+              <a:cs typeface="Consolas" panose="020B0609020204030204" pitchFamily="49" charset="0"/>
+            </a:endParaRPr>
+          </a:p>
+          <a:p>
+            <a:endParaRPr lang="en" sz="2400" b="1" dirty="0">
+              <a:solidFill>
+                <a:schemeClr val="bg1"/>
+              </a:solidFill>
+            </a:endParaRPr>
+          </a:p>
+        </p:txBody>
+      </p:sp>
+      <p:pic>
+        <p:nvPicPr>
+          <p:cNvPr id="15" name="Afbeelding 14">
+            <a:extLst>
+              <a:ext uri="{FF2B5EF4-FFF2-40B4-BE49-F238E27FC236}">
+                <a16:creationId xmlns:a16="http://schemas.microsoft.com/office/drawing/2014/main" id="{A19ED3C7-454A-47FB-AD57-3FA71759BB4A}"/>
+              </a:ext>
+            </a:extLst>
+          </p:cNvPr>
+          <p:cNvPicPr>
+            <a:picLocks noChangeAspect="1"/>
+          </p:cNvPicPr>
+          <p:nvPr/>
+        </p:nvPicPr>
+        <p:blipFill>
+          <a:blip r:embed="rId2"/>
+          <a:stretch>
+            <a:fillRect/>
+          </a:stretch>
+        </p:blipFill>
+        <p:spPr>
+          <a:xfrm>
+            <a:off x="10692696" y="5400964"/>
+            <a:ext cx="1598706" cy="1598706"/>
+          </a:xfrm>
+          <a:prstGeom prst="rect">
+            <a:avLst/>
+          </a:prstGeom>
+        </p:spPr>
+      </p:pic>
+    </p:spTree>
+    <p:extLst>
+      <p:ext uri="{BB962C8B-B14F-4D97-AF65-F5344CB8AC3E}">
+        <p14:creationId xmlns:p14="http://schemas.microsoft.com/office/powerpoint/2010/main" val="1601958404"/>
+      </p:ext>
+    </p:extLst>
+  </p:cSld>
+  <p:clrMapOvr>
+    <a:masterClrMapping/>
+  </p:clrMapOvr>
+</p:sld>
+</file>
+
+<file path=ppt/slides/slide13.xml><?xml version="1.0" encoding="utf-8"?>
+<p:sld xmlns:a="http://schemas.openxmlformats.org/drawingml/2006/main" xmlns:r="http://schemas.openxmlformats.org/officeDocument/2006/relationships" xmlns:p="http://schemas.openxmlformats.org/presentationml/2006/main">
+  <p:cSld>
+    <p:bg>
+      <p:bgPr>
+        <a:solidFill>
+          <a:schemeClr val="tx1">
+            <a:alpha val="69000"/>
+          </a:schemeClr>
+        </a:solidFill>
+        <a:effectLst/>
+      </p:bgPr>
+    </p:bg>
+    <p:spTree>
+      <p:nvGrpSpPr>
+        <p:cNvPr id="1" name=""/>
+        <p:cNvGrpSpPr/>
+        <p:nvPr/>
+      </p:nvGrpSpPr>
+      <p:grpSpPr>
+        <a:xfrm>
+          <a:off x="0" y="0"/>
+          <a:ext cx="0" cy="0"/>
+          <a:chOff x="0" y="0"/>
+          <a:chExt cx="0" cy="0"/>
+        </a:xfrm>
+      </p:grpSpPr>
+      <p:sp>
+        <p:nvSpPr>
+          <p:cNvPr id="2" name="Titel 1">
+            <a:extLst>
+              <a:ext uri="{FF2B5EF4-FFF2-40B4-BE49-F238E27FC236}">
+                <a16:creationId xmlns:a16="http://schemas.microsoft.com/office/drawing/2014/main" id="{28BD0C3D-07D2-8549-AE25-94E0F0A959EE}"/>
+              </a:ext>
+            </a:extLst>
+          </p:cNvPr>
+          <p:cNvSpPr>
+            <a:spLocks noGrp="1"/>
+          </p:cNvSpPr>
+          <p:nvPr>
+            <p:ph type="title"/>
+          </p:nvPr>
+        </p:nvSpPr>
+        <p:spPr>
+          <a:xfrm>
+            <a:off x="820952" y="789196"/>
+            <a:ext cx="11021172" cy="867326"/>
+          </a:xfrm>
+          <a:prstGeom prst="rect">
+            <a:avLst/>
+          </a:prstGeom>
+        </p:spPr>
+        <p:txBody>
+          <a:bodyPr/>
+          <a:lstStyle/>
+          <a:p>
+            <a:r>
               <a:rPr lang="nl-NL" err="1">
                 <a:solidFill>
                   <a:schemeClr val="bg1"/>
@@ -17421,7 +18307,7 @@
         <p:spPr>
           <a:xfrm>
             <a:off x="811013" y="1769201"/>
-            <a:ext cx="6508381" cy="2677656"/>
+            <a:ext cx="9581495" cy="1569660"/>
           </a:xfrm>
           <a:prstGeom prst="rect">
             <a:avLst/>
@@ -17446,23 +18332,17 @@
                 <a:latin typeface="Consolas" panose="020B0609020204030204" pitchFamily="49" charset="0"/>
                 <a:cs typeface="Consolas" panose="020B0609020204030204" pitchFamily="49" charset="0"/>
               </a:rPr>
-              <a:t>Zero padding</a:t>
-            </a:r>
-          </a:p>
-          <a:p>
-            <a:pPr marL="914400" lvl="1" indent="-457200">
-              <a:buFont typeface="Arial" panose="020B0604020202020204" pitchFamily="34" charset="0"/>
-              <a:buChar char="•"/>
-            </a:pPr>
-            <a:r>
-              <a:rPr lang="nl-NL" sz="2400" b="1" dirty="0">
+              <a:t>Zero padding             </a:t>
+            </a:r>
+            <a:r>
+              <a:rPr lang="nl-NL" sz="2400" b="1" i="1" dirty="0">
                 <a:solidFill>
                   <a:schemeClr val="bg1"/>
                 </a:solidFill>
                 <a:latin typeface="Consolas" panose="020B0609020204030204" pitchFamily="49" charset="0"/>
                 <a:cs typeface="Consolas" panose="020B0609020204030204" pitchFamily="49" charset="0"/>
               </a:rPr>
-              <a:t>Print(f”{num:05}”)</a:t>
+              <a:t>print(f’{num:05}’)</a:t>
             </a:r>
           </a:p>
           <a:p>
@@ -17488,63 +18368,20 @@
                 <a:latin typeface="Consolas" panose="020B0609020204030204" pitchFamily="49" charset="0"/>
                 <a:cs typeface="Consolas" panose="020B0609020204030204" pitchFamily="49" charset="0"/>
               </a:rPr>
-              <a:t> line-breaks</a:t>
+              <a:t> line-breaks     </a:t>
+            </a:r>
+            <a:r>
+              <a:rPr lang="nl-NL" sz="2400" b="1" i="1" dirty="0">
+                <a:solidFill>
+                  <a:schemeClr val="bg1"/>
+                </a:solidFill>
+                <a:latin typeface="Consolas" panose="020B0609020204030204" pitchFamily="49" charset="0"/>
+                <a:cs typeface="Consolas" panose="020B0609020204030204" pitchFamily="49" charset="0"/>
+              </a:rPr>
+              <a:t>print(‘tekst’, end=‘’)</a:t>
             </a:r>
           </a:p>
           <a:p>
-            <a:pPr marL="914400" lvl="1" indent="-457200">
-              <a:buFont typeface="Arial" panose="020B0604020202020204" pitchFamily="34" charset="0"/>
-              <a:buChar char="•"/>
-            </a:pPr>
-            <a:r>
-              <a:rPr lang="nl-NL" sz="2400" b="1" dirty="0">
-                <a:solidFill>
-                  <a:schemeClr val="bg1"/>
-                </a:solidFill>
-                <a:latin typeface="Consolas" panose="020B0609020204030204" pitchFamily="49" charset="0"/>
-                <a:cs typeface="Consolas" panose="020B0609020204030204" pitchFamily="49" charset="0"/>
-              </a:rPr>
-              <a:t>Print(”</a:t>
-            </a:r>
-            <a:r>
-              <a:rPr lang="nl-NL" sz="2400" b="1" dirty="0" err="1">
-                <a:solidFill>
-                  <a:schemeClr val="bg1"/>
-                </a:solidFill>
-                <a:latin typeface="Consolas" panose="020B0609020204030204" pitchFamily="49" charset="0"/>
-                <a:cs typeface="Consolas" panose="020B0609020204030204" pitchFamily="49" charset="0"/>
-              </a:rPr>
-              <a:t>text</a:t>
-            </a:r>
-            <a:r>
-              <a:rPr lang="nl-NL" sz="2400" b="1" dirty="0">
-                <a:solidFill>
-                  <a:schemeClr val="bg1"/>
-                </a:solidFill>
-                <a:latin typeface="Consolas" panose="020B0609020204030204" pitchFamily="49" charset="0"/>
-                <a:cs typeface="Consolas" panose="020B0609020204030204" pitchFamily="49" charset="0"/>
-              </a:rPr>
-              <a:t>“, end=””)</a:t>
-            </a:r>
-          </a:p>
-          <a:p>
-            <a:pPr marL="457200" indent="-457200">
-              <a:buFont typeface="Arial" panose="020B0604020202020204" pitchFamily="34" charset="0"/>
-              <a:buChar char="•"/>
-            </a:pPr>
-            <a:endParaRPr lang="nl-NL" sz="2400" b="1" dirty="0">
-              <a:solidFill>
-                <a:schemeClr val="bg1"/>
-              </a:solidFill>
-              <a:latin typeface="Consolas" panose="020B0609020204030204" pitchFamily="49" charset="0"/>
-              <a:cs typeface="Consolas" panose="020B0609020204030204" pitchFamily="49" charset="0"/>
-            </a:endParaRPr>
-          </a:p>
-          <a:p>
-            <a:pPr marL="457200" indent="-457200">
-              <a:buFont typeface="Arial" panose="020B0604020202020204" pitchFamily="34" charset="0"/>
-              <a:buChar char="•"/>
-            </a:pPr>
             <a:endParaRPr lang="nl-NL" sz="2400" b="1" dirty="0">
               <a:solidFill>
                 <a:schemeClr val="bg1"/>
@@ -17611,7 +18448,7 @@
 </p:sld>
 </file>
 
-<file path=ppt/slides/slide12.xml><?xml version="1.0" encoding="utf-8"?>
+<file path=ppt/slides/slide14.xml><?xml version="1.0" encoding="utf-8"?>
 <p:sld xmlns:a="http://schemas.openxmlformats.org/drawingml/2006/main" xmlns:r="http://schemas.openxmlformats.org/officeDocument/2006/relationships" xmlns:p="http://schemas.openxmlformats.org/presentationml/2006/main">
   <p:cSld>
     <p:bg>
@@ -18109,7 +18946,7 @@
                 <a:latin typeface="Consolas" panose="020B0609020204030204" pitchFamily="49" charset="0"/>
                 <a:cs typeface="Consolas" panose="020B0609020204030204" pitchFamily="49" charset="0"/>
               </a:rPr>
-              <a:t> Python (3.8) </a:t>
+              <a:t> Python (3.9) </a:t>
             </a:r>
             <a:r>
               <a:rPr lang="nl-NL" sz="2400" b="1" dirty="0" err="1">
@@ -18529,7 +19366,7 @@
                   <a:schemeClr val="bg1"/>
                 </a:solidFill>
               </a:rPr>
-              <a:t>Assignment</a:t>
+              <a:t>Why</a:t>
             </a:r>
             <a:r>
               <a:rPr lang="nl-NL" dirty="0">
@@ -18537,21 +19374,8 @@
                   <a:schemeClr val="bg1"/>
                 </a:solidFill>
               </a:rPr>
-              <a:t> 1 - </a:t>
-            </a:r>
-            <a:r>
-              <a:rPr lang="nl-NL" dirty="0" err="1">
-                <a:solidFill>
-                  <a:schemeClr val="bg1"/>
-                </a:solidFill>
-              </a:rPr>
-              <a:t>unique</a:t>
-            </a:r>
-            <a:endParaRPr lang="nl-NL" dirty="0">
-              <a:solidFill>
-                <a:schemeClr val="bg1"/>
-              </a:solidFill>
-            </a:endParaRPr>
+              <a:t> Python?</a:t>
+            </a:r>
           </a:p>
         </p:txBody>
       </p:sp>
@@ -18570,7 +19394,7 @@
         <p:spPr>
           <a:xfrm>
             <a:off x="811013" y="1769201"/>
-            <a:ext cx="6508381" cy="1569660"/>
+            <a:ext cx="10522514" cy="461665"/>
           </a:xfrm>
           <a:prstGeom prst="rect">
             <a:avLst/>
@@ -18583,234 +19407,15 @@
           </a:bodyPr>
           <a:lstStyle/>
           <a:p>
-            <a:pPr marL="457200" indent="-457200">
-              <a:buFont typeface="Arial" panose="020B0604020202020204" pitchFamily="34" charset="0"/>
-              <a:buChar char="•"/>
-            </a:pPr>
-            <a:r>
-              <a:rPr lang="nl-NL" sz="2400" b="1" dirty="0" err="1">
-                <a:solidFill>
-                  <a:schemeClr val="bg1"/>
-                </a:solidFill>
-                <a:latin typeface="Consolas" panose="020B0609020204030204" pitchFamily="49" charset="0"/>
-                <a:cs typeface="Consolas" panose="020B0609020204030204" pitchFamily="49" charset="0"/>
-              </a:rPr>
-              <a:t>Create</a:t>
-            </a:r>
+            <a:pPr lvl="1"/>
             <a:r>
               <a:rPr lang="nl-NL" sz="2400" b="1" dirty="0">
                 <a:solidFill>
                   <a:schemeClr val="bg1"/>
                 </a:solidFill>
-                <a:latin typeface="Consolas" panose="020B0609020204030204" pitchFamily="49" charset="0"/>
-                <a:cs typeface="Consolas" panose="020B0609020204030204" pitchFamily="49" charset="0"/>
-              </a:rPr>
-              <a:t> a </a:t>
-            </a:r>
-            <a:r>
-              <a:rPr lang="nl-NL" sz="2400" b="1" dirty="0" err="1">
-                <a:solidFill>
-                  <a:schemeClr val="bg1"/>
-                </a:solidFill>
-                <a:latin typeface="Consolas" panose="020B0609020204030204" pitchFamily="49" charset="0"/>
-                <a:cs typeface="Consolas" panose="020B0609020204030204" pitchFamily="49" charset="0"/>
-              </a:rPr>
-              <a:t>function</a:t>
-            </a:r>
-            <a:r>
-              <a:rPr lang="nl-NL" sz="2400" b="1" dirty="0">
-                <a:solidFill>
-                  <a:schemeClr val="bg1"/>
-                </a:solidFill>
-                <a:latin typeface="Consolas" panose="020B0609020204030204" pitchFamily="49" charset="0"/>
-                <a:cs typeface="Consolas" panose="020B0609020204030204" pitchFamily="49" charset="0"/>
-              </a:rPr>
-              <a:t> </a:t>
-            </a:r>
-            <a:r>
-              <a:rPr lang="nl-NL" sz="2400" b="1" dirty="0" err="1">
-                <a:solidFill>
-                  <a:schemeClr val="bg1"/>
-                </a:solidFill>
-                <a:latin typeface="Consolas" panose="020B0609020204030204" pitchFamily="49" charset="0"/>
-                <a:cs typeface="Consolas" panose="020B0609020204030204" pitchFamily="49" charset="0"/>
-              </a:rPr>
-              <a:t>that</a:t>
-            </a:r>
-            <a:r>
-              <a:rPr lang="nl-NL" sz="2400" b="1" dirty="0">
-                <a:solidFill>
-                  <a:schemeClr val="bg1"/>
-                </a:solidFill>
-                <a:latin typeface="Consolas" panose="020B0609020204030204" pitchFamily="49" charset="0"/>
-                <a:cs typeface="Consolas" panose="020B0609020204030204" pitchFamily="49" charset="0"/>
-              </a:rPr>
-              <a:t> </a:t>
-            </a:r>
-            <a:r>
-              <a:rPr lang="nl-NL" sz="2400" b="1" dirty="0" err="1">
-                <a:solidFill>
-                  <a:schemeClr val="bg1"/>
-                </a:solidFill>
-                <a:latin typeface="Consolas" panose="020B0609020204030204" pitchFamily="49" charset="0"/>
-                <a:cs typeface="Consolas" panose="020B0609020204030204" pitchFamily="49" charset="0"/>
-              </a:rPr>
-              <a:t>counts</a:t>
-            </a:r>
-            <a:r>
-              <a:rPr lang="nl-NL" sz="2400" b="1" dirty="0">
-                <a:solidFill>
-                  <a:schemeClr val="bg1"/>
-                </a:solidFill>
-                <a:latin typeface="Consolas" panose="020B0609020204030204" pitchFamily="49" charset="0"/>
-                <a:cs typeface="Consolas" panose="020B0609020204030204" pitchFamily="49" charset="0"/>
-              </a:rPr>
-              <a:t> </a:t>
-            </a:r>
-            <a:r>
-              <a:rPr lang="nl-NL" sz="2400" b="1" dirty="0" err="1">
-                <a:solidFill>
-                  <a:schemeClr val="bg1"/>
-                </a:solidFill>
-                <a:latin typeface="Consolas" panose="020B0609020204030204" pitchFamily="49" charset="0"/>
-                <a:cs typeface="Consolas" panose="020B0609020204030204" pitchFamily="49" charset="0"/>
-              </a:rPr>
-              <a:t>all</a:t>
-            </a:r>
-            <a:r>
-              <a:rPr lang="nl-NL" sz="2400" b="1" dirty="0">
-                <a:solidFill>
-                  <a:schemeClr val="bg1"/>
-                </a:solidFill>
-                <a:latin typeface="Consolas" panose="020B0609020204030204" pitchFamily="49" charset="0"/>
-                <a:cs typeface="Consolas" panose="020B0609020204030204" pitchFamily="49" charset="0"/>
-              </a:rPr>
-              <a:t> </a:t>
-            </a:r>
-            <a:r>
-              <a:rPr lang="nl-NL" sz="2400" b="1" dirty="0" err="1">
-                <a:solidFill>
-                  <a:schemeClr val="bg1"/>
-                </a:solidFill>
-                <a:latin typeface="Consolas" panose="020B0609020204030204" pitchFamily="49" charset="0"/>
-                <a:cs typeface="Consolas" panose="020B0609020204030204" pitchFamily="49" charset="0"/>
-              </a:rPr>
-              <a:t>numbers</a:t>
-            </a:r>
-            <a:r>
-              <a:rPr lang="nl-NL" sz="2400" b="1" dirty="0">
-                <a:solidFill>
-                  <a:schemeClr val="bg1"/>
-                </a:solidFill>
-                <a:latin typeface="Consolas" panose="020B0609020204030204" pitchFamily="49" charset="0"/>
-                <a:cs typeface="Consolas" panose="020B0609020204030204" pitchFamily="49" charset="0"/>
-              </a:rPr>
-              <a:t> </a:t>
-            </a:r>
-            <a:r>
-              <a:rPr lang="nl-NL" sz="2400" b="1" dirty="0" err="1">
-                <a:solidFill>
-                  <a:schemeClr val="bg1"/>
-                </a:solidFill>
-                <a:latin typeface="Consolas" panose="020B0609020204030204" pitchFamily="49" charset="0"/>
-                <a:cs typeface="Consolas" panose="020B0609020204030204" pitchFamily="49" charset="0"/>
-              </a:rPr>
-              <a:t>that</a:t>
-            </a:r>
-            <a:r>
-              <a:rPr lang="nl-NL" sz="2400" b="1" dirty="0">
-                <a:solidFill>
-                  <a:schemeClr val="bg1"/>
-                </a:solidFill>
-                <a:latin typeface="Consolas" panose="020B0609020204030204" pitchFamily="49" charset="0"/>
-                <a:cs typeface="Consolas" panose="020B0609020204030204" pitchFamily="49" charset="0"/>
-              </a:rPr>
-              <a:t> </a:t>
-            </a:r>
-            <a:r>
-              <a:rPr lang="nl-NL" sz="2400" b="1" dirty="0" err="1">
-                <a:solidFill>
-                  <a:schemeClr val="bg1"/>
-                </a:solidFill>
-                <a:latin typeface="Consolas" panose="020B0609020204030204" pitchFamily="49" charset="0"/>
-                <a:cs typeface="Consolas" panose="020B0609020204030204" pitchFamily="49" charset="0"/>
-              </a:rPr>
-              <a:t>contains</a:t>
-            </a:r>
-            <a:r>
-              <a:rPr lang="nl-NL" sz="2400" b="1" dirty="0">
-                <a:solidFill>
-                  <a:schemeClr val="bg1"/>
-                </a:solidFill>
-                <a:latin typeface="Consolas" panose="020B0609020204030204" pitchFamily="49" charset="0"/>
-                <a:cs typeface="Consolas" panose="020B0609020204030204" pitchFamily="49" charset="0"/>
-              </a:rPr>
-              <a:t> </a:t>
-            </a:r>
-            <a:r>
-              <a:rPr lang="nl-NL" sz="2400" b="1" dirty="0" err="1">
-                <a:solidFill>
-                  <a:schemeClr val="bg1"/>
-                </a:solidFill>
-                <a:latin typeface="Consolas" panose="020B0609020204030204" pitchFamily="49" charset="0"/>
-                <a:cs typeface="Consolas" panose="020B0609020204030204" pitchFamily="49" charset="0"/>
-              </a:rPr>
-              <a:t>only</a:t>
-            </a:r>
-            <a:r>
-              <a:rPr lang="nl-NL" sz="2400" b="1" dirty="0">
-                <a:solidFill>
-                  <a:schemeClr val="bg1"/>
-                </a:solidFill>
-                <a:latin typeface="Consolas" panose="020B0609020204030204" pitchFamily="49" charset="0"/>
-                <a:cs typeface="Consolas" panose="020B0609020204030204" pitchFamily="49" charset="0"/>
-              </a:rPr>
-              <a:t> </a:t>
-            </a:r>
-            <a:r>
-              <a:rPr lang="nl-NL" sz="2400" b="1" dirty="0" err="1">
-                <a:solidFill>
-                  <a:schemeClr val="bg1"/>
-                </a:solidFill>
-                <a:latin typeface="Consolas" panose="020B0609020204030204" pitchFamily="49" charset="0"/>
-                <a:cs typeface="Consolas" panose="020B0609020204030204" pitchFamily="49" charset="0"/>
-              </a:rPr>
-              <a:t>unique</a:t>
-            </a:r>
-            <a:r>
-              <a:rPr lang="nl-NL" sz="2400" b="1" dirty="0">
-                <a:solidFill>
-                  <a:schemeClr val="bg1"/>
-                </a:solidFill>
-                <a:latin typeface="Consolas" panose="020B0609020204030204" pitchFamily="49" charset="0"/>
-                <a:cs typeface="Consolas" panose="020B0609020204030204" pitchFamily="49" charset="0"/>
-              </a:rPr>
-              <a:t> </a:t>
-            </a:r>
-            <a:r>
-              <a:rPr lang="nl-NL" sz="2400" b="1" dirty="0" err="1">
-                <a:solidFill>
-                  <a:schemeClr val="bg1"/>
-                </a:solidFill>
-                <a:latin typeface="Consolas" panose="020B0609020204030204" pitchFamily="49" charset="0"/>
-                <a:cs typeface="Consolas" panose="020B0609020204030204" pitchFamily="49" charset="0"/>
-              </a:rPr>
-              <a:t>numbers</a:t>
-            </a:r>
-            <a:endParaRPr lang="nl-NL" sz="2400" b="1" dirty="0">
-              <a:solidFill>
-                <a:schemeClr val="bg1"/>
-              </a:solidFill>
-              <a:latin typeface="Consolas" panose="020B0609020204030204" pitchFamily="49" charset="0"/>
-              <a:cs typeface="Consolas" panose="020B0609020204030204" pitchFamily="49" charset="0"/>
-            </a:endParaRPr>
-          </a:p>
-          <a:p>
-            <a:endParaRPr lang="en" sz="2400" b="1" dirty="0">
-              <a:solidFill>
-                <a:schemeClr val="bg1"/>
-              </a:solidFill>
-            </a:endParaRPr>
+              </a:rPr>
+              <a:t>	</a:t>
+            </a:r>
           </a:p>
         </p:txBody>
       </p:sp>
@@ -18844,10 +19449,131 @@
           </a:prstGeom>
         </p:spPr>
       </p:pic>
+      <p:pic>
+        <p:nvPicPr>
+          <p:cNvPr id="3" name="Picture 2">
+            <a:extLst>
+              <a:ext uri="{FF2B5EF4-FFF2-40B4-BE49-F238E27FC236}">
+                <a16:creationId xmlns:a16="http://schemas.microsoft.com/office/drawing/2014/main" id="{2651B630-5303-2043-B2BF-E7DC4FA7F6AA}"/>
+              </a:ext>
+            </a:extLst>
+          </p:cNvPr>
+          <p:cNvPicPr>
+            <a:picLocks noChangeAspect="1"/>
+          </p:cNvPicPr>
+          <p:nvPr/>
+        </p:nvPicPr>
+        <p:blipFill>
+          <a:blip r:embed="rId3"/>
+          <a:stretch>
+            <a:fillRect/>
+          </a:stretch>
+        </p:blipFill>
+        <p:spPr>
+          <a:xfrm>
+            <a:off x="328790" y="2000033"/>
+            <a:ext cx="6002748" cy="3822440"/>
+          </a:xfrm>
+          <a:prstGeom prst="rect">
+            <a:avLst/>
+          </a:prstGeom>
+        </p:spPr>
+      </p:pic>
+      <p:pic>
+        <p:nvPicPr>
+          <p:cNvPr id="2052" name="Picture 4">
+            <a:extLst>
+              <a:ext uri="{FF2B5EF4-FFF2-40B4-BE49-F238E27FC236}">
+                <a16:creationId xmlns:a16="http://schemas.microsoft.com/office/drawing/2014/main" id="{71B306B0-3374-6E40-8B9B-9F32E8329801}"/>
+              </a:ext>
+            </a:extLst>
+          </p:cNvPr>
+          <p:cNvPicPr>
+            <a:picLocks noChangeAspect="1" noChangeArrowheads="1"/>
+          </p:cNvPicPr>
+          <p:nvPr/>
+        </p:nvPicPr>
+        <p:blipFill>
+          <a:blip r:embed="rId4">
+            <a:extLst>
+              <a:ext uri="{28A0092B-C50C-407E-A947-70E740481C1C}">
+                <a14:useLocalDpi xmlns:a14="http://schemas.microsoft.com/office/drawing/2010/main" val="0"/>
+              </a:ext>
+            </a:extLst>
+          </a:blip>
+          <a:srcRect/>
+          <a:stretch>
+            <a:fillRect/>
+          </a:stretch>
+        </p:blipFill>
+        <p:spPr bwMode="auto">
+          <a:xfrm>
+            <a:off x="6813761" y="2024356"/>
+            <a:ext cx="4711600" cy="3798117"/>
+          </a:xfrm>
+          <a:prstGeom prst="rect">
+            <a:avLst/>
+          </a:prstGeom>
+          <a:noFill/>
+          <a:extLst>
+            <a:ext uri="{909E8E84-426E-40DD-AFC4-6F175D3DCCD1}">
+              <a14:hiddenFill xmlns:a14="http://schemas.microsoft.com/office/drawing/2010/main">
+                <a:solidFill>
+                  <a:srgbClr val="FFFFFF"/>
+                </a:solidFill>
+              </a14:hiddenFill>
+            </a:ext>
+          </a:extLst>
+        </p:spPr>
+      </p:pic>
+      <p:sp>
+        <p:nvSpPr>
+          <p:cNvPr id="5" name="TextBox 4">
+            <a:extLst>
+              <a:ext uri="{FF2B5EF4-FFF2-40B4-BE49-F238E27FC236}">
+                <a16:creationId xmlns:a16="http://schemas.microsoft.com/office/drawing/2014/main" id="{C273FF47-78C2-A940-80C0-AC3A540A2342}"/>
+              </a:ext>
+            </a:extLst>
+          </p:cNvPr>
+          <p:cNvSpPr txBox="1"/>
+          <p:nvPr/>
+        </p:nvSpPr>
+        <p:spPr>
+          <a:xfrm>
+            <a:off x="820952" y="6002663"/>
+            <a:ext cx="4677371" cy="369332"/>
+          </a:xfrm>
+          <a:prstGeom prst="rect">
+            <a:avLst/>
+          </a:prstGeom>
+          <a:noFill/>
+        </p:spPr>
+        <p:txBody>
+          <a:bodyPr wrap="none" rtlCol="0">
+            <a:spAutoFit/>
+          </a:bodyPr>
+          <a:lstStyle/>
+          <a:p>
+            <a:r>
+              <a:rPr lang="en-GB" dirty="0"/>
+              <a:t>https://</a:t>
+            </a:r>
+            <a:r>
+              <a:rPr lang="en-GB" dirty="0" err="1"/>
+              <a:t>insights.stackoverflow.com</a:t>
+            </a:r>
+            <a:r>
+              <a:rPr lang="en-GB" dirty="0"/>
+              <a:t>/survey/2021</a:t>
+            </a:r>
+            <a:endParaRPr lang="en-NL" dirty="0"/>
+          </a:p>
+        </p:txBody>
+      </p:sp>
     </p:spTree>
     <p:extLst>
       <p:ext uri="{BB962C8B-B14F-4D97-AF65-F5344CB8AC3E}">
-        <p14:creationId xmlns:p14="http://schemas.microsoft.com/office/powerpoint/2010/main" val="2354290383"/>
+        <p14:creationId xmlns:p14="http://schemas.microsoft.com/office/powerpoint/2010/main" val="1376911263"/>
       </p:ext>
     </p:extLst>
   </p:cSld>
@@ -18919,7 +19645,7 @@
                   <a:schemeClr val="bg1"/>
                 </a:solidFill>
               </a:rPr>
-              <a:t>Learnings</a:t>
+              <a:t>Assignment</a:t>
             </a:r>
             <a:r>
               <a:rPr lang="nl-NL" dirty="0">
@@ -18927,8 +19653,21 @@
                   <a:schemeClr val="bg1"/>
                 </a:solidFill>
               </a:rPr>
-              <a:t> 1</a:t>
-            </a:r>
+              <a:t> 1 - </a:t>
+            </a:r>
+            <a:r>
+              <a:rPr lang="nl-NL" dirty="0" err="1">
+                <a:solidFill>
+                  <a:schemeClr val="bg1"/>
+                </a:solidFill>
+              </a:rPr>
+              <a:t>unique</a:t>
+            </a:r>
+            <a:endParaRPr lang="nl-NL" dirty="0">
+              <a:solidFill>
+                <a:schemeClr val="bg1"/>
+              </a:solidFill>
+            </a:endParaRPr>
           </a:p>
         </p:txBody>
       </p:sp>
@@ -18947,7 +19686,7 @@
         <p:spPr>
           <a:xfrm>
             <a:off x="811013" y="1769201"/>
-            <a:ext cx="8702103" cy="1200329"/>
+            <a:ext cx="6508381" cy="1569660"/>
           </a:xfrm>
           <a:prstGeom prst="rect">
             <a:avLst/>
@@ -18965,98 +19704,85 @@
               <a:buChar char="•"/>
             </a:pPr>
             <a:r>
-              <a:rPr lang="nl-NL" sz="2400" b="1" dirty="0">
+              <a:rPr lang="nl-NL" sz="2400" b="1" dirty="0" err="1">
                 <a:solidFill>
                   <a:schemeClr val="bg1"/>
                 </a:solidFill>
                 <a:latin typeface="Consolas" panose="020B0609020204030204" pitchFamily="49" charset="0"/>
                 <a:cs typeface="Consolas" panose="020B0609020204030204" pitchFamily="49" charset="0"/>
               </a:rPr>
-              <a:t>Sets </a:t>
-            </a:r>
-            <a:r>
-              <a:rPr lang="nl-NL" sz="2400" b="1" dirty="0" err="1">
+              <a:t>Create</a:t>
+            </a:r>
+            <a:r>
+              <a:rPr lang="nl-NL" sz="2400" b="1" dirty="0">
                 <a:solidFill>
                   <a:schemeClr val="bg1"/>
                 </a:solidFill>
                 <a:latin typeface="Consolas" panose="020B0609020204030204" pitchFamily="49" charset="0"/>
                 <a:cs typeface="Consolas" panose="020B0609020204030204" pitchFamily="49" charset="0"/>
               </a:rPr>
-              <a:t>contain</a:t>
-            </a:r>
-            <a:r>
-              <a:rPr lang="nl-NL" sz="2400" b="1" dirty="0">
+              <a:t> a </a:t>
+            </a:r>
+            <a:r>
+              <a:rPr lang="nl-NL" sz="2400" b="1" dirty="0" err="1">
                 <a:solidFill>
                   <a:schemeClr val="bg1"/>
                 </a:solidFill>
                 <a:latin typeface="Consolas" panose="020B0609020204030204" pitchFamily="49" charset="0"/>
                 <a:cs typeface="Consolas" panose="020B0609020204030204" pitchFamily="49" charset="0"/>
               </a:rPr>
-              <a:t> </a:t>
-            </a:r>
-            <a:r>
-              <a:rPr lang="nl-NL" sz="2400" b="1" dirty="0" err="1">
+              <a:t>function</a:t>
+            </a:r>
+            <a:r>
+              <a:rPr lang="nl-NL" sz="2400" b="1" dirty="0">
                 <a:solidFill>
                   <a:schemeClr val="bg1"/>
                 </a:solidFill>
                 <a:latin typeface="Consolas" panose="020B0609020204030204" pitchFamily="49" charset="0"/>
                 <a:cs typeface="Consolas" panose="020B0609020204030204" pitchFamily="49" charset="0"/>
               </a:rPr>
-              <a:t>only</a:t>
-            </a:r>
-            <a:r>
-              <a:rPr lang="nl-NL" sz="2400" b="1" dirty="0">
+              <a:t> </a:t>
+            </a:r>
+            <a:r>
+              <a:rPr lang="nl-NL" sz="2400" b="1" dirty="0" err="1">
                 <a:solidFill>
                   <a:schemeClr val="bg1"/>
                 </a:solidFill>
                 <a:latin typeface="Consolas" panose="020B0609020204030204" pitchFamily="49" charset="0"/>
                 <a:cs typeface="Consolas" panose="020B0609020204030204" pitchFamily="49" charset="0"/>
               </a:rPr>
-              <a:t> </a:t>
-            </a:r>
-            <a:r>
-              <a:rPr lang="nl-NL" sz="2400" b="1" dirty="0" err="1">
+              <a:t>that</a:t>
+            </a:r>
+            <a:r>
+              <a:rPr lang="nl-NL" sz="2400" b="1" dirty="0">
                 <a:solidFill>
                   <a:schemeClr val="bg1"/>
                 </a:solidFill>
                 <a:latin typeface="Consolas" panose="020B0609020204030204" pitchFamily="49" charset="0"/>
                 <a:cs typeface="Consolas" panose="020B0609020204030204" pitchFamily="49" charset="0"/>
               </a:rPr>
-              <a:t>unique</a:t>
-            </a:r>
-            <a:r>
-              <a:rPr lang="nl-NL" sz="2400" b="1" dirty="0">
+              <a:t> </a:t>
+            </a:r>
+            <a:r>
+              <a:rPr lang="nl-NL" sz="2400" b="1" dirty="0" err="1">
                 <a:solidFill>
                   <a:schemeClr val="bg1"/>
                 </a:solidFill>
                 <a:latin typeface="Consolas" panose="020B0609020204030204" pitchFamily="49" charset="0"/>
                 <a:cs typeface="Consolas" panose="020B0609020204030204" pitchFamily="49" charset="0"/>
               </a:rPr>
-              <a:t> </a:t>
-            </a:r>
-            <a:r>
-              <a:rPr lang="nl-NL" sz="2400" b="1" dirty="0" err="1">
+              <a:t>counts</a:t>
+            </a:r>
+            <a:r>
+              <a:rPr lang="nl-NL" sz="2400" b="1" dirty="0">
                 <a:solidFill>
                   <a:schemeClr val="bg1"/>
                 </a:solidFill>
                 <a:latin typeface="Consolas" panose="020B0609020204030204" pitchFamily="49" charset="0"/>
                 <a:cs typeface="Consolas" panose="020B0609020204030204" pitchFamily="49" charset="0"/>
               </a:rPr>
-              <a:t>values</a:t>
-            </a:r>
-            <a:endParaRPr lang="nl-NL" sz="2400" b="1" dirty="0">
-              <a:solidFill>
-                <a:schemeClr val="bg1"/>
-              </a:solidFill>
-              <a:latin typeface="Consolas" panose="020B0609020204030204" pitchFamily="49" charset="0"/>
-              <a:cs typeface="Consolas" panose="020B0609020204030204" pitchFamily="49" charset="0"/>
-            </a:endParaRPr>
-          </a:p>
-          <a:p>
-            <a:pPr marL="457200" indent="-457200">
-              <a:buFont typeface="Arial" panose="020B0604020202020204" pitchFamily="34" charset="0"/>
-              <a:buChar char="•"/>
-            </a:pPr>
+              <a:t> </a:t>
+            </a:r>
             <a:r>
               <a:rPr lang="nl-NL" sz="2400" b="1" dirty="0" err="1">
                 <a:solidFill>
@@ -19065,7 +19791,7 @@
                 <a:latin typeface="Consolas" panose="020B0609020204030204" pitchFamily="49" charset="0"/>
                 <a:cs typeface="Consolas" panose="020B0609020204030204" pitchFamily="49" charset="0"/>
               </a:rPr>
-              <a:t>Compare</a:t>
+              <a:t>all</a:t>
             </a:r>
             <a:r>
               <a:rPr lang="nl-NL" sz="2400" b="1" dirty="0">
@@ -19075,7 +19801,7 @@
                 <a:latin typeface="Consolas" panose="020B0609020204030204" pitchFamily="49" charset="0"/>
                 <a:cs typeface="Consolas" panose="020B0609020204030204" pitchFamily="49" charset="0"/>
               </a:rPr>
-              <a:t> a list </a:t>
+              <a:t> </a:t>
             </a:r>
             <a:r>
               <a:rPr lang="nl-NL" sz="2400" b="1" dirty="0" err="1">
@@ -19085,7 +19811,7 @@
                 <a:latin typeface="Consolas" panose="020B0609020204030204" pitchFamily="49" charset="0"/>
                 <a:cs typeface="Consolas" panose="020B0609020204030204" pitchFamily="49" charset="0"/>
               </a:rPr>
-              <a:t>to</a:t>
+              <a:t>numbers</a:t>
             </a:r>
             <a:r>
               <a:rPr lang="nl-NL" sz="2400" b="1" dirty="0">
@@ -19095,7 +19821,7 @@
                 <a:latin typeface="Consolas" panose="020B0609020204030204" pitchFamily="49" charset="0"/>
                 <a:cs typeface="Consolas" panose="020B0609020204030204" pitchFamily="49" charset="0"/>
               </a:rPr>
-              <a:t> a set </a:t>
+              <a:t> </a:t>
             </a:r>
             <a:r>
               <a:rPr lang="nl-NL" sz="2400" b="1" dirty="0" err="1">
@@ -19105,7 +19831,7 @@
                 <a:latin typeface="Consolas" panose="020B0609020204030204" pitchFamily="49" charset="0"/>
                 <a:cs typeface="Consolas" panose="020B0609020204030204" pitchFamily="49" charset="0"/>
               </a:rPr>
-              <a:t>to</a:t>
+              <a:t>that</a:t>
             </a:r>
             <a:r>
               <a:rPr lang="nl-NL" sz="2400" b="1" dirty="0">
@@ -19115,7 +19841,7 @@
                 <a:latin typeface="Consolas" panose="020B0609020204030204" pitchFamily="49" charset="0"/>
                 <a:cs typeface="Consolas" panose="020B0609020204030204" pitchFamily="49" charset="0"/>
               </a:rPr>
-              <a:t> test </a:t>
+              <a:t> </a:t>
             </a:r>
             <a:r>
               <a:rPr lang="nl-NL" sz="2400" b="1" dirty="0" err="1">
@@ -19125,7 +19851,7 @@
                 <a:latin typeface="Consolas" panose="020B0609020204030204" pitchFamily="49" charset="0"/>
                 <a:cs typeface="Consolas" panose="020B0609020204030204" pitchFamily="49" charset="0"/>
               </a:rPr>
-              <a:t>for</a:t>
+              <a:t>contains</a:t>
             </a:r>
             <a:r>
               <a:rPr lang="nl-NL" sz="2400" b="1" dirty="0">
@@ -19145,7 +19871,47 @@
                 <a:latin typeface="Consolas" panose="020B0609020204030204" pitchFamily="49" charset="0"/>
                 <a:cs typeface="Consolas" panose="020B0609020204030204" pitchFamily="49" charset="0"/>
               </a:rPr>
-              <a:t>duplicates</a:t>
+              <a:t>only</a:t>
+            </a:r>
+            <a:r>
+              <a:rPr lang="nl-NL" sz="2400" b="1" dirty="0">
+                <a:solidFill>
+                  <a:schemeClr val="bg1"/>
+                </a:solidFill>
+                <a:latin typeface="Consolas" panose="020B0609020204030204" pitchFamily="49" charset="0"/>
+                <a:cs typeface="Consolas" panose="020B0609020204030204" pitchFamily="49" charset="0"/>
+              </a:rPr>
+              <a:t> </a:t>
+            </a:r>
+            <a:r>
+              <a:rPr lang="nl-NL" sz="2400" b="1" dirty="0" err="1">
+                <a:solidFill>
+                  <a:schemeClr val="bg1"/>
+                </a:solidFill>
+                <a:latin typeface="Consolas" panose="020B0609020204030204" pitchFamily="49" charset="0"/>
+                <a:cs typeface="Consolas" panose="020B0609020204030204" pitchFamily="49" charset="0"/>
+              </a:rPr>
+              <a:t>unique</a:t>
+            </a:r>
+            <a:r>
+              <a:rPr lang="nl-NL" sz="2400" b="1" dirty="0">
+                <a:solidFill>
+                  <a:schemeClr val="bg1"/>
+                </a:solidFill>
+                <a:latin typeface="Consolas" panose="020B0609020204030204" pitchFamily="49" charset="0"/>
+                <a:cs typeface="Consolas" panose="020B0609020204030204" pitchFamily="49" charset="0"/>
+              </a:rPr>
+              <a:t> </a:t>
+            </a:r>
+            <a:r>
+              <a:rPr lang="nl-NL" sz="2400" b="1" dirty="0" err="1">
+                <a:solidFill>
+                  <a:schemeClr val="bg1"/>
+                </a:solidFill>
+                <a:latin typeface="Consolas" panose="020B0609020204030204" pitchFamily="49" charset="0"/>
+                <a:cs typeface="Consolas" panose="020B0609020204030204" pitchFamily="49" charset="0"/>
+              </a:rPr>
+              <a:t>numbers</a:t>
             </a:r>
             <a:endParaRPr lang="nl-NL" sz="2400" b="1" dirty="0">
               <a:solidFill>
@@ -19197,7 +19963,7 @@
     </p:spTree>
     <p:extLst>
       <p:ext uri="{BB962C8B-B14F-4D97-AF65-F5344CB8AC3E}">
-        <p14:creationId xmlns:p14="http://schemas.microsoft.com/office/powerpoint/2010/main" val="3330782781"/>
+        <p14:creationId xmlns:p14="http://schemas.microsoft.com/office/powerpoint/2010/main" val="2354290383"/>
       </p:ext>
     </p:extLst>
   </p:cSld>
@@ -19269,7 +20035,7 @@
                   <a:schemeClr val="bg1"/>
                 </a:solidFill>
               </a:rPr>
-              <a:t>Assignment</a:t>
+              <a:t>Learnings</a:t>
             </a:r>
             <a:r>
               <a:rPr lang="nl-NL" dirty="0">
@@ -19277,23 +20043,7 @@
                   <a:schemeClr val="bg1"/>
                 </a:solidFill>
               </a:rPr>
-              <a:t> 2 - </a:t>
-            </a:r>
-            <a:r>
-              <a:rPr lang="nl-NL" dirty="0" err="1">
-                <a:solidFill>
-                  <a:schemeClr val="bg1"/>
-                </a:solidFill>
-              </a:rPr>
-              <a:t>Cipher</a:t>
-            </a:r>
-            <a:r>
-              <a:rPr lang="nl-NL" dirty="0">
-                <a:solidFill>
-                  <a:schemeClr val="bg1"/>
-                </a:solidFill>
-              </a:rPr>
-              <a:t> </a:t>
+              <a:t> 1</a:t>
             </a:r>
           </a:p>
         </p:txBody>
@@ -19313,7 +20063,7 @@
         <p:spPr>
           <a:xfrm>
             <a:off x="811013" y="1769201"/>
-            <a:ext cx="9079607" cy="1200329"/>
+            <a:ext cx="8702103" cy="1200329"/>
           </a:xfrm>
           <a:prstGeom prst="rect">
             <a:avLst/>
@@ -19331,34 +20081,52 @@
               <a:buChar char="•"/>
             </a:pPr>
             <a:r>
+              <a:rPr lang="nl-NL" sz="2400" b="1" dirty="0">
+                <a:solidFill>
+                  <a:schemeClr val="bg1"/>
+                </a:solidFill>
+                <a:latin typeface="Consolas" panose="020B0609020204030204" pitchFamily="49" charset="0"/>
+                <a:cs typeface="Consolas" panose="020B0609020204030204" pitchFamily="49" charset="0"/>
+              </a:rPr>
+              <a:t>Sets </a:t>
+            </a:r>
+            <a:r>
               <a:rPr lang="nl-NL" sz="2400" b="1" dirty="0" err="1">
                 <a:solidFill>
                   <a:schemeClr val="bg1"/>
                 </a:solidFill>
-              </a:rPr>
-              <a:t>Create</a:t>
+                <a:latin typeface="Consolas" panose="020B0609020204030204" pitchFamily="49" charset="0"/>
+                <a:cs typeface="Consolas" panose="020B0609020204030204" pitchFamily="49" charset="0"/>
+              </a:rPr>
+              <a:t>contain</a:t>
             </a:r>
             <a:r>
               <a:rPr lang="nl-NL" sz="2400" b="1" dirty="0">
                 <a:solidFill>
                   <a:schemeClr val="bg1"/>
                 </a:solidFill>
-              </a:rPr>
-              <a:t> a </a:t>
+                <a:latin typeface="Consolas" panose="020B0609020204030204" pitchFamily="49" charset="0"/>
+                <a:cs typeface="Consolas" panose="020B0609020204030204" pitchFamily="49" charset="0"/>
+              </a:rPr>
+              <a:t> </a:t>
             </a:r>
             <a:r>
               <a:rPr lang="nl-NL" sz="2400" b="1" dirty="0" err="1">
                 <a:solidFill>
                   <a:schemeClr val="bg1"/>
                 </a:solidFill>
-              </a:rPr>
-              <a:t>function</a:t>
+                <a:latin typeface="Consolas" panose="020B0609020204030204" pitchFamily="49" charset="0"/>
+                <a:cs typeface="Consolas" panose="020B0609020204030204" pitchFamily="49" charset="0"/>
+              </a:rPr>
+              <a:t>only</a:t>
             </a:r>
             <a:r>
               <a:rPr lang="nl-NL" sz="2400" b="1" dirty="0">
                 <a:solidFill>
                   <a:schemeClr val="bg1"/>
                 </a:solidFill>
+                <a:latin typeface="Consolas" panose="020B0609020204030204" pitchFamily="49" charset="0"/>
+                <a:cs typeface="Consolas" panose="020B0609020204030204" pitchFamily="49" charset="0"/>
               </a:rPr>
               <a:t> </a:t>
             </a:r>
@@ -19367,14 +20135,18 @@
                 <a:solidFill>
                   <a:schemeClr val="bg1"/>
                 </a:solidFill>
-              </a:rPr>
-              <a:t>that</a:t>
+                <a:latin typeface="Consolas" panose="020B0609020204030204" pitchFamily="49" charset="0"/>
+                <a:cs typeface="Consolas" panose="020B0609020204030204" pitchFamily="49" charset="0"/>
+              </a:rPr>
+              <a:t>unique</a:t>
             </a:r>
             <a:r>
               <a:rPr lang="nl-NL" sz="2400" b="1" dirty="0">
                 <a:solidFill>
                   <a:schemeClr val="bg1"/>
                 </a:solidFill>
+                <a:latin typeface="Consolas" panose="020B0609020204030204" pitchFamily="49" charset="0"/>
+                <a:cs typeface="Consolas" panose="020B0609020204030204" pitchFamily="49" charset="0"/>
               </a:rPr>
               <a:t> </a:t>
             </a:r>
@@ -19383,141 +20155,17 @@
                 <a:solidFill>
                   <a:schemeClr val="bg1"/>
                 </a:solidFill>
-              </a:rPr>
-              <a:t>encrypts</a:t>
-            </a:r>
-            <a:r>
-              <a:rPr lang="nl-NL" sz="2400" b="1" dirty="0">
-                <a:solidFill>
-                  <a:schemeClr val="bg1"/>
-                </a:solidFill>
-              </a:rPr>
-              <a:t> </a:t>
-            </a:r>
-            <a:r>
-              <a:rPr lang="nl-NL" sz="2400" b="1" dirty="0" err="1">
-                <a:solidFill>
-                  <a:schemeClr val="bg1"/>
-                </a:solidFill>
-              </a:rPr>
-              <a:t>text</a:t>
-            </a:r>
-            <a:r>
-              <a:rPr lang="nl-NL" sz="2400" b="1" dirty="0">
-                <a:solidFill>
-                  <a:schemeClr val="bg1"/>
-                </a:solidFill>
-              </a:rPr>
-              <a:t> </a:t>
-            </a:r>
-            <a:r>
-              <a:rPr lang="nl-NL" sz="2400" b="1" dirty="0" err="1">
-                <a:solidFill>
-                  <a:schemeClr val="bg1"/>
-                </a:solidFill>
-              </a:rPr>
-              <a:t>by</a:t>
-            </a:r>
-            <a:r>
-              <a:rPr lang="nl-NL" sz="2400" b="1" dirty="0">
-                <a:solidFill>
-                  <a:schemeClr val="bg1"/>
-                </a:solidFill>
-              </a:rPr>
-              <a:t> </a:t>
-            </a:r>
-            <a:r>
-              <a:rPr lang="nl-NL" sz="2400" b="1" dirty="0" err="1">
-                <a:solidFill>
-                  <a:schemeClr val="bg1"/>
-                </a:solidFill>
-              </a:rPr>
-              <a:t>moving</a:t>
-            </a:r>
-            <a:r>
-              <a:rPr lang="nl-NL" sz="2400" b="1" dirty="0">
-                <a:solidFill>
-                  <a:schemeClr val="bg1"/>
-                </a:solidFill>
-              </a:rPr>
-              <a:t> </a:t>
-            </a:r>
-            <a:r>
-              <a:rPr lang="nl-NL" sz="2400" b="1" dirty="0" err="1">
-                <a:solidFill>
-                  <a:schemeClr val="bg1"/>
-                </a:solidFill>
-              </a:rPr>
-              <a:t>each</a:t>
-            </a:r>
-            <a:r>
-              <a:rPr lang="nl-NL" sz="2400" b="1" dirty="0">
-                <a:solidFill>
-                  <a:schemeClr val="bg1"/>
-                </a:solidFill>
-              </a:rPr>
-              <a:t> letter 2 </a:t>
-            </a:r>
-            <a:r>
-              <a:rPr lang="nl-NL" sz="2400" b="1" dirty="0" err="1">
-                <a:solidFill>
-                  <a:schemeClr val="bg1"/>
-                </a:solidFill>
-              </a:rPr>
-              <a:t>positions</a:t>
-            </a:r>
-            <a:r>
-              <a:rPr lang="nl-NL" sz="2400" b="1" dirty="0">
-                <a:solidFill>
-                  <a:schemeClr val="bg1"/>
-                </a:solidFill>
-              </a:rPr>
-              <a:t> </a:t>
-            </a:r>
-            <a:r>
-              <a:rPr lang="nl-NL" sz="2400" b="1" dirty="0" err="1">
-                <a:solidFill>
-                  <a:schemeClr val="bg1"/>
-                </a:solidFill>
-              </a:rPr>
-              <a:t>higher</a:t>
-            </a:r>
-            <a:r>
-              <a:rPr lang="nl-NL" sz="2400" b="1" dirty="0">
-                <a:solidFill>
-                  <a:schemeClr val="bg1"/>
-                </a:solidFill>
-              </a:rPr>
-              <a:t> in </a:t>
-            </a:r>
-            <a:r>
-              <a:rPr lang="nl-NL" sz="2400" b="1" dirty="0" err="1">
-                <a:solidFill>
-                  <a:schemeClr val="bg1"/>
-                </a:solidFill>
-              </a:rPr>
-              <a:t>the</a:t>
-            </a:r>
-            <a:r>
-              <a:rPr lang="nl-NL" sz="2400" b="1" dirty="0">
-                <a:solidFill>
-                  <a:schemeClr val="bg1"/>
-                </a:solidFill>
-              </a:rPr>
-              <a:t> </a:t>
-            </a:r>
-            <a:r>
-              <a:rPr lang="nl-NL" sz="2400" b="1" dirty="0" err="1">
-                <a:solidFill>
-                  <a:schemeClr val="bg1"/>
-                </a:solidFill>
-              </a:rPr>
-              <a:t>alphabet</a:t>
+                <a:latin typeface="Consolas" panose="020B0609020204030204" pitchFamily="49" charset="0"/>
+                <a:cs typeface="Consolas" panose="020B0609020204030204" pitchFamily="49" charset="0"/>
+              </a:rPr>
+              <a:t>values</a:t>
             </a:r>
             <a:endParaRPr lang="nl-NL" sz="2400" b="1" dirty="0">
               <a:solidFill>
                 <a:schemeClr val="bg1"/>
               </a:solidFill>
+              <a:latin typeface="Consolas" panose="020B0609020204030204" pitchFamily="49" charset="0"/>
+              <a:cs typeface="Consolas" panose="020B0609020204030204" pitchFamily="49" charset="0"/>
             </a:endParaRPr>
           </a:p>
           <a:p>
@@ -19530,97 +20178,100 @@
                 <a:solidFill>
                   <a:schemeClr val="bg1"/>
                 </a:solidFill>
-              </a:rPr>
-              <a:t>Example</a:t>
+                <a:latin typeface="Consolas" panose="020B0609020204030204" pitchFamily="49" charset="0"/>
+                <a:cs typeface="Consolas" panose="020B0609020204030204" pitchFamily="49" charset="0"/>
+              </a:rPr>
+              <a:t>Compare</a:t>
             </a:r>
             <a:r>
               <a:rPr lang="nl-NL" sz="2400" b="1" dirty="0">
                 <a:solidFill>
                   <a:schemeClr val="bg1"/>
                 </a:solidFill>
-              </a:rPr>
-              <a:t>: ”</a:t>
+                <a:latin typeface="Consolas" panose="020B0609020204030204" pitchFamily="49" charset="0"/>
+                <a:cs typeface="Consolas" panose="020B0609020204030204" pitchFamily="49" charset="0"/>
+              </a:rPr>
+              <a:t> a list </a:t>
             </a:r>
             <a:r>
               <a:rPr lang="nl-NL" sz="2400" b="1" dirty="0" err="1">
                 <a:solidFill>
                   <a:schemeClr val="bg1"/>
                 </a:solidFill>
-              </a:rPr>
-              <a:t>Example</a:t>
+                <a:latin typeface="Consolas" panose="020B0609020204030204" pitchFamily="49" charset="0"/>
+                <a:cs typeface="Consolas" panose="020B0609020204030204" pitchFamily="49" charset="0"/>
+              </a:rPr>
+              <a:t>to</a:t>
             </a:r>
             <a:r>
               <a:rPr lang="nl-NL" sz="2400" b="1" dirty="0">
                 <a:solidFill>
                   <a:schemeClr val="bg1"/>
                 </a:solidFill>
-              </a:rPr>
-              <a:t> </a:t>
+                <a:latin typeface="Consolas" panose="020B0609020204030204" pitchFamily="49" charset="0"/>
+                <a:cs typeface="Consolas" panose="020B0609020204030204" pitchFamily="49" charset="0"/>
+              </a:rPr>
+              <a:t> a set </a:t>
             </a:r>
             <a:r>
               <a:rPr lang="nl-NL" sz="2400" b="1" dirty="0" err="1">
                 <a:solidFill>
                   <a:schemeClr val="bg1"/>
                 </a:solidFill>
-              </a:rPr>
-              <a:t>text</a:t>
+                <a:latin typeface="Consolas" panose="020B0609020204030204" pitchFamily="49" charset="0"/>
+                <a:cs typeface="Consolas" panose="020B0609020204030204" pitchFamily="49" charset="0"/>
+              </a:rPr>
+              <a:t>to</a:t>
             </a:r>
             <a:r>
               <a:rPr lang="nl-NL" sz="2400" b="1" dirty="0">
                 <a:solidFill>
                   <a:schemeClr val="bg1"/>
                 </a:solidFill>
-              </a:rPr>
-              <a:t>” </a:t>
+                <a:latin typeface="Consolas" panose="020B0609020204030204" pitchFamily="49" charset="0"/>
+                <a:cs typeface="Consolas" panose="020B0609020204030204" pitchFamily="49" charset="0"/>
+              </a:rPr>
+              <a:t> test </a:t>
             </a:r>
             <a:r>
               <a:rPr lang="nl-NL" sz="2400" b="1" dirty="0" err="1">
                 <a:solidFill>
                   <a:schemeClr val="bg1"/>
                 </a:solidFill>
-              </a:rPr>
-              <a:t>becomes</a:t>
+                <a:latin typeface="Consolas" panose="020B0609020204030204" pitchFamily="49" charset="0"/>
+                <a:cs typeface="Consolas" panose="020B0609020204030204" pitchFamily="49" charset="0"/>
+              </a:rPr>
+              <a:t>for</a:t>
             </a:r>
             <a:r>
               <a:rPr lang="nl-NL" sz="2400" b="1" dirty="0">
                 <a:solidFill>
                   <a:schemeClr val="bg1"/>
                 </a:solidFill>
-              </a:rPr>
-              <a:t> ”</a:t>
+                <a:latin typeface="Consolas" panose="020B0609020204030204" pitchFamily="49" charset="0"/>
+                <a:cs typeface="Consolas" panose="020B0609020204030204" pitchFamily="49" charset="0"/>
+              </a:rPr>
+              <a:t> </a:t>
             </a:r>
             <a:r>
               <a:rPr lang="nl-NL" sz="2400" b="1" dirty="0" err="1">
                 <a:solidFill>
                   <a:schemeClr val="bg1"/>
                 </a:solidFill>
-              </a:rPr>
-              <a:t>Gzcorng</a:t>
-            </a:r>
-            <a:r>
-              <a:rPr lang="nl-NL" sz="2400" b="1" dirty="0">
-                <a:solidFill>
-                  <a:schemeClr val="bg1"/>
-                </a:solidFill>
-              </a:rPr>
-              <a:t> </a:t>
-            </a:r>
-            <a:r>
-              <a:rPr lang="nl-NL" sz="2400" b="1" dirty="0" err="1">
-                <a:solidFill>
-                  <a:schemeClr val="bg1"/>
-                </a:solidFill>
-              </a:rPr>
-              <a:t>vgzv</a:t>
-            </a:r>
-            <a:r>
-              <a:rPr lang="nl-NL" sz="2400" b="1" dirty="0">
-                <a:solidFill>
-                  <a:schemeClr val="bg1"/>
-                </a:solidFill>
-              </a:rPr>
-              <a:t>”</a:t>
-            </a:r>
+                <a:latin typeface="Consolas" panose="020B0609020204030204" pitchFamily="49" charset="0"/>
+                <a:cs typeface="Consolas" panose="020B0609020204030204" pitchFamily="49" charset="0"/>
+              </a:rPr>
+              <a:t>duplicates</a:t>
+            </a:r>
+            <a:endParaRPr lang="nl-NL" sz="2400" b="1" dirty="0">
+              <a:solidFill>
+                <a:schemeClr val="bg1"/>
+              </a:solidFill>
+              <a:latin typeface="Consolas" panose="020B0609020204030204" pitchFamily="49" charset="0"/>
+              <a:cs typeface="Consolas" panose="020B0609020204030204" pitchFamily="49" charset="0"/>
+            </a:endParaRPr>
+          </a:p>
+          <a:p>
             <a:endParaRPr lang="en" sz="2400" b="1" dirty="0">
               <a:solidFill>
                 <a:schemeClr val="bg1"/>
@@ -19662,7 +20313,7 @@
     </p:spTree>
     <p:extLst>
       <p:ext uri="{BB962C8B-B14F-4D97-AF65-F5344CB8AC3E}">
-        <p14:creationId xmlns:p14="http://schemas.microsoft.com/office/powerpoint/2010/main" val="935237224"/>
+        <p14:creationId xmlns:p14="http://schemas.microsoft.com/office/powerpoint/2010/main" val="3330782781"/>
       </p:ext>
     </p:extLst>
   </p:cSld>
@@ -19734,7 +20385,7 @@
                   <a:schemeClr val="bg1"/>
                 </a:solidFill>
               </a:rPr>
-              <a:t>Learnings</a:t>
+              <a:t>Assignment</a:t>
             </a:r>
             <a:r>
               <a:rPr lang="nl-NL" dirty="0">
@@ -19742,7 +20393,23 @@
                   <a:schemeClr val="bg1"/>
                 </a:solidFill>
               </a:rPr>
-              <a:t> 2</a:t>
+              <a:t> 2 - </a:t>
+            </a:r>
+            <a:r>
+              <a:rPr lang="nl-NL" dirty="0" err="1">
+                <a:solidFill>
+                  <a:schemeClr val="bg1"/>
+                </a:solidFill>
+              </a:rPr>
+              <a:t>Cipher</a:t>
+            </a:r>
+            <a:r>
+              <a:rPr lang="nl-NL" dirty="0">
+                <a:solidFill>
+                  <a:schemeClr val="bg1"/>
+                </a:solidFill>
+              </a:rPr>
+              <a:t> </a:t>
             </a:r>
           </a:p>
         </p:txBody>
@@ -19761,8 +20428,8 @@
         </p:nvSpPr>
         <p:spPr>
           <a:xfrm>
-            <a:off x="811012" y="1769201"/>
-            <a:ext cx="9482279" cy="1569660"/>
+            <a:off x="811013" y="1769201"/>
+            <a:ext cx="9079607" cy="1200329"/>
           </a:xfrm>
           <a:prstGeom prst="rect">
             <a:avLst/>
@@ -19784,64 +20451,193 @@
                 <a:solidFill>
                   <a:schemeClr val="bg1"/>
                 </a:solidFill>
-                <a:latin typeface="Consolas" panose="020B0609020204030204" pitchFamily="49" charset="0"/>
-                <a:cs typeface="Consolas" panose="020B0609020204030204" pitchFamily="49" charset="0"/>
-              </a:rPr>
-              <a:t>What</a:t>
+              </a:rPr>
+              <a:t>Create</a:t>
             </a:r>
             <a:r>
               <a:rPr lang="nl-NL" sz="2400" b="1" dirty="0">
                 <a:solidFill>
                   <a:schemeClr val="bg1"/>
                 </a:solidFill>
-                <a:latin typeface="Consolas" panose="020B0609020204030204" pitchFamily="49" charset="0"/>
-                <a:cs typeface="Consolas" panose="020B0609020204030204" pitchFamily="49" charset="0"/>
-              </a:rPr>
-              <a:t> </a:t>
+              </a:rPr>
+              <a:t> a </a:t>
             </a:r>
             <a:r>
               <a:rPr lang="nl-NL" sz="2400" b="1" dirty="0" err="1">
                 <a:solidFill>
                   <a:schemeClr val="bg1"/>
                 </a:solidFill>
-                <a:latin typeface="Consolas" panose="020B0609020204030204" pitchFamily="49" charset="0"/>
-                <a:cs typeface="Consolas" panose="020B0609020204030204" pitchFamily="49" charset="0"/>
-              </a:rPr>
-              <a:t>did</a:t>
+              </a:rPr>
+              <a:t>function</a:t>
             </a:r>
             <a:r>
               <a:rPr lang="nl-NL" sz="2400" b="1" dirty="0">
                 <a:solidFill>
                   <a:schemeClr val="bg1"/>
                 </a:solidFill>
-                <a:latin typeface="Consolas" panose="020B0609020204030204" pitchFamily="49" charset="0"/>
-                <a:cs typeface="Consolas" panose="020B0609020204030204" pitchFamily="49" charset="0"/>
-              </a:rPr>
-              <a:t> we </a:t>
+              </a:rPr>
+              <a:t> </a:t>
             </a:r>
             <a:r>
               <a:rPr lang="nl-NL" sz="2400" b="1" dirty="0" err="1">
                 <a:solidFill>
                   <a:schemeClr val="bg1"/>
                 </a:solidFill>
-                <a:latin typeface="Consolas" panose="020B0609020204030204" pitchFamily="49" charset="0"/>
-                <a:cs typeface="Consolas" panose="020B0609020204030204" pitchFamily="49" charset="0"/>
-              </a:rPr>
-              <a:t>learn</a:t>
+              </a:rPr>
+              <a:t>that</a:t>
             </a:r>
             <a:r>
               <a:rPr lang="nl-NL" sz="2400" b="1" dirty="0">
                 <a:solidFill>
                   <a:schemeClr val="bg1"/>
                 </a:solidFill>
-                <a:latin typeface="Consolas" panose="020B0609020204030204" pitchFamily="49" charset="0"/>
-                <a:cs typeface="Consolas" panose="020B0609020204030204" pitchFamily="49" charset="0"/>
-              </a:rPr>
-              <a:t>?</a:t>
-            </a:r>
+              </a:rPr>
+              <a:t> </a:t>
+            </a:r>
+            <a:r>
+              <a:rPr lang="nl-NL" sz="2400" b="1" dirty="0" err="1">
+                <a:solidFill>
+                  <a:schemeClr val="bg1"/>
+                </a:solidFill>
+              </a:rPr>
+              <a:t>encrypts</a:t>
+            </a:r>
+            <a:r>
+              <a:rPr lang="nl-NL" sz="2400" b="1" dirty="0">
+                <a:solidFill>
+                  <a:schemeClr val="bg1"/>
+                </a:solidFill>
+              </a:rPr>
+              <a:t> </a:t>
+            </a:r>
+            <a:r>
+              <a:rPr lang="nl-NL" sz="2400" b="1" dirty="0" err="1">
+                <a:solidFill>
+                  <a:schemeClr val="bg1"/>
+                </a:solidFill>
+              </a:rPr>
+              <a:t>text</a:t>
+            </a:r>
+            <a:r>
+              <a:rPr lang="nl-NL" sz="2400" b="1" dirty="0">
+                <a:solidFill>
+                  <a:schemeClr val="bg1"/>
+                </a:solidFill>
+              </a:rPr>
+              <a:t> </a:t>
+            </a:r>
+            <a:r>
+              <a:rPr lang="nl-NL" sz="2400" b="1" dirty="0" err="1">
+                <a:solidFill>
+                  <a:schemeClr val="bg1"/>
+                </a:solidFill>
+              </a:rPr>
+              <a:t>by</a:t>
+            </a:r>
+            <a:r>
+              <a:rPr lang="nl-NL" sz="2400" b="1" dirty="0">
+                <a:solidFill>
+                  <a:schemeClr val="bg1"/>
+                </a:solidFill>
+              </a:rPr>
+              <a:t> </a:t>
+            </a:r>
+            <a:r>
+              <a:rPr lang="nl-NL" sz="2400" b="1" dirty="0" err="1">
+                <a:solidFill>
+                  <a:schemeClr val="bg1"/>
+                </a:solidFill>
+              </a:rPr>
+              <a:t>moving</a:t>
+            </a:r>
+            <a:r>
+              <a:rPr lang="nl-NL" sz="2400" b="1" dirty="0">
+                <a:solidFill>
+                  <a:schemeClr val="bg1"/>
+                </a:solidFill>
+              </a:rPr>
+              <a:t> </a:t>
+            </a:r>
+            <a:r>
+              <a:rPr lang="nl-NL" sz="2400" b="1" dirty="0" err="1">
+                <a:solidFill>
+                  <a:schemeClr val="bg1"/>
+                </a:solidFill>
+              </a:rPr>
+              <a:t>each</a:t>
+            </a:r>
+            <a:r>
+              <a:rPr lang="nl-NL" sz="2400" b="1" dirty="0">
+                <a:solidFill>
+                  <a:schemeClr val="bg1"/>
+                </a:solidFill>
+              </a:rPr>
+              <a:t> letter 2 </a:t>
+            </a:r>
+            <a:r>
+              <a:rPr lang="nl-NL" sz="2400" b="1" dirty="0" err="1">
+                <a:solidFill>
+                  <a:schemeClr val="bg1"/>
+                </a:solidFill>
+              </a:rPr>
+              <a:t>positions</a:t>
+            </a:r>
+            <a:r>
+              <a:rPr lang="nl-NL" sz="2400" b="1" dirty="0">
+                <a:solidFill>
+                  <a:schemeClr val="bg1"/>
+                </a:solidFill>
+              </a:rPr>
+              <a:t> </a:t>
+            </a:r>
+            <a:r>
+              <a:rPr lang="nl-NL" sz="2400" b="1" dirty="0" err="1">
+                <a:solidFill>
+                  <a:schemeClr val="bg1"/>
+                </a:solidFill>
+              </a:rPr>
+              <a:t>higher</a:t>
+            </a:r>
+            <a:r>
+              <a:rPr lang="nl-NL" sz="2400" b="1" dirty="0">
+                <a:solidFill>
+                  <a:schemeClr val="bg1"/>
+                </a:solidFill>
+              </a:rPr>
+              <a:t> in </a:t>
+            </a:r>
+            <a:r>
+              <a:rPr lang="nl-NL" sz="2400" b="1" dirty="0" err="1">
+                <a:solidFill>
+                  <a:schemeClr val="bg1"/>
+                </a:solidFill>
+              </a:rPr>
+              <a:t>the</a:t>
+            </a:r>
+            <a:r>
+              <a:rPr lang="nl-NL" sz="2400" b="1" dirty="0">
+                <a:solidFill>
+                  <a:schemeClr val="bg1"/>
+                </a:solidFill>
+              </a:rPr>
+              <a:t> </a:t>
+            </a:r>
+            <a:r>
+              <a:rPr lang="nl-NL" sz="2400" b="1" dirty="0" err="1">
+                <a:solidFill>
+                  <a:schemeClr val="bg1"/>
+                </a:solidFill>
+              </a:rPr>
+              <a:t>alphabet</a:t>
+            </a:r>
+            <a:endParaRPr lang="nl-NL" sz="2400" b="1" dirty="0">
+              <a:solidFill>
+                <a:schemeClr val="bg1"/>
+              </a:solidFill>
+            </a:endParaRPr>
           </a:p>
           <a:p>
-            <a:pPr marL="914400" lvl="1" indent="-457200">
+            <a:pPr marL="457200" indent="-457200">
               <a:buFont typeface="Arial" panose="020B0604020202020204" pitchFamily="34" charset="0"/>
               <a:buChar char="•"/>
             </a:pPr>
@@ -19850,38 +20646,30 @@
                 <a:solidFill>
                   <a:schemeClr val="bg1"/>
                 </a:solidFill>
-                <a:latin typeface="Consolas" panose="020B0609020204030204" pitchFamily="49" charset="0"/>
-                <a:cs typeface="Consolas" panose="020B0609020204030204" pitchFamily="49" charset="0"/>
-              </a:rPr>
-              <a:t>Convert</a:t>
+              </a:rPr>
+              <a:t>Example</a:t>
             </a:r>
             <a:r>
               <a:rPr lang="nl-NL" sz="2400" b="1" dirty="0">
                 <a:solidFill>
                   <a:schemeClr val="bg1"/>
                 </a:solidFill>
-                <a:latin typeface="Consolas" panose="020B0609020204030204" pitchFamily="49" charset="0"/>
-                <a:cs typeface="Consolas" panose="020B0609020204030204" pitchFamily="49" charset="0"/>
-              </a:rPr>
-              <a:t> letters </a:t>
+              </a:rPr>
+              <a:t>: ”</a:t>
             </a:r>
             <a:r>
               <a:rPr lang="nl-NL" sz="2400" b="1" dirty="0" err="1">
                 <a:solidFill>
                   <a:schemeClr val="bg1"/>
                 </a:solidFill>
-                <a:latin typeface="Consolas" panose="020B0609020204030204" pitchFamily="49" charset="0"/>
-                <a:cs typeface="Consolas" panose="020B0609020204030204" pitchFamily="49" charset="0"/>
-              </a:rPr>
-              <a:t>to</a:t>
+              </a:rPr>
+              <a:t>Example</a:t>
             </a:r>
             <a:r>
               <a:rPr lang="nl-NL" sz="2400" b="1" dirty="0">
                 <a:solidFill>
                   <a:schemeClr val="bg1"/>
                 </a:solidFill>
-                <a:latin typeface="Consolas" panose="020B0609020204030204" pitchFamily="49" charset="0"/>
-                <a:cs typeface="Consolas" panose="020B0609020204030204" pitchFamily="49" charset="0"/>
               </a:rPr>
               <a:t> </a:t>
             </a:r>
@@ -19890,58 +20678,46 @@
                 <a:solidFill>
                   <a:schemeClr val="bg1"/>
                 </a:solidFill>
-                <a:latin typeface="Consolas" panose="020B0609020204030204" pitchFamily="49" charset="0"/>
-                <a:cs typeface="Consolas" panose="020B0609020204030204" pitchFamily="49" charset="0"/>
-              </a:rPr>
-              <a:t>their</a:t>
+              </a:rPr>
+              <a:t>text</a:t>
             </a:r>
             <a:r>
               <a:rPr lang="nl-NL" sz="2400" b="1" dirty="0">
                 <a:solidFill>
                   <a:schemeClr val="bg1"/>
                 </a:solidFill>
-                <a:latin typeface="Consolas" panose="020B0609020204030204" pitchFamily="49" charset="0"/>
-                <a:cs typeface="Consolas" panose="020B0609020204030204" pitchFamily="49" charset="0"/>
-              </a:rPr>
-              <a:t> ASCII </a:t>
+              </a:rPr>
+              <a:t>” </a:t>
             </a:r>
             <a:r>
               <a:rPr lang="nl-NL" sz="2400" b="1" dirty="0" err="1">
                 <a:solidFill>
                   <a:schemeClr val="bg1"/>
                 </a:solidFill>
-                <a:latin typeface="Consolas" panose="020B0609020204030204" pitchFamily="49" charset="0"/>
-                <a:cs typeface="Consolas" panose="020B0609020204030204" pitchFamily="49" charset="0"/>
-              </a:rPr>
-              <a:t>value</a:t>
+              </a:rPr>
+              <a:t>becomes</a:t>
             </a:r>
             <a:r>
               <a:rPr lang="nl-NL" sz="2400" b="1" dirty="0">
                 <a:solidFill>
                   <a:schemeClr val="bg1"/>
                 </a:solidFill>
-                <a:latin typeface="Consolas" panose="020B0609020204030204" pitchFamily="49" charset="0"/>
-                <a:cs typeface="Consolas" panose="020B0609020204030204" pitchFamily="49" charset="0"/>
-              </a:rPr>
-              <a:t> </a:t>
+              </a:rPr>
+              <a:t> ”</a:t>
             </a:r>
             <a:r>
               <a:rPr lang="nl-NL" sz="2400" b="1" dirty="0" err="1">
                 <a:solidFill>
                   <a:schemeClr val="bg1"/>
                 </a:solidFill>
-                <a:latin typeface="Consolas" panose="020B0609020204030204" pitchFamily="49" charset="0"/>
-                <a:cs typeface="Consolas" panose="020B0609020204030204" pitchFamily="49" charset="0"/>
-              </a:rPr>
-              <a:t>with</a:t>
+              </a:rPr>
+              <a:t>Gzcorng</a:t>
             </a:r>
             <a:r>
               <a:rPr lang="nl-NL" sz="2400" b="1" dirty="0">
                 <a:solidFill>
                   <a:schemeClr val="bg1"/>
                 </a:solidFill>
-                <a:latin typeface="Consolas" panose="020B0609020204030204" pitchFamily="49" charset="0"/>
-                <a:cs typeface="Consolas" panose="020B0609020204030204" pitchFamily="49" charset="0"/>
               </a:rPr>
               <a:t> </a:t>
             </a:r>
@@ -19950,109 +20726,17 @@
                 <a:solidFill>
                   <a:schemeClr val="bg1"/>
                 </a:solidFill>
-                <a:latin typeface="Consolas" panose="020B0609020204030204" pitchFamily="49" charset="0"/>
-                <a:cs typeface="Consolas" panose="020B0609020204030204" pitchFamily="49" charset="0"/>
-              </a:rPr>
-              <a:t>ord</a:t>
+              </a:rPr>
+              <a:t>vgzv</a:t>
             </a:r>
             <a:r>
               <a:rPr lang="nl-NL" sz="2400" b="1" dirty="0">
                 <a:solidFill>
                   <a:schemeClr val="bg1"/>
                 </a:solidFill>
-                <a:latin typeface="Consolas" panose="020B0609020204030204" pitchFamily="49" charset="0"/>
-                <a:cs typeface="Consolas" panose="020B0609020204030204" pitchFamily="49" charset="0"/>
-              </a:rPr>
-              <a:t>()</a:t>
-            </a:r>
-          </a:p>
-          <a:p>
-            <a:pPr marL="914400" lvl="1" indent="-457200">
-              <a:buFont typeface="Arial" panose="020B0604020202020204" pitchFamily="34" charset="0"/>
-              <a:buChar char="•"/>
-            </a:pPr>
-            <a:r>
-              <a:rPr lang="nl-NL" sz="2400" b="1" dirty="0" err="1">
-                <a:solidFill>
-                  <a:schemeClr val="bg1"/>
-                </a:solidFill>
-                <a:latin typeface="Consolas" panose="020B0609020204030204" pitchFamily="49" charset="0"/>
-                <a:cs typeface="Consolas" panose="020B0609020204030204" pitchFamily="49" charset="0"/>
-              </a:rPr>
-              <a:t>Convert</a:t>
-            </a:r>
-            <a:r>
-              <a:rPr lang="nl-NL" sz="2400" b="1" dirty="0">
-                <a:solidFill>
-                  <a:schemeClr val="bg1"/>
-                </a:solidFill>
-                <a:latin typeface="Consolas" panose="020B0609020204030204" pitchFamily="49" charset="0"/>
-                <a:cs typeface="Consolas" panose="020B0609020204030204" pitchFamily="49" charset="0"/>
-              </a:rPr>
-              <a:t> </a:t>
-            </a:r>
-            <a:r>
-              <a:rPr lang="nl-NL" sz="2400" b="1" dirty="0" err="1">
-                <a:solidFill>
-                  <a:schemeClr val="bg1"/>
-                </a:solidFill>
-                <a:latin typeface="Consolas" panose="020B0609020204030204" pitchFamily="49" charset="0"/>
-                <a:cs typeface="Consolas" panose="020B0609020204030204" pitchFamily="49" charset="0"/>
-              </a:rPr>
-              <a:t>them</a:t>
-            </a:r>
-            <a:r>
-              <a:rPr lang="nl-NL" sz="2400" b="1" dirty="0">
-                <a:solidFill>
-                  <a:schemeClr val="bg1"/>
-                </a:solidFill>
-                <a:latin typeface="Consolas" panose="020B0609020204030204" pitchFamily="49" charset="0"/>
-                <a:cs typeface="Consolas" panose="020B0609020204030204" pitchFamily="49" charset="0"/>
-              </a:rPr>
-              <a:t> back </a:t>
-            </a:r>
-            <a:r>
-              <a:rPr lang="nl-NL" sz="2400" b="1" dirty="0" err="1">
-                <a:solidFill>
-                  <a:schemeClr val="bg1"/>
-                </a:solidFill>
-                <a:latin typeface="Consolas" panose="020B0609020204030204" pitchFamily="49" charset="0"/>
-                <a:cs typeface="Consolas" panose="020B0609020204030204" pitchFamily="49" charset="0"/>
-              </a:rPr>
-              <a:t>with</a:t>
-            </a:r>
-            <a:r>
-              <a:rPr lang="nl-NL" sz="2400" b="1" dirty="0">
-                <a:solidFill>
-                  <a:schemeClr val="bg1"/>
-                </a:solidFill>
-                <a:latin typeface="Consolas" panose="020B0609020204030204" pitchFamily="49" charset="0"/>
-                <a:cs typeface="Consolas" panose="020B0609020204030204" pitchFamily="49" charset="0"/>
-              </a:rPr>
-              <a:t> </a:t>
-            </a:r>
-            <a:r>
-              <a:rPr lang="nl-NL" sz="2400" b="1" dirty="0" err="1">
-                <a:solidFill>
-                  <a:schemeClr val="bg1"/>
-                </a:solidFill>
-                <a:latin typeface="Consolas" panose="020B0609020204030204" pitchFamily="49" charset="0"/>
-                <a:cs typeface="Consolas" panose="020B0609020204030204" pitchFamily="49" charset="0"/>
-              </a:rPr>
-              <a:t>chr</a:t>
-            </a:r>
-            <a:r>
-              <a:rPr lang="nl-NL" sz="2400" b="1" dirty="0">
-                <a:solidFill>
-                  <a:schemeClr val="bg1"/>
-                </a:solidFill>
-                <a:latin typeface="Consolas" panose="020B0609020204030204" pitchFamily="49" charset="0"/>
-                <a:cs typeface="Consolas" panose="020B0609020204030204" pitchFamily="49" charset="0"/>
-              </a:rPr>
-              <a:t>()</a:t>
-            </a:r>
-          </a:p>
-          <a:p>
+              </a:rPr>
+              <a:t>”</a:t>
+            </a:r>
             <a:endParaRPr lang="en" sz="2400" b="1" dirty="0">
               <a:solidFill>
                 <a:schemeClr val="bg1"/>
@@ -20094,7 +20778,7 @@
     </p:spTree>
     <p:extLst>
       <p:ext uri="{BB962C8B-B14F-4D97-AF65-F5344CB8AC3E}">
-        <p14:creationId xmlns:p14="http://schemas.microsoft.com/office/powerpoint/2010/main" val="1019174389"/>
+        <p14:creationId xmlns:p14="http://schemas.microsoft.com/office/powerpoint/2010/main" val="935237224"/>
       </p:ext>
     </p:extLst>
   </p:cSld>
@@ -20166,7 +20850,7 @@
                   <a:schemeClr val="bg1"/>
                 </a:solidFill>
               </a:rPr>
-              <a:t>Assignment</a:t>
+              <a:t>Learnings</a:t>
             </a:r>
             <a:r>
               <a:rPr lang="nl-NL" dirty="0">
@@ -20174,39 +20858,7 @@
                   <a:schemeClr val="bg1"/>
                 </a:solidFill>
               </a:rPr>
-              <a:t> 3 - </a:t>
-            </a:r>
-            <a:r>
-              <a:rPr lang="nl-NL" dirty="0" err="1">
-                <a:solidFill>
-                  <a:schemeClr val="bg1"/>
-                </a:solidFill>
-              </a:rPr>
-              <a:t>rocket</a:t>
-            </a:r>
-            <a:r>
-              <a:rPr lang="nl-NL" dirty="0">
-                <a:solidFill>
-                  <a:schemeClr val="bg1"/>
-                </a:solidFill>
-              </a:rPr>
-              <a:t> </a:t>
-            </a:r>
-            <a:r>
-              <a:rPr lang="nl-NL" dirty="0" err="1">
-                <a:solidFill>
-                  <a:schemeClr val="bg1"/>
-                </a:solidFill>
-              </a:rPr>
-              <a:t>equation</a:t>
-            </a:r>
-            <a:r>
-              <a:rPr lang="nl-NL" dirty="0">
-                <a:solidFill>
-                  <a:schemeClr val="bg1"/>
-                </a:solidFill>
-              </a:rPr>
-              <a:t> </a:t>
+              <a:t> 2</a:t>
             </a:r>
           </a:p>
         </p:txBody>
@@ -20225,8 +20877,8 @@
         </p:nvSpPr>
         <p:spPr>
           <a:xfrm>
-            <a:off x="820952" y="1656522"/>
-            <a:ext cx="10244127" cy="4154984"/>
+            <a:off x="811012" y="1769201"/>
+            <a:ext cx="9482279" cy="1569660"/>
           </a:xfrm>
           <a:prstGeom prst="rect">
             <a:avLst/>
@@ -20239,200 +20891,281 @@
           </a:bodyPr>
           <a:lstStyle/>
           <a:p>
-            <a:r>
-              <a:rPr lang="en" sz="2400" b="1" dirty="0">
+            <a:pPr marL="457200" indent="-457200">
+              <a:buFont typeface="Arial" panose="020B0604020202020204" pitchFamily="34" charset="0"/>
+              <a:buChar char="•"/>
+            </a:pPr>
+            <a:r>
+              <a:rPr lang="nl-NL" sz="2400" b="1" dirty="0" err="1">
                 <a:solidFill>
                   <a:schemeClr val="bg1"/>
                 </a:solidFill>
                 <a:latin typeface="Consolas" panose="020B0609020204030204" pitchFamily="49" charset="0"/>
                 <a:cs typeface="Consolas" panose="020B0609020204030204" pitchFamily="49" charset="0"/>
               </a:rPr>
-              <a:t>If you launch a something into space you need fuel. The higher the mass the more fuel you need. </a:t>
-            </a:r>
-            <a:r>
-              <a:rPr lang="nl-NL" sz="2400" b="1" dirty="0" err="1">
+              <a:t>What</a:t>
+            </a:r>
+            <a:r>
+              <a:rPr lang="nl-NL" sz="2400" b="1" dirty="0">
                 <a:solidFill>
                   <a:schemeClr val="bg1"/>
                 </a:solidFill>
                 <a:latin typeface="Consolas" panose="020B0609020204030204" pitchFamily="49" charset="0"/>
                 <a:cs typeface="Consolas" panose="020B0609020204030204" pitchFamily="49" charset="0"/>
               </a:rPr>
-              <a:t>To</a:t>
-            </a:r>
-            <a:r>
-              <a:rPr lang="nl-NL" sz="2400" b="1" dirty="0">
+              <a:t> </a:t>
+            </a:r>
+            <a:r>
+              <a:rPr lang="nl-NL" sz="2400" b="1" dirty="0" err="1">
                 <a:solidFill>
                   <a:schemeClr val="bg1"/>
                 </a:solidFill>
                 <a:latin typeface="Consolas" panose="020B0609020204030204" pitchFamily="49" charset="0"/>
                 <a:cs typeface="Consolas" panose="020B0609020204030204" pitchFamily="49" charset="0"/>
               </a:rPr>
-              <a:t> </a:t>
-            </a:r>
-            <a:r>
-              <a:rPr lang="nl-NL" sz="2400" b="1" dirty="0" err="1">
+              <a:t>did</a:t>
+            </a:r>
+            <a:r>
+              <a:rPr lang="nl-NL" sz="2400" b="1" dirty="0">
                 <a:solidFill>
                   <a:schemeClr val="bg1"/>
                 </a:solidFill>
                 <a:latin typeface="Consolas" panose="020B0609020204030204" pitchFamily="49" charset="0"/>
                 <a:cs typeface="Consolas" panose="020B0609020204030204" pitchFamily="49" charset="0"/>
               </a:rPr>
-              <a:t>find</a:t>
-            </a:r>
-            <a:r>
-              <a:rPr lang="nl-NL" sz="2400" b="1" dirty="0">
+              <a:t> we </a:t>
+            </a:r>
+            <a:r>
+              <a:rPr lang="nl-NL" sz="2400" b="1" dirty="0" err="1">
                 <a:solidFill>
                   <a:schemeClr val="bg1"/>
                 </a:solidFill>
                 <a:latin typeface="Consolas" panose="020B0609020204030204" pitchFamily="49" charset="0"/>
                 <a:cs typeface="Consolas" panose="020B0609020204030204" pitchFamily="49" charset="0"/>
               </a:rPr>
-              <a:t> </a:t>
-            </a:r>
-            <a:r>
-              <a:rPr lang="nl-NL" sz="2400" b="1" dirty="0" err="1">
+              <a:t>learn</a:t>
+            </a:r>
+            <a:r>
+              <a:rPr lang="nl-NL" sz="2400" b="1" dirty="0">
                 <a:solidFill>
                   <a:schemeClr val="bg1"/>
                 </a:solidFill>
                 <a:latin typeface="Consolas" panose="020B0609020204030204" pitchFamily="49" charset="0"/>
                 <a:cs typeface="Consolas" panose="020B0609020204030204" pitchFamily="49" charset="0"/>
               </a:rPr>
-              <a:t>the</a:t>
-            </a:r>
-            <a:r>
-              <a:rPr lang="nl-NL" sz="2400" b="1" dirty="0">
+              <a:t>?</a:t>
+            </a:r>
+          </a:p>
+          <a:p>
+            <a:pPr marL="914400" lvl="1" indent="-457200">
+              <a:buFont typeface="Arial" panose="020B0604020202020204" pitchFamily="34" charset="0"/>
+              <a:buChar char="•"/>
+            </a:pPr>
+            <a:r>
+              <a:rPr lang="nl-NL" sz="2400" b="1" dirty="0" err="1">
                 <a:solidFill>
                   <a:schemeClr val="bg1"/>
                 </a:solidFill>
                 <a:latin typeface="Consolas" panose="020B0609020204030204" pitchFamily="49" charset="0"/>
                 <a:cs typeface="Consolas" panose="020B0609020204030204" pitchFamily="49" charset="0"/>
               </a:rPr>
-              <a:t> </a:t>
-            </a:r>
-            <a:r>
-              <a:rPr lang="nl-NL" sz="2400" b="1" dirty="0" err="1">
+              <a:t>Convert</a:t>
+            </a:r>
+            <a:r>
+              <a:rPr lang="nl-NL" sz="2400" b="1" dirty="0">
                 <a:solidFill>
                   <a:schemeClr val="bg1"/>
                 </a:solidFill>
                 <a:latin typeface="Consolas" panose="020B0609020204030204" pitchFamily="49" charset="0"/>
                 <a:cs typeface="Consolas" panose="020B0609020204030204" pitchFamily="49" charset="0"/>
               </a:rPr>
-              <a:t>fuel</a:t>
-            </a:r>
-            <a:r>
-              <a:rPr lang="nl-NL" sz="2400" b="1" dirty="0">
+              <a:t> letters </a:t>
+            </a:r>
+            <a:r>
+              <a:rPr lang="nl-NL" sz="2400" b="1" dirty="0" err="1">
                 <a:solidFill>
                   <a:schemeClr val="bg1"/>
                 </a:solidFill>
                 <a:latin typeface="Consolas" panose="020B0609020204030204" pitchFamily="49" charset="0"/>
                 <a:cs typeface="Consolas" panose="020B0609020204030204" pitchFamily="49" charset="0"/>
               </a:rPr>
-              <a:t> </a:t>
-            </a:r>
-            <a:r>
-              <a:rPr lang="nl-NL" sz="2400" b="1" dirty="0" err="1">
+              <a:t>to</a:t>
+            </a:r>
+            <a:r>
+              <a:rPr lang="nl-NL" sz="2400" b="1" dirty="0">
                 <a:solidFill>
                   <a:schemeClr val="bg1"/>
                 </a:solidFill>
                 <a:latin typeface="Consolas" panose="020B0609020204030204" pitchFamily="49" charset="0"/>
                 <a:cs typeface="Consolas" panose="020B0609020204030204" pitchFamily="49" charset="0"/>
               </a:rPr>
-              <a:t>for</a:t>
-            </a:r>
-            <a:r>
-              <a:rPr lang="nl-NL" sz="2400" b="1" dirty="0">
+              <a:t> </a:t>
+            </a:r>
+            <a:r>
+              <a:rPr lang="nl-NL" sz="2400" b="1" dirty="0" err="1">
                 <a:solidFill>
                   <a:schemeClr val="bg1"/>
                 </a:solidFill>
                 <a:latin typeface="Consolas" panose="020B0609020204030204" pitchFamily="49" charset="0"/>
                 <a:cs typeface="Consolas" panose="020B0609020204030204" pitchFamily="49" charset="0"/>
               </a:rPr>
-              <a:t> </a:t>
-            </a:r>
-            <a:r>
-              <a:rPr lang="nl-NL" sz="2400" b="1" dirty="0" err="1">
+              <a:t>their</a:t>
+            </a:r>
+            <a:r>
+              <a:rPr lang="nl-NL" sz="2400" b="1" dirty="0">
                 <a:solidFill>
                   <a:schemeClr val="bg1"/>
                 </a:solidFill>
                 <a:latin typeface="Consolas" panose="020B0609020204030204" pitchFamily="49" charset="0"/>
                 <a:cs typeface="Consolas" panose="020B0609020204030204" pitchFamily="49" charset="0"/>
               </a:rPr>
-              <a:t>this</a:t>
-            </a:r>
-            <a:r>
-              <a:rPr lang="nl-NL" sz="2400" b="1" dirty="0">
+              <a:t> ASCII </a:t>
+            </a:r>
+            <a:r>
+              <a:rPr lang="nl-NL" sz="2400" b="1" dirty="0" err="1">
                 <a:solidFill>
                   <a:schemeClr val="bg1"/>
                 </a:solidFill>
                 <a:latin typeface="Consolas" panose="020B0609020204030204" pitchFamily="49" charset="0"/>
                 <a:cs typeface="Consolas" panose="020B0609020204030204" pitchFamily="49" charset="0"/>
               </a:rPr>
-              <a:t> </a:t>
-            </a:r>
-            <a:r>
-              <a:rPr lang="nl-NL" sz="2400" b="1" dirty="0" err="1">
+              <a:t>value</a:t>
+            </a:r>
+            <a:r>
+              <a:rPr lang="nl-NL" sz="2400" b="1" dirty="0">
                 <a:solidFill>
                   <a:schemeClr val="bg1"/>
                 </a:solidFill>
                 <a:latin typeface="Consolas" panose="020B0609020204030204" pitchFamily="49" charset="0"/>
                 <a:cs typeface="Consolas" panose="020B0609020204030204" pitchFamily="49" charset="0"/>
               </a:rPr>
-              <a:t>assignment</a:t>
-            </a:r>
-            <a:r>
-              <a:rPr lang="en-US" sz="2400" b="1" dirty="0">
+              <a:t> </a:t>
+            </a:r>
+            <a:r>
+              <a:rPr lang="nl-NL" sz="2400" b="1" dirty="0" err="1">
                 <a:solidFill>
                   <a:schemeClr val="bg1"/>
                 </a:solidFill>
                 <a:latin typeface="Consolas" panose="020B0609020204030204" pitchFamily="49" charset="0"/>
                 <a:cs typeface="Consolas" panose="020B0609020204030204" pitchFamily="49" charset="0"/>
               </a:rPr>
-              <a:t> take its mass, divide by three, round down, and subtract 2.</a:t>
+              <a:t>with</a:t>
+            </a:r>
+            <a:r>
+              <a:rPr lang="nl-NL" sz="2400" b="1" dirty="0">
+                <a:solidFill>
+                  <a:schemeClr val="bg1"/>
+                </a:solidFill>
+                <a:latin typeface="Consolas" panose="020B0609020204030204" pitchFamily="49" charset="0"/>
+                <a:cs typeface="Consolas" panose="020B0609020204030204" pitchFamily="49" charset="0"/>
+              </a:rPr>
+              <a:t> </a:t>
+            </a:r>
+            <a:r>
+              <a:rPr lang="nl-NL" sz="2400" b="1" i="1" dirty="0" err="1">
+                <a:solidFill>
+                  <a:schemeClr val="bg1"/>
+                </a:solidFill>
+                <a:latin typeface="Consolas" panose="020B0609020204030204" pitchFamily="49" charset="0"/>
+                <a:cs typeface="Consolas" panose="020B0609020204030204" pitchFamily="49" charset="0"/>
+              </a:rPr>
+              <a:t>ord</a:t>
+            </a:r>
+            <a:r>
+              <a:rPr lang="nl-NL" sz="2400" b="1" i="1" dirty="0">
+                <a:solidFill>
+                  <a:schemeClr val="bg1"/>
+                </a:solidFill>
+                <a:latin typeface="Consolas" panose="020B0609020204030204" pitchFamily="49" charset="0"/>
+                <a:cs typeface="Consolas" panose="020B0609020204030204" pitchFamily="49" charset="0"/>
+              </a:rPr>
+              <a:t>()</a:t>
             </a:r>
           </a:p>
           <a:p>
-            <a:r>
-              <a:rPr lang="en-US" sz="2400" b="1" dirty="0">
+            <a:pPr marL="914400" lvl="1" indent="-457200">
+              <a:buFont typeface="Arial" panose="020B0604020202020204" pitchFamily="34" charset="0"/>
+              <a:buChar char="•"/>
+            </a:pPr>
+            <a:r>
+              <a:rPr lang="nl-NL" sz="2400" b="1" dirty="0" err="1">
                 <a:solidFill>
                   <a:schemeClr val="bg1"/>
                 </a:solidFill>
                 <a:latin typeface="Consolas" panose="020B0609020204030204" pitchFamily="49" charset="0"/>
                 <a:cs typeface="Consolas" panose="020B0609020204030204" pitchFamily="49" charset="0"/>
               </a:rPr>
-              <a:t>Example: For a mass of 1969, the fuel required is 654</a:t>
-            </a:r>
-          </a:p>
-          <a:p>
-            <a:endParaRPr lang="en-US" sz="2400" b="1" dirty="0">
-              <a:solidFill>
-                <a:schemeClr val="bg1"/>
-              </a:solidFill>
-              <a:latin typeface="Consolas" panose="020B0609020204030204" pitchFamily="49" charset="0"/>
-              <a:cs typeface="Consolas" panose="020B0609020204030204" pitchFamily="49" charset="0"/>
-            </a:endParaRPr>
-          </a:p>
-          <a:p>
-            <a:r>
-              <a:rPr lang="en" sz="2400" b="1" dirty="0">
+              <a:t>Convert</a:t>
+            </a:r>
+            <a:r>
+              <a:rPr lang="nl-NL" sz="2400" b="1" dirty="0">
                 <a:solidFill>
                   <a:schemeClr val="bg1"/>
                 </a:solidFill>
                 <a:latin typeface="Consolas" panose="020B0609020204030204" pitchFamily="49" charset="0"/>
                 <a:cs typeface="Consolas" panose="020B0609020204030204" pitchFamily="49" charset="0"/>
               </a:rPr>
-              <a:t>However the fuel also has mass itself, which requires fuel to get it in the air. So the total you need is: </a:t>
-            </a:r>
-          </a:p>
-          <a:p>
-            <a:r>
-              <a:rPr lang="en" sz="2400" b="1" dirty="0">
+              <a:t> </a:t>
+            </a:r>
+            <a:r>
+              <a:rPr lang="nl-NL" sz="2400" b="1" dirty="0" err="1">
                 <a:solidFill>
                   <a:schemeClr val="bg1"/>
                 </a:solidFill>
                 <a:latin typeface="Consolas" panose="020B0609020204030204" pitchFamily="49" charset="0"/>
                 <a:cs typeface="Consolas" panose="020B0609020204030204" pitchFamily="49" charset="0"/>
               </a:rPr>
-              <a:t>654 + 216 + 70 + 21 + 5 = 966 fuel</a:t>
+              <a:t>them</a:t>
+            </a:r>
+            <a:r>
+              <a:rPr lang="nl-NL" sz="2400" b="1" dirty="0">
+                <a:solidFill>
+                  <a:schemeClr val="bg1"/>
+                </a:solidFill>
+                <a:latin typeface="Consolas" panose="020B0609020204030204" pitchFamily="49" charset="0"/>
+                <a:cs typeface="Consolas" panose="020B0609020204030204" pitchFamily="49" charset="0"/>
+              </a:rPr>
+              <a:t> back </a:t>
+            </a:r>
+            <a:r>
+              <a:rPr lang="nl-NL" sz="2400" b="1" dirty="0" err="1">
+                <a:solidFill>
+                  <a:schemeClr val="bg1"/>
+                </a:solidFill>
+                <a:latin typeface="Consolas" panose="020B0609020204030204" pitchFamily="49" charset="0"/>
+                <a:cs typeface="Consolas" panose="020B0609020204030204" pitchFamily="49" charset="0"/>
+              </a:rPr>
+              <a:t>with</a:t>
+            </a:r>
+            <a:r>
+              <a:rPr lang="nl-NL" sz="2400" b="1" dirty="0">
+                <a:solidFill>
+                  <a:schemeClr val="bg1"/>
+                </a:solidFill>
+                <a:latin typeface="Consolas" panose="020B0609020204030204" pitchFamily="49" charset="0"/>
+                <a:cs typeface="Consolas" panose="020B0609020204030204" pitchFamily="49" charset="0"/>
+              </a:rPr>
+              <a:t> </a:t>
+            </a:r>
+            <a:r>
+              <a:rPr lang="nl-NL" sz="2400" b="1" i="1" dirty="0" err="1">
+                <a:solidFill>
+                  <a:schemeClr val="bg1"/>
+                </a:solidFill>
+                <a:latin typeface="Consolas" panose="020B0609020204030204" pitchFamily="49" charset="0"/>
+                <a:cs typeface="Consolas" panose="020B0609020204030204" pitchFamily="49" charset="0"/>
+              </a:rPr>
+              <a:t>chr</a:t>
+            </a:r>
+            <a:r>
+              <a:rPr lang="nl-NL" sz="2400" b="1" i="1" dirty="0">
+                <a:solidFill>
+                  <a:schemeClr val="bg1"/>
+                </a:solidFill>
+                <a:latin typeface="Consolas" panose="020B0609020204030204" pitchFamily="49" charset="0"/>
+                <a:cs typeface="Consolas" panose="020B0609020204030204" pitchFamily="49" charset="0"/>
+              </a:rPr>
+              <a:t>()</a:t>
             </a:r>
           </a:p>
           <a:p>
@@ -20440,21 +21173,7 @@
               <a:solidFill>
                 <a:schemeClr val="bg1"/>
               </a:solidFill>
-              <a:latin typeface="Consolas" panose="020B0609020204030204" pitchFamily="49" charset="0"/>
-              <a:cs typeface="Consolas" panose="020B0609020204030204" pitchFamily="49" charset="0"/>
             </a:endParaRPr>
-          </a:p>
-          <a:p>
-            <a:r>
-              <a:rPr lang="en" sz="2400" b="1" dirty="0">
-                <a:solidFill>
-                  <a:schemeClr val="bg1"/>
-                </a:solidFill>
-                <a:latin typeface="Consolas" panose="020B0609020204030204" pitchFamily="49" charset="0"/>
-                <a:cs typeface="Consolas" panose="020B0609020204030204" pitchFamily="49" charset="0"/>
-              </a:rPr>
-              <a:t>What is the sum of the fuel requirements in the list?</a:t>
-            </a:r>
           </a:p>
         </p:txBody>
       </p:sp>
@@ -20491,7 +21210,7 @@
     </p:spTree>
     <p:extLst>
       <p:ext uri="{BB962C8B-B14F-4D97-AF65-F5344CB8AC3E}">
-        <p14:creationId xmlns:p14="http://schemas.microsoft.com/office/powerpoint/2010/main" val="2831782552"/>
+        <p14:creationId xmlns:p14="http://schemas.microsoft.com/office/powerpoint/2010/main" val="1019174389"/>
       </p:ext>
     </p:extLst>
   </p:cSld>
@@ -20563,7 +21282,7 @@
                   <a:schemeClr val="bg1"/>
                 </a:solidFill>
               </a:rPr>
-              <a:t>Learnings</a:t>
+              <a:t>Assignment</a:t>
             </a:r>
             <a:r>
               <a:rPr lang="nl-NL" dirty="0">
@@ -20571,7 +21290,7 @@
                   <a:schemeClr val="bg1"/>
                 </a:solidFill>
               </a:rPr>
-              <a:t> </a:t>
+              <a:t> 3 - </a:t>
             </a:r>
             <a:r>
               <a:rPr lang="nl-NL" dirty="0" err="1">
@@ -20597,11 +21316,14 @@
               </a:rPr>
               <a:t>equation</a:t>
             </a:r>
-            <a:endParaRPr lang="nl-NL" dirty="0">
-              <a:solidFill>
-                <a:schemeClr val="bg1"/>
-              </a:solidFill>
-            </a:endParaRPr>
+            <a:r>
+              <a:rPr lang="nl-NL" dirty="0">
+                <a:solidFill>
+                  <a:schemeClr val="bg1"/>
+                </a:solidFill>
+              </a:rPr>
+              <a:t> </a:t>
+            </a:r>
           </a:p>
         </p:txBody>
       </p:sp>
@@ -20619,8 +21341,8 @@
         </p:nvSpPr>
         <p:spPr>
           <a:xfrm>
-            <a:off x="811012" y="1769201"/>
-            <a:ext cx="9482279" cy="1938992"/>
+            <a:off x="820952" y="1656522"/>
+            <a:ext cx="10244127" cy="4154984"/>
           </a:xfrm>
           <a:prstGeom prst="rect">
             <a:avLst/>
@@ -20633,41 +21355,171 @@
           </a:bodyPr>
           <a:lstStyle/>
           <a:p>
-            <a:pPr marL="457200" indent="-457200">
-              <a:buFont typeface="Arial" panose="020B0604020202020204" pitchFamily="34" charset="0"/>
-              <a:buChar char="•"/>
-            </a:pPr>
-            <a:r>
-              <a:rPr lang="nl-NL" sz="2400" b="1" dirty="0" err="1">
+            <a:r>
+              <a:rPr lang="en" sz="2400" b="1" dirty="0">
                 <a:solidFill>
                   <a:schemeClr val="bg1"/>
                 </a:solidFill>
                 <a:latin typeface="Consolas" panose="020B0609020204030204" pitchFamily="49" charset="0"/>
                 <a:cs typeface="Consolas" panose="020B0609020204030204" pitchFamily="49" charset="0"/>
               </a:rPr>
-              <a:t>Recursive</a:t>
-            </a:r>
-            <a:r>
-              <a:rPr lang="nl-NL" sz="2400" b="1" dirty="0">
+              <a:t>If you launch a something into space you need fuel. The higher the mass the more fuel you need. </a:t>
+            </a:r>
+            <a:r>
+              <a:rPr lang="nl-NL" sz="2400" b="1" dirty="0" err="1">
                 <a:solidFill>
                   <a:schemeClr val="bg1"/>
                 </a:solidFill>
                 <a:latin typeface="Consolas" panose="020B0609020204030204" pitchFamily="49" charset="0"/>
                 <a:cs typeface="Consolas" panose="020B0609020204030204" pitchFamily="49" charset="0"/>
               </a:rPr>
-              <a:t> </a:t>
-            </a:r>
-            <a:r>
-              <a:rPr lang="nl-NL" sz="2400" b="1" dirty="0" err="1">
+              <a:t>To</a:t>
+            </a:r>
+            <a:r>
+              <a:rPr lang="nl-NL" sz="2400" b="1" dirty="0">
                 <a:solidFill>
                   <a:schemeClr val="bg1"/>
                 </a:solidFill>
                 <a:latin typeface="Consolas" panose="020B0609020204030204" pitchFamily="49" charset="0"/>
                 <a:cs typeface="Consolas" panose="020B0609020204030204" pitchFamily="49" charset="0"/>
               </a:rPr>
-              <a:t>functions</a:t>
-            </a:r>
-            <a:endParaRPr lang="nl-NL" sz="2400" b="1" dirty="0">
+              <a:t> </a:t>
+            </a:r>
+            <a:r>
+              <a:rPr lang="nl-NL" sz="2400" b="1" dirty="0" err="1">
+                <a:solidFill>
+                  <a:schemeClr val="bg1"/>
+                </a:solidFill>
+                <a:latin typeface="Consolas" panose="020B0609020204030204" pitchFamily="49" charset="0"/>
+                <a:cs typeface="Consolas" panose="020B0609020204030204" pitchFamily="49" charset="0"/>
+              </a:rPr>
+              <a:t>find</a:t>
+            </a:r>
+            <a:r>
+              <a:rPr lang="nl-NL" sz="2400" b="1" dirty="0">
+                <a:solidFill>
+                  <a:schemeClr val="bg1"/>
+                </a:solidFill>
+                <a:latin typeface="Consolas" panose="020B0609020204030204" pitchFamily="49" charset="0"/>
+                <a:cs typeface="Consolas" panose="020B0609020204030204" pitchFamily="49" charset="0"/>
+              </a:rPr>
+              <a:t> </a:t>
+            </a:r>
+            <a:r>
+              <a:rPr lang="nl-NL" sz="2400" b="1" dirty="0" err="1">
+                <a:solidFill>
+                  <a:schemeClr val="bg1"/>
+                </a:solidFill>
+                <a:latin typeface="Consolas" panose="020B0609020204030204" pitchFamily="49" charset="0"/>
+                <a:cs typeface="Consolas" panose="020B0609020204030204" pitchFamily="49" charset="0"/>
+              </a:rPr>
+              <a:t>the</a:t>
+            </a:r>
+            <a:r>
+              <a:rPr lang="nl-NL" sz="2400" b="1" dirty="0">
+                <a:solidFill>
+                  <a:schemeClr val="bg1"/>
+                </a:solidFill>
+                <a:latin typeface="Consolas" panose="020B0609020204030204" pitchFamily="49" charset="0"/>
+                <a:cs typeface="Consolas" panose="020B0609020204030204" pitchFamily="49" charset="0"/>
+              </a:rPr>
+              <a:t> </a:t>
+            </a:r>
+            <a:r>
+              <a:rPr lang="nl-NL" sz="2400" b="1" dirty="0" err="1">
+                <a:solidFill>
+                  <a:schemeClr val="bg1"/>
+                </a:solidFill>
+                <a:latin typeface="Consolas" panose="020B0609020204030204" pitchFamily="49" charset="0"/>
+                <a:cs typeface="Consolas" panose="020B0609020204030204" pitchFamily="49" charset="0"/>
+              </a:rPr>
+              <a:t>fuel</a:t>
+            </a:r>
+            <a:r>
+              <a:rPr lang="nl-NL" sz="2400" b="1" dirty="0">
+                <a:solidFill>
+                  <a:schemeClr val="bg1"/>
+                </a:solidFill>
+                <a:latin typeface="Consolas" panose="020B0609020204030204" pitchFamily="49" charset="0"/>
+                <a:cs typeface="Consolas" panose="020B0609020204030204" pitchFamily="49" charset="0"/>
+              </a:rPr>
+              <a:t> </a:t>
+            </a:r>
+            <a:r>
+              <a:rPr lang="nl-NL" sz="2400" b="1" dirty="0" err="1">
+                <a:solidFill>
+                  <a:schemeClr val="bg1"/>
+                </a:solidFill>
+                <a:latin typeface="Consolas" panose="020B0609020204030204" pitchFamily="49" charset="0"/>
+                <a:cs typeface="Consolas" panose="020B0609020204030204" pitchFamily="49" charset="0"/>
+              </a:rPr>
+              <a:t>for</a:t>
+            </a:r>
+            <a:r>
+              <a:rPr lang="nl-NL" sz="2400" b="1" dirty="0">
+                <a:solidFill>
+                  <a:schemeClr val="bg1"/>
+                </a:solidFill>
+                <a:latin typeface="Consolas" panose="020B0609020204030204" pitchFamily="49" charset="0"/>
+                <a:cs typeface="Consolas" panose="020B0609020204030204" pitchFamily="49" charset="0"/>
+              </a:rPr>
+              <a:t> </a:t>
+            </a:r>
+            <a:r>
+              <a:rPr lang="nl-NL" sz="2400" b="1" dirty="0" err="1">
+                <a:solidFill>
+                  <a:schemeClr val="bg1"/>
+                </a:solidFill>
+                <a:latin typeface="Consolas" panose="020B0609020204030204" pitchFamily="49" charset="0"/>
+                <a:cs typeface="Consolas" panose="020B0609020204030204" pitchFamily="49" charset="0"/>
+              </a:rPr>
+              <a:t>this</a:t>
+            </a:r>
+            <a:r>
+              <a:rPr lang="nl-NL" sz="2400" b="1" dirty="0">
+                <a:solidFill>
+                  <a:schemeClr val="bg1"/>
+                </a:solidFill>
+                <a:latin typeface="Consolas" panose="020B0609020204030204" pitchFamily="49" charset="0"/>
+                <a:cs typeface="Consolas" panose="020B0609020204030204" pitchFamily="49" charset="0"/>
+              </a:rPr>
+              <a:t> </a:t>
+            </a:r>
+            <a:r>
+              <a:rPr lang="nl-NL" sz="2400" b="1" dirty="0" err="1">
+                <a:solidFill>
+                  <a:schemeClr val="bg1"/>
+                </a:solidFill>
+                <a:latin typeface="Consolas" panose="020B0609020204030204" pitchFamily="49" charset="0"/>
+                <a:cs typeface="Consolas" panose="020B0609020204030204" pitchFamily="49" charset="0"/>
+              </a:rPr>
+              <a:t>assignment</a:t>
+            </a:r>
+            <a:r>
+              <a:rPr lang="en-US" sz="2400" b="1" dirty="0">
+                <a:solidFill>
+                  <a:schemeClr val="bg1"/>
+                </a:solidFill>
+                <a:latin typeface="Consolas" panose="020B0609020204030204" pitchFamily="49" charset="0"/>
+                <a:cs typeface="Consolas" panose="020B0609020204030204" pitchFamily="49" charset="0"/>
+              </a:rPr>
+              <a:t> take its mass, divide by three, round down, and subtract 2.</a:t>
+            </a:r>
+          </a:p>
+          <a:p>
+            <a:r>
+              <a:rPr lang="en-US" sz="2400" b="1" dirty="0">
+                <a:solidFill>
+                  <a:schemeClr val="bg1"/>
+                </a:solidFill>
+                <a:latin typeface="Consolas" panose="020B0609020204030204" pitchFamily="49" charset="0"/>
+                <a:cs typeface="Consolas" panose="020B0609020204030204" pitchFamily="49" charset="0"/>
+              </a:rPr>
+              <a:t>Example: For a mass of 1969, the fuel required is 654</a:t>
+            </a:r>
+          </a:p>
+          <a:p>
+            <a:endParaRPr lang="en-US" sz="2400" b="1" dirty="0">
               <a:solidFill>
                 <a:schemeClr val="bg1"/>
               </a:solidFill>
@@ -20676,31 +21528,31 @@
             </a:endParaRPr>
           </a:p>
           <a:p>
-            <a:pPr marL="457200" indent="-457200">
-              <a:buFont typeface="Arial" panose="020B0604020202020204" pitchFamily="34" charset="0"/>
-              <a:buChar char="•"/>
-            </a:pPr>
-            <a:r>
-              <a:rPr lang="nl-NL" sz="2400" b="1" dirty="0">
+            <a:r>
+              <a:rPr lang="en" sz="2400" b="1" dirty="0">
                 <a:solidFill>
                   <a:schemeClr val="bg1"/>
                 </a:solidFill>
                 <a:latin typeface="Consolas" panose="020B0609020204030204" pitchFamily="49" charset="0"/>
                 <a:cs typeface="Consolas" panose="020B0609020204030204" pitchFamily="49" charset="0"/>
               </a:rPr>
-              <a:t>Integer </a:t>
-            </a:r>
-            <a:r>
-              <a:rPr lang="nl-NL" sz="2400" b="1" dirty="0" err="1">
+              <a:t>However the fuel also has mass itself, which requires fuel to get it in the air. So the total you need is: </a:t>
+            </a:r>
+          </a:p>
+          <a:p>
+            <a:r>
+              <a:rPr lang="en" sz="2400" b="1" dirty="0">
                 <a:solidFill>
                   <a:schemeClr val="bg1"/>
                 </a:solidFill>
                 <a:latin typeface="Consolas" panose="020B0609020204030204" pitchFamily="49" charset="0"/>
                 <a:cs typeface="Consolas" panose="020B0609020204030204" pitchFamily="49" charset="0"/>
               </a:rPr>
-              <a:t>division</a:t>
-            </a:r>
-            <a:endParaRPr lang="nl-NL" sz="2400" b="1" dirty="0">
+              <a:t>654 + 216 + 70 + 21 + 5 = 966 fuel</a:t>
+            </a:r>
+          </a:p>
+          <a:p>
+            <a:endParaRPr lang="en" sz="2400" b="1" dirty="0">
               <a:solidFill>
                 <a:schemeClr val="bg1"/>
               </a:solidFill>
@@ -20709,57 +21561,16 @@
             </a:endParaRPr>
           </a:p>
           <a:p>
-            <a:pPr marL="457200" indent="-457200">
-              <a:buFont typeface="Arial" panose="020B0604020202020204" pitchFamily="34" charset="0"/>
-              <a:buChar char="•"/>
-            </a:pPr>
-            <a:r>
-              <a:rPr lang="nl-NL" sz="2400" b="1" dirty="0">
+            <a:r>
+              <a:rPr lang="en" sz="2400" b="1" dirty="0">
                 <a:solidFill>
                   <a:schemeClr val="bg1"/>
                 </a:solidFill>
                 <a:latin typeface="Consolas" panose="020B0609020204030204" pitchFamily="49" charset="0"/>
                 <a:cs typeface="Consolas" panose="020B0609020204030204" pitchFamily="49" charset="0"/>
               </a:rPr>
-              <a:t>list </a:t>
-            </a:r>
-            <a:r>
-              <a:rPr lang="nl-NL" sz="2400" b="1" dirty="0" err="1">
-                <a:solidFill>
-                  <a:schemeClr val="bg1"/>
-                </a:solidFill>
-                <a:latin typeface="Consolas" panose="020B0609020204030204" pitchFamily="49" charset="0"/>
-                <a:cs typeface="Consolas" panose="020B0609020204030204" pitchFamily="49" charset="0"/>
-              </a:rPr>
-              <a:t>comprehension</a:t>
-            </a:r>
-            <a:endParaRPr lang="nl-NL" sz="2400" b="1" dirty="0">
-              <a:solidFill>
-                <a:schemeClr val="bg1"/>
-              </a:solidFill>
-              <a:latin typeface="Consolas" panose="020B0609020204030204" pitchFamily="49" charset="0"/>
-              <a:cs typeface="Consolas" panose="020B0609020204030204" pitchFamily="49" charset="0"/>
-            </a:endParaRPr>
-          </a:p>
-          <a:p>
-            <a:pPr marL="457200" indent="-457200">
-              <a:buFont typeface="Arial" panose="020B0604020202020204" pitchFamily="34" charset="0"/>
-              <a:buChar char="•"/>
-            </a:pPr>
-            <a:endParaRPr lang="nl-NL" sz="2400" b="1" dirty="0">
-              <a:solidFill>
-                <a:schemeClr val="bg1"/>
-              </a:solidFill>
-              <a:latin typeface="Consolas" panose="020B0609020204030204" pitchFamily="49" charset="0"/>
-              <a:cs typeface="Consolas" panose="020B0609020204030204" pitchFamily="49" charset="0"/>
-            </a:endParaRPr>
-          </a:p>
-          <a:p>
-            <a:endParaRPr lang="en" sz="2400" b="1" dirty="0">
-              <a:solidFill>
-                <a:schemeClr val="bg1"/>
-              </a:solidFill>
-            </a:endParaRPr>
+              <a:t>What is the sum of the fuel requirements in the list?</a:t>
+            </a:r>
           </a:p>
         </p:txBody>
       </p:sp>
@@ -20796,7 +21607,7 @@
     </p:spTree>
     <p:extLst>
       <p:ext uri="{BB962C8B-B14F-4D97-AF65-F5344CB8AC3E}">
-        <p14:creationId xmlns:p14="http://schemas.microsoft.com/office/powerpoint/2010/main" val="1029142472"/>
+        <p14:creationId xmlns:p14="http://schemas.microsoft.com/office/powerpoint/2010/main" val="2831782552"/>
       </p:ext>
     </p:extLst>
   </p:cSld>
@@ -20868,7 +21679,7 @@
                   <a:schemeClr val="bg1"/>
                 </a:solidFill>
               </a:rPr>
-              <a:t>Assignment</a:t>
+              <a:t>Learnings</a:t>
             </a:r>
             <a:r>
               <a:rPr lang="nl-NL" dirty="0">
@@ -20876,7 +21687,7 @@
                   <a:schemeClr val="bg1"/>
                 </a:solidFill>
               </a:rPr>
-              <a:t> 4 - Timer</a:t>
+              <a:t> 3</a:t>
             </a:r>
           </a:p>
         </p:txBody>
@@ -20895,8 +21706,8 @@
         </p:nvSpPr>
         <p:spPr>
           <a:xfrm>
-            <a:off x="811013" y="1769201"/>
-            <a:ext cx="6508381" cy="830997"/>
+            <a:off x="820952" y="1769201"/>
+            <a:ext cx="9482279" cy="1938992"/>
           </a:xfrm>
           <a:prstGeom prst="rect">
             <a:avLst/>
@@ -20909,76 +21720,195 @@
           </a:bodyPr>
           <a:lstStyle/>
           <a:p>
-            <a:r>
-              <a:rPr lang="nl-NL" sz="2400" b="1" dirty="0">
+            <a:pPr marL="457200" indent="-457200">
+              <a:buFont typeface="Arial" panose="020B0604020202020204" pitchFamily="34" charset="0"/>
+              <a:buChar char="•"/>
+            </a:pPr>
+            <a:r>
+              <a:rPr lang="nl-NL" sz="2400" b="1" dirty="0" err="1">
                 <a:solidFill>
                   <a:schemeClr val="bg1"/>
                 </a:solidFill>
                 <a:latin typeface="Consolas" panose="020B0609020204030204" pitchFamily="49" charset="0"/>
                 <a:cs typeface="Consolas" panose="020B0609020204030204" pitchFamily="49" charset="0"/>
               </a:rPr>
-              <a:t>Time </a:t>
-            </a:r>
-            <a:r>
-              <a:rPr lang="nl-NL" sz="2400" b="1" dirty="0" err="1">
+              <a:t>Recursive</a:t>
+            </a:r>
+            <a:r>
+              <a:rPr lang="nl-NL" sz="2400" b="1" dirty="0">
                 <a:solidFill>
                   <a:schemeClr val="bg1"/>
                 </a:solidFill>
                 <a:latin typeface="Consolas" panose="020B0609020204030204" pitchFamily="49" charset="0"/>
                 <a:cs typeface="Consolas" panose="020B0609020204030204" pitchFamily="49" charset="0"/>
               </a:rPr>
-              <a:t>how</a:t>
-            </a:r>
-            <a:r>
-              <a:rPr lang="nl-NL" sz="2400" b="1" dirty="0">
+              <a:t> </a:t>
+            </a:r>
+            <a:r>
+              <a:rPr lang="nl-NL" sz="2400" b="1" dirty="0" err="1">
                 <a:solidFill>
                   <a:schemeClr val="bg1"/>
                 </a:solidFill>
                 <a:latin typeface="Consolas" panose="020B0609020204030204" pitchFamily="49" charset="0"/>
                 <a:cs typeface="Consolas" panose="020B0609020204030204" pitchFamily="49" charset="0"/>
               </a:rPr>
-              <a:t> </a:t>
-            </a:r>
-            <a:r>
-              <a:rPr lang="nl-NL" sz="2400" b="1" dirty="0" err="1">
+              <a:t>functions</a:t>
+            </a:r>
+            <a:r>
+              <a:rPr lang="nl-NL" sz="2400" b="1" dirty="0">
                 <a:solidFill>
                   <a:schemeClr val="bg1"/>
                 </a:solidFill>
                 <a:latin typeface="Consolas" panose="020B0609020204030204" pitchFamily="49" charset="0"/>
                 <a:cs typeface="Consolas" panose="020B0609020204030204" pitchFamily="49" charset="0"/>
               </a:rPr>
-              <a:t>fast</a:t>
-            </a:r>
-            <a:r>
-              <a:rPr lang="nl-NL" sz="2400" b="1" dirty="0">
+              <a:t>     </a:t>
+            </a:r>
+            <a:r>
+              <a:rPr lang="nl-NL" sz="2400" b="1" i="1" dirty="0">
                 <a:solidFill>
                   <a:schemeClr val="bg1"/>
                 </a:solidFill>
                 <a:latin typeface="Consolas" panose="020B0609020204030204" pitchFamily="49" charset="0"/>
                 <a:cs typeface="Consolas" panose="020B0609020204030204" pitchFamily="49" charset="0"/>
               </a:rPr>
-              <a:t> </a:t>
-            </a:r>
-            <a:r>
-              <a:rPr lang="nl-NL" sz="2400" b="1" dirty="0" err="1">
+              <a:t>return </a:t>
+            </a:r>
+            <a:r>
+              <a:rPr lang="nl-NL" sz="2400" b="1" i="1" dirty="0" err="1">
                 <a:solidFill>
                   <a:schemeClr val="bg1"/>
                 </a:solidFill>
                 <a:latin typeface="Consolas" panose="020B0609020204030204" pitchFamily="49" charset="0"/>
                 <a:cs typeface="Consolas" panose="020B0609020204030204" pitchFamily="49" charset="0"/>
               </a:rPr>
-              <a:t>assignment</a:t>
-            </a:r>
-            <a:r>
-              <a:rPr lang="nl-NL" sz="2400" b="1" dirty="0">
+              <a:t>func</a:t>
+            </a:r>
+            <a:r>
+              <a:rPr lang="nl-NL" sz="2400" b="1" i="1" dirty="0">
                 <a:solidFill>
                   <a:schemeClr val="bg1"/>
                 </a:solidFill>
                 <a:latin typeface="Consolas" panose="020B0609020204030204" pitchFamily="49" charset="0"/>
                 <a:cs typeface="Consolas" panose="020B0609020204030204" pitchFamily="49" charset="0"/>
               </a:rPr>
-              <a:t> 3 runs</a:t>
-            </a:r>
+              <a:t>(x)</a:t>
+            </a:r>
+          </a:p>
+          <a:p>
+            <a:pPr marL="457200" indent="-457200">
+              <a:buFont typeface="Arial" panose="020B0604020202020204" pitchFamily="34" charset="0"/>
+              <a:buChar char="•"/>
+            </a:pPr>
+            <a:r>
+              <a:rPr lang="nl-NL" sz="2400" b="1" dirty="0">
+                <a:solidFill>
+                  <a:schemeClr val="bg1"/>
+                </a:solidFill>
+                <a:latin typeface="Consolas" panose="020B0609020204030204" pitchFamily="49" charset="0"/>
+                <a:cs typeface="Consolas" panose="020B0609020204030204" pitchFamily="49" charset="0"/>
+              </a:rPr>
+              <a:t>Integer </a:t>
+            </a:r>
+            <a:r>
+              <a:rPr lang="nl-NL" sz="2400" b="1" dirty="0" err="1">
+                <a:solidFill>
+                  <a:schemeClr val="bg1"/>
+                </a:solidFill>
+                <a:latin typeface="Consolas" panose="020B0609020204030204" pitchFamily="49" charset="0"/>
+                <a:cs typeface="Consolas" panose="020B0609020204030204" pitchFamily="49" charset="0"/>
+              </a:rPr>
+              <a:t>division</a:t>
+            </a:r>
+            <a:r>
+              <a:rPr lang="nl-NL" sz="2400" b="1" dirty="0">
+                <a:solidFill>
+                  <a:schemeClr val="bg1"/>
+                </a:solidFill>
+                <a:latin typeface="Consolas" panose="020B0609020204030204" pitchFamily="49" charset="0"/>
+                <a:cs typeface="Consolas" panose="020B0609020204030204" pitchFamily="49" charset="0"/>
+              </a:rPr>
+              <a:t>        // </a:t>
+            </a:r>
+          </a:p>
+          <a:p>
+            <a:pPr marL="457200" indent="-457200">
+              <a:buFont typeface="Arial" panose="020B0604020202020204" pitchFamily="34" charset="0"/>
+              <a:buChar char="•"/>
+            </a:pPr>
+            <a:r>
+              <a:rPr lang="nl-NL" sz="2400" b="1" dirty="0">
+                <a:solidFill>
+                  <a:schemeClr val="bg1"/>
+                </a:solidFill>
+                <a:latin typeface="Consolas" panose="020B0609020204030204" pitchFamily="49" charset="0"/>
+                <a:cs typeface="Consolas" panose="020B0609020204030204" pitchFamily="49" charset="0"/>
+              </a:rPr>
+              <a:t>list </a:t>
+            </a:r>
+            <a:r>
+              <a:rPr lang="nl-NL" sz="2400" b="1" dirty="0" err="1">
+                <a:solidFill>
+                  <a:schemeClr val="bg1"/>
+                </a:solidFill>
+                <a:latin typeface="Consolas" panose="020B0609020204030204" pitchFamily="49" charset="0"/>
+                <a:cs typeface="Consolas" panose="020B0609020204030204" pitchFamily="49" charset="0"/>
+              </a:rPr>
+              <a:t>comprehension</a:t>
+            </a:r>
+            <a:r>
+              <a:rPr lang="nl-NL" sz="2400" b="1" dirty="0">
+                <a:solidFill>
+                  <a:schemeClr val="bg1"/>
+                </a:solidFill>
+                <a:latin typeface="Consolas" panose="020B0609020204030204" pitchFamily="49" charset="0"/>
+                <a:cs typeface="Consolas" panose="020B0609020204030204" pitchFamily="49" charset="0"/>
+              </a:rPr>
+              <a:t>      </a:t>
+            </a:r>
+            <a:r>
+              <a:rPr lang="nl-NL" sz="2400" b="1" i="1" dirty="0">
+                <a:solidFill>
+                  <a:schemeClr val="bg1"/>
+                </a:solidFill>
+                <a:latin typeface="Consolas" panose="020B0609020204030204" pitchFamily="49" charset="0"/>
+                <a:cs typeface="Consolas" panose="020B0609020204030204" pitchFamily="49" charset="0"/>
+              </a:rPr>
+              <a:t>[x </a:t>
+            </a:r>
+            <a:r>
+              <a:rPr lang="nl-NL" sz="2400" b="1" i="1" dirty="0" err="1">
+                <a:solidFill>
+                  <a:schemeClr val="bg1"/>
+                </a:solidFill>
+                <a:latin typeface="Consolas" panose="020B0609020204030204" pitchFamily="49" charset="0"/>
+                <a:cs typeface="Consolas" panose="020B0609020204030204" pitchFamily="49" charset="0"/>
+              </a:rPr>
+              <a:t>for</a:t>
+            </a:r>
+            <a:r>
+              <a:rPr lang="nl-NL" sz="2400" b="1" i="1" dirty="0">
+                <a:solidFill>
+                  <a:schemeClr val="bg1"/>
+                </a:solidFill>
+                <a:latin typeface="Consolas" panose="020B0609020204030204" pitchFamily="49" charset="0"/>
+                <a:cs typeface="Consolas" panose="020B0609020204030204" pitchFamily="49" charset="0"/>
+              </a:rPr>
+              <a:t> x in y]</a:t>
+            </a:r>
+          </a:p>
+          <a:p>
+            <a:pPr marL="457200" indent="-457200">
+              <a:buFont typeface="Arial" panose="020B0604020202020204" pitchFamily="34" charset="0"/>
+              <a:buChar char="•"/>
+            </a:pPr>
+            <a:endParaRPr lang="nl-NL" sz="2400" b="1" dirty="0">
+              <a:solidFill>
+                <a:schemeClr val="bg1"/>
+              </a:solidFill>
+              <a:latin typeface="Consolas" panose="020B0609020204030204" pitchFamily="49" charset="0"/>
+              <a:cs typeface="Consolas" panose="020B0609020204030204" pitchFamily="49" charset="0"/>
+            </a:endParaRPr>
           </a:p>
           <a:p>
             <a:endParaRPr lang="en" sz="2400" b="1" dirty="0">
@@ -21022,7 +21952,7 @@
     </p:spTree>
     <p:extLst>
       <p:ext uri="{BB962C8B-B14F-4D97-AF65-F5344CB8AC3E}">
-        <p14:creationId xmlns:p14="http://schemas.microsoft.com/office/powerpoint/2010/main" val="377636335"/>
+        <p14:creationId xmlns:p14="http://schemas.microsoft.com/office/powerpoint/2010/main" val="1029142472"/>
       </p:ext>
     </p:extLst>
   </p:cSld>
@@ -21589,6 +22519,15 @@
 </file>
 
 <file path=customXml/item1.xml><?xml version="1.0" encoding="utf-8"?>
+<?mso-contentType ?>
+<FormTemplates xmlns="http://schemas.microsoft.com/sharepoint/v3/contenttype/forms">
+  <Display>DocumentLibraryForm</Display>
+  <Edit>DocumentLibraryForm</Edit>
+  <New>DocumentLibraryForm</New>
+</FormTemplates>
+</file>
+
+<file path=customXml/item2.xml><?xml version="1.0" encoding="utf-8"?>
 <ct:contentTypeSchema xmlns:ct="http://schemas.microsoft.com/office/2006/metadata/contentType" xmlns:ma="http://schemas.microsoft.com/office/2006/metadata/properties/metaAttributes" ct:_="" ma:_="" ma:contentTypeName="Document" ma:contentTypeID="0x010100E22AFA8CBA7E4A429CA01F5F88F7E960" ma:contentTypeVersion="18" ma:contentTypeDescription="Create a new document." ma:contentTypeScope="" ma:versionID="6eac5708c01231d6b28c73c8b385e79c">
   <xsd:schema xmlns:xsd="http://www.w3.org/2001/XMLSchema" xmlns:xs="http://www.w3.org/2001/XMLSchema" xmlns:p="http://schemas.microsoft.com/office/2006/metadata/properties" xmlns:ns1="http://schemas.microsoft.com/sharepoint/v3" xmlns:ns2="f1097368-b32d-44af-b1b1-c0b0a50cf951" xmlns:ns3="http://schemas.debble.com/" xmlns:ns4="899c6911-a69e-4e22-8b8b-0b3f3dd72814" targetNamespace="http://schemas.microsoft.com/office/2006/metadata/properties" ma:root="true" ma:fieldsID="f6abb8339ac61a8a0c8e4a130db4f196" ns1:_="" ns2:_="" ns3:_="" ns4:_="">
     <xsd:import namespace="http://schemas.microsoft.com/sharepoint/v3"/>
@@ -21847,15 +22786,6 @@
 </ct:contentTypeSchema>
 </file>
 
-<file path=customXml/item2.xml><?xml version="1.0" encoding="utf-8"?>
-<?mso-contentType ?>
-<FormTemplates xmlns="http://schemas.microsoft.com/sharepoint/v3/contenttype/forms">
-  <Display>DocumentLibraryForm</Display>
-  <Edit>DocumentLibraryForm</Edit>
-  <New>DocumentLibraryForm</New>
-</FormTemplates>
-</file>
-
 <file path=customXml/item3.xml><?xml version="1.0" encoding="utf-8"?>
 <p:properties xmlns:p="http://schemas.microsoft.com/office/2006/metadata/properties" xmlns:xsi="http://www.w3.org/2001/XMLSchema-instance" xmlns:pc="http://schemas.microsoft.com/office/infopath/2007/PartnerControls">
   <documentManagement>
@@ -21886,6 +22816,14 @@
 </file>
 
 <file path=customXml/itemProps1.xml><?xml version="1.0" encoding="utf-8"?>
+<ds:datastoreItem xmlns:ds="http://schemas.openxmlformats.org/officeDocument/2006/customXml" ds:itemID="{36EF93B1-A4A9-46AE-9BE6-12BC5D8BC874}">
+  <ds:schemaRefs>
+    <ds:schemaRef ds:uri="http://schemas.microsoft.com/sharepoint/v3/contenttype/forms"/>
+  </ds:schemaRefs>
+</ds:datastoreItem>
+</file>
+
+<file path=customXml/itemProps2.xml><?xml version="1.0" encoding="utf-8"?>
 <ds:datastoreItem xmlns:ds="http://schemas.openxmlformats.org/officeDocument/2006/customXml" ds:itemID="{0D443C15-5143-4AA1-8A89-5A1F9811DCDB}">
   <ds:schemaRefs>
     <ds:schemaRef ds:uri="http://schemas.microsoft.com/office/2006/metadata/contentType"/>
@@ -21902,14 +22840,6 @@
     <ds:schemaRef ds:uri="http://purl.org/dc/elements/1.1/"/>
     <ds:schemaRef ds:uri="http://purl.org/dc/terms/"/>
     <ds:schemaRef ds:uri="http://schemas.microsoft.com/internal/obd"/>
-  </ds:schemaRefs>
-</ds:datastoreItem>
-</file>
-
-<file path=customXml/itemProps2.xml><?xml version="1.0" encoding="utf-8"?>
-<ds:datastoreItem xmlns:ds="http://schemas.openxmlformats.org/officeDocument/2006/customXml" ds:itemID="{36EF93B1-A4A9-46AE-9BE6-12BC5D8BC874}">
-  <ds:schemaRefs>
-    <ds:schemaRef ds:uri="http://schemas.microsoft.com/sharepoint/v3/contenttype/forms"/>
   </ds:schemaRefs>
 </ds:datastoreItem>
 </file>

--- a/presentation_Pythonic.pptx
+++ b/presentation_Pythonic.pptx
@@ -5,21 +5,23 @@
     <p:sldMasterId id="2147483648" r:id="rId4"/>
   </p:sldMasterIdLst>
   <p:notesMasterIdLst>
-    <p:notesMasterId r:id="rId17"/>
+    <p:notesMasterId r:id="rId19"/>
   </p:notesMasterIdLst>
   <p:sldIdLst>
     <p:sldId id="279" r:id="rId5"/>
     <p:sldId id="291" r:id="rId6"/>
-    <p:sldId id="289" r:id="rId7"/>
-    <p:sldId id="295" r:id="rId8"/>
-    <p:sldId id="290" r:id="rId9"/>
-    <p:sldId id="292" r:id="rId10"/>
-    <p:sldId id="293" r:id="rId11"/>
-    <p:sldId id="296" r:id="rId12"/>
-    <p:sldId id="294" r:id="rId13"/>
-    <p:sldId id="297" r:id="rId14"/>
-    <p:sldId id="287" r:id="rId15"/>
-    <p:sldId id="286" r:id="rId16"/>
+    <p:sldId id="299" r:id="rId7"/>
+    <p:sldId id="289" r:id="rId8"/>
+    <p:sldId id="295" r:id="rId9"/>
+    <p:sldId id="290" r:id="rId10"/>
+    <p:sldId id="292" r:id="rId11"/>
+    <p:sldId id="293" r:id="rId12"/>
+    <p:sldId id="296" r:id="rId13"/>
+    <p:sldId id="294" r:id="rId14"/>
+    <p:sldId id="297" r:id="rId15"/>
+    <p:sldId id="300" r:id="rId16"/>
+    <p:sldId id="287" r:id="rId17"/>
+    <p:sldId id="286" r:id="rId18"/>
   </p:sldIdLst>
   <p:sldSz cx="12192000" cy="6858000"/>
   <p:notesSz cx="6858000" cy="9144000"/>
@@ -208,7 +210,7 @@
           <a:p>
             <a:fld id="{D7DE7EAA-DEF6-BF48-877D-021E0C6CA113}" type="datetimeFigureOut">
               <a:rPr lang="nl-NL" smtClean="0"/>
-              <a:t>09-01-2020</a:t>
+              <a:t>19-11-2021</a:t>
             </a:fld>
             <a:endParaRPr lang="nl-NL"/>
           </a:p>
@@ -16646,36 +16648,6 @@
           </a:p>
         </p:txBody>
       </p:sp>
-      <p:pic>
-        <p:nvPicPr>
-          <p:cNvPr id="6" name="Afbeelding 5">
-            <a:extLst>
-              <a:ext uri="{FF2B5EF4-FFF2-40B4-BE49-F238E27FC236}">
-                <a16:creationId xmlns:a16="http://schemas.microsoft.com/office/drawing/2014/main" id="{38FE2043-EDC0-7A40-A5FB-9C70211620B1}"/>
-              </a:ext>
-            </a:extLst>
-          </p:cNvPr>
-          <p:cNvPicPr>
-            <a:picLocks noChangeAspect="1"/>
-          </p:cNvPicPr>
-          <p:nvPr/>
-        </p:nvPicPr>
-        <p:blipFill>
-          <a:blip r:embed="rId2"/>
-          <a:stretch>
-            <a:fillRect/>
-          </a:stretch>
-        </p:blipFill>
-        <p:spPr>
-          <a:xfrm>
-            <a:off x="-461630" y="1415409"/>
-            <a:ext cx="5809714" cy="5809712"/>
-          </a:xfrm>
-          <a:prstGeom prst="rect">
-            <a:avLst/>
-          </a:prstGeom>
-        </p:spPr>
-      </p:pic>
       <p:sp>
         <p:nvSpPr>
           <p:cNvPr id="14" name="TextBox 2">
@@ -16691,7 +16663,7 @@
         <p:spPr>
           <a:xfrm>
             <a:off x="4971245" y="1832018"/>
-            <a:ext cx="6508381" cy="1569660"/>
+            <a:ext cx="6508381" cy="1200329"/>
           </a:xfrm>
           <a:prstGeom prst="rect">
             <a:avLst/>
@@ -16705,15 +16677,15 @@
           <a:lstStyle/>
           <a:p>
             <a:r>
-              <a:rPr lang="nl-NL" sz="2400" b="1">
-                <a:solidFill>
-                  <a:schemeClr val="bg1"/>
-                </a:solidFill>
-              </a:rPr>
-              <a:t>Python course </a:t>
-            </a:r>
-            <a:r>
-              <a:rPr lang="nl-NL" sz="2400" b="1" err="1">
+              <a:rPr lang="nl-NL" sz="2400" b="1" dirty="0">
+                <a:solidFill>
+                  <a:schemeClr val="bg1"/>
+                </a:solidFill>
+              </a:rPr>
+              <a:t>Python </a:t>
+            </a:r>
+            <a:r>
+              <a:rPr lang="nl-NL" sz="2400" b="1" dirty="0" err="1">
                 <a:solidFill>
                   <a:schemeClr val="bg1"/>
                 </a:solidFill>
@@ -16721,128 +16693,37 @@
               <a:t>for</a:t>
             </a:r>
             <a:r>
-              <a:rPr lang="nl-NL" sz="2400" b="1">
-                <a:solidFill>
-                  <a:schemeClr val="bg1"/>
-                </a:solidFill>
-              </a:rPr>
-              <a:t> </a:t>
-            </a:r>
-            <a:r>
-              <a:rPr lang="nl-NL" sz="2400" b="1" err="1">
-                <a:solidFill>
-                  <a:schemeClr val="bg1"/>
-                </a:solidFill>
-              </a:rPr>
-              <a:t>intermediate</a:t>
-            </a:r>
-            <a:r>
-              <a:rPr lang="nl-NL" sz="2400" b="1">
-                <a:solidFill>
-                  <a:schemeClr val="bg1"/>
-                </a:solidFill>
-              </a:rPr>
-              <a:t> Python </a:t>
-            </a:r>
-            <a:r>
-              <a:rPr lang="nl-NL" sz="2400" b="1" err="1">
-                <a:solidFill>
-                  <a:schemeClr val="bg1"/>
-                </a:solidFill>
-              </a:rPr>
-              <a:t>devs</a:t>
-            </a:r>
-            <a:r>
-              <a:rPr lang="nl-NL" sz="2400" b="1">
-                <a:solidFill>
-                  <a:schemeClr val="bg1"/>
-                </a:solidFill>
-              </a:rPr>
-              <a:t> </a:t>
-            </a:r>
-            <a:r>
-              <a:rPr lang="nl-NL" sz="2400" b="1" err="1">
-                <a:solidFill>
-                  <a:schemeClr val="bg1"/>
-                </a:solidFill>
-              </a:rPr>
-              <a:t>by</a:t>
-            </a:r>
-            <a:r>
-              <a:rPr lang="nl-NL" sz="2400" b="1">
-                <a:solidFill>
-                  <a:schemeClr val="bg1"/>
-                </a:solidFill>
-              </a:rPr>
-              <a:t> </a:t>
-            </a:r>
-            <a:r>
-              <a:rPr lang="nl-NL" sz="2400" b="1" err="1">
-                <a:solidFill>
-                  <a:schemeClr val="bg1"/>
-                </a:solidFill>
-              </a:rPr>
-              <a:t>solving</a:t>
-            </a:r>
-            <a:r>
-              <a:rPr lang="nl-NL" sz="2400" b="1">
-                <a:solidFill>
-                  <a:schemeClr val="bg1"/>
-                </a:solidFill>
-              </a:rPr>
-              <a:t> </a:t>
-            </a:r>
-            <a:r>
-              <a:rPr lang="nl-NL" sz="2400" b="1" err="1">
-                <a:solidFill>
-                  <a:schemeClr val="bg1"/>
-                </a:solidFill>
-              </a:rPr>
-              <a:t>some</a:t>
-            </a:r>
-            <a:r>
-              <a:rPr lang="nl-NL" sz="2400" b="1">
-                <a:solidFill>
-                  <a:schemeClr val="bg1"/>
-                </a:solidFill>
-              </a:rPr>
-              <a:t> </a:t>
-            </a:r>
-            <a:r>
-              <a:rPr lang="nl-NL" sz="2400" b="1" err="1">
-                <a:solidFill>
-                  <a:schemeClr val="bg1"/>
-                </a:solidFill>
-              </a:rPr>
-              <a:t>simple</a:t>
-            </a:r>
-            <a:r>
-              <a:rPr lang="nl-NL" sz="2400" b="1">
-                <a:solidFill>
-                  <a:schemeClr val="bg1"/>
-                </a:solidFill>
-              </a:rPr>
-              <a:t> </a:t>
-            </a:r>
-            <a:r>
-              <a:rPr lang="nl-NL" sz="2400" b="1" err="1">
-                <a:solidFill>
-                  <a:schemeClr val="bg1"/>
-                </a:solidFill>
-              </a:rPr>
-              <a:t>challenges</a:t>
-            </a:r>
-            <a:r>
-              <a:rPr lang="nl-NL" sz="2400" b="1">
-                <a:solidFill>
-                  <a:schemeClr val="bg1"/>
-                </a:solidFill>
-              </a:rPr>
-              <a:t>.</a:t>
-            </a:r>
-          </a:p>
-          <a:p>
-            <a:endParaRPr lang="nl-NL" sz="2400" b="1" i="1">
+              <a:rPr lang="nl-NL" sz="2400" b="1" dirty="0">
+                <a:solidFill>
+                  <a:schemeClr val="bg1"/>
+                </a:solidFill>
+              </a:rPr>
+              <a:t> </a:t>
+            </a:r>
+            <a:r>
+              <a:rPr lang="nl-NL" sz="2400" b="1" dirty="0" err="1">
+                <a:solidFill>
+                  <a:schemeClr val="bg1"/>
+                </a:solidFill>
+              </a:rPr>
+              <a:t>intermediates</a:t>
+            </a:r>
+            <a:r>
+              <a:rPr lang="nl-NL" sz="2400" b="1" dirty="0">
+                <a:solidFill>
+                  <a:schemeClr val="bg1"/>
+                </a:solidFill>
+              </a:rPr>
+              <a:t> </a:t>
+            </a:r>
+            <a:br>
+              <a:rPr lang="nl-NL" sz="2400" b="1" dirty="0">
+                <a:solidFill>
+                  <a:schemeClr val="bg1"/>
+                </a:solidFill>
+              </a:rPr>
+            </a:br>
+            <a:endParaRPr lang="nl-NL" sz="2400" b="1" i="1" dirty="0">
               <a:solidFill>
                 <a:schemeClr val="bg1"/>
               </a:solidFill>
@@ -16850,7 +16731,7 @@
           </a:p>
           <a:p>
             <a:r>
-              <a:rPr lang="nl-NL" sz="2400" b="1" i="1" err="1">
+              <a:rPr lang="nl-NL" sz="2400" b="1" i="1" dirty="0" err="1">
                 <a:solidFill>
                   <a:schemeClr val="bg1"/>
                 </a:solidFill>
@@ -16858,14 +16739,14 @@
               <a:t>By</a:t>
             </a:r>
             <a:r>
-              <a:rPr lang="nl-NL" sz="2400" b="1" i="1">
+              <a:rPr lang="nl-NL" sz="2400" b="1" i="1" dirty="0">
                 <a:solidFill>
                   <a:schemeClr val="bg1"/>
                 </a:solidFill>
               </a:rPr>
               <a:t> Herman van der Veer</a:t>
             </a:r>
-            <a:endParaRPr lang="nl-NL" sz="1400" i="1">
+            <a:endParaRPr lang="nl-NL" sz="1400" i="1" dirty="0">
               <a:solidFill>
                 <a:schemeClr val="bg1"/>
               </a:solidFill>
@@ -16888,7 +16769,7 @@
           <p:nvPr/>
         </p:nvPicPr>
         <p:blipFill>
-          <a:blip r:embed="rId3"/>
+          <a:blip r:embed="rId2"/>
           <a:stretch>
             <a:fillRect/>
           </a:stretch>
@@ -16903,52 +16784,53 @@
           </a:prstGeom>
         </p:spPr>
       </p:pic>
-      <p:sp>
-        <p:nvSpPr>
-          <p:cNvPr id="3" name="Ruit 2">
+      <p:pic>
+        <p:nvPicPr>
+          <p:cNvPr id="1026" name="Picture 2" descr="Python Logo transparent PNG - StickPNG">
             <a:extLst>
               <a:ext uri="{FF2B5EF4-FFF2-40B4-BE49-F238E27FC236}">
-                <a16:creationId xmlns:a16="http://schemas.microsoft.com/office/drawing/2014/main" id="{960C1DD4-F28C-4F81-8A06-1B6AC454A8AD}"/>
+                <a16:creationId xmlns:a16="http://schemas.microsoft.com/office/drawing/2014/main" id="{3B055A0A-5A97-F942-AD09-8BC8816366B1}"/>
               </a:ext>
             </a:extLst>
           </p:cNvPr>
-          <p:cNvSpPr/>
+          <p:cNvPicPr>
+            <a:picLocks noChangeAspect="1" noChangeArrowheads="1"/>
+          </p:cNvPicPr>
           <p:nvPr/>
-        </p:nvSpPr>
-        <p:spPr>
+        </p:nvPicPr>
+        <p:blipFill>
+          <a:blip r:embed="rId3">
+            <a:extLst>
+              <a:ext uri="{28A0092B-C50C-407E-A947-70E740481C1C}">
+                <a14:useLocalDpi xmlns:a14="http://schemas.microsoft.com/office/drawing/2010/main" val="0"/>
+              </a:ext>
+            </a:extLst>
+          </a:blip>
+          <a:srcRect/>
+          <a:stretch>
+            <a:fillRect/>
+          </a:stretch>
+        </p:blipFill>
+        <p:spPr bwMode="auto">
           <a:xfrm>
-            <a:off x="1234196" y="3108867"/>
-            <a:ext cx="2418061" cy="2422796"/>
+            <a:off x="820952" y="2218217"/>
+            <a:ext cx="3585284" cy="3571333"/>
           </a:xfrm>
-          <a:prstGeom prst="diamond">
+          <a:prstGeom prst="rect">
             <a:avLst/>
           </a:prstGeom>
+          <a:noFill/>
+          <a:extLst>
+            <a:ext uri="{909E8E84-426E-40DD-AFC4-6F175D3DCCD1}">
+              <a14:hiddenFill xmlns:a14="http://schemas.microsoft.com/office/drawing/2010/main">
+                <a:solidFill>
+                  <a:srgbClr val="FFFFFF"/>
+                </a:solidFill>
+              </a14:hiddenFill>
+            </a:ext>
+          </a:extLst>
         </p:spPr>
-        <p:style>
-          <a:lnRef idx="2">
-            <a:schemeClr val="accent1">
-              <a:shade val="50000"/>
-            </a:schemeClr>
-          </a:lnRef>
-          <a:fillRef idx="1">
-            <a:schemeClr val="accent1"/>
-          </a:fillRef>
-          <a:effectRef idx="0">
-            <a:schemeClr val="accent1"/>
-          </a:effectRef>
-          <a:fontRef idx="minor">
-            <a:schemeClr val="lt1"/>
-          </a:fontRef>
-        </p:style>
-        <p:txBody>
-          <a:bodyPr rtlCol="0" anchor="ctr"/>
-          <a:lstStyle/>
-          <a:p>
-            <a:pPr algn="ctr"/>
-            <a:endParaRPr lang="nl-NL"/>
-          </a:p>
-        </p:txBody>
-      </p:sp>
+      </p:pic>
     </p:spTree>
     <p:extLst>
       <p:ext uri="{BB962C8B-B14F-4D97-AF65-F5344CB8AC3E}">
@@ -17019,28 +16901,20 @@
           <a:lstStyle/>
           <a:p>
             <a:r>
+              <a:rPr lang="nl-NL" dirty="0" err="1">
+                <a:solidFill>
+                  <a:schemeClr val="bg1"/>
+                </a:solidFill>
+              </a:rPr>
+              <a:t>Assignment</a:t>
+            </a:r>
+            <a:r>
               <a:rPr lang="nl-NL" dirty="0">
                 <a:solidFill>
                   <a:schemeClr val="bg1"/>
                 </a:solidFill>
               </a:rPr>
-              <a:t>Take </a:t>
-            </a:r>
-            <a:r>
-              <a:rPr lang="nl-NL" dirty="0" err="1">
-                <a:solidFill>
-                  <a:schemeClr val="bg1"/>
-                </a:solidFill>
-              </a:rPr>
-              <a:t>away</a:t>
-            </a:r>
-            <a:r>
-              <a:rPr lang="nl-NL" dirty="0">
-                <a:solidFill>
-                  <a:schemeClr val="bg1"/>
-                </a:solidFill>
-              </a:rPr>
-              <a:t> - 4 - timer</a:t>
+              <a:t> 4 - Timer</a:t>
             </a:r>
           </a:p>
         </p:txBody>
@@ -17059,8 +16933,8 @@
         </p:nvSpPr>
         <p:spPr>
           <a:xfrm>
-            <a:off x="811012" y="1769201"/>
-            <a:ext cx="9482279" cy="2308324"/>
+            <a:off x="811013" y="1769201"/>
+            <a:ext cx="6508381" cy="830997"/>
           </a:xfrm>
           <a:prstGeom prst="rect">
             <a:avLst/>
@@ -17073,222 +16947,76 @@
           </a:bodyPr>
           <a:lstStyle/>
           <a:p>
-            <a:pPr marL="457200" indent="-457200">
-              <a:buFont typeface="Arial" panose="020B0604020202020204" pitchFamily="34" charset="0"/>
-              <a:buChar char="•"/>
-            </a:pPr>
-            <a:r>
-              <a:rPr lang="nl-NL" sz="2400" b="1" dirty="0" err="1">
+            <a:r>
+              <a:rPr lang="nl-NL" sz="2400" b="1" dirty="0">
                 <a:solidFill>
                   <a:schemeClr val="bg1"/>
                 </a:solidFill>
                 <a:latin typeface="Consolas" panose="020B0609020204030204" pitchFamily="49" charset="0"/>
                 <a:cs typeface="Consolas" panose="020B0609020204030204" pitchFamily="49" charset="0"/>
               </a:rPr>
-              <a:t>Function</a:t>
-            </a:r>
-            <a:r>
-              <a:rPr lang="nl-NL" sz="2400" b="1" dirty="0">
+              <a:t>Time </a:t>
+            </a:r>
+            <a:r>
+              <a:rPr lang="nl-NL" sz="2400" b="1" dirty="0" err="1">
                 <a:solidFill>
                   <a:schemeClr val="bg1"/>
                 </a:solidFill>
                 <a:latin typeface="Consolas" panose="020B0609020204030204" pitchFamily="49" charset="0"/>
                 <a:cs typeface="Consolas" panose="020B0609020204030204" pitchFamily="49" charset="0"/>
               </a:rPr>
-              <a:t> </a:t>
-            </a:r>
-            <a:r>
-              <a:rPr lang="nl-NL" sz="2400" b="1" dirty="0" err="1">
+              <a:t>how</a:t>
+            </a:r>
+            <a:r>
+              <a:rPr lang="nl-NL" sz="2400" b="1" dirty="0">
                 <a:solidFill>
                   <a:schemeClr val="bg1"/>
                 </a:solidFill>
                 <a:latin typeface="Consolas" panose="020B0609020204030204" pitchFamily="49" charset="0"/>
                 <a:cs typeface="Consolas" panose="020B0609020204030204" pitchFamily="49" charset="0"/>
               </a:rPr>
-              <a:t>wrappers</a:t>
-            </a:r>
-            <a:endParaRPr lang="nl-NL" sz="2400" b="1" dirty="0">
-              <a:solidFill>
-                <a:schemeClr val="bg1"/>
-              </a:solidFill>
-              <a:latin typeface="Consolas" panose="020B0609020204030204" pitchFamily="49" charset="0"/>
-              <a:cs typeface="Consolas" panose="020B0609020204030204" pitchFamily="49" charset="0"/>
-            </a:endParaRPr>
-          </a:p>
-          <a:p>
-            <a:pPr marL="457200" indent="-457200">
-              <a:buFont typeface="Arial" panose="020B0604020202020204" pitchFamily="34" charset="0"/>
-              <a:buChar char="•"/>
-            </a:pPr>
-            <a:r>
-              <a:rPr lang="nl-NL" sz="2400" b="1" dirty="0">
+              <a:t> </a:t>
+            </a:r>
+            <a:r>
+              <a:rPr lang="nl-NL" sz="2400" b="1" dirty="0" err="1">
                 <a:solidFill>
                   <a:schemeClr val="bg1"/>
                 </a:solidFill>
                 <a:latin typeface="Consolas" panose="020B0609020204030204" pitchFamily="49" charset="0"/>
                 <a:cs typeface="Consolas" panose="020B0609020204030204" pitchFamily="49" charset="0"/>
               </a:rPr>
-              <a:t>Passing a </a:t>
-            </a:r>
-            <a:r>
-              <a:rPr lang="nl-NL" sz="2400" b="1" dirty="0" err="1">
+              <a:t>fast</a:t>
+            </a:r>
+            <a:r>
+              <a:rPr lang="nl-NL" sz="2400" b="1" dirty="0">
                 <a:solidFill>
                   <a:schemeClr val="bg1"/>
                 </a:solidFill>
                 <a:latin typeface="Consolas" panose="020B0609020204030204" pitchFamily="49" charset="0"/>
                 <a:cs typeface="Consolas" panose="020B0609020204030204" pitchFamily="49" charset="0"/>
               </a:rPr>
-              <a:t>variable</a:t>
-            </a:r>
-            <a:r>
-              <a:rPr lang="nl-NL" sz="2400" b="1" dirty="0">
+              <a:t> </a:t>
+            </a:r>
+            <a:r>
+              <a:rPr lang="nl-NL" sz="2400" b="1" dirty="0" err="1">
                 <a:solidFill>
                   <a:schemeClr val="bg1"/>
                 </a:solidFill>
                 <a:latin typeface="Consolas" panose="020B0609020204030204" pitchFamily="49" charset="0"/>
                 <a:cs typeface="Consolas" panose="020B0609020204030204" pitchFamily="49" charset="0"/>
               </a:rPr>
-              <a:t> </a:t>
-            </a:r>
-            <a:r>
-              <a:rPr lang="nl-NL" sz="2400" b="1" dirty="0" err="1">
+              <a:t>assignment</a:t>
+            </a:r>
+            <a:r>
+              <a:rPr lang="nl-NL" sz="2400" b="1" dirty="0">
                 <a:solidFill>
                   <a:schemeClr val="bg1"/>
                 </a:solidFill>
                 <a:latin typeface="Consolas" panose="020B0609020204030204" pitchFamily="49" charset="0"/>
                 <a:cs typeface="Consolas" panose="020B0609020204030204" pitchFamily="49" charset="0"/>
               </a:rPr>
-              <a:t>number</a:t>
-            </a:r>
-            <a:r>
-              <a:rPr lang="nl-NL" sz="2400" b="1" dirty="0">
-                <a:solidFill>
-                  <a:schemeClr val="bg1"/>
-                </a:solidFill>
-                <a:latin typeface="Consolas" panose="020B0609020204030204" pitchFamily="49" charset="0"/>
-                <a:cs typeface="Consolas" panose="020B0609020204030204" pitchFamily="49" charset="0"/>
-              </a:rPr>
-              <a:t> of </a:t>
-            </a:r>
-            <a:r>
-              <a:rPr lang="nl-NL" sz="2400" b="1" dirty="0" err="1">
-                <a:solidFill>
-                  <a:schemeClr val="bg1"/>
-                </a:solidFill>
-                <a:latin typeface="Consolas" panose="020B0609020204030204" pitchFamily="49" charset="0"/>
-                <a:cs typeface="Consolas" panose="020B0609020204030204" pitchFamily="49" charset="0"/>
-              </a:rPr>
-              <a:t>arguments</a:t>
-            </a:r>
-            <a:endParaRPr lang="nl-NL" sz="2400" b="1" dirty="0">
-              <a:solidFill>
-                <a:schemeClr val="bg1"/>
-              </a:solidFill>
-              <a:latin typeface="Consolas" panose="020B0609020204030204" pitchFamily="49" charset="0"/>
-              <a:cs typeface="Consolas" panose="020B0609020204030204" pitchFamily="49" charset="0"/>
-            </a:endParaRPr>
-          </a:p>
-          <a:p>
-            <a:pPr marL="457200" indent="-457200">
-              <a:buFont typeface="Arial" panose="020B0604020202020204" pitchFamily="34" charset="0"/>
-              <a:buChar char="•"/>
-            </a:pPr>
-            <a:r>
-              <a:rPr lang="nl-NL" sz="2400" b="1" dirty="0" err="1">
-                <a:solidFill>
-                  <a:schemeClr val="bg1"/>
-                </a:solidFill>
-                <a:latin typeface="Consolas" panose="020B0609020204030204" pitchFamily="49" charset="0"/>
-                <a:cs typeface="Consolas" panose="020B0609020204030204" pitchFamily="49" charset="0"/>
-              </a:rPr>
-              <a:t>Keyworded</a:t>
-            </a:r>
-            <a:r>
-              <a:rPr lang="nl-NL" sz="2400" b="1" dirty="0">
-                <a:solidFill>
-                  <a:schemeClr val="bg1"/>
-                </a:solidFill>
-                <a:latin typeface="Consolas" panose="020B0609020204030204" pitchFamily="49" charset="0"/>
-                <a:cs typeface="Consolas" panose="020B0609020204030204" pitchFamily="49" charset="0"/>
-              </a:rPr>
-              <a:t> </a:t>
-            </a:r>
-            <a:r>
-              <a:rPr lang="nl-NL" sz="2400" b="1" dirty="0" err="1">
-                <a:solidFill>
-                  <a:schemeClr val="bg1"/>
-                </a:solidFill>
-                <a:latin typeface="Consolas" panose="020B0609020204030204" pitchFamily="49" charset="0"/>
-                <a:cs typeface="Consolas" panose="020B0609020204030204" pitchFamily="49" charset="0"/>
-              </a:rPr>
-              <a:t>arguments</a:t>
-            </a:r>
-            <a:endParaRPr lang="nl-NL" sz="2400" b="1" dirty="0">
-              <a:solidFill>
-                <a:schemeClr val="bg1"/>
-              </a:solidFill>
-              <a:latin typeface="Consolas" panose="020B0609020204030204" pitchFamily="49" charset="0"/>
-              <a:cs typeface="Consolas" panose="020B0609020204030204" pitchFamily="49" charset="0"/>
-            </a:endParaRPr>
-          </a:p>
-          <a:p>
-            <a:pPr marL="457200" indent="-457200">
-              <a:buFont typeface="Arial" panose="020B0604020202020204" pitchFamily="34" charset="0"/>
-              <a:buChar char="•"/>
-            </a:pPr>
-            <a:r>
-              <a:rPr lang="nl-NL" sz="2400" b="1" dirty="0" err="1">
-                <a:solidFill>
-                  <a:schemeClr val="bg1"/>
-                </a:solidFill>
-                <a:latin typeface="Consolas" panose="020B0609020204030204" pitchFamily="49" charset="0"/>
-                <a:cs typeface="Consolas" panose="020B0609020204030204" pitchFamily="49" charset="0"/>
-              </a:rPr>
-              <a:t>Round</a:t>
-            </a:r>
-            <a:r>
-              <a:rPr lang="nl-NL" sz="2400" b="1" dirty="0">
-                <a:solidFill>
-                  <a:schemeClr val="bg1"/>
-                </a:solidFill>
-                <a:latin typeface="Consolas" panose="020B0609020204030204" pitchFamily="49" charset="0"/>
-                <a:cs typeface="Consolas" panose="020B0609020204030204" pitchFamily="49" charset="0"/>
-              </a:rPr>
-              <a:t> </a:t>
-            </a:r>
-            <a:r>
-              <a:rPr lang="nl-NL" sz="2400" b="1" dirty="0" err="1">
-                <a:solidFill>
-                  <a:schemeClr val="bg1"/>
-                </a:solidFill>
-                <a:latin typeface="Consolas" panose="020B0609020204030204" pitchFamily="49" charset="0"/>
-                <a:cs typeface="Consolas" panose="020B0609020204030204" pitchFamily="49" charset="0"/>
-              </a:rPr>
-              <a:t>using</a:t>
-            </a:r>
-            <a:r>
-              <a:rPr lang="nl-NL" sz="2400" b="1" dirty="0">
-                <a:solidFill>
-                  <a:schemeClr val="bg1"/>
-                </a:solidFill>
-                <a:latin typeface="Consolas" panose="020B0609020204030204" pitchFamily="49" charset="0"/>
-                <a:cs typeface="Consolas" panose="020B0609020204030204" pitchFamily="49" charset="0"/>
-              </a:rPr>
-              <a:t> f-strings (.2f)</a:t>
-            </a:r>
-          </a:p>
-          <a:p>
-            <a:pPr marL="457200" indent="-457200">
-              <a:buFont typeface="Arial" panose="020B0604020202020204" pitchFamily="34" charset="0"/>
-              <a:buChar char="•"/>
-            </a:pPr>
-            <a:endParaRPr lang="nl-NL" sz="2400" b="1" dirty="0">
-              <a:solidFill>
-                <a:schemeClr val="bg1"/>
-              </a:solidFill>
-              <a:latin typeface="Consolas" panose="020B0609020204030204" pitchFamily="49" charset="0"/>
-              <a:cs typeface="Consolas" panose="020B0609020204030204" pitchFamily="49" charset="0"/>
-            </a:endParaRPr>
+              <a:t> 3 runs</a:t>
+            </a:r>
           </a:p>
           <a:p>
             <a:endParaRPr lang="en" sz="2400" b="1" dirty="0">
@@ -17332,7 +17060,7 @@
     </p:spTree>
     <p:extLst>
       <p:ext uri="{BB962C8B-B14F-4D97-AF65-F5344CB8AC3E}">
-        <p14:creationId xmlns:p14="http://schemas.microsoft.com/office/powerpoint/2010/main" val="638645019"/>
+        <p14:creationId xmlns:p14="http://schemas.microsoft.com/office/powerpoint/2010/main" val="377636335"/>
       </p:ext>
     </p:extLst>
   </p:cSld>
@@ -17399,6 +17127,1156 @@
           <a:lstStyle/>
           <a:p>
             <a:r>
+              <a:rPr lang="nl-NL" dirty="0" err="1">
+                <a:solidFill>
+                  <a:schemeClr val="bg1"/>
+                </a:solidFill>
+              </a:rPr>
+              <a:t>Learnings</a:t>
+            </a:r>
+            <a:r>
+              <a:rPr lang="nl-NL" dirty="0">
+                <a:solidFill>
+                  <a:schemeClr val="bg1"/>
+                </a:solidFill>
+              </a:rPr>
+              <a:t> timer</a:t>
+            </a:r>
+          </a:p>
+        </p:txBody>
+      </p:sp>
+      <p:sp>
+        <p:nvSpPr>
+          <p:cNvPr id="14" name="TextBox 2">
+            <a:extLst>
+              <a:ext uri="{FF2B5EF4-FFF2-40B4-BE49-F238E27FC236}">
+                <a16:creationId xmlns:a16="http://schemas.microsoft.com/office/drawing/2014/main" id="{BFDD88AB-78F0-4A81-894B-1246B810565E}"/>
+              </a:ext>
+            </a:extLst>
+          </p:cNvPr>
+          <p:cNvSpPr txBox="1"/>
+          <p:nvPr/>
+        </p:nvSpPr>
+        <p:spPr>
+          <a:xfrm>
+            <a:off x="811012" y="1769201"/>
+            <a:ext cx="11021172" cy="2308324"/>
+          </a:xfrm>
+          <a:prstGeom prst="rect">
+            <a:avLst/>
+          </a:prstGeom>
+          <a:noFill/>
+        </p:spPr>
+        <p:txBody>
+          <a:bodyPr wrap="square" rtlCol="0">
+            <a:spAutoFit/>
+          </a:bodyPr>
+          <a:lstStyle/>
+          <a:p>
+            <a:pPr marL="457200" indent="-457200">
+              <a:buFont typeface="Arial" panose="020B0604020202020204" pitchFamily="34" charset="0"/>
+              <a:buChar char="•"/>
+            </a:pPr>
+            <a:r>
+              <a:rPr lang="nl-NL" sz="2400" b="1" dirty="0" err="1">
+                <a:solidFill>
+                  <a:schemeClr val="bg1"/>
+                </a:solidFill>
+                <a:latin typeface="Consolas" panose="020B0609020204030204" pitchFamily="49" charset="0"/>
+                <a:cs typeface="Consolas" panose="020B0609020204030204" pitchFamily="49" charset="0"/>
+              </a:rPr>
+              <a:t>Function</a:t>
+            </a:r>
+            <a:r>
+              <a:rPr lang="nl-NL" sz="2400" b="1" dirty="0">
+                <a:solidFill>
+                  <a:schemeClr val="bg1"/>
+                </a:solidFill>
+                <a:latin typeface="Consolas" panose="020B0609020204030204" pitchFamily="49" charset="0"/>
+                <a:cs typeface="Consolas" panose="020B0609020204030204" pitchFamily="49" charset="0"/>
+              </a:rPr>
+              <a:t> </a:t>
+            </a:r>
+            <a:r>
+              <a:rPr lang="nl-NL" sz="2400" b="1" dirty="0" err="1">
+                <a:solidFill>
+                  <a:schemeClr val="bg1"/>
+                </a:solidFill>
+                <a:latin typeface="Consolas" panose="020B0609020204030204" pitchFamily="49" charset="0"/>
+                <a:cs typeface="Consolas" panose="020B0609020204030204" pitchFamily="49" charset="0"/>
+              </a:rPr>
+              <a:t>wrappers</a:t>
+            </a:r>
+            <a:r>
+              <a:rPr lang="nl-NL" sz="2400" b="1" dirty="0">
+                <a:solidFill>
+                  <a:schemeClr val="bg1"/>
+                </a:solidFill>
+                <a:latin typeface="Consolas" panose="020B0609020204030204" pitchFamily="49" charset="0"/>
+                <a:cs typeface="Consolas" panose="020B0609020204030204" pitchFamily="49" charset="0"/>
+              </a:rPr>
+              <a:t>             </a:t>
+            </a:r>
+            <a:r>
+              <a:rPr lang="nl-NL" sz="2400" b="1" i="1" dirty="0" err="1">
+                <a:solidFill>
+                  <a:schemeClr val="bg1"/>
+                </a:solidFill>
+                <a:latin typeface="Consolas" panose="020B0609020204030204" pitchFamily="49" charset="0"/>
+                <a:cs typeface="Consolas" panose="020B0609020204030204" pitchFamily="49" charset="0"/>
+              </a:rPr>
+              <a:t>def</a:t>
+            </a:r>
+            <a:r>
+              <a:rPr lang="nl-NL" sz="2400" b="1" i="1" dirty="0">
+                <a:solidFill>
+                  <a:schemeClr val="bg1"/>
+                </a:solidFill>
+                <a:latin typeface="Consolas" panose="020B0609020204030204" pitchFamily="49" charset="0"/>
+                <a:cs typeface="Consolas" panose="020B0609020204030204" pitchFamily="49" charset="0"/>
+              </a:rPr>
+              <a:t> </a:t>
+            </a:r>
+            <a:r>
+              <a:rPr lang="nl-NL" sz="2400" b="1" i="1" dirty="0" err="1">
+                <a:solidFill>
+                  <a:schemeClr val="bg1"/>
+                </a:solidFill>
+                <a:latin typeface="Consolas" panose="020B0609020204030204" pitchFamily="49" charset="0"/>
+                <a:cs typeface="Consolas" panose="020B0609020204030204" pitchFamily="49" charset="0"/>
+              </a:rPr>
+              <a:t>func</a:t>
+            </a:r>
+            <a:r>
+              <a:rPr lang="nl-NL" sz="2400" b="1" i="1" dirty="0">
+                <a:solidFill>
+                  <a:schemeClr val="bg1"/>
+                </a:solidFill>
+                <a:latin typeface="Consolas" panose="020B0609020204030204" pitchFamily="49" charset="0"/>
+                <a:cs typeface="Consolas" panose="020B0609020204030204" pitchFamily="49" charset="0"/>
+              </a:rPr>
+              <a:t>(): </a:t>
+            </a:r>
+            <a:r>
+              <a:rPr lang="nl-NL" sz="2400" b="1" i="1" dirty="0" err="1">
+                <a:solidFill>
+                  <a:schemeClr val="bg1"/>
+                </a:solidFill>
+                <a:latin typeface="Consolas" panose="020B0609020204030204" pitchFamily="49" charset="0"/>
+                <a:cs typeface="Consolas" panose="020B0609020204030204" pitchFamily="49" charset="0"/>
+              </a:rPr>
+              <a:t>def</a:t>
+            </a:r>
+            <a:r>
+              <a:rPr lang="nl-NL" sz="2400" b="1" i="1" dirty="0">
+                <a:solidFill>
+                  <a:schemeClr val="bg1"/>
+                </a:solidFill>
+                <a:latin typeface="Consolas" panose="020B0609020204030204" pitchFamily="49" charset="0"/>
+                <a:cs typeface="Consolas" panose="020B0609020204030204" pitchFamily="49" charset="0"/>
+              </a:rPr>
+              <a:t> </a:t>
+            </a:r>
+            <a:r>
+              <a:rPr lang="nl-NL" sz="2400" b="1" i="1" dirty="0" err="1">
+                <a:solidFill>
+                  <a:schemeClr val="bg1"/>
+                </a:solidFill>
+                <a:latin typeface="Consolas" panose="020B0609020204030204" pitchFamily="49" charset="0"/>
+                <a:cs typeface="Consolas" panose="020B0609020204030204" pitchFamily="49" charset="0"/>
+              </a:rPr>
+              <a:t>wrapper</a:t>
+            </a:r>
+            <a:r>
+              <a:rPr lang="nl-NL" sz="2400" b="1" i="1" dirty="0">
+                <a:solidFill>
+                  <a:schemeClr val="bg1"/>
+                </a:solidFill>
+                <a:latin typeface="Consolas" panose="020B0609020204030204" pitchFamily="49" charset="0"/>
+                <a:cs typeface="Consolas" panose="020B0609020204030204" pitchFamily="49" charset="0"/>
+              </a:rPr>
+              <a:t>(*y):</a:t>
+            </a:r>
+          </a:p>
+          <a:p>
+            <a:pPr marL="457200" indent="-457200">
+              <a:buFont typeface="Arial" panose="020B0604020202020204" pitchFamily="34" charset="0"/>
+              <a:buChar char="•"/>
+            </a:pPr>
+            <a:r>
+              <a:rPr lang="nl-NL" sz="2400" b="1" dirty="0" err="1">
+                <a:solidFill>
+                  <a:schemeClr val="bg1"/>
+                </a:solidFill>
+                <a:latin typeface="Consolas" panose="020B0609020204030204" pitchFamily="49" charset="0"/>
+                <a:cs typeface="Consolas" panose="020B0609020204030204" pitchFamily="49" charset="0"/>
+              </a:rPr>
+              <a:t>Variable</a:t>
+            </a:r>
+            <a:r>
+              <a:rPr lang="nl-NL" sz="2400" b="1" dirty="0">
+                <a:solidFill>
+                  <a:schemeClr val="bg1"/>
+                </a:solidFill>
+                <a:latin typeface="Consolas" panose="020B0609020204030204" pitchFamily="49" charset="0"/>
+                <a:cs typeface="Consolas" panose="020B0609020204030204" pitchFamily="49" charset="0"/>
+              </a:rPr>
+              <a:t> </a:t>
+            </a:r>
+            <a:r>
+              <a:rPr lang="nl-NL" sz="2400" b="1" dirty="0" err="1">
+                <a:solidFill>
+                  <a:schemeClr val="bg1"/>
+                </a:solidFill>
+                <a:latin typeface="Consolas" panose="020B0609020204030204" pitchFamily="49" charset="0"/>
+                <a:cs typeface="Consolas" panose="020B0609020204030204" pitchFamily="49" charset="0"/>
+              </a:rPr>
+              <a:t>nr</a:t>
+            </a:r>
+            <a:r>
+              <a:rPr lang="nl-NL" sz="2400" b="1" dirty="0">
+                <a:solidFill>
+                  <a:schemeClr val="bg1"/>
+                </a:solidFill>
+                <a:latin typeface="Consolas" panose="020B0609020204030204" pitchFamily="49" charset="0"/>
+                <a:cs typeface="Consolas" panose="020B0609020204030204" pitchFamily="49" charset="0"/>
+              </a:rPr>
+              <a:t> of </a:t>
+            </a:r>
+            <a:r>
+              <a:rPr lang="nl-NL" sz="2400" b="1" dirty="0" err="1">
+                <a:solidFill>
+                  <a:schemeClr val="bg1"/>
+                </a:solidFill>
+                <a:latin typeface="Consolas" panose="020B0609020204030204" pitchFamily="49" charset="0"/>
+                <a:cs typeface="Consolas" panose="020B0609020204030204" pitchFamily="49" charset="0"/>
+              </a:rPr>
+              <a:t>arguments</a:t>
+            </a:r>
+            <a:r>
+              <a:rPr lang="nl-NL" sz="2400" b="1" dirty="0">
+                <a:solidFill>
+                  <a:schemeClr val="bg1"/>
+                </a:solidFill>
+                <a:latin typeface="Consolas" panose="020B0609020204030204" pitchFamily="49" charset="0"/>
+                <a:cs typeface="Consolas" panose="020B0609020204030204" pitchFamily="49" charset="0"/>
+              </a:rPr>
+              <a:t>      </a:t>
+            </a:r>
+            <a:r>
+              <a:rPr lang="nl-NL" sz="2400" b="1" i="1" dirty="0">
+                <a:solidFill>
+                  <a:schemeClr val="bg1"/>
+                </a:solidFill>
+                <a:latin typeface="Consolas" panose="020B0609020204030204" pitchFamily="49" charset="0"/>
+                <a:cs typeface="Consolas" panose="020B0609020204030204" pitchFamily="49" charset="0"/>
+              </a:rPr>
+              <a:t>*</a:t>
+            </a:r>
+            <a:r>
+              <a:rPr lang="nl-NL" sz="2400" b="1" i="1" dirty="0" err="1">
+                <a:solidFill>
+                  <a:schemeClr val="bg1"/>
+                </a:solidFill>
+                <a:latin typeface="Consolas" panose="020B0609020204030204" pitchFamily="49" charset="0"/>
+                <a:cs typeface="Consolas" panose="020B0609020204030204" pitchFamily="49" charset="0"/>
+              </a:rPr>
+              <a:t>args</a:t>
+            </a:r>
+            <a:r>
+              <a:rPr lang="nl-NL" sz="2400" b="1" i="1" dirty="0">
+                <a:solidFill>
+                  <a:schemeClr val="bg1"/>
+                </a:solidFill>
+                <a:latin typeface="Consolas" panose="020B0609020204030204" pitchFamily="49" charset="0"/>
+                <a:cs typeface="Consolas" panose="020B0609020204030204" pitchFamily="49" charset="0"/>
+              </a:rPr>
+              <a:t> **</a:t>
+            </a:r>
+            <a:r>
+              <a:rPr lang="nl-NL" sz="2400" b="1" i="1" dirty="0" err="1">
+                <a:solidFill>
+                  <a:schemeClr val="bg1"/>
+                </a:solidFill>
+                <a:latin typeface="Consolas" panose="020B0609020204030204" pitchFamily="49" charset="0"/>
+                <a:cs typeface="Consolas" panose="020B0609020204030204" pitchFamily="49" charset="0"/>
+              </a:rPr>
+              <a:t>kwargs</a:t>
+            </a:r>
+            <a:endParaRPr lang="nl-NL" sz="2400" b="1" i="1" dirty="0">
+              <a:solidFill>
+                <a:schemeClr val="bg1"/>
+              </a:solidFill>
+              <a:latin typeface="Consolas" panose="020B0609020204030204" pitchFamily="49" charset="0"/>
+              <a:cs typeface="Consolas" panose="020B0609020204030204" pitchFamily="49" charset="0"/>
+            </a:endParaRPr>
+          </a:p>
+          <a:p>
+            <a:pPr marL="457200" indent="-457200">
+              <a:buFont typeface="Arial" panose="020B0604020202020204" pitchFamily="34" charset="0"/>
+              <a:buChar char="•"/>
+            </a:pPr>
+            <a:r>
+              <a:rPr lang="nl-NL" sz="2400" b="1" dirty="0" err="1">
+                <a:solidFill>
+                  <a:schemeClr val="bg1"/>
+                </a:solidFill>
+                <a:latin typeface="Consolas" panose="020B0609020204030204" pitchFamily="49" charset="0"/>
+                <a:cs typeface="Consolas" panose="020B0609020204030204" pitchFamily="49" charset="0"/>
+              </a:rPr>
+              <a:t>Round</a:t>
+            </a:r>
+            <a:r>
+              <a:rPr lang="nl-NL" sz="2400" b="1" dirty="0">
+                <a:solidFill>
+                  <a:schemeClr val="bg1"/>
+                </a:solidFill>
+                <a:latin typeface="Consolas" panose="020B0609020204030204" pitchFamily="49" charset="0"/>
+                <a:cs typeface="Consolas" panose="020B0609020204030204" pitchFamily="49" charset="0"/>
+              </a:rPr>
+              <a:t> </a:t>
+            </a:r>
+            <a:r>
+              <a:rPr lang="nl-NL" sz="2400" b="1" dirty="0" err="1">
+                <a:solidFill>
+                  <a:schemeClr val="bg1"/>
+                </a:solidFill>
+                <a:latin typeface="Consolas" panose="020B0609020204030204" pitchFamily="49" charset="0"/>
+                <a:cs typeface="Consolas" panose="020B0609020204030204" pitchFamily="49" charset="0"/>
+              </a:rPr>
+              <a:t>using</a:t>
+            </a:r>
+            <a:r>
+              <a:rPr lang="nl-NL" sz="2400" b="1" dirty="0">
+                <a:solidFill>
+                  <a:schemeClr val="bg1"/>
+                </a:solidFill>
+                <a:latin typeface="Consolas" panose="020B0609020204030204" pitchFamily="49" charset="0"/>
+                <a:cs typeface="Consolas" panose="020B0609020204030204" pitchFamily="49" charset="0"/>
+              </a:rPr>
+              <a:t> f-strings         </a:t>
+            </a:r>
+            <a:r>
+              <a:rPr lang="nl-NL" sz="2400" b="1" i="1" dirty="0">
+                <a:solidFill>
+                  <a:schemeClr val="bg1"/>
+                </a:solidFill>
+                <a:latin typeface="Consolas" panose="020B0609020204030204" pitchFamily="49" charset="0"/>
+                <a:cs typeface="Consolas" panose="020B0609020204030204" pitchFamily="49" charset="0"/>
+              </a:rPr>
+              <a:t>:.2f</a:t>
+            </a:r>
+          </a:p>
+          <a:p>
+            <a:pPr marL="457200" indent="-457200">
+              <a:buFont typeface="Arial" panose="020B0604020202020204" pitchFamily="34" charset="0"/>
+              <a:buChar char="•"/>
+            </a:pPr>
+            <a:r>
+              <a:rPr lang="nl-NL" sz="2400" b="1" dirty="0" err="1">
+                <a:solidFill>
+                  <a:schemeClr val="bg1"/>
+                </a:solidFill>
+                <a:latin typeface="Consolas" panose="020B0609020204030204" pitchFamily="49" charset="0"/>
+                <a:cs typeface="Consolas" panose="020B0609020204030204" pitchFamily="49" charset="0"/>
+              </a:rPr>
+              <a:t>Decorators</a:t>
+            </a:r>
+            <a:r>
+              <a:rPr lang="nl-NL" sz="2400" b="1" dirty="0">
+                <a:solidFill>
+                  <a:schemeClr val="bg1"/>
+                </a:solidFill>
+                <a:latin typeface="Consolas" panose="020B0609020204030204" pitchFamily="49" charset="0"/>
+                <a:cs typeface="Consolas" panose="020B0609020204030204" pitchFamily="49" charset="0"/>
+              </a:rPr>
+              <a:t>                    </a:t>
+            </a:r>
+            <a:r>
+              <a:rPr lang="nl-NL" sz="2400" b="1" i="1" dirty="0">
+                <a:solidFill>
+                  <a:schemeClr val="bg1"/>
+                </a:solidFill>
+                <a:latin typeface="Consolas" panose="020B0609020204030204" pitchFamily="49" charset="0"/>
+                <a:cs typeface="Consolas" panose="020B0609020204030204" pitchFamily="49" charset="0"/>
+              </a:rPr>
+              <a:t>@</a:t>
+            </a:r>
+            <a:r>
+              <a:rPr lang="nl-NL" sz="2400" b="1" i="1" dirty="0" err="1">
+                <a:solidFill>
+                  <a:schemeClr val="bg1"/>
+                </a:solidFill>
+                <a:latin typeface="Consolas" panose="020B0609020204030204" pitchFamily="49" charset="0"/>
+                <a:cs typeface="Consolas" panose="020B0609020204030204" pitchFamily="49" charset="0"/>
+              </a:rPr>
+              <a:t>func</a:t>
+            </a:r>
+            <a:endParaRPr lang="nl-NL" sz="2400" b="1" i="1" dirty="0">
+              <a:solidFill>
+                <a:schemeClr val="bg1"/>
+              </a:solidFill>
+              <a:latin typeface="Consolas" panose="020B0609020204030204" pitchFamily="49" charset="0"/>
+              <a:cs typeface="Consolas" panose="020B0609020204030204" pitchFamily="49" charset="0"/>
+            </a:endParaRPr>
+          </a:p>
+          <a:p>
+            <a:pPr marL="457200" indent="-457200">
+              <a:buFont typeface="Arial" panose="020B0604020202020204" pitchFamily="34" charset="0"/>
+              <a:buChar char="•"/>
+            </a:pPr>
+            <a:r>
+              <a:rPr lang="nl-NL" sz="2400" b="1" dirty="0">
+                <a:solidFill>
+                  <a:schemeClr val="bg1"/>
+                </a:solidFill>
+                <a:latin typeface="Consolas" panose="020B0609020204030204" pitchFamily="49" charset="0"/>
+                <a:cs typeface="Consolas" panose="020B0609020204030204" pitchFamily="49" charset="0"/>
+              </a:rPr>
+              <a:t>Import </a:t>
+            </a:r>
+            <a:r>
+              <a:rPr lang="nl-NL" sz="2400" b="1" dirty="0" err="1">
+                <a:solidFill>
+                  <a:schemeClr val="bg1"/>
+                </a:solidFill>
+                <a:latin typeface="Consolas" panose="020B0609020204030204" pitchFamily="49" charset="0"/>
+                <a:cs typeface="Consolas" panose="020B0609020204030204" pitchFamily="49" charset="0"/>
+              </a:rPr>
+              <a:t>function</a:t>
+            </a:r>
+            <a:r>
+              <a:rPr lang="nl-NL" sz="2400" b="1" dirty="0">
+                <a:solidFill>
+                  <a:schemeClr val="bg1"/>
+                </a:solidFill>
+                <a:latin typeface="Consolas" panose="020B0609020204030204" pitchFamily="49" charset="0"/>
+                <a:cs typeface="Consolas" panose="020B0609020204030204" pitchFamily="49" charset="0"/>
+              </a:rPr>
+              <a:t>			import timer</a:t>
+            </a:r>
+          </a:p>
+          <a:p>
+            <a:pPr marL="457200" indent="-457200">
+              <a:buFont typeface="Arial" panose="020B0604020202020204" pitchFamily="34" charset="0"/>
+              <a:buChar char="•"/>
+            </a:pPr>
+            <a:r>
+              <a:rPr lang="nl-NL" sz="2400" b="1" dirty="0" err="1">
+                <a:solidFill>
+                  <a:schemeClr val="bg1"/>
+                </a:solidFill>
+                <a:latin typeface="Consolas" panose="020B0609020204030204" pitchFamily="49" charset="0"/>
+                <a:cs typeface="Consolas" panose="020B0609020204030204" pitchFamily="49" charset="0"/>
+              </a:rPr>
+              <a:t>Why</a:t>
+            </a:r>
+            <a:r>
+              <a:rPr lang="nl-NL" sz="2400" b="1" dirty="0">
+                <a:solidFill>
+                  <a:schemeClr val="bg1"/>
+                </a:solidFill>
+                <a:latin typeface="Consolas" panose="020B0609020204030204" pitchFamily="49" charset="0"/>
+                <a:cs typeface="Consolas" panose="020B0609020204030204" pitchFamily="49" charset="0"/>
+              </a:rPr>
+              <a:t> </a:t>
+            </a:r>
+            <a:r>
+              <a:rPr lang="nl-NL" sz="2400" b="1" dirty="0" err="1">
+                <a:solidFill>
+                  <a:schemeClr val="bg1"/>
+                </a:solidFill>
+                <a:latin typeface="Consolas" panose="020B0609020204030204" pitchFamily="49" charset="0"/>
+                <a:cs typeface="Consolas" panose="020B0609020204030204" pitchFamily="49" charset="0"/>
+              </a:rPr>
+              <a:t>use</a:t>
+            </a:r>
+            <a:r>
+              <a:rPr lang="nl-NL" sz="2400" b="1" dirty="0">
+                <a:solidFill>
+                  <a:schemeClr val="bg1"/>
+                </a:solidFill>
+                <a:latin typeface="Consolas" panose="020B0609020204030204" pitchFamily="49" charset="0"/>
+                <a:cs typeface="Consolas" panose="020B0609020204030204" pitchFamily="49" charset="0"/>
+              </a:rPr>
+              <a:t> </a:t>
+            </a:r>
+            <a:r>
+              <a:rPr lang="nl-NL" sz="2400" b="1" i="1" dirty="0">
+                <a:solidFill>
+                  <a:schemeClr val="bg1"/>
+                </a:solidFill>
+                <a:latin typeface="Consolas" panose="020B0609020204030204" pitchFamily="49" charset="0"/>
+                <a:cs typeface="Consolas" panose="020B0609020204030204" pitchFamily="49" charset="0"/>
+              </a:rPr>
+              <a:t>__</a:t>
+            </a:r>
+            <a:r>
+              <a:rPr lang="nl-NL" sz="2400" b="1" i="1" dirty="0" err="1">
+                <a:solidFill>
+                  <a:schemeClr val="bg1"/>
+                </a:solidFill>
+                <a:latin typeface="Consolas" panose="020B0609020204030204" pitchFamily="49" charset="0"/>
+                <a:cs typeface="Consolas" panose="020B0609020204030204" pitchFamily="49" charset="0"/>
+              </a:rPr>
+              <a:t>main</a:t>
+            </a:r>
+            <a:r>
+              <a:rPr lang="nl-NL" sz="2400" b="1" i="1" dirty="0">
+                <a:solidFill>
+                  <a:schemeClr val="bg1"/>
+                </a:solidFill>
+                <a:latin typeface="Consolas" panose="020B0609020204030204" pitchFamily="49" charset="0"/>
+                <a:cs typeface="Consolas" panose="020B0609020204030204" pitchFamily="49" charset="0"/>
+              </a:rPr>
+              <a:t>__</a:t>
+            </a:r>
+            <a:endParaRPr lang="en" sz="2400" b="1" i="1" dirty="0">
+              <a:solidFill>
+                <a:schemeClr val="bg1"/>
+              </a:solidFill>
+            </a:endParaRPr>
+          </a:p>
+        </p:txBody>
+      </p:sp>
+      <p:pic>
+        <p:nvPicPr>
+          <p:cNvPr id="15" name="Afbeelding 14">
+            <a:extLst>
+              <a:ext uri="{FF2B5EF4-FFF2-40B4-BE49-F238E27FC236}">
+                <a16:creationId xmlns:a16="http://schemas.microsoft.com/office/drawing/2014/main" id="{A19ED3C7-454A-47FB-AD57-3FA71759BB4A}"/>
+              </a:ext>
+            </a:extLst>
+          </p:cNvPr>
+          <p:cNvPicPr>
+            <a:picLocks noChangeAspect="1"/>
+          </p:cNvPicPr>
+          <p:nvPr/>
+        </p:nvPicPr>
+        <p:blipFill>
+          <a:blip r:embed="rId2"/>
+          <a:stretch>
+            <a:fillRect/>
+          </a:stretch>
+        </p:blipFill>
+        <p:spPr>
+          <a:xfrm>
+            <a:off x="10692696" y="5400964"/>
+            <a:ext cx="1598706" cy="1598706"/>
+          </a:xfrm>
+          <a:prstGeom prst="rect">
+            <a:avLst/>
+          </a:prstGeom>
+        </p:spPr>
+      </p:pic>
+    </p:spTree>
+    <p:extLst>
+      <p:ext uri="{BB962C8B-B14F-4D97-AF65-F5344CB8AC3E}">
+        <p14:creationId xmlns:p14="http://schemas.microsoft.com/office/powerpoint/2010/main" val="638645019"/>
+      </p:ext>
+    </p:extLst>
+  </p:cSld>
+  <p:clrMapOvr>
+    <a:masterClrMapping/>
+  </p:clrMapOvr>
+</p:sld>
+</file>
+
+<file path=ppt/slides/slide12.xml><?xml version="1.0" encoding="utf-8"?>
+<p:sld xmlns:a="http://schemas.openxmlformats.org/drawingml/2006/main" xmlns:r="http://schemas.openxmlformats.org/officeDocument/2006/relationships" xmlns:p="http://schemas.openxmlformats.org/presentationml/2006/main">
+  <p:cSld>
+    <p:bg>
+      <p:bgPr>
+        <a:solidFill>
+          <a:schemeClr val="tx1">
+            <a:alpha val="69000"/>
+          </a:schemeClr>
+        </a:solidFill>
+        <a:effectLst/>
+      </p:bgPr>
+    </p:bg>
+    <p:spTree>
+      <p:nvGrpSpPr>
+        <p:cNvPr id="1" name=""/>
+        <p:cNvGrpSpPr/>
+        <p:nvPr/>
+      </p:nvGrpSpPr>
+      <p:grpSpPr>
+        <a:xfrm>
+          <a:off x="0" y="0"/>
+          <a:ext cx="0" cy="0"/>
+          <a:chOff x="0" y="0"/>
+          <a:chExt cx="0" cy="0"/>
+        </a:xfrm>
+      </p:grpSpPr>
+      <p:sp>
+        <p:nvSpPr>
+          <p:cNvPr id="2" name="Titel 1">
+            <a:extLst>
+              <a:ext uri="{FF2B5EF4-FFF2-40B4-BE49-F238E27FC236}">
+                <a16:creationId xmlns:a16="http://schemas.microsoft.com/office/drawing/2014/main" id="{28BD0C3D-07D2-8549-AE25-94E0F0A959EE}"/>
+              </a:ext>
+            </a:extLst>
+          </p:cNvPr>
+          <p:cNvSpPr>
+            <a:spLocks noGrp="1"/>
+          </p:cNvSpPr>
+          <p:nvPr>
+            <p:ph type="title"/>
+          </p:nvPr>
+        </p:nvSpPr>
+        <p:spPr>
+          <a:xfrm>
+            <a:off x="820952" y="789196"/>
+            <a:ext cx="11021172" cy="867326"/>
+          </a:xfrm>
+          <a:prstGeom prst="rect">
+            <a:avLst/>
+          </a:prstGeom>
+        </p:spPr>
+        <p:txBody>
+          <a:bodyPr/>
+          <a:lstStyle/>
+          <a:p>
+            <a:r>
+              <a:rPr lang="nl-NL" dirty="0" err="1">
+                <a:solidFill>
+                  <a:schemeClr val="bg1"/>
+                </a:solidFill>
+              </a:rPr>
+              <a:t>Assignment</a:t>
+            </a:r>
+            <a:r>
+              <a:rPr lang="nl-NL" dirty="0">
+                <a:solidFill>
+                  <a:schemeClr val="bg1"/>
+                </a:solidFill>
+              </a:rPr>
+              <a:t> 5 – Walrus operator</a:t>
+            </a:r>
+          </a:p>
+        </p:txBody>
+      </p:sp>
+      <p:sp>
+        <p:nvSpPr>
+          <p:cNvPr id="14" name="TextBox 2">
+            <a:extLst>
+              <a:ext uri="{FF2B5EF4-FFF2-40B4-BE49-F238E27FC236}">
+                <a16:creationId xmlns:a16="http://schemas.microsoft.com/office/drawing/2014/main" id="{BFDD88AB-78F0-4A81-894B-1246B810565E}"/>
+              </a:ext>
+            </a:extLst>
+          </p:cNvPr>
+          <p:cNvSpPr txBox="1"/>
+          <p:nvPr/>
+        </p:nvSpPr>
+        <p:spPr>
+          <a:xfrm>
+            <a:off x="811013" y="1769201"/>
+            <a:ext cx="8878110" cy="2308324"/>
+          </a:xfrm>
+          <a:prstGeom prst="rect">
+            <a:avLst/>
+          </a:prstGeom>
+          <a:noFill/>
+        </p:spPr>
+        <p:txBody>
+          <a:bodyPr wrap="square" rtlCol="0">
+            <a:spAutoFit/>
+          </a:bodyPr>
+          <a:lstStyle/>
+          <a:p>
+            <a:pPr marL="342900" indent="-342900">
+              <a:buFont typeface="Arial" panose="020B0604020202020204" pitchFamily="34" charset="0"/>
+              <a:buChar char="•"/>
+            </a:pPr>
+            <a:r>
+              <a:rPr lang="nl-NL" sz="2400" b="1" dirty="0">
+                <a:solidFill>
+                  <a:schemeClr val="bg1"/>
+                </a:solidFill>
+                <a:latin typeface="Consolas" panose="020B0609020204030204" pitchFamily="49" charset="0"/>
+                <a:cs typeface="Consolas" panose="020B0609020204030204" pitchFamily="49" charset="0"/>
+              </a:rPr>
+              <a:t>The walrus operator </a:t>
+            </a:r>
+            <a:r>
+              <a:rPr lang="nl-NL" sz="2400" b="1" dirty="0" err="1">
+                <a:solidFill>
+                  <a:schemeClr val="bg1"/>
+                </a:solidFill>
+                <a:latin typeface="Consolas" panose="020B0609020204030204" pitchFamily="49" charset="0"/>
+                <a:cs typeface="Consolas" panose="020B0609020204030204" pitchFamily="49" charset="0"/>
+              </a:rPr>
+              <a:t>allows</a:t>
+            </a:r>
+            <a:r>
+              <a:rPr lang="nl-NL" sz="2400" b="1" dirty="0">
+                <a:solidFill>
+                  <a:schemeClr val="bg1"/>
+                </a:solidFill>
+                <a:latin typeface="Consolas" panose="020B0609020204030204" pitchFamily="49" charset="0"/>
+                <a:cs typeface="Consolas" panose="020B0609020204030204" pitchFamily="49" charset="0"/>
+              </a:rPr>
+              <a:t> </a:t>
+            </a:r>
+            <a:r>
+              <a:rPr lang="nl-NL" sz="2400" b="1" dirty="0" err="1">
+                <a:solidFill>
+                  <a:schemeClr val="bg1"/>
+                </a:solidFill>
+                <a:latin typeface="Consolas" panose="020B0609020204030204" pitchFamily="49" charset="0"/>
+                <a:cs typeface="Consolas" panose="020B0609020204030204" pitchFamily="49" charset="0"/>
+              </a:rPr>
+              <a:t>you</a:t>
+            </a:r>
+            <a:r>
+              <a:rPr lang="nl-NL" sz="2400" b="1" dirty="0">
+                <a:solidFill>
+                  <a:schemeClr val="bg1"/>
+                </a:solidFill>
+                <a:latin typeface="Consolas" panose="020B0609020204030204" pitchFamily="49" charset="0"/>
+                <a:cs typeface="Consolas" panose="020B0609020204030204" pitchFamily="49" charset="0"/>
+              </a:rPr>
+              <a:t> </a:t>
+            </a:r>
+            <a:r>
+              <a:rPr lang="nl-NL" sz="2400" b="1" dirty="0" err="1">
+                <a:solidFill>
+                  <a:schemeClr val="bg1"/>
+                </a:solidFill>
+                <a:latin typeface="Consolas" panose="020B0609020204030204" pitchFamily="49" charset="0"/>
+                <a:cs typeface="Consolas" panose="020B0609020204030204" pitchFamily="49" charset="0"/>
+              </a:rPr>
+              <a:t>to</a:t>
+            </a:r>
+            <a:r>
+              <a:rPr lang="nl-NL" sz="2400" b="1" dirty="0">
+                <a:solidFill>
+                  <a:schemeClr val="bg1"/>
+                </a:solidFill>
+                <a:latin typeface="Consolas" panose="020B0609020204030204" pitchFamily="49" charset="0"/>
+                <a:cs typeface="Consolas" panose="020B0609020204030204" pitchFamily="49" charset="0"/>
+              </a:rPr>
+              <a:t> </a:t>
+            </a:r>
+            <a:r>
+              <a:rPr lang="nl-NL" sz="2400" b="1" dirty="0" err="1">
+                <a:solidFill>
+                  <a:schemeClr val="bg1"/>
+                </a:solidFill>
+                <a:latin typeface="Consolas" panose="020B0609020204030204" pitchFamily="49" charset="0"/>
+                <a:cs typeface="Consolas" panose="020B0609020204030204" pitchFamily="49" charset="0"/>
+              </a:rPr>
+              <a:t>both</a:t>
+            </a:r>
+            <a:r>
+              <a:rPr lang="nl-NL" sz="2400" b="1" dirty="0">
+                <a:solidFill>
+                  <a:schemeClr val="bg1"/>
+                </a:solidFill>
+                <a:latin typeface="Consolas" panose="020B0609020204030204" pitchFamily="49" charset="0"/>
+                <a:cs typeface="Consolas" panose="020B0609020204030204" pitchFamily="49" charset="0"/>
+              </a:rPr>
+              <a:t> </a:t>
+            </a:r>
+            <a:r>
+              <a:rPr lang="nl-NL" sz="2400" b="1" dirty="0" err="1">
+                <a:solidFill>
+                  <a:schemeClr val="bg1"/>
+                </a:solidFill>
+                <a:latin typeface="Consolas" panose="020B0609020204030204" pitchFamily="49" charset="0"/>
+                <a:cs typeface="Consolas" panose="020B0609020204030204" pitchFamily="49" charset="0"/>
+              </a:rPr>
+              <a:t>assign</a:t>
+            </a:r>
+            <a:r>
+              <a:rPr lang="nl-NL" sz="2400" b="1" dirty="0">
+                <a:solidFill>
+                  <a:schemeClr val="bg1"/>
+                </a:solidFill>
+                <a:latin typeface="Consolas" panose="020B0609020204030204" pitchFamily="49" charset="0"/>
+                <a:cs typeface="Consolas" panose="020B0609020204030204" pitchFamily="49" charset="0"/>
+              </a:rPr>
+              <a:t> </a:t>
+            </a:r>
+            <a:r>
+              <a:rPr lang="nl-NL" sz="2400" b="1" dirty="0" err="1">
+                <a:solidFill>
+                  <a:schemeClr val="bg1"/>
+                </a:solidFill>
+                <a:latin typeface="Consolas" panose="020B0609020204030204" pitchFamily="49" charset="0"/>
+                <a:cs typeface="Consolas" panose="020B0609020204030204" pitchFamily="49" charset="0"/>
+              </a:rPr>
+              <a:t>and</a:t>
+            </a:r>
+            <a:r>
+              <a:rPr lang="nl-NL" sz="2400" b="1" dirty="0">
+                <a:solidFill>
+                  <a:schemeClr val="bg1"/>
+                </a:solidFill>
+                <a:latin typeface="Consolas" panose="020B0609020204030204" pitchFamily="49" charset="0"/>
+                <a:cs typeface="Consolas" panose="020B0609020204030204" pitchFamily="49" charset="0"/>
+              </a:rPr>
+              <a:t> return a </a:t>
+            </a:r>
+            <a:r>
+              <a:rPr lang="nl-NL" sz="2400" b="1" dirty="0" err="1">
+                <a:solidFill>
+                  <a:schemeClr val="bg1"/>
+                </a:solidFill>
+                <a:latin typeface="Consolas" panose="020B0609020204030204" pitchFamily="49" charset="0"/>
+                <a:cs typeface="Consolas" panose="020B0609020204030204" pitchFamily="49" charset="0"/>
+              </a:rPr>
+              <a:t>variable</a:t>
+            </a:r>
+            <a:r>
+              <a:rPr lang="nl-NL" sz="2400" b="1" dirty="0">
+                <a:solidFill>
+                  <a:schemeClr val="bg1"/>
+                </a:solidFill>
+                <a:latin typeface="Consolas" panose="020B0609020204030204" pitchFamily="49" charset="0"/>
+                <a:cs typeface="Consolas" panose="020B0609020204030204" pitchFamily="49" charset="0"/>
+              </a:rPr>
+              <a:t> in </a:t>
+            </a:r>
+            <a:r>
+              <a:rPr lang="nl-NL" sz="2400" b="1" dirty="0" err="1">
+                <a:solidFill>
+                  <a:schemeClr val="bg1"/>
+                </a:solidFill>
+                <a:latin typeface="Consolas" panose="020B0609020204030204" pitchFamily="49" charset="0"/>
+                <a:cs typeface="Consolas" panose="020B0609020204030204" pitchFamily="49" charset="0"/>
+              </a:rPr>
+              <a:t>the</a:t>
+            </a:r>
+            <a:r>
+              <a:rPr lang="nl-NL" sz="2400" b="1" dirty="0">
+                <a:solidFill>
+                  <a:schemeClr val="bg1"/>
+                </a:solidFill>
+                <a:latin typeface="Consolas" panose="020B0609020204030204" pitchFamily="49" charset="0"/>
+                <a:cs typeface="Consolas" panose="020B0609020204030204" pitchFamily="49" charset="0"/>
+              </a:rPr>
+              <a:t> </a:t>
+            </a:r>
+            <a:r>
+              <a:rPr lang="nl-NL" sz="2400" b="1" dirty="0" err="1">
+                <a:solidFill>
+                  <a:schemeClr val="bg1"/>
+                </a:solidFill>
+                <a:latin typeface="Consolas" panose="020B0609020204030204" pitchFamily="49" charset="0"/>
+                <a:cs typeface="Consolas" panose="020B0609020204030204" pitchFamily="49" charset="0"/>
+              </a:rPr>
+              <a:t>same</a:t>
+            </a:r>
+            <a:r>
+              <a:rPr lang="nl-NL" sz="2400" b="1" dirty="0">
+                <a:solidFill>
+                  <a:schemeClr val="bg1"/>
+                </a:solidFill>
+                <a:latin typeface="Consolas" panose="020B0609020204030204" pitchFamily="49" charset="0"/>
+                <a:cs typeface="Consolas" panose="020B0609020204030204" pitchFamily="49" charset="0"/>
+              </a:rPr>
+              <a:t> </a:t>
+            </a:r>
+            <a:r>
+              <a:rPr lang="nl-NL" sz="2400" b="1" dirty="0" err="1">
+                <a:solidFill>
+                  <a:schemeClr val="bg1"/>
+                </a:solidFill>
+                <a:latin typeface="Consolas" panose="020B0609020204030204" pitchFamily="49" charset="0"/>
+                <a:cs typeface="Consolas" panose="020B0609020204030204" pitchFamily="49" charset="0"/>
+              </a:rPr>
+              <a:t>expression</a:t>
+            </a:r>
+            <a:r>
+              <a:rPr lang="nl-NL" sz="2400" b="1" dirty="0">
+                <a:solidFill>
+                  <a:schemeClr val="bg1"/>
+                </a:solidFill>
+                <a:latin typeface="Consolas" panose="020B0609020204030204" pitchFamily="49" charset="0"/>
+                <a:cs typeface="Consolas" panose="020B0609020204030204" pitchFamily="49" charset="0"/>
+              </a:rPr>
+              <a:t> (</a:t>
+            </a:r>
+            <a:r>
+              <a:rPr lang="nl-NL" sz="2400" b="1" i="1" dirty="0">
+                <a:solidFill>
+                  <a:schemeClr val="bg1"/>
+                </a:solidFill>
+                <a:latin typeface="Consolas" panose="020B0609020204030204" pitchFamily="49" charset="0"/>
+                <a:cs typeface="Consolas" panose="020B0609020204030204" pitchFamily="49" charset="0"/>
+              </a:rPr>
+              <a:t>:=</a:t>
+            </a:r>
+            <a:r>
+              <a:rPr lang="nl-NL" sz="2400" b="1" dirty="0">
+                <a:solidFill>
+                  <a:schemeClr val="bg1"/>
+                </a:solidFill>
+                <a:latin typeface="Consolas" panose="020B0609020204030204" pitchFamily="49" charset="0"/>
+                <a:cs typeface="Consolas" panose="020B0609020204030204" pitchFamily="49" charset="0"/>
+              </a:rPr>
+              <a:t>)</a:t>
+            </a:r>
+            <a:endParaRPr lang="nl-NL" sz="2400" b="1" i="1" dirty="0">
+              <a:solidFill>
+                <a:schemeClr val="bg1"/>
+              </a:solidFill>
+              <a:latin typeface="Consolas" panose="020B0609020204030204" pitchFamily="49" charset="0"/>
+              <a:cs typeface="Consolas" panose="020B0609020204030204" pitchFamily="49" charset="0"/>
+            </a:endParaRPr>
+          </a:p>
+          <a:p>
+            <a:pPr marL="342900" indent="-342900">
+              <a:buFont typeface="Arial" panose="020B0604020202020204" pitchFamily="34" charset="0"/>
+              <a:buChar char="•"/>
+            </a:pPr>
+            <a:r>
+              <a:rPr lang="nl-NL" sz="2400" b="1" i="1" dirty="0">
+                <a:solidFill>
+                  <a:schemeClr val="bg1"/>
+                </a:solidFill>
+                <a:latin typeface="Consolas" panose="020B0609020204030204" pitchFamily="49" charset="0"/>
+                <a:cs typeface="Consolas" panose="020B0609020204030204" pitchFamily="49" charset="0"/>
+              </a:rPr>
+              <a:t>print(</a:t>
+            </a:r>
+            <a:r>
+              <a:rPr lang="nl-NL" sz="2400" b="1" i="1" dirty="0" err="1">
+                <a:solidFill>
+                  <a:schemeClr val="bg1"/>
+                </a:solidFill>
+                <a:latin typeface="Consolas" panose="020B0609020204030204" pitchFamily="49" charset="0"/>
+                <a:cs typeface="Consolas" panose="020B0609020204030204" pitchFamily="49" charset="0"/>
+              </a:rPr>
+              <a:t>ipa_price</a:t>
+            </a:r>
+            <a:r>
+              <a:rPr lang="nl-NL" sz="2400" b="1" i="1" dirty="0">
+                <a:solidFill>
+                  <a:schemeClr val="bg1"/>
+                </a:solidFill>
+                <a:latin typeface="Consolas" panose="020B0609020204030204" pitchFamily="49" charset="0"/>
+                <a:cs typeface="Consolas" panose="020B0609020204030204" pitchFamily="49" charset="0"/>
+              </a:rPr>
+              <a:t> := 5,50)</a:t>
+            </a:r>
+          </a:p>
+          <a:p>
+            <a:pPr marL="342900" indent="-342900">
+              <a:buFont typeface="Arial" panose="020B0604020202020204" pitchFamily="34" charset="0"/>
+              <a:buChar char="•"/>
+            </a:pPr>
+            <a:r>
+              <a:rPr lang="nl-NL" sz="2400" b="1" dirty="0" err="1">
+                <a:solidFill>
+                  <a:schemeClr val="bg1"/>
+                </a:solidFill>
+                <a:latin typeface="Consolas" panose="020B0609020204030204" pitchFamily="49" charset="0"/>
+                <a:cs typeface="Consolas" panose="020B0609020204030204" pitchFamily="49" charset="0"/>
+              </a:rPr>
+              <a:t>Refactor</a:t>
+            </a:r>
+            <a:r>
+              <a:rPr lang="nl-NL" sz="2400" b="1" dirty="0">
+                <a:solidFill>
+                  <a:schemeClr val="bg1"/>
+                </a:solidFill>
+                <a:latin typeface="Consolas" panose="020B0609020204030204" pitchFamily="49" charset="0"/>
+                <a:cs typeface="Consolas" panose="020B0609020204030204" pitchFamily="49" charset="0"/>
+              </a:rPr>
+              <a:t> </a:t>
+            </a:r>
+            <a:r>
+              <a:rPr lang="nl-NL" sz="2400" b="1" dirty="0" err="1">
+                <a:solidFill>
+                  <a:schemeClr val="bg1"/>
+                </a:solidFill>
+                <a:latin typeface="Consolas" panose="020B0609020204030204" pitchFamily="49" charset="0"/>
+                <a:cs typeface="Consolas" panose="020B0609020204030204" pitchFamily="49" charset="0"/>
+              </a:rPr>
+              <a:t>assignment</a:t>
+            </a:r>
+            <a:r>
+              <a:rPr lang="nl-NL" sz="2400" b="1" dirty="0">
+                <a:solidFill>
+                  <a:schemeClr val="bg1"/>
+                </a:solidFill>
+                <a:latin typeface="Consolas" panose="020B0609020204030204" pitchFamily="49" charset="0"/>
+                <a:cs typeface="Consolas" panose="020B0609020204030204" pitchFamily="49" charset="0"/>
+              </a:rPr>
+              <a:t> 5 </a:t>
+            </a:r>
+            <a:r>
+              <a:rPr lang="nl-NL" sz="2400" b="1" dirty="0" err="1">
+                <a:solidFill>
+                  <a:schemeClr val="bg1"/>
+                </a:solidFill>
+                <a:latin typeface="Consolas" panose="020B0609020204030204" pitchFamily="49" charset="0"/>
+                <a:cs typeface="Consolas" panose="020B0609020204030204" pitchFamily="49" charset="0"/>
+              </a:rPr>
+              <a:t>with</a:t>
+            </a:r>
+            <a:r>
+              <a:rPr lang="nl-NL" sz="2400" b="1" dirty="0">
+                <a:solidFill>
+                  <a:schemeClr val="bg1"/>
+                </a:solidFill>
+                <a:latin typeface="Consolas" panose="020B0609020204030204" pitchFamily="49" charset="0"/>
+                <a:cs typeface="Consolas" panose="020B0609020204030204" pitchFamily="49" charset="0"/>
+              </a:rPr>
+              <a:t> </a:t>
+            </a:r>
+            <a:r>
+              <a:rPr lang="nl-NL" sz="2400" b="1" dirty="0" err="1">
+                <a:solidFill>
+                  <a:schemeClr val="bg1"/>
+                </a:solidFill>
+                <a:latin typeface="Consolas" panose="020B0609020204030204" pitchFamily="49" charset="0"/>
+                <a:cs typeface="Consolas" panose="020B0609020204030204" pitchFamily="49" charset="0"/>
+              </a:rPr>
+              <a:t>the</a:t>
+            </a:r>
+            <a:r>
+              <a:rPr lang="nl-NL" sz="2400" b="1" dirty="0">
+                <a:solidFill>
+                  <a:schemeClr val="bg1"/>
+                </a:solidFill>
+                <a:latin typeface="Consolas" panose="020B0609020204030204" pitchFamily="49" charset="0"/>
+                <a:cs typeface="Consolas" panose="020B0609020204030204" pitchFamily="49" charset="0"/>
+              </a:rPr>
+              <a:t> </a:t>
+            </a:r>
+            <a:r>
+              <a:rPr lang="nl-NL" sz="2400" b="1" i="1" dirty="0">
+                <a:solidFill>
+                  <a:schemeClr val="bg1"/>
+                </a:solidFill>
+                <a:latin typeface="Consolas" panose="020B0609020204030204" pitchFamily="49" charset="0"/>
+                <a:cs typeface="Consolas" panose="020B0609020204030204" pitchFamily="49" charset="0"/>
+              </a:rPr>
+              <a:t>:=</a:t>
+            </a:r>
+          </a:p>
+          <a:p>
+            <a:endParaRPr lang="nl-NL" sz="2400" b="1" dirty="0">
+              <a:solidFill>
+                <a:schemeClr val="bg1"/>
+              </a:solidFill>
+              <a:latin typeface="Consolas" panose="020B0609020204030204" pitchFamily="49" charset="0"/>
+              <a:cs typeface="Consolas" panose="020B0609020204030204" pitchFamily="49" charset="0"/>
+            </a:endParaRPr>
+          </a:p>
+          <a:p>
+            <a:endParaRPr lang="en" sz="2400" b="1" dirty="0">
+              <a:solidFill>
+                <a:schemeClr val="bg1"/>
+              </a:solidFill>
+            </a:endParaRPr>
+          </a:p>
+        </p:txBody>
+      </p:sp>
+      <p:pic>
+        <p:nvPicPr>
+          <p:cNvPr id="15" name="Afbeelding 14">
+            <a:extLst>
+              <a:ext uri="{FF2B5EF4-FFF2-40B4-BE49-F238E27FC236}">
+                <a16:creationId xmlns:a16="http://schemas.microsoft.com/office/drawing/2014/main" id="{A19ED3C7-454A-47FB-AD57-3FA71759BB4A}"/>
+              </a:ext>
+            </a:extLst>
+          </p:cNvPr>
+          <p:cNvPicPr>
+            <a:picLocks noChangeAspect="1"/>
+          </p:cNvPicPr>
+          <p:nvPr/>
+        </p:nvPicPr>
+        <p:blipFill>
+          <a:blip r:embed="rId2"/>
+          <a:stretch>
+            <a:fillRect/>
+          </a:stretch>
+        </p:blipFill>
+        <p:spPr>
+          <a:xfrm>
+            <a:off x="10692696" y="5400964"/>
+            <a:ext cx="1598706" cy="1598706"/>
+          </a:xfrm>
+          <a:prstGeom prst="rect">
+            <a:avLst/>
+          </a:prstGeom>
+        </p:spPr>
+      </p:pic>
+    </p:spTree>
+    <p:extLst>
+      <p:ext uri="{BB962C8B-B14F-4D97-AF65-F5344CB8AC3E}">
+        <p14:creationId xmlns:p14="http://schemas.microsoft.com/office/powerpoint/2010/main" val="1601958404"/>
+      </p:ext>
+    </p:extLst>
+  </p:cSld>
+  <p:clrMapOvr>
+    <a:masterClrMapping/>
+  </p:clrMapOvr>
+</p:sld>
+</file>
+
+<file path=ppt/slides/slide13.xml><?xml version="1.0" encoding="utf-8"?>
+<p:sld xmlns:a="http://schemas.openxmlformats.org/drawingml/2006/main" xmlns:r="http://schemas.openxmlformats.org/officeDocument/2006/relationships" xmlns:p="http://schemas.openxmlformats.org/presentationml/2006/main">
+  <p:cSld>
+    <p:bg>
+      <p:bgPr>
+        <a:solidFill>
+          <a:schemeClr val="tx1">
+            <a:alpha val="69000"/>
+          </a:schemeClr>
+        </a:solidFill>
+        <a:effectLst/>
+      </p:bgPr>
+    </p:bg>
+    <p:spTree>
+      <p:nvGrpSpPr>
+        <p:cNvPr id="1" name=""/>
+        <p:cNvGrpSpPr/>
+        <p:nvPr/>
+      </p:nvGrpSpPr>
+      <p:grpSpPr>
+        <a:xfrm>
+          <a:off x="0" y="0"/>
+          <a:ext cx="0" cy="0"/>
+          <a:chOff x="0" y="0"/>
+          <a:chExt cx="0" cy="0"/>
+        </a:xfrm>
+      </p:grpSpPr>
+      <p:sp>
+        <p:nvSpPr>
+          <p:cNvPr id="2" name="Titel 1">
+            <a:extLst>
+              <a:ext uri="{FF2B5EF4-FFF2-40B4-BE49-F238E27FC236}">
+                <a16:creationId xmlns:a16="http://schemas.microsoft.com/office/drawing/2014/main" id="{28BD0C3D-07D2-8549-AE25-94E0F0A959EE}"/>
+              </a:ext>
+            </a:extLst>
+          </p:cNvPr>
+          <p:cNvSpPr>
+            <a:spLocks noGrp="1"/>
+          </p:cNvSpPr>
+          <p:nvPr>
+            <p:ph type="title"/>
+          </p:nvPr>
+        </p:nvSpPr>
+        <p:spPr>
+          <a:xfrm>
+            <a:off x="820952" y="789196"/>
+            <a:ext cx="11021172" cy="867326"/>
+          </a:xfrm>
+          <a:prstGeom prst="rect">
+            <a:avLst/>
+          </a:prstGeom>
+        </p:spPr>
+        <p:txBody>
+          <a:bodyPr/>
+          <a:lstStyle/>
+          <a:p>
+            <a:r>
               <a:rPr lang="nl-NL" err="1">
                 <a:solidFill>
                   <a:schemeClr val="bg1"/>
@@ -17429,7 +18307,7 @@
         <p:spPr>
           <a:xfrm>
             <a:off x="811013" y="1769201"/>
-            <a:ext cx="6508381" cy="2677656"/>
+            <a:ext cx="9581495" cy="1569660"/>
           </a:xfrm>
           <a:prstGeom prst="rect">
             <a:avLst/>
@@ -17454,23 +18332,17 @@
                 <a:latin typeface="Consolas" panose="020B0609020204030204" pitchFamily="49" charset="0"/>
                 <a:cs typeface="Consolas" panose="020B0609020204030204" pitchFamily="49" charset="0"/>
               </a:rPr>
-              <a:t>Zero padding</a:t>
-            </a:r>
-          </a:p>
-          <a:p>
-            <a:pPr marL="914400" lvl="1" indent="-457200">
-              <a:buFont typeface="Arial" panose="020B0604020202020204" pitchFamily="34" charset="0"/>
-              <a:buChar char="•"/>
-            </a:pPr>
-            <a:r>
-              <a:rPr lang="nl-NL" sz="2400" b="1" dirty="0">
+              <a:t>Zero padding             </a:t>
+            </a:r>
+            <a:r>
+              <a:rPr lang="nl-NL" sz="2400" b="1" i="1" dirty="0">
                 <a:solidFill>
                   <a:schemeClr val="bg1"/>
                 </a:solidFill>
                 <a:latin typeface="Consolas" panose="020B0609020204030204" pitchFamily="49" charset="0"/>
                 <a:cs typeface="Consolas" panose="020B0609020204030204" pitchFamily="49" charset="0"/>
               </a:rPr>
-              <a:t>Print(f”{num:05}”)</a:t>
+              <a:t>print(f’{num:05}’)</a:t>
             </a:r>
           </a:p>
           <a:p>
@@ -17496,63 +18368,20 @@
                 <a:latin typeface="Consolas" panose="020B0609020204030204" pitchFamily="49" charset="0"/>
                 <a:cs typeface="Consolas" panose="020B0609020204030204" pitchFamily="49" charset="0"/>
               </a:rPr>
-              <a:t> line-breaks</a:t>
+              <a:t> line-breaks     </a:t>
+            </a:r>
+            <a:r>
+              <a:rPr lang="nl-NL" sz="2400" b="1" i="1" dirty="0">
+                <a:solidFill>
+                  <a:schemeClr val="bg1"/>
+                </a:solidFill>
+                <a:latin typeface="Consolas" panose="020B0609020204030204" pitchFamily="49" charset="0"/>
+                <a:cs typeface="Consolas" panose="020B0609020204030204" pitchFamily="49" charset="0"/>
+              </a:rPr>
+              <a:t>print(‘tekst’, end=‘’)</a:t>
             </a:r>
           </a:p>
           <a:p>
-            <a:pPr marL="914400" lvl="1" indent="-457200">
-              <a:buFont typeface="Arial" panose="020B0604020202020204" pitchFamily="34" charset="0"/>
-              <a:buChar char="•"/>
-            </a:pPr>
-            <a:r>
-              <a:rPr lang="nl-NL" sz="2400" b="1" dirty="0">
-                <a:solidFill>
-                  <a:schemeClr val="bg1"/>
-                </a:solidFill>
-                <a:latin typeface="Consolas" panose="020B0609020204030204" pitchFamily="49" charset="0"/>
-                <a:cs typeface="Consolas" panose="020B0609020204030204" pitchFamily="49" charset="0"/>
-              </a:rPr>
-              <a:t>Print(”</a:t>
-            </a:r>
-            <a:r>
-              <a:rPr lang="nl-NL" sz="2400" b="1" dirty="0" err="1">
-                <a:solidFill>
-                  <a:schemeClr val="bg1"/>
-                </a:solidFill>
-                <a:latin typeface="Consolas" panose="020B0609020204030204" pitchFamily="49" charset="0"/>
-                <a:cs typeface="Consolas" panose="020B0609020204030204" pitchFamily="49" charset="0"/>
-              </a:rPr>
-              <a:t>text</a:t>
-            </a:r>
-            <a:r>
-              <a:rPr lang="nl-NL" sz="2400" b="1" dirty="0">
-                <a:solidFill>
-                  <a:schemeClr val="bg1"/>
-                </a:solidFill>
-                <a:latin typeface="Consolas" panose="020B0609020204030204" pitchFamily="49" charset="0"/>
-                <a:cs typeface="Consolas" panose="020B0609020204030204" pitchFamily="49" charset="0"/>
-              </a:rPr>
-              <a:t>“, end=””)</a:t>
-            </a:r>
-          </a:p>
-          <a:p>
-            <a:pPr marL="457200" indent="-457200">
-              <a:buFont typeface="Arial" panose="020B0604020202020204" pitchFamily="34" charset="0"/>
-              <a:buChar char="•"/>
-            </a:pPr>
-            <a:endParaRPr lang="nl-NL" sz="2400" b="1" dirty="0">
-              <a:solidFill>
-                <a:schemeClr val="bg1"/>
-              </a:solidFill>
-              <a:latin typeface="Consolas" panose="020B0609020204030204" pitchFamily="49" charset="0"/>
-              <a:cs typeface="Consolas" panose="020B0609020204030204" pitchFamily="49" charset="0"/>
-            </a:endParaRPr>
-          </a:p>
-          <a:p>
-            <a:pPr marL="457200" indent="-457200">
-              <a:buFont typeface="Arial" panose="020B0604020202020204" pitchFamily="34" charset="0"/>
-              <a:buChar char="•"/>
-            </a:pPr>
             <a:endParaRPr lang="nl-NL" sz="2400" b="1" dirty="0">
               <a:solidFill>
                 <a:schemeClr val="bg1"/>
@@ -17619,7 +18448,7 @@
 </p:sld>
 </file>
 
-<file path=ppt/slides/slide12.xml><?xml version="1.0" encoding="utf-8"?>
+<file path=ppt/slides/slide14.xml><?xml version="1.0" encoding="utf-8"?>
 <p:sld xmlns:a="http://schemas.openxmlformats.org/drawingml/2006/main" xmlns:r="http://schemas.openxmlformats.org/officeDocument/2006/relationships" xmlns:p="http://schemas.openxmlformats.org/presentationml/2006/main">
   <p:cSld>
     <p:bg>
@@ -18117,7 +18946,7 @@
                 <a:latin typeface="Consolas" panose="020B0609020204030204" pitchFamily="49" charset="0"/>
                 <a:cs typeface="Consolas" panose="020B0609020204030204" pitchFamily="49" charset="0"/>
               </a:rPr>
-              <a:t> Python (3.8) </a:t>
+              <a:t> Python (3.9) </a:t>
             </a:r>
             <a:r>
               <a:rPr lang="nl-NL" sz="2400" b="1" dirty="0" err="1">
@@ -18303,7 +19132,7 @@
                 <a:cs typeface="Consolas" panose="020B0609020204030204" pitchFamily="49" charset="0"/>
                 <a:hlinkClick r:id="rId2"/>
               </a:rPr>
-              <a:t>https://github.com/aufbakanleitung/be_pythonic.git</a:t>
+              <a:t>https://github.com/aufbakanleitung/pythonic.git</a:t>
             </a:r>
             <a:endParaRPr lang="nl-NL" sz="2400" b="1" dirty="0">
               <a:solidFill>
@@ -18537,7 +19366,7 @@
                   <a:schemeClr val="bg1"/>
                 </a:solidFill>
               </a:rPr>
-              <a:t>Assignment</a:t>
+              <a:t>Why</a:t>
             </a:r>
             <a:r>
               <a:rPr lang="nl-NL" dirty="0">
@@ -18545,21 +19374,8 @@
                   <a:schemeClr val="bg1"/>
                 </a:solidFill>
               </a:rPr>
-              <a:t> 1 - </a:t>
-            </a:r>
-            <a:r>
-              <a:rPr lang="nl-NL" dirty="0" err="1">
-                <a:solidFill>
-                  <a:schemeClr val="bg1"/>
-                </a:solidFill>
-              </a:rPr>
-              <a:t>unique</a:t>
-            </a:r>
-            <a:endParaRPr lang="nl-NL" dirty="0">
-              <a:solidFill>
-                <a:schemeClr val="bg1"/>
-              </a:solidFill>
-            </a:endParaRPr>
+              <a:t> Python?</a:t>
+            </a:r>
           </a:p>
         </p:txBody>
       </p:sp>
@@ -18578,7 +19394,7 @@
         <p:spPr>
           <a:xfrm>
             <a:off x="811013" y="1769201"/>
-            <a:ext cx="6508381" cy="1569660"/>
+            <a:ext cx="10522514" cy="461665"/>
           </a:xfrm>
           <a:prstGeom prst="rect">
             <a:avLst/>
@@ -18591,234 +19407,15 @@
           </a:bodyPr>
           <a:lstStyle/>
           <a:p>
-            <a:pPr marL="457200" indent="-457200">
-              <a:buFont typeface="Arial" panose="020B0604020202020204" pitchFamily="34" charset="0"/>
-              <a:buChar char="•"/>
-            </a:pPr>
-            <a:r>
-              <a:rPr lang="nl-NL" sz="2400" b="1" dirty="0" err="1">
-                <a:solidFill>
-                  <a:schemeClr val="bg1"/>
-                </a:solidFill>
-                <a:latin typeface="Consolas" panose="020B0609020204030204" pitchFamily="49" charset="0"/>
-                <a:cs typeface="Consolas" panose="020B0609020204030204" pitchFamily="49" charset="0"/>
-              </a:rPr>
-              <a:t>Create</a:t>
-            </a:r>
+            <a:pPr lvl="1"/>
             <a:r>
               <a:rPr lang="nl-NL" sz="2400" b="1" dirty="0">
                 <a:solidFill>
                   <a:schemeClr val="bg1"/>
                 </a:solidFill>
-                <a:latin typeface="Consolas" panose="020B0609020204030204" pitchFamily="49" charset="0"/>
-                <a:cs typeface="Consolas" panose="020B0609020204030204" pitchFamily="49" charset="0"/>
-              </a:rPr>
-              <a:t> a </a:t>
-            </a:r>
-            <a:r>
-              <a:rPr lang="nl-NL" sz="2400" b="1" dirty="0" err="1">
-                <a:solidFill>
-                  <a:schemeClr val="bg1"/>
-                </a:solidFill>
-                <a:latin typeface="Consolas" panose="020B0609020204030204" pitchFamily="49" charset="0"/>
-                <a:cs typeface="Consolas" panose="020B0609020204030204" pitchFamily="49" charset="0"/>
-              </a:rPr>
-              <a:t>function</a:t>
-            </a:r>
-            <a:r>
-              <a:rPr lang="nl-NL" sz="2400" b="1" dirty="0">
-                <a:solidFill>
-                  <a:schemeClr val="bg1"/>
-                </a:solidFill>
-                <a:latin typeface="Consolas" panose="020B0609020204030204" pitchFamily="49" charset="0"/>
-                <a:cs typeface="Consolas" panose="020B0609020204030204" pitchFamily="49" charset="0"/>
-              </a:rPr>
-              <a:t> </a:t>
-            </a:r>
-            <a:r>
-              <a:rPr lang="nl-NL" sz="2400" b="1" dirty="0" err="1">
-                <a:solidFill>
-                  <a:schemeClr val="bg1"/>
-                </a:solidFill>
-                <a:latin typeface="Consolas" panose="020B0609020204030204" pitchFamily="49" charset="0"/>
-                <a:cs typeface="Consolas" panose="020B0609020204030204" pitchFamily="49" charset="0"/>
-              </a:rPr>
-              <a:t>that</a:t>
-            </a:r>
-            <a:r>
-              <a:rPr lang="nl-NL" sz="2400" b="1" dirty="0">
-                <a:solidFill>
-                  <a:schemeClr val="bg1"/>
-                </a:solidFill>
-                <a:latin typeface="Consolas" panose="020B0609020204030204" pitchFamily="49" charset="0"/>
-                <a:cs typeface="Consolas" panose="020B0609020204030204" pitchFamily="49" charset="0"/>
-              </a:rPr>
-              <a:t> </a:t>
-            </a:r>
-            <a:r>
-              <a:rPr lang="nl-NL" sz="2400" b="1" dirty="0" err="1">
-                <a:solidFill>
-                  <a:schemeClr val="bg1"/>
-                </a:solidFill>
-                <a:latin typeface="Consolas" panose="020B0609020204030204" pitchFamily="49" charset="0"/>
-                <a:cs typeface="Consolas" panose="020B0609020204030204" pitchFamily="49" charset="0"/>
-              </a:rPr>
-              <a:t>counts</a:t>
-            </a:r>
-            <a:r>
-              <a:rPr lang="nl-NL" sz="2400" b="1" dirty="0">
-                <a:solidFill>
-                  <a:schemeClr val="bg1"/>
-                </a:solidFill>
-                <a:latin typeface="Consolas" panose="020B0609020204030204" pitchFamily="49" charset="0"/>
-                <a:cs typeface="Consolas" panose="020B0609020204030204" pitchFamily="49" charset="0"/>
-              </a:rPr>
-              <a:t> </a:t>
-            </a:r>
-            <a:r>
-              <a:rPr lang="nl-NL" sz="2400" b="1" dirty="0" err="1">
-                <a:solidFill>
-                  <a:schemeClr val="bg1"/>
-                </a:solidFill>
-                <a:latin typeface="Consolas" panose="020B0609020204030204" pitchFamily="49" charset="0"/>
-                <a:cs typeface="Consolas" panose="020B0609020204030204" pitchFamily="49" charset="0"/>
-              </a:rPr>
-              <a:t>all</a:t>
-            </a:r>
-            <a:r>
-              <a:rPr lang="nl-NL" sz="2400" b="1" dirty="0">
-                <a:solidFill>
-                  <a:schemeClr val="bg1"/>
-                </a:solidFill>
-                <a:latin typeface="Consolas" panose="020B0609020204030204" pitchFamily="49" charset="0"/>
-                <a:cs typeface="Consolas" panose="020B0609020204030204" pitchFamily="49" charset="0"/>
-              </a:rPr>
-              <a:t> </a:t>
-            </a:r>
-            <a:r>
-              <a:rPr lang="nl-NL" sz="2400" b="1" dirty="0" err="1">
-                <a:solidFill>
-                  <a:schemeClr val="bg1"/>
-                </a:solidFill>
-                <a:latin typeface="Consolas" panose="020B0609020204030204" pitchFamily="49" charset="0"/>
-                <a:cs typeface="Consolas" panose="020B0609020204030204" pitchFamily="49" charset="0"/>
-              </a:rPr>
-              <a:t>numbers</a:t>
-            </a:r>
-            <a:r>
-              <a:rPr lang="nl-NL" sz="2400" b="1" dirty="0">
-                <a:solidFill>
-                  <a:schemeClr val="bg1"/>
-                </a:solidFill>
-                <a:latin typeface="Consolas" panose="020B0609020204030204" pitchFamily="49" charset="0"/>
-                <a:cs typeface="Consolas" panose="020B0609020204030204" pitchFamily="49" charset="0"/>
-              </a:rPr>
-              <a:t> </a:t>
-            </a:r>
-            <a:r>
-              <a:rPr lang="nl-NL" sz="2400" b="1" dirty="0" err="1">
-                <a:solidFill>
-                  <a:schemeClr val="bg1"/>
-                </a:solidFill>
-                <a:latin typeface="Consolas" panose="020B0609020204030204" pitchFamily="49" charset="0"/>
-                <a:cs typeface="Consolas" panose="020B0609020204030204" pitchFamily="49" charset="0"/>
-              </a:rPr>
-              <a:t>that</a:t>
-            </a:r>
-            <a:r>
-              <a:rPr lang="nl-NL" sz="2400" b="1" dirty="0">
-                <a:solidFill>
-                  <a:schemeClr val="bg1"/>
-                </a:solidFill>
-                <a:latin typeface="Consolas" panose="020B0609020204030204" pitchFamily="49" charset="0"/>
-                <a:cs typeface="Consolas" panose="020B0609020204030204" pitchFamily="49" charset="0"/>
-              </a:rPr>
-              <a:t> </a:t>
-            </a:r>
-            <a:r>
-              <a:rPr lang="nl-NL" sz="2400" b="1" dirty="0" err="1">
-                <a:solidFill>
-                  <a:schemeClr val="bg1"/>
-                </a:solidFill>
-                <a:latin typeface="Consolas" panose="020B0609020204030204" pitchFamily="49" charset="0"/>
-                <a:cs typeface="Consolas" panose="020B0609020204030204" pitchFamily="49" charset="0"/>
-              </a:rPr>
-              <a:t>contains</a:t>
-            </a:r>
-            <a:r>
-              <a:rPr lang="nl-NL" sz="2400" b="1" dirty="0">
-                <a:solidFill>
-                  <a:schemeClr val="bg1"/>
-                </a:solidFill>
-                <a:latin typeface="Consolas" panose="020B0609020204030204" pitchFamily="49" charset="0"/>
-                <a:cs typeface="Consolas" panose="020B0609020204030204" pitchFamily="49" charset="0"/>
-              </a:rPr>
-              <a:t> </a:t>
-            </a:r>
-            <a:r>
-              <a:rPr lang="nl-NL" sz="2400" b="1" dirty="0" err="1">
-                <a:solidFill>
-                  <a:schemeClr val="bg1"/>
-                </a:solidFill>
-                <a:latin typeface="Consolas" panose="020B0609020204030204" pitchFamily="49" charset="0"/>
-                <a:cs typeface="Consolas" panose="020B0609020204030204" pitchFamily="49" charset="0"/>
-              </a:rPr>
-              <a:t>only</a:t>
-            </a:r>
-            <a:r>
-              <a:rPr lang="nl-NL" sz="2400" b="1" dirty="0">
-                <a:solidFill>
-                  <a:schemeClr val="bg1"/>
-                </a:solidFill>
-                <a:latin typeface="Consolas" panose="020B0609020204030204" pitchFamily="49" charset="0"/>
-                <a:cs typeface="Consolas" panose="020B0609020204030204" pitchFamily="49" charset="0"/>
-              </a:rPr>
-              <a:t> </a:t>
-            </a:r>
-            <a:r>
-              <a:rPr lang="nl-NL" sz="2400" b="1" dirty="0" err="1">
-                <a:solidFill>
-                  <a:schemeClr val="bg1"/>
-                </a:solidFill>
-                <a:latin typeface="Consolas" panose="020B0609020204030204" pitchFamily="49" charset="0"/>
-                <a:cs typeface="Consolas" panose="020B0609020204030204" pitchFamily="49" charset="0"/>
-              </a:rPr>
-              <a:t>unique</a:t>
-            </a:r>
-            <a:r>
-              <a:rPr lang="nl-NL" sz="2400" b="1" dirty="0">
-                <a:solidFill>
-                  <a:schemeClr val="bg1"/>
-                </a:solidFill>
-                <a:latin typeface="Consolas" panose="020B0609020204030204" pitchFamily="49" charset="0"/>
-                <a:cs typeface="Consolas" panose="020B0609020204030204" pitchFamily="49" charset="0"/>
-              </a:rPr>
-              <a:t> </a:t>
-            </a:r>
-            <a:r>
-              <a:rPr lang="nl-NL" sz="2400" b="1" dirty="0" err="1">
-                <a:solidFill>
-                  <a:schemeClr val="bg1"/>
-                </a:solidFill>
-                <a:latin typeface="Consolas" panose="020B0609020204030204" pitchFamily="49" charset="0"/>
-                <a:cs typeface="Consolas" panose="020B0609020204030204" pitchFamily="49" charset="0"/>
-              </a:rPr>
-              <a:t>numbers</a:t>
-            </a:r>
-            <a:endParaRPr lang="nl-NL" sz="2400" b="1" dirty="0">
-              <a:solidFill>
-                <a:schemeClr val="bg1"/>
-              </a:solidFill>
-              <a:latin typeface="Consolas" panose="020B0609020204030204" pitchFamily="49" charset="0"/>
-              <a:cs typeface="Consolas" panose="020B0609020204030204" pitchFamily="49" charset="0"/>
-            </a:endParaRPr>
-          </a:p>
-          <a:p>
-            <a:endParaRPr lang="en" sz="2400" b="1" dirty="0">
-              <a:solidFill>
-                <a:schemeClr val="bg1"/>
-              </a:solidFill>
-            </a:endParaRPr>
+              </a:rPr>
+              <a:t>	</a:t>
+            </a:r>
           </a:p>
         </p:txBody>
       </p:sp>
@@ -18852,10 +19449,131 @@
           </a:prstGeom>
         </p:spPr>
       </p:pic>
+      <p:pic>
+        <p:nvPicPr>
+          <p:cNvPr id="3" name="Picture 2">
+            <a:extLst>
+              <a:ext uri="{FF2B5EF4-FFF2-40B4-BE49-F238E27FC236}">
+                <a16:creationId xmlns:a16="http://schemas.microsoft.com/office/drawing/2014/main" id="{2651B630-5303-2043-B2BF-E7DC4FA7F6AA}"/>
+              </a:ext>
+            </a:extLst>
+          </p:cNvPr>
+          <p:cNvPicPr>
+            <a:picLocks noChangeAspect="1"/>
+          </p:cNvPicPr>
+          <p:nvPr/>
+        </p:nvPicPr>
+        <p:blipFill>
+          <a:blip r:embed="rId3"/>
+          <a:stretch>
+            <a:fillRect/>
+          </a:stretch>
+        </p:blipFill>
+        <p:spPr>
+          <a:xfrm>
+            <a:off x="328790" y="2000033"/>
+            <a:ext cx="6002748" cy="3822440"/>
+          </a:xfrm>
+          <a:prstGeom prst="rect">
+            <a:avLst/>
+          </a:prstGeom>
+        </p:spPr>
+      </p:pic>
+      <p:pic>
+        <p:nvPicPr>
+          <p:cNvPr id="2052" name="Picture 4">
+            <a:extLst>
+              <a:ext uri="{FF2B5EF4-FFF2-40B4-BE49-F238E27FC236}">
+                <a16:creationId xmlns:a16="http://schemas.microsoft.com/office/drawing/2014/main" id="{71B306B0-3374-6E40-8B9B-9F32E8329801}"/>
+              </a:ext>
+            </a:extLst>
+          </p:cNvPr>
+          <p:cNvPicPr>
+            <a:picLocks noChangeAspect="1" noChangeArrowheads="1"/>
+          </p:cNvPicPr>
+          <p:nvPr/>
+        </p:nvPicPr>
+        <p:blipFill>
+          <a:blip r:embed="rId4">
+            <a:extLst>
+              <a:ext uri="{28A0092B-C50C-407E-A947-70E740481C1C}">
+                <a14:useLocalDpi xmlns:a14="http://schemas.microsoft.com/office/drawing/2010/main" val="0"/>
+              </a:ext>
+            </a:extLst>
+          </a:blip>
+          <a:srcRect/>
+          <a:stretch>
+            <a:fillRect/>
+          </a:stretch>
+        </p:blipFill>
+        <p:spPr bwMode="auto">
+          <a:xfrm>
+            <a:off x="6813761" y="2024356"/>
+            <a:ext cx="4711600" cy="3798117"/>
+          </a:xfrm>
+          <a:prstGeom prst="rect">
+            <a:avLst/>
+          </a:prstGeom>
+          <a:noFill/>
+          <a:extLst>
+            <a:ext uri="{909E8E84-426E-40DD-AFC4-6F175D3DCCD1}">
+              <a14:hiddenFill xmlns:a14="http://schemas.microsoft.com/office/drawing/2010/main">
+                <a:solidFill>
+                  <a:srgbClr val="FFFFFF"/>
+                </a:solidFill>
+              </a14:hiddenFill>
+            </a:ext>
+          </a:extLst>
+        </p:spPr>
+      </p:pic>
+      <p:sp>
+        <p:nvSpPr>
+          <p:cNvPr id="5" name="TextBox 4">
+            <a:extLst>
+              <a:ext uri="{FF2B5EF4-FFF2-40B4-BE49-F238E27FC236}">
+                <a16:creationId xmlns:a16="http://schemas.microsoft.com/office/drawing/2014/main" id="{C273FF47-78C2-A940-80C0-AC3A540A2342}"/>
+              </a:ext>
+            </a:extLst>
+          </p:cNvPr>
+          <p:cNvSpPr txBox="1"/>
+          <p:nvPr/>
+        </p:nvSpPr>
+        <p:spPr>
+          <a:xfrm>
+            <a:off x="820952" y="6002663"/>
+            <a:ext cx="4677371" cy="369332"/>
+          </a:xfrm>
+          <a:prstGeom prst="rect">
+            <a:avLst/>
+          </a:prstGeom>
+          <a:noFill/>
+        </p:spPr>
+        <p:txBody>
+          <a:bodyPr wrap="none" rtlCol="0">
+            <a:spAutoFit/>
+          </a:bodyPr>
+          <a:lstStyle/>
+          <a:p>
+            <a:r>
+              <a:rPr lang="en-GB" dirty="0"/>
+              <a:t>https://</a:t>
+            </a:r>
+            <a:r>
+              <a:rPr lang="en-GB" dirty="0" err="1"/>
+              <a:t>insights.stackoverflow.com</a:t>
+            </a:r>
+            <a:r>
+              <a:rPr lang="en-GB" dirty="0"/>
+              <a:t>/survey/2021</a:t>
+            </a:r>
+            <a:endParaRPr lang="en-NL" dirty="0"/>
+          </a:p>
+        </p:txBody>
+      </p:sp>
     </p:spTree>
     <p:extLst>
       <p:ext uri="{BB962C8B-B14F-4D97-AF65-F5344CB8AC3E}">
-        <p14:creationId xmlns:p14="http://schemas.microsoft.com/office/powerpoint/2010/main" val="2354290383"/>
+        <p14:creationId xmlns:p14="http://schemas.microsoft.com/office/powerpoint/2010/main" val="1376911263"/>
       </p:ext>
     </p:extLst>
   </p:cSld>
@@ -18922,12 +19640,20 @@
           <a:lstStyle/>
           <a:p>
             <a:r>
+              <a:rPr lang="nl-NL" dirty="0" err="1">
+                <a:solidFill>
+                  <a:schemeClr val="bg1"/>
+                </a:solidFill>
+              </a:rPr>
+              <a:t>Assignment</a:t>
+            </a:r>
+            <a:r>
               <a:rPr lang="nl-NL" dirty="0">
                 <a:solidFill>
                   <a:schemeClr val="bg1"/>
                 </a:solidFill>
               </a:rPr>
-              <a:t>Take </a:t>
+              <a:t> 1 - </a:t>
             </a:r>
             <a:r>
               <a:rPr lang="nl-NL" dirty="0" err="1">
@@ -18935,16 +19661,13 @@
                   <a:schemeClr val="bg1"/>
                 </a:solidFill>
               </a:rPr>
-              <a:t>away</a:t>
-            </a:r>
-            <a:r>
-              <a:rPr lang="nl-NL" dirty="0">
-                <a:solidFill>
-                  <a:schemeClr val="bg1"/>
-                </a:solidFill>
-              </a:rPr>
-              <a:t> - 1</a:t>
-            </a:r>
+              <a:t>unique</a:t>
+            </a:r>
+            <a:endParaRPr lang="nl-NL" dirty="0">
+              <a:solidFill>
+                <a:schemeClr val="bg1"/>
+              </a:solidFill>
+            </a:endParaRPr>
           </a:p>
         </p:txBody>
       </p:sp>
@@ -18963,7 +19686,7 @@
         <p:spPr>
           <a:xfrm>
             <a:off x="811013" y="1769201"/>
-            <a:ext cx="8702103" cy="1200329"/>
+            <a:ext cx="6508381" cy="1569660"/>
           </a:xfrm>
           <a:prstGeom prst="rect">
             <a:avLst/>
@@ -18981,98 +19704,85 @@
               <a:buChar char="•"/>
             </a:pPr>
             <a:r>
-              <a:rPr lang="nl-NL" sz="2400" b="1" dirty="0">
+              <a:rPr lang="nl-NL" sz="2400" b="1" dirty="0" err="1">
                 <a:solidFill>
                   <a:schemeClr val="bg1"/>
                 </a:solidFill>
                 <a:latin typeface="Consolas" panose="020B0609020204030204" pitchFamily="49" charset="0"/>
                 <a:cs typeface="Consolas" panose="020B0609020204030204" pitchFamily="49" charset="0"/>
               </a:rPr>
-              <a:t>Sets </a:t>
-            </a:r>
-            <a:r>
-              <a:rPr lang="nl-NL" sz="2400" b="1" dirty="0" err="1">
+              <a:t>Create</a:t>
+            </a:r>
+            <a:r>
+              <a:rPr lang="nl-NL" sz="2400" b="1" dirty="0">
                 <a:solidFill>
                   <a:schemeClr val="bg1"/>
                 </a:solidFill>
                 <a:latin typeface="Consolas" panose="020B0609020204030204" pitchFamily="49" charset="0"/>
                 <a:cs typeface="Consolas" panose="020B0609020204030204" pitchFamily="49" charset="0"/>
               </a:rPr>
-              <a:t>contain</a:t>
-            </a:r>
-            <a:r>
-              <a:rPr lang="nl-NL" sz="2400" b="1" dirty="0">
+              <a:t> a </a:t>
+            </a:r>
+            <a:r>
+              <a:rPr lang="nl-NL" sz="2400" b="1" dirty="0" err="1">
                 <a:solidFill>
                   <a:schemeClr val="bg1"/>
                 </a:solidFill>
                 <a:latin typeface="Consolas" panose="020B0609020204030204" pitchFamily="49" charset="0"/>
                 <a:cs typeface="Consolas" panose="020B0609020204030204" pitchFamily="49" charset="0"/>
               </a:rPr>
-              <a:t> </a:t>
-            </a:r>
-            <a:r>
-              <a:rPr lang="nl-NL" sz="2400" b="1" dirty="0" err="1">
+              <a:t>function</a:t>
+            </a:r>
+            <a:r>
+              <a:rPr lang="nl-NL" sz="2400" b="1" dirty="0">
                 <a:solidFill>
                   <a:schemeClr val="bg1"/>
                 </a:solidFill>
                 <a:latin typeface="Consolas" panose="020B0609020204030204" pitchFamily="49" charset="0"/>
                 <a:cs typeface="Consolas" panose="020B0609020204030204" pitchFamily="49" charset="0"/>
               </a:rPr>
-              <a:t>only</a:t>
-            </a:r>
-            <a:r>
-              <a:rPr lang="nl-NL" sz="2400" b="1" dirty="0">
+              <a:t> </a:t>
+            </a:r>
+            <a:r>
+              <a:rPr lang="nl-NL" sz="2400" b="1" dirty="0" err="1">
                 <a:solidFill>
                   <a:schemeClr val="bg1"/>
                 </a:solidFill>
                 <a:latin typeface="Consolas" panose="020B0609020204030204" pitchFamily="49" charset="0"/>
                 <a:cs typeface="Consolas" panose="020B0609020204030204" pitchFamily="49" charset="0"/>
               </a:rPr>
-              <a:t> </a:t>
-            </a:r>
-            <a:r>
-              <a:rPr lang="nl-NL" sz="2400" b="1" dirty="0" err="1">
+              <a:t>that</a:t>
+            </a:r>
+            <a:r>
+              <a:rPr lang="nl-NL" sz="2400" b="1" dirty="0">
                 <a:solidFill>
                   <a:schemeClr val="bg1"/>
                 </a:solidFill>
                 <a:latin typeface="Consolas" panose="020B0609020204030204" pitchFamily="49" charset="0"/>
                 <a:cs typeface="Consolas" panose="020B0609020204030204" pitchFamily="49" charset="0"/>
               </a:rPr>
-              <a:t>unique</a:t>
-            </a:r>
-            <a:r>
-              <a:rPr lang="nl-NL" sz="2400" b="1" dirty="0">
+              <a:t> </a:t>
+            </a:r>
+            <a:r>
+              <a:rPr lang="nl-NL" sz="2400" b="1" dirty="0" err="1">
                 <a:solidFill>
                   <a:schemeClr val="bg1"/>
                 </a:solidFill>
                 <a:latin typeface="Consolas" panose="020B0609020204030204" pitchFamily="49" charset="0"/>
                 <a:cs typeface="Consolas" panose="020B0609020204030204" pitchFamily="49" charset="0"/>
               </a:rPr>
-              <a:t> </a:t>
-            </a:r>
-            <a:r>
-              <a:rPr lang="nl-NL" sz="2400" b="1" dirty="0" err="1">
+              <a:t>counts</a:t>
+            </a:r>
+            <a:r>
+              <a:rPr lang="nl-NL" sz="2400" b="1" dirty="0">
                 <a:solidFill>
                   <a:schemeClr val="bg1"/>
                 </a:solidFill>
                 <a:latin typeface="Consolas" panose="020B0609020204030204" pitchFamily="49" charset="0"/>
                 <a:cs typeface="Consolas" panose="020B0609020204030204" pitchFamily="49" charset="0"/>
               </a:rPr>
-              <a:t>values</a:t>
-            </a:r>
-            <a:endParaRPr lang="nl-NL" sz="2400" b="1" dirty="0">
-              <a:solidFill>
-                <a:schemeClr val="bg1"/>
-              </a:solidFill>
-              <a:latin typeface="Consolas" panose="020B0609020204030204" pitchFamily="49" charset="0"/>
-              <a:cs typeface="Consolas" panose="020B0609020204030204" pitchFamily="49" charset="0"/>
-            </a:endParaRPr>
-          </a:p>
-          <a:p>
-            <a:pPr marL="457200" indent="-457200">
-              <a:buFont typeface="Arial" panose="020B0604020202020204" pitchFamily="34" charset="0"/>
-              <a:buChar char="•"/>
-            </a:pPr>
+              <a:t> </a:t>
+            </a:r>
             <a:r>
               <a:rPr lang="nl-NL" sz="2400" b="1" dirty="0" err="1">
                 <a:solidFill>
@@ -19081,7 +19791,7 @@
                 <a:latin typeface="Consolas" panose="020B0609020204030204" pitchFamily="49" charset="0"/>
                 <a:cs typeface="Consolas" panose="020B0609020204030204" pitchFamily="49" charset="0"/>
               </a:rPr>
-              <a:t>Compare</a:t>
+              <a:t>all</a:t>
             </a:r>
             <a:r>
               <a:rPr lang="nl-NL" sz="2400" b="1" dirty="0">
@@ -19091,7 +19801,7 @@
                 <a:latin typeface="Consolas" panose="020B0609020204030204" pitchFamily="49" charset="0"/>
                 <a:cs typeface="Consolas" panose="020B0609020204030204" pitchFamily="49" charset="0"/>
               </a:rPr>
-              <a:t> a list </a:t>
+              <a:t> </a:t>
             </a:r>
             <a:r>
               <a:rPr lang="nl-NL" sz="2400" b="1" dirty="0" err="1">
@@ -19101,7 +19811,7 @@
                 <a:latin typeface="Consolas" panose="020B0609020204030204" pitchFamily="49" charset="0"/>
                 <a:cs typeface="Consolas" panose="020B0609020204030204" pitchFamily="49" charset="0"/>
               </a:rPr>
-              <a:t>to</a:t>
+              <a:t>numbers</a:t>
             </a:r>
             <a:r>
               <a:rPr lang="nl-NL" sz="2400" b="1" dirty="0">
@@ -19111,7 +19821,7 @@
                 <a:latin typeface="Consolas" panose="020B0609020204030204" pitchFamily="49" charset="0"/>
                 <a:cs typeface="Consolas" panose="020B0609020204030204" pitchFamily="49" charset="0"/>
               </a:rPr>
-              <a:t> a set </a:t>
+              <a:t> </a:t>
             </a:r>
             <a:r>
               <a:rPr lang="nl-NL" sz="2400" b="1" dirty="0" err="1">
@@ -19121,7 +19831,7 @@
                 <a:latin typeface="Consolas" panose="020B0609020204030204" pitchFamily="49" charset="0"/>
                 <a:cs typeface="Consolas" panose="020B0609020204030204" pitchFamily="49" charset="0"/>
               </a:rPr>
-              <a:t>to</a:t>
+              <a:t>that</a:t>
             </a:r>
             <a:r>
               <a:rPr lang="nl-NL" sz="2400" b="1" dirty="0">
@@ -19131,7 +19841,7 @@
                 <a:latin typeface="Consolas" panose="020B0609020204030204" pitchFamily="49" charset="0"/>
                 <a:cs typeface="Consolas" panose="020B0609020204030204" pitchFamily="49" charset="0"/>
               </a:rPr>
-              <a:t> test </a:t>
+              <a:t> </a:t>
             </a:r>
             <a:r>
               <a:rPr lang="nl-NL" sz="2400" b="1" dirty="0" err="1">
@@ -19141,7 +19851,7 @@
                 <a:latin typeface="Consolas" panose="020B0609020204030204" pitchFamily="49" charset="0"/>
                 <a:cs typeface="Consolas" panose="020B0609020204030204" pitchFamily="49" charset="0"/>
               </a:rPr>
-              <a:t>for</a:t>
+              <a:t>contains</a:t>
             </a:r>
             <a:r>
               <a:rPr lang="nl-NL" sz="2400" b="1" dirty="0">
@@ -19161,7 +19871,47 @@
                 <a:latin typeface="Consolas" panose="020B0609020204030204" pitchFamily="49" charset="0"/>
                 <a:cs typeface="Consolas" panose="020B0609020204030204" pitchFamily="49" charset="0"/>
               </a:rPr>
-              <a:t>duplicates</a:t>
+              <a:t>only</a:t>
+            </a:r>
+            <a:r>
+              <a:rPr lang="nl-NL" sz="2400" b="1" dirty="0">
+                <a:solidFill>
+                  <a:schemeClr val="bg1"/>
+                </a:solidFill>
+                <a:latin typeface="Consolas" panose="020B0609020204030204" pitchFamily="49" charset="0"/>
+                <a:cs typeface="Consolas" panose="020B0609020204030204" pitchFamily="49" charset="0"/>
+              </a:rPr>
+              <a:t> </a:t>
+            </a:r>
+            <a:r>
+              <a:rPr lang="nl-NL" sz="2400" b="1" dirty="0" err="1">
+                <a:solidFill>
+                  <a:schemeClr val="bg1"/>
+                </a:solidFill>
+                <a:latin typeface="Consolas" panose="020B0609020204030204" pitchFamily="49" charset="0"/>
+                <a:cs typeface="Consolas" panose="020B0609020204030204" pitchFamily="49" charset="0"/>
+              </a:rPr>
+              <a:t>unique</a:t>
+            </a:r>
+            <a:r>
+              <a:rPr lang="nl-NL" sz="2400" b="1" dirty="0">
+                <a:solidFill>
+                  <a:schemeClr val="bg1"/>
+                </a:solidFill>
+                <a:latin typeface="Consolas" panose="020B0609020204030204" pitchFamily="49" charset="0"/>
+                <a:cs typeface="Consolas" panose="020B0609020204030204" pitchFamily="49" charset="0"/>
+              </a:rPr>
+              <a:t> </a:t>
+            </a:r>
+            <a:r>
+              <a:rPr lang="nl-NL" sz="2400" b="1" dirty="0" err="1">
+                <a:solidFill>
+                  <a:schemeClr val="bg1"/>
+                </a:solidFill>
+                <a:latin typeface="Consolas" panose="020B0609020204030204" pitchFamily="49" charset="0"/>
+                <a:cs typeface="Consolas" panose="020B0609020204030204" pitchFamily="49" charset="0"/>
+              </a:rPr>
+              <a:t>numbers</a:t>
             </a:r>
             <a:endParaRPr lang="nl-NL" sz="2400" b="1" dirty="0">
               <a:solidFill>
@@ -19213,7 +19963,7 @@
     </p:spTree>
     <p:extLst>
       <p:ext uri="{BB962C8B-B14F-4D97-AF65-F5344CB8AC3E}">
-        <p14:creationId xmlns:p14="http://schemas.microsoft.com/office/powerpoint/2010/main" val="3330782781"/>
+        <p14:creationId xmlns:p14="http://schemas.microsoft.com/office/powerpoint/2010/main" val="2354290383"/>
       </p:ext>
     </p:extLst>
   </p:cSld>
@@ -19285,7 +20035,7 @@
                   <a:schemeClr val="bg1"/>
                 </a:solidFill>
               </a:rPr>
-              <a:t>Assignment</a:t>
+              <a:t>Learnings</a:t>
             </a:r>
             <a:r>
               <a:rPr lang="nl-NL" dirty="0">
@@ -19293,23 +20043,7 @@
                   <a:schemeClr val="bg1"/>
                 </a:solidFill>
               </a:rPr>
-              <a:t> 2 - </a:t>
-            </a:r>
-            <a:r>
-              <a:rPr lang="nl-NL" dirty="0" err="1">
-                <a:solidFill>
-                  <a:schemeClr val="bg1"/>
-                </a:solidFill>
-              </a:rPr>
-              <a:t>Cipher</a:t>
-            </a:r>
-            <a:r>
-              <a:rPr lang="nl-NL" dirty="0">
-                <a:solidFill>
-                  <a:schemeClr val="bg1"/>
-                </a:solidFill>
-              </a:rPr>
-              <a:t> </a:t>
+              <a:t> 1</a:t>
             </a:r>
           </a:p>
         </p:txBody>
@@ -19329,7 +20063,7 @@
         <p:spPr>
           <a:xfrm>
             <a:off x="811013" y="1769201"/>
-            <a:ext cx="9079607" cy="1200329"/>
+            <a:ext cx="8702103" cy="1200329"/>
           </a:xfrm>
           <a:prstGeom prst="rect">
             <a:avLst/>
@@ -19347,34 +20081,52 @@
               <a:buChar char="•"/>
             </a:pPr>
             <a:r>
+              <a:rPr lang="nl-NL" sz="2400" b="1" dirty="0">
+                <a:solidFill>
+                  <a:schemeClr val="bg1"/>
+                </a:solidFill>
+                <a:latin typeface="Consolas" panose="020B0609020204030204" pitchFamily="49" charset="0"/>
+                <a:cs typeface="Consolas" panose="020B0609020204030204" pitchFamily="49" charset="0"/>
+              </a:rPr>
+              <a:t>Sets </a:t>
+            </a:r>
+            <a:r>
               <a:rPr lang="nl-NL" sz="2400" b="1" dirty="0" err="1">
                 <a:solidFill>
                   <a:schemeClr val="bg1"/>
                 </a:solidFill>
-              </a:rPr>
-              <a:t>Create</a:t>
+                <a:latin typeface="Consolas" panose="020B0609020204030204" pitchFamily="49" charset="0"/>
+                <a:cs typeface="Consolas" panose="020B0609020204030204" pitchFamily="49" charset="0"/>
+              </a:rPr>
+              <a:t>contain</a:t>
             </a:r>
             <a:r>
               <a:rPr lang="nl-NL" sz="2400" b="1" dirty="0">
                 <a:solidFill>
                   <a:schemeClr val="bg1"/>
                 </a:solidFill>
-              </a:rPr>
-              <a:t> a </a:t>
+                <a:latin typeface="Consolas" panose="020B0609020204030204" pitchFamily="49" charset="0"/>
+                <a:cs typeface="Consolas" panose="020B0609020204030204" pitchFamily="49" charset="0"/>
+              </a:rPr>
+              <a:t> </a:t>
             </a:r>
             <a:r>
               <a:rPr lang="nl-NL" sz="2400" b="1" dirty="0" err="1">
                 <a:solidFill>
                   <a:schemeClr val="bg1"/>
                 </a:solidFill>
-              </a:rPr>
-              <a:t>function</a:t>
+                <a:latin typeface="Consolas" panose="020B0609020204030204" pitchFamily="49" charset="0"/>
+                <a:cs typeface="Consolas" panose="020B0609020204030204" pitchFamily="49" charset="0"/>
+              </a:rPr>
+              <a:t>only</a:t>
             </a:r>
             <a:r>
               <a:rPr lang="nl-NL" sz="2400" b="1" dirty="0">
                 <a:solidFill>
                   <a:schemeClr val="bg1"/>
                 </a:solidFill>
+                <a:latin typeface="Consolas" panose="020B0609020204030204" pitchFamily="49" charset="0"/>
+                <a:cs typeface="Consolas" panose="020B0609020204030204" pitchFamily="49" charset="0"/>
               </a:rPr>
               <a:t> </a:t>
             </a:r>
@@ -19383,14 +20135,18 @@
                 <a:solidFill>
                   <a:schemeClr val="bg1"/>
                 </a:solidFill>
-              </a:rPr>
-              <a:t>that</a:t>
+                <a:latin typeface="Consolas" panose="020B0609020204030204" pitchFamily="49" charset="0"/>
+                <a:cs typeface="Consolas" panose="020B0609020204030204" pitchFamily="49" charset="0"/>
+              </a:rPr>
+              <a:t>unique</a:t>
             </a:r>
             <a:r>
               <a:rPr lang="nl-NL" sz="2400" b="1" dirty="0">
                 <a:solidFill>
                   <a:schemeClr val="bg1"/>
                 </a:solidFill>
+                <a:latin typeface="Consolas" panose="020B0609020204030204" pitchFamily="49" charset="0"/>
+                <a:cs typeface="Consolas" panose="020B0609020204030204" pitchFamily="49" charset="0"/>
               </a:rPr>
               <a:t> </a:t>
             </a:r>
@@ -19399,141 +20155,17 @@
                 <a:solidFill>
                   <a:schemeClr val="bg1"/>
                 </a:solidFill>
-              </a:rPr>
-              <a:t>encrypts</a:t>
-            </a:r>
-            <a:r>
-              <a:rPr lang="nl-NL" sz="2400" b="1" dirty="0">
-                <a:solidFill>
-                  <a:schemeClr val="bg1"/>
-                </a:solidFill>
-              </a:rPr>
-              <a:t> </a:t>
-            </a:r>
-            <a:r>
-              <a:rPr lang="nl-NL" sz="2400" b="1" dirty="0" err="1">
-                <a:solidFill>
-                  <a:schemeClr val="bg1"/>
-                </a:solidFill>
-              </a:rPr>
-              <a:t>text</a:t>
-            </a:r>
-            <a:r>
-              <a:rPr lang="nl-NL" sz="2400" b="1" dirty="0">
-                <a:solidFill>
-                  <a:schemeClr val="bg1"/>
-                </a:solidFill>
-              </a:rPr>
-              <a:t> </a:t>
-            </a:r>
-            <a:r>
-              <a:rPr lang="nl-NL" sz="2400" b="1" dirty="0" err="1">
-                <a:solidFill>
-                  <a:schemeClr val="bg1"/>
-                </a:solidFill>
-              </a:rPr>
-              <a:t>by</a:t>
-            </a:r>
-            <a:r>
-              <a:rPr lang="nl-NL" sz="2400" b="1" dirty="0">
-                <a:solidFill>
-                  <a:schemeClr val="bg1"/>
-                </a:solidFill>
-              </a:rPr>
-              <a:t> </a:t>
-            </a:r>
-            <a:r>
-              <a:rPr lang="nl-NL" sz="2400" b="1" dirty="0" err="1">
-                <a:solidFill>
-                  <a:schemeClr val="bg1"/>
-                </a:solidFill>
-              </a:rPr>
-              <a:t>moving</a:t>
-            </a:r>
-            <a:r>
-              <a:rPr lang="nl-NL" sz="2400" b="1" dirty="0">
-                <a:solidFill>
-                  <a:schemeClr val="bg1"/>
-                </a:solidFill>
-              </a:rPr>
-              <a:t> </a:t>
-            </a:r>
-            <a:r>
-              <a:rPr lang="nl-NL" sz="2400" b="1" dirty="0" err="1">
-                <a:solidFill>
-                  <a:schemeClr val="bg1"/>
-                </a:solidFill>
-              </a:rPr>
-              <a:t>each</a:t>
-            </a:r>
-            <a:r>
-              <a:rPr lang="nl-NL" sz="2400" b="1" dirty="0">
-                <a:solidFill>
-                  <a:schemeClr val="bg1"/>
-                </a:solidFill>
-              </a:rPr>
-              <a:t> letter 2 </a:t>
-            </a:r>
-            <a:r>
-              <a:rPr lang="nl-NL" sz="2400" b="1" dirty="0" err="1">
-                <a:solidFill>
-                  <a:schemeClr val="bg1"/>
-                </a:solidFill>
-              </a:rPr>
-              <a:t>positions</a:t>
-            </a:r>
-            <a:r>
-              <a:rPr lang="nl-NL" sz="2400" b="1" dirty="0">
-                <a:solidFill>
-                  <a:schemeClr val="bg1"/>
-                </a:solidFill>
-              </a:rPr>
-              <a:t> </a:t>
-            </a:r>
-            <a:r>
-              <a:rPr lang="nl-NL" sz="2400" b="1" dirty="0" err="1">
-                <a:solidFill>
-                  <a:schemeClr val="bg1"/>
-                </a:solidFill>
-              </a:rPr>
-              <a:t>higher</a:t>
-            </a:r>
-            <a:r>
-              <a:rPr lang="nl-NL" sz="2400" b="1" dirty="0">
-                <a:solidFill>
-                  <a:schemeClr val="bg1"/>
-                </a:solidFill>
-              </a:rPr>
-              <a:t> in </a:t>
-            </a:r>
-            <a:r>
-              <a:rPr lang="nl-NL" sz="2400" b="1" dirty="0" err="1">
-                <a:solidFill>
-                  <a:schemeClr val="bg1"/>
-                </a:solidFill>
-              </a:rPr>
-              <a:t>the</a:t>
-            </a:r>
-            <a:r>
-              <a:rPr lang="nl-NL" sz="2400" b="1" dirty="0">
-                <a:solidFill>
-                  <a:schemeClr val="bg1"/>
-                </a:solidFill>
-              </a:rPr>
-              <a:t> </a:t>
-            </a:r>
-            <a:r>
-              <a:rPr lang="nl-NL" sz="2400" b="1" dirty="0" err="1">
-                <a:solidFill>
-                  <a:schemeClr val="bg1"/>
-                </a:solidFill>
-              </a:rPr>
-              <a:t>alphabet</a:t>
+                <a:latin typeface="Consolas" panose="020B0609020204030204" pitchFamily="49" charset="0"/>
+                <a:cs typeface="Consolas" panose="020B0609020204030204" pitchFamily="49" charset="0"/>
+              </a:rPr>
+              <a:t>values</a:t>
             </a:r>
             <a:endParaRPr lang="nl-NL" sz="2400" b="1" dirty="0">
               <a:solidFill>
                 <a:schemeClr val="bg1"/>
               </a:solidFill>
+              <a:latin typeface="Consolas" panose="020B0609020204030204" pitchFamily="49" charset="0"/>
+              <a:cs typeface="Consolas" panose="020B0609020204030204" pitchFamily="49" charset="0"/>
             </a:endParaRPr>
           </a:p>
           <a:p>
@@ -19546,97 +20178,100 @@
                 <a:solidFill>
                   <a:schemeClr val="bg1"/>
                 </a:solidFill>
-              </a:rPr>
-              <a:t>Example</a:t>
+                <a:latin typeface="Consolas" panose="020B0609020204030204" pitchFamily="49" charset="0"/>
+                <a:cs typeface="Consolas" panose="020B0609020204030204" pitchFamily="49" charset="0"/>
+              </a:rPr>
+              <a:t>Compare</a:t>
             </a:r>
             <a:r>
               <a:rPr lang="nl-NL" sz="2400" b="1" dirty="0">
                 <a:solidFill>
                   <a:schemeClr val="bg1"/>
                 </a:solidFill>
-              </a:rPr>
-              <a:t>: ”</a:t>
+                <a:latin typeface="Consolas" panose="020B0609020204030204" pitchFamily="49" charset="0"/>
+                <a:cs typeface="Consolas" panose="020B0609020204030204" pitchFamily="49" charset="0"/>
+              </a:rPr>
+              <a:t> a list </a:t>
             </a:r>
             <a:r>
               <a:rPr lang="nl-NL" sz="2400" b="1" dirty="0" err="1">
                 <a:solidFill>
                   <a:schemeClr val="bg1"/>
                 </a:solidFill>
-              </a:rPr>
-              <a:t>Example</a:t>
+                <a:latin typeface="Consolas" panose="020B0609020204030204" pitchFamily="49" charset="0"/>
+                <a:cs typeface="Consolas" panose="020B0609020204030204" pitchFamily="49" charset="0"/>
+              </a:rPr>
+              <a:t>to</a:t>
             </a:r>
             <a:r>
               <a:rPr lang="nl-NL" sz="2400" b="1" dirty="0">
                 <a:solidFill>
                   <a:schemeClr val="bg1"/>
                 </a:solidFill>
-              </a:rPr>
-              <a:t> </a:t>
+                <a:latin typeface="Consolas" panose="020B0609020204030204" pitchFamily="49" charset="0"/>
+                <a:cs typeface="Consolas" panose="020B0609020204030204" pitchFamily="49" charset="0"/>
+              </a:rPr>
+              <a:t> a set </a:t>
             </a:r>
             <a:r>
               <a:rPr lang="nl-NL" sz="2400" b="1" dirty="0" err="1">
                 <a:solidFill>
                   <a:schemeClr val="bg1"/>
                 </a:solidFill>
-              </a:rPr>
-              <a:t>text</a:t>
+                <a:latin typeface="Consolas" panose="020B0609020204030204" pitchFamily="49" charset="0"/>
+                <a:cs typeface="Consolas" panose="020B0609020204030204" pitchFamily="49" charset="0"/>
+              </a:rPr>
+              <a:t>to</a:t>
             </a:r>
             <a:r>
               <a:rPr lang="nl-NL" sz="2400" b="1" dirty="0">
                 <a:solidFill>
                   <a:schemeClr val="bg1"/>
                 </a:solidFill>
-              </a:rPr>
-              <a:t>” </a:t>
+                <a:latin typeface="Consolas" panose="020B0609020204030204" pitchFamily="49" charset="0"/>
+                <a:cs typeface="Consolas" panose="020B0609020204030204" pitchFamily="49" charset="0"/>
+              </a:rPr>
+              <a:t> test </a:t>
             </a:r>
             <a:r>
               <a:rPr lang="nl-NL" sz="2400" b="1" dirty="0" err="1">
                 <a:solidFill>
                   <a:schemeClr val="bg1"/>
                 </a:solidFill>
-              </a:rPr>
-              <a:t>becomes</a:t>
+                <a:latin typeface="Consolas" panose="020B0609020204030204" pitchFamily="49" charset="0"/>
+                <a:cs typeface="Consolas" panose="020B0609020204030204" pitchFamily="49" charset="0"/>
+              </a:rPr>
+              <a:t>for</a:t>
             </a:r>
             <a:r>
               <a:rPr lang="nl-NL" sz="2400" b="1" dirty="0">
                 <a:solidFill>
                   <a:schemeClr val="bg1"/>
                 </a:solidFill>
-              </a:rPr>
-              <a:t> ”</a:t>
+                <a:latin typeface="Consolas" panose="020B0609020204030204" pitchFamily="49" charset="0"/>
+                <a:cs typeface="Consolas" panose="020B0609020204030204" pitchFamily="49" charset="0"/>
+              </a:rPr>
+              <a:t> </a:t>
             </a:r>
             <a:r>
               <a:rPr lang="nl-NL" sz="2400" b="1" dirty="0" err="1">
                 <a:solidFill>
                   <a:schemeClr val="bg1"/>
                 </a:solidFill>
-              </a:rPr>
-              <a:t>Gzcorng</a:t>
-            </a:r>
-            <a:r>
-              <a:rPr lang="nl-NL" sz="2400" b="1" dirty="0">
-                <a:solidFill>
-                  <a:schemeClr val="bg1"/>
-                </a:solidFill>
-              </a:rPr>
-              <a:t> </a:t>
-            </a:r>
-            <a:r>
-              <a:rPr lang="nl-NL" sz="2400" b="1" dirty="0" err="1">
-                <a:solidFill>
-                  <a:schemeClr val="bg1"/>
-                </a:solidFill>
-              </a:rPr>
-              <a:t>vgzv</a:t>
-            </a:r>
-            <a:r>
-              <a:rPr lang="nl-NL" sz="2400" b="1" dirty="0">
-                <a:solidFill>
-                  <a:schemeClr val="bg1"/>
-                </a:solidFill>
-              </a:rPr>
-              <a:t>”</a:t>
-            </a:r>
+                <a:latin typeface="Consolas" panose="020B0609020204030204" pitchFamily="49" charset="0"/>
+                <a:cs typeface="Consolas" panose="020B0609020204030204" pitchFamily="49" charset="0"/>
+              </a:rPr>
+              <a:t>duplicates</a:t>
+            </a:r>
+            <a:endParaRPr lang="nl-NL" sz="2400" b="1" dirty="0">
+              <a:solidFill>
+                <a:schemeClr val="bg1"/>
+              </a:solidFill>
+              <a:latin typeface="Consolas" panose="020B0609020204030204" pitchFamily="49" charset="0"/>
+              <a:cs typeface="Consolas" panose="020B0609020204030204" pitchFamily="49" charset="0"/>
+            </a:endParaRPr>
+          </a:p>
+          <a:p>
             <a:endParaRPr lang="en" sz="2400" b="1" dirty="0">
               <a:solidFill>
                 <a:schemeClr val="bg1"/>
@@ -19678,7 +20313,7 @@
     </p:spTree>
     <p:extLst>
       <p:ext uri="{BB962C8B-B14F-4D97-AF65-F5344CB8AC3E}">
-        <p14:creationId xmlns:p14="http://schemas.microsoft.com/office/powerpoint/2010/main" val="935237224"/>
+        <p14:creationId xmlns:p14="http://schemas.microsoft.com/office/powerpoint/2010/main" val="3330782781"/>
       </p:ext>
     </p:extLst>
   </p:cSld>
@@ -19745,12 +20380,20 @@
           <a:lstStyle/>
           <a:p>
             <a:r>
+              <a:rPr lang="nl-NL" dirty="0" err="1">
+                <a:solidFill>
+                  <a:schemeClr val="bg1"/>
+                </a:solidFill>
+              </a:rPr>
+              <a:t>Assignment</a:t>
+            </a:r>
+            <a:r>
               <a:rPr lang="nl-NL" dirty="0">
                 <a:solidFill>
                   <a:schemeClr val="bg1"/>
                 </a:solidFill>
               </a:rPr>
-              <a:t>Take </a:t>
+              <a:t> 2 - </a:t>
             </a:r>
             <a:r>
               <a:rPr lang="nl-NL" dirty="0" err="1">
@@ -19758,7 +20401,7 @@
                   <a:schemeClr val="bg1"/>
                 </a:solidFill>
               </a:rPr>
-              <a:t>away</a:t>
+              <a:t>Cipher</a:t>
             </a:r>
             <a:r>
               <a:rPr lang="nl-NL" dirty="0">
@@ -19766,7 +20409,7 @@
                   <a:schemeClr val="bg1"/>
                 </a:solidFill>
               </a:rPr>
-              <a:t> - 2</a:t>
+              <a:t> </a:t>
             </a:r>
           </a:p>
         </p:txBody>
@@ -19785,8 +20428,8 @@
         </p:nvSpPr>
         <p:spPr>
           <a:xfrm>
-            <a:off x="811012" y="1769201"/>
-            <a:ext cx="9482279" cy="1569660"/>
+            <a:off x="811013" y="1769201"/>
+            <a:ext cx="9079607" cy="1200329"/>
           </a:xfrm>
           <a:prstGeom prst="rect">
             <a:avLst/>
@@ -19808,64 +20451,193 @@
                 <a:solidFill>
                   <a:schemeClr val="bg1"/>
                 </a:solidFill>
-                <a:latin typeface="Consolas" panose="020B0609020204030204" pitchFamily="49" charset="0"/>
-                <a:cs typeface="Consolas" panose="020B0609020204030204" pitchFamily="49" charset="0"/>
-              </a:rPr>
-              <a:t>What</a:t>
+              </a:rPr>
+              <a:t>Create</a:t>
             </a:r>
             <a:r>
               <a:rPr lang="nl-NL" sz="2400" b="1" dirty="0">
                 <a:solidFill>
                   <a:schemeClr val="bg1"/>
                 </a:solidFill>
-                <a:latin typeface="Consolas" panose="020B0609020204030204" pitchFamily="49" charset="0"/>
-                <a:cs typeface="Consolas" panose="020B0609020204030204" pitchFamily="49" charset="0"/>
-              </a:rPr>
-              <a:t> </a:t>
+              </a:rPr>
+              <a:t> a </a:t>
             </a:r>
             <a:r>
               <a:rPr lang="nl-NL" sz="2400" b="1" dirty="0" err="1">
                 <a:solidFill>
                   <a:schemeClr val="bg1"/>
                 </a:solidFill>
-                <a:latin typeface="Consolas" panose="020B0609020204030204" pitchFamily="49" charset="0"/>
-                <a:cs typeface="Consolas" panose="020B0609020204030204" pitchFamily="49" charset="0"/>
-              </a:rPr>
-              <a:t>did</a:t>
+              </a:rPr>
+              <a:t>function</a:t>
             </a:r>
             <a:r>
               <a:rPr lang="nl-NL" sz="2400" b="1" dirty="0">
                 <a:solidFill>
                   <a:schemeClr val="bg1"/>
                 </a:solidFill>
-                <a:latin typeface="Consolas" panose="020B0609020204030204" pitchFamily="49" charset="0"/>
-                <a:cs typeface="Consolas" panose="020B0609020204030204" pitchFamily="49" charset="0"/>
-              </a:rPr>
-              <a:t> we </a:t>
+              </a:rPr>
+              <a:t> </a:t>
             </a:r>
             <a:r>
               <a:rPr lang="nl-NL" sz="2400" b="1" dirty="0" err="1">
                 <a:solidFill>
                   <a:schemeClr val="bg1"/>
                 </a:solidFill>
-                <a:latin typeface="Consolas" panose="020B0609020204030204" pitchFamily="49" charset="0"/>
-                <a:cs typeface="Consolas" panose="020B0609020204030204" pitchFamily="49" charset="0"/>
-              </a:rPr>
-              <a:t>learn</a:t>
+              </a:rPr>
+              <a:t>that</a:t>
             </a:r>
             <a:r>
               <a:rPr lang="nl-NL" sz="2400" b="1" dirty="0">
                 <a:solidFill>
                   <a:schemeClr val="bg1"/>
                 </a:solidFill>
-                <a:latin typeface="Consolas" panose="020B0609020204030204" pitchFamily="49" charset="0"/>
-                <a:cs typeface="Consolas" panose="020B0609020204030204" pitchFamily="49" charset="0"/>
-              </a:rPr>
-              <a:t>?</a:t>
-            </a:r>
+              </a:rPr>
+              <a:t> </a:t>
+            </a:r>
+            <a:r>
+              <a:rPr lang="nl-NL" sz="2400" b="1" dirty="0" err="1">
+                <a:solidFill>
+                  <a:schemeClr val="bg1"/>
+                </a:solidFill>
+              </a:rPr>
+              <a:t>encrypts</a:t>
+            </a:r>
+            <a:r>
+              <a:rPr lang="nl-NL" sz="2400" b="1" dirty="0">
+                <a:solidFill>
+                  <a:schemeClr val="bg1"/>
+                </a:solidFill>
+              </a:rPr>
+              <a:t> </a:t>
+            </a:r>
+            <a:r>
+              <a:rPr lang="nl-NL" sz="2400" b="1" dirty="0" err="1">
+                <a:solidFill>
+                  <a:schemeClr val="bg1"/>
+                </a:solidFill>
+              </a:rPr>
+              <a:t>text</a:t>
+            </a:r>
+            <a:r>
+              <a:rPr lang="nl-NL" sz="2400" b="1" dirty="0">
+                <a:solidFill>
+                  <a:schemeClr val="bg1"/>
+                </a:solidFill>
+              </a:rPr>
+              <a:t> </a:t>
+            </a:r>
+            <a:r>
+              <a:rPr lang="nl-NL" sz="2400" b="1" dirty="0" err="1">
+                <a:solidFill>
+                  <a:schemeClr val="bg1"/>
+                </a:solidFill>
+              </a:rPr>
+              <a:t>by</a:t>
+            </a:r>
+            <a:r>
+              <a:rPr lang="nl-NL" sz="2400" b="1" dirty="0">
+                <a:solidFill>
+                  <a:schemeClr val="bg1"/>
+                </a:solidFill>
+              </a:rPr>
+              <a:t> </a:t>
+            </a:r>
+            <a:r>
+              <a:rPr lang="nl-NL" sz="2400" b="1" dirty="0" err="1">
+                <a:solidFill>
+                  <a:schemeClr val="bg1"/>
+                </a:solidFill>
+              </a:rPr>
+              <a:t>moving</a:t>
+            </a:r>
+            <a:r>
+              <a:rPr lang="nl-NL" sz="2400" b="1" dirty="0">
+                <a:solidFill>
+                  <a:schemeClr val="bg1"/>
+                </a:solidFill>
+              </a:rPr>
+              <a:t> </a:t>
+            </a:r>
+            <a:r>
+              <a:rPr lang="nl-NL" sz="2400" b="1" dirty="0" err="1">
+                <a:solidFill>
+                  <a:schemeClr val="bg1"/>
+                </a:solidFill>
+              </a:rPr>
+              <a:t>each</a:t>
+            </a:r>
+            <a:r>
+              <a:rPr lang="nl-NL" sz="2400" b="1" dirty="0">
+                <a:solidFill>
+                  <a:schemeClr val="bg1"/>
+                </a:solidFill>
+              </a:rPr>
+              <a:t> letter 2 </a:t>
+            </a:r>
+            <a:r>
+              <a:rPr lang="nl-NL" sz="2400" b="1" dirty="0" err="1">
+                <a:solidFill>
+                  <a:schemeClr val="bg1"/>
+                </a:solidFill>
+              </a:rPr>
+              <a:t>positions</a:t>
+            </a:r>
+            <a:r>
+              <a:rPr lang="nl-NL" sz="2400" b="1" dirty="0">
+                <a:solidFill>
+                  <a:schemeClr val="bg1"/>
+                </a:solidFill>
+              </a:rPr>
+              <a:t> </a:t>
+            </a:r>
+            <a:r>
+              <a:rPr lang="nl-NL" sz="2400" b="1" dirty="0" err="1">
+                <a:solidFill>
+                  <a:schemeClr val="bg1"/>
+                </a:solidFill>
+              </a:rPr>
+              <a:t>higher</a:t>
+            </a:r>
+            <a:r>
+              <a:rPr lang="nl-NL" sz="2400" b="1" dirty="0">
+                <a:solidFill>
+                  <a:schemeClr val="bg1"/>
+                </a:solidFill>
+              </a:rPr>
+              <a:t> in </a:t>
+            </a:r>
+            <a:r>
+              <a:rPr lang="nl-NL" sz="2400" b="1" dirty="0" err="1">
+                <a:solidFill>
+                  <a:schemeClr val="bg1"/>
+                </a:solidFill>
+              </a:rPr>
+              <a:t>the</a:t>
+            </a:r>
+            <a:r>
+              <a:rPr lang="nl-NL" sz="2400" b="1" dirty="0">
+                <a:solidFill>
+                  <a:schemeClr val="bg1"/>
+                </a:solidFill>
+              </a:rPr>
+              <a:t> </a:t>
+            </a:r>
+            <a:r>
+              <a:rPr lang="nl-NL" sz="2400" b="1" dirty="0" err="1">
+                <a:solidFill>
+                  <a:schemeClr val="bg1"/>
+                </a:solidFill>
+              </a:rPr>
+              <a:t>alphabet</a:t>
+            </a:r>
+            <a:endParaRPr lang="nl-NL" sz="2400" b="1" dirty="0">
+              <a:solidFill>
+                <a:schemeClr val="bg1"/>
+              </a:solidFill>
+            </a:endParaRPr>
           </a:p>
           <a:p>
-            <a:pPr marL="914400" lvl="1" indent="-457200">
+            <a:pPr marL="457200" indent="-457200">
               <a:buFont typeface="Arial" panose="020B0604020202020204" pitchFamily="34" charset="0"/>
               <a:buChar char="•"/>
             </a:pPr>
@@ -19874,38 +20646,30 @@
                 <a:solidFill>
                   <a:schemeClr val="bg1"/>
                 </a:solidFill>
-                <a:latin typeface="Consolas" panose="020B0609020204030204" pitchFamily="49" charset="0"/>
-                <a:cs typeface="Consolas" panose="020B0609020204030204" pitchFamily="49" charset="0"/>
-              </a:rPr>
-              <a:t>Convert</a:t>
+              </a:rPr>
+              <a:t>Example</a:t>
             </a:r>
             <a:r>
               <a:rPr lang="nl-NL" sz="2400" b="1" dirty="0">
                 <a:solidFill>
                   <a:schemeClr val="bg1"/>
                 </a:solidFill>
-                <a:latin typeface="Consolas" panose="020B0609020204030204" pitchFamily="49" charset="0"/>
-                <a:cs typeface="Consolas" panose="020B0609020204030204" pitchFamily="49" charset="0"/>
-              </a:rPr>
-              <a:t> letters </a:t>
+              </a:rPr>
+              <a:t>: ”</a:t>
             </a:r>
             <a:r>
               <a:rPr lang="nl-NL" sz="2400" b="1" dirty="0" err="1">
                 <a:solidFill>
                   <a:schemeClr val="bg1"/>
                 </a:solidFill>
-                <a:latin typeface="Consolas" panose="020B0609020204030204" pitchFamily="49" charset="0"/>
-                <a:cs typeface="Consolas" panose="020B0609020204030204" pitchFamily="49" charset="0"/>
-              </a:rPr>
-              <a:t>to</a:t>
+              </a:rPr>
+              <a:t>Example</a:t>
             </a:r>
             <a:r>
               <a:rPr lang="nl-NL" sz="2400" b="1" dirty="0">
                 <a:solidFill>
                   <a:schemeClr val="bg1"/>
                 </a:solidFill>
-                <a:latin typeface="Consolas" panose="020B0609020204030204" pitchFamily="49" charset="0"/>
-                <a:cs typeface="Consolas" panose="020B0609020204030204" pitchFamily="49" charset="0"/>
               </a:rPr>
               <a:t> </a:t>
             </a:r>
@@ -19914,58 +20678,46 @@
                 <a:solidFill>
                   <a:schemeClr val="bg1"/>
                 </a:solidFill>
-                <a:latin typeface="Consolas" panose="020B0609020204030204" pitchFamily="49" charset="0"/>
-                <a:cs typeface="Consolas" panose="020B0609020204030204" pitchFamily="49" charset="0"/>
-              </a:rPr>
-              <a:t>their</a:t>
+              </a:rPr>
+              <a:t>text</a:t>
             </a:r>
             <a:r>
               <a:rPr lang="nl-NL" sz="2400" b="1" dirty="0">
                 <a:solidFill>
                   <a:schemeClr val="bg1"/>
                 </a:solidFill>
-                <a:latin typeface="Consolas" panose="020B0609020204030204" pitchFamily="49" charset="0"/>
-                <a:cs typeface="Consolas" panose="020B0609020204030204" pitchFamily="49" charset="0"/>
-              </a:rPr>
-              <a:t> ASCII </a:t>
+              </a:rPr>
+              <a:t>” </a:t>
             </a:r>
             <a:r>
               <a:rPr lang="nl-NL" sz="2400" b="1" dirty="0" err="1">
                 <a:solidFill>
                   <a:schemeClr val="bg1"/>
                 </a:solidFill>
-                <a:latin typeface="Consolas" panose="020B0609020204030204" pitchFamily="49" charset="0"/>
-                <a:cs typeface="Consolas" panose="020B0609020204030204" pitchFamily="49" charset="0"/>
-              </a:rPr>
-              <a:t>value</a:t>
+              </a:rPr>
+              <a:t>becomes</a:t>
             </a:r>
             <a:r>
               <a:rPr lang="nl-NL" sz="2400" b="1" dirty="0">
                 <a:solidFill>
                   <a:schemeClr val="bg1"/>
                 </a:solidFill>
-                <a:latin typeface="Consolas" panose="020B0609020204030204" pitchFamily="49" charset="0"/>
-                <a:cs typeface="Consolas" panose="020B0609020204030204" pitchFamily="49" charset="0"/>
-              </a:rPr>
-              <a:t> </a:t>
+              </a:rPr>
+              <a:t> ”</a:t>
             </a:r>
             <a:r>
               <a:rPr lang="nl-NL" sz="2400" b="1" dirty="0" err="1">
                 <a:solidFill>
                   <a:schemeClr val="bg1"/>
                 </a:solidFill>
-                <a:latin typeface="Consolas" panose="020B0609020204030204" pitchFamily="49" charset="0"/>
-                <a:cs typeface="Consolas" panose="020B0609020204030204" pitchFamily="49" charset="0"/>
-              </a:rPr>
-              <a:t>with</a:t>
+              </a:rPr>
+              <a:t>Gzcorng</a:t>
             </a:r>
             <a:r>
               <a:rPr lang="nl-NL" sz="2400" b="1" dirty="0">
                 <a:solidFill>
                   <a:schemeClr val="bg1"/>
                 </a:solidFill>
-                <a:latin typeface="Consolas" panose="020B0609020204030204" pitchFamily="49" charset="0"/>
-                <a:cs typeface="Consolas" panose="020B0609020204030204" pitchFamily="49" charset="0"/>
               </a:rPr>
               <a:t> </a:t>
             </a:r>
@@ -19974,109 +20726,17 @@
                 <a:solidFill>
                   <a:schemeClr val="bg1"/>
                 </a:solidFill>
-                <a:latin typeface="Consolas" panose="020B0609020204030204" pitchFamily="49" charset="0"/>
-                <a:cs typeface="Consolas" panose="020B0609020204030204" pitchFamily="49" charset="0"/>
-              </a:rPr>
-              <a:t>ord</a:t>
+              </a:rPr>
+              <a:t>vgzv</a:t>
             </a:r>
             <a:r>
               <a:rPr lang="nl-NL" sz="2400" b="1" dirty="0">
                 <a:solidFill>
                   <a:schemeClr val="bg1"/>
                 </a:solidFill>
-                <a:latin typeface="Consolas" panose="020B0609020204030204" pitchFamily="49" charset="0"/>
-                <a:cs typeface="Consolas" panose="020B0609020204030204" pitchFamily="49" charset="0"/>
-              </a:rPr>
-              <a:t>()</a:t>
-            </a:r>
-          </a:p>
-          <a:p>
-            <a:pPr marL="914400" lvl="1" indent="-457200">
-              <a:buFont typeface="Arial" panose="020B0604020202020204" pitchFamily="34" charset="0"/>
-              <a:buChar char="•"/>
-            </a:pPr>
-            <a:r>
-              <a:rPr lang="nl-NL" sz="2400" b="1" dirty="0" err="1">
-                <a:solidFill>
-                  <a:schemeClr val="bg1"/>
-                </a:solidFill>
-                <a:latin typeface="Consolas" panose="020B0609020204030204" pitchFamily="49" charset="0"/>
-                <a:cs typeface="Consolas" panose="020B0609020204030204" pitchFamily="49" charset="0"/>
-              </a:rPr>
-              <a:t>Convert</a:t>
-            </a:r>
-            <a:r>
-              <a:rPr lang="nl-NL" sz="2400" b="1" dirty="0">
-                <a:solidFill>
-                  <a:schemeClr val="bg1"/>
-                </a:solidFill>
-                <a:latin typeface="Consolas" panose="020B0609020204030204" pitchFamily="49" charset="0"/>
-                <a:cs typeface="Consolas" panose="020B0609020204030204" pitchFamily="49" charset="0"/>
-              </a:rPr>
-              <a:t> </a:t>
-            </a:r>
-            <a:r>
-              <a:rPr lang="nl-NL" sz="2400" b="1" dirty="0" err="1">
-                <a:solidFill>
-                  <a:schemeClr val="bg1"/>
-                </a:solidFill>
-                <a:latin typeface="Consolas" panose="020B0609020204030204" pitchFamily="49" charset="0"/>
-                <a:cs typeface="Consolas" panose="020B0609020204030204" pitchFamily="49" charset="0"/>
-              </a:rPr>
-              <a:t>them</a:t>
-            </a:r>
-            <a:r>
-              <a:rPr lang="nl-NL" sz="2400" b="1" dirty="0">
-                <a:solidFill>
-                  <a:schemeClr val="bg1"/>
-                </a:solidFill>
-                <a:latin typeface="Consolas" panose="020B0609020204030204" pitchFamily="49" charset="0"/>
-                <a:cs typeface="Consolas" panose="020B0609020204030204" pitchFamily="49" charset="0"/>
-              </a:rPr>
-              <a:t> back </a:t>
-            </a:r>
-            <a:r>
-              <a:rPr lang="nl-NL" sz="2400" b="1" dirty="0" err="1">
-                <a:solidFill>
-                  <a:schemeClr val="bg1"/>
-                </a:solidFill>
-                <a:latin typeface="Consolas" panose="020B0609020204030204" pitchFamily="49" charset="0"/>
-                <a:cs typeface="Consolas" panose="020B0609020204030204" pitchFamily="49" charset="0"/>
-              </a:rPr>
-              <a:t>with</a:t>
-            </a:r>
-            <a:r>
-              <a:rPr lang="nl-NL" sz="2400" b="1" dirty="0">
-                <a:solidFill>
-                  <a:schemeClr val="bg1"/>
-                </a:solidFill>
-                <a:latin typeface="Consolas" panose="020B0609020204030204" pitchFamily="49" charset="0"/>
-                <a:cs typeface="Consolas" panose="020B0609020204030204" pitchFamily="49" charset="0"/>
-              </a:rPr>
-              <a:t> </a:t>
-            </a:r>
-            <a:r>
-              <a:rPr lang="nl-NL" sz="2400" b="1" dirty="0" err="1">
-                <a:solidFill>
-                  <a:schemeClr val="bg1"/>
-                </a:solidFill>
-                <a:latin typeface="Consolas" panose="020B0609020204030204" pitchFamily="49" charset="0"/>
-                <a:cs typeface="Consolas" panose="020B0609020204030204" pitchFamily="49" charset="0"/>
-              </a:rPr>
-              <a:t>chr</a:t>
-            </a:r>
-            <a:r>
-              <a:rPr lang="nl-NL" sz="2400" b="1" dirty="0">
-                <a:solidFill>
-                  <a:schemeClr val="bg1"/>
-                </a:solidFill>
-                <a:latin typeface="Consolas" panose="020B0609020204030204" pitchFamily="49" charset="0"/>
-                <a:cs typeface="Consolas" panose="020B0609020204030204" pitchFamily="49" charset="0"/>
-              </a:rPr>
-              <a:t>()</a:t>
-            </a:r>
-          </a:p>
-          <a:p>
+              </a:rPr>
+              <a:t>”</a:t>
+            </a:r>
             <a:endParaRPr lang="en" sz="2400" b="1" dirty="0">
               <a:solidFill>
                 <a:schemeClr val="bg1"/>
@@ -20118,7 +20778,7 @@
     </p:spTree>
     <p:extLst>
       <p:ext uri="{BB962C8B-B14F-4D97-AF65-F5344CB8AC3E}">
-        <p14:creationId xmlns:p14="http://schemas.microsoft.com/office/powerpoint/2010/main" val="1019174389"/>
+        <p14:creationId xmlns:p14="http://schemas.microsoft.com/office/powerpoint/2010/main" val="935237224"/>
       </p:ext>
     </p:extLst>
   </p:cSld>
@@ -20190,7 +20850,7 @@
                   <a:schemeClr val="bg1"/>
                 </a:solidFill>
               </a:rPr>
-              <a:t>Assignment</a:t>
+              <a:t>Learnings</a:t>
             </a:r>
             <a:r>
               <a:rPr lang="nl-NL" dirty="0">
@@ -20198,39 +20858,7 @@
                   <a:schemeClr val="bg1"/>
                 </a:solidFill>
               </a:rPr>
-              <a:t> 3 - </a:t>
-            </a:r>
-            <a:r>
-              <a:rPr lang="nl-NL" dirty="0" err="1">
-                <a:solidFill>
-                  <a:schemeClr val="bg1"/>
-                </a:solidFill>
-              </a:rPr>
-              <a:t>rocket</a:t>
-            </a:r>
-            <a:r>
-              <a:rPr lang="nl-NL" dirty="0">
-                <a:solidFill>
-                  <a:schemeClr val="bg1"/>
-                </a:solidFill>
-              </a:rPr>
-              <a:t> </a:t>
-            </a:r>
-            <a:r>
-              <a:rPr lang="nl-NL" dirty="0" err="1">
-                <a:solidFill>
-                  <a:schemeClr val="bg1"/>
-                </a:solidFill>
-              </a:rPr>
-              <a:t>equation</a:t>
-            </a:r>
-            <a:r>
-              <a:rPr lang="nl-NL" dirty="0">
-                <a:solidFill>
-                  <a:schemeClr val="bg1"/>
-                </a:solidFill>
-              </a:rPr>
-              <a:t> </a:t>
+              <a:t> 2</a:t>
             </a:r>
           </a:p>
         </p:txBody>
@@ -20249,8 +20877,8 @@
         </p:nvSpPr>
         <p:spPr>
           <a:xfrm>
-            <a:off x="820952" y="1656522"/>
-            <a:ext cx="10244127" cy="4154984"/>
+            <a:off x="811012" y="1769201"/>
+            <a:ext cx="9482279" cy="1569660"/>
           </a:xfrm>
           <a:prstGeom prst="rect">
             <a:avLst/>
@@ -20263,200 +20891,281 @@
           </a:bodyPr>
           <a:lstStyle/>
           <a:p>
-            <a:r>
-              <a:rPr lang="en" sz="2400" b="1" dirty="0">
+            <a:pPr marL="457200" indent="-457200">
+              <a:buFont typeface="Arial" panose="020B0604020202020204" pitchFamily="34" charset="0"/>
+              <a:buChar char="•"/>
+            </a:pPr>
+            <a:r>
+              <a:rPr lang="nl-NL" sz="2400" b="1" dirty="0" err="1">
                 <a:solidFill>
                   <a:schemeClr val="bg1"/>
                 </a:solidFill>
                 <a:latin typeface="Consolas" panose="020B0609020204030204" pitchFamily="49" charset="0"/>
                 <a:cs typeface="Consolas" panose="020B0609020204030204" pitchFamily="49" charset="0"/>
               </a:rPr>
-              <a:t>If you launch a something into space you need fuel. The higher the mass the more fuel you need. </a:t>
-            </a:r>
-            <a:r>
-              <a:rPr lang="nl-NL" sz="2400" b="1" dirty="0" err="1">
+              <a:t>What</a:t>
+            </a:r>
+            <a:r>
+              <a:rPr lang="nl-NL" sz="2400" b="1" dirty="0">
                 <a:solidFill>
                   <a:schemeClr val="bg1"/>
                 </a:solidFill>
                 <a:latin typeface="Consolas" panose="020B0609020204030204" pitchFamily="49" charset="0"/>
                 <a:cs typeface="Consolas" panose="020B0609020204030204" pitchFamily="49" charset="0"/>
               </a:rPr>
-              <a:t>To</a:t>
-            </a:r>
-            <a:r>
-              <a:rPr lang="nl-NL" sz="2400" b="1" dirty="0">
+              <a:t> </a:t>
+            </a:r>
+            <a:r>
+              <a:rPr lang="nl-NL" sz="2400" b="1" dirty="0" err="1">
                 <a:solidFill>
                   <a:schemeClr val="bg1"/>
                 </a:solidFill>
                 <a:latin typeface="Consolas" panose="020B0609020204030204" pitchFamily="49" charset="0"/>
                 <a:cs typeface="Consolas" panose="020B0609020204030204" pitchFamily="49" charset="0"/>
               </a:rPr>
-              <a:t> </a:t>
-            </a:r>
-            <a:r>
-              <a:rPr lang="nl-NL" sz="2400" b="1" dirty="0" err="1">
+              <a:t>did</a:t>
+            </a:r>
+            <a:r>
+              <a:rPr lang="nl-NL" sz="2400" b="1" dirty="0">
                 <a:solidFill>
                   <a:schemeClr val="bg1"/>
                 </a:solidFill>
                 <a:latin typeface="Consolas" panose="020B0609020204030204" pitchFamily="49" charset="0"/>
                 <a:cs typeface="Consolas" panose="020B0609020204030204" pitchFamily="49" charset="0"/>
               </a:rPr>
-              <a:t>find</a:t>
-            </a:r>
-            <a:r>
-              <a:rPr lang="nl-NL" sz="2400" b="1" dirty="0">
+              <a:t> we </a:t>
+            </a:r>
+            <a:r>
+              <a:rPr lang="nl-NL" sz="2400" b="1" dirty="0" err="1">
                 <a:solidFill>
                   <a:schemeClr val="bg1"/>
                 </a:solidFill>
                 <a:latin typeface="Consolas" panose="020B0609020204030204" pitchFamily="49" charset="0"/>
                 <a:cs typeface="Consolas" panose="020B0609020204030204" pitchFamily="49" charset="0"/>
               </a:rPr>
-              <a:t> </a:t>
-            </a:r>
-            <a:r>
-              <a:rPr lang="nl-NL" sz="2400" b="1" dirty="0" err="1">
+              <a:t>learn</a:t>
+            </a:r>
+            <a:r>
+              <a:rPr lang="nl-NL" sz="2400" b="1" dirty="0">
                 <a:solidFill>
                   <a:schemeClr val="bg1"/>
                 </a:solidFill>
                 <a:latin typeface="Consolas" panose="020B0609020204030204" pitchFamily="49" charset="0"/>
                 <a:cs typeface="Consolas" panose="020B0609020204030204" pitchFamily="49" charset="0"/>
               </a:rPr>
-              <a:t>the</a:t>
-            </a:r>
-            <a:r>
-              <a:rPr lang="nl-NL" sz="2400" b="1" dirty="0">
+              <a:t>?</a:t>
+            </a:r>
+          </a:p>
+          <a:p>
+            <a:pPr marL="914400" lvl="1" indent="-457200">
+              <a:buFont typeface="Arial" panose="020B0604020202020204" pitchFamily="34" charset="0"/>
+              <a:buChar char="•"/>
+            </a:pPr>
+            <a:r>
+              <a:rPr lang="nl-NL" sz="2400" b="1" dirty="0" err="1">
                 <a:solidFill>
                   <a:schemeClr val="bg1"/>
                 </a:solidFill>
                 <a:latin typeface="Consolas" panose="020B0609020204030204" pitchFamily="49" charset="0"/>
                 <a:cs typeface="Consolas" panose="020B0609020204030204" pitchFamily="49" charset="0"/>
               </a:rPr>
-              <a:t> </a:t>
-            </a:r>
-            <a:r>
-              <a:rPr lang="nl-NL" sz="2400" b="1" dirty="0" err="1">
+              <a:t>Convert</a:t>
+            </a:r>
+            <a:r>
+              <a:rPr lang="nl-NL" sz="2400" b="1" dirty="0">
                 <a:solidFill>
                   <a:schemeClr val="bg1"/>
                 </a:solidFill>
                 <a:latin typeface="Consolas" panose="020B0609020204030204" pitchFamily="49" charset="0"/>
                 <a:cs typeface="Consolas" panose="020B0609020204030204" pitchFamily="49" charset="0"/>
               </a:rPr>
-              <a:t>fuel</a:t>
-            </a:r>
-            <a:r>
-              <a:rPr lang="nl-NL" sz="2400" b="1" dirty="0">
+              <a:t> letters </a:t>
+            </a:r>
+            <a:r>
+              <a:rPr lang="nl-NL" sz="2400" b="1" dirty="0" err="1">
                 <a:solidFill>
                   <a:schemeClr val="bg1"/>
                 </a:solidFill>
                 <a:latin typeface="Consolas" panose="020B0609020204030204" pitchFamily="49" charset="0"/>
                 <a:cs typeface="Consolas" panose="020B0609020204030204" pitchFamily="49" charset="0"/>
               </a:rPr>
-              <a:t> </a:t>
-            </a:r>
-            <a:r>
-              <a:rPr lang="nl-NL" sz="2400" b="1" dirty="0" err="1">
+              <a:t>to</a:t>
+            </a:r>
+            <a:r>
+              <a:rPr lang="nl-NL" sz="2400" b="1" dirty="0">
                 <a:solidFill>
                   <a:schemeClr val="bg1"/>
                 </a:solidFill>
                 <a:latin typeface="Consolas" panose="020B0609020204030204" pitchFamily="49" charset="0"/>
                 <a:cs typeface="Consolas" panose="020B0609020204030204" pitchFamily="49" charset="0"/>
               </a:rPr>
-              <a:t>for</a:t>
-            </a:r>
-            <a:r>
-              <a:rPr lang="nl-NL" sz="2400" b="1" dirty="0">
+              <a:t> </a:t>
+            </a:r>
+            <a:r>
+              <a:rPr lang="nl-NL" sz="2400" b="1" dirty="0" err="1">
                 <a:solidFill>
                   <a:schemeClr val="bg1"/>
                 </a:solidFill>
                 <a:latin typeface="Consolas" panose="020B0609020204030204" pitchFamily="49" charset="0"/>
                 <a:cs typeface="Consolas" panose="020B0609020204030204" pitchFamily="49" charset="0"/>
               </a:rPr>
-              <a:t> </a:t>
-            </a:r>
-            <a:r>
-              <a:rPr lang="nl-NL" sz="2400" b="1" dirty="0" err="1">
+              <a:t>their</a:t>
+            </a:r>
+            <a:r>
+              <a:rPr lang="nl-NL" sz="2400" b="1" dirty="0">
                 <a:solidFill>
                   <a:schemeClr val="bg1"/>
                 </a:solidFill>
                 <a:latin typeface="Consolas" panose="020B0609020204030204" pitchFamily="49" charset="0"/>
                 <a:cs typeface="Consolas" panose="020B0609020204030204" pitchFamily="49" charset="0"/>
               </a:rPr>
-              <a:t>this</a:t>
-            </a:r>
-            <a:r>
-              <a:rPr lang="nl-NL" sz="2400" b="1" dirty="0">
+              <a:t> ASCII </a:t>
+            </a:r>
+            <a:r>
+              <a:rPr lang="nl-NL" sz="2400" b="1" dirty="0" err="1">
                 <a:solidFill>
                   <a:schemeClr val="bg1"/>
                 </a:solidFill>
                 <a:latin typeface="Consolas" panose="020B0609020204030204" pitchFamily="49" charset="0"/>
                 <a:cs typeface="Consolas" panose="020B0609020204030204" pitchFamily="49" charset="0"/>
               </a:rPr>
-              <a:t> </a:t>
-            </a:r>
-            <a:r>
-              <a:rPr lang="nl-NL" sz="2400" b="1" dirty="0" err="1">
+              <a:t>value</a:t>
+            </a:r>
+            <a:r>
+              <a:rPr lang="nl-NL" sz="2400" b="1" dirty="0">
                 <a:solidFill>
                   <a:schemeClr val="bg1"/>
                 </a:solidFill>
                 <a:latin typeface="Consolas" panose="020B0609020204030204" pitchFamily="49" charset="0"/>
                 <a:cs typeface="Consolas" panose="020B0609020204030204" pitchFamily="49" charset="0"/>
               </a:rPr>
-              <a:t>assignment</a:t>
-            </a:r>
-            <a:r>
-              <a:rPr lang="en-US" sz="2400" b="1" dirty="0">
+              <a:t> </a:t>
+            </a:r>
+            <a:r>
+              <a:rPr lang="nl-NL" sz="2400" b="1" dirty="0" err="1">
                 <a:solidFill>
                   <a:schemeClr val="bg1"/>
                 </a:solidFill>
                 <a:latin typeface="Consolas" panose="020B0609020204030204" pitchFamily="49" charset="0"/>
                 <a:cs typeface="Consolas" panose="020B0609020204030204" pitchFamily="49" charset="0"/>
               </a:rPr>
-              <a:t> take its mass, divide by three, round down, and subtract 2.</a:t>
+              <a:t>with</a:t>
+            </a:r>
+            <a:r>
+              <a:rPr lang="nl-NL" sz="2400" b="1" dirty="0">
+                <a:solidFill>
+                  <a:schemeClr val="bg1"/>
+                </a:solidFill>
+                <a:latin typeface="Consolas" panose="020B0609020204030204" pitchFamily="49" charset="0"/>
+                <a:cs typeface="Consolas" panose="020B0609020204030204" pitchFamily="49" charset="0"/>
+              </a:rPr>
+              <a:t> </a:t>
+            </a:r>
+            <a:r>
+              <a:rPr lang="nl-NL" sz="2400" b="1" i="1" dirty="0" err="1">
+                <a:solidFill>
+                  <a:schemeClr val="bg1"/>
+                </a:solidFill>
+                <a:latin typeface="Consolas" panose="020B0609020204030204" pitchFamily="49" charset="0"/>
+                <a:cs typeface="Consolas" panose="020B0609020204030204" pitchFamily="49" charset="0"/>
+              </a:rPr>
+              <a:t>ord</a:t>
+            </a:r>
+            <a:r>
+              <a:rPr lang="nl-NL" sz="2400" b="1" i="1" dirty="0">
+                <a:solidFill>
+                  <a:schemeClr val="bg1"/>
+                </a:solidFill>
+                <a:latin typeface="Consolas" panose="020B0609020204030204" pitchFamily="49" charset="0"/>
+                <a:cs typeface="Consolas" panose="020B0609020204030204" pitchFamily="49" charset="0"/>
+              </a:rPr>
+              <a:t>()</a:t>
             </a:r>
           </a:p>
           <a:p>
-            <a:r>
-              <a:rPr lang="en-US" sz="2400" b="1" dirty="0">
+            <a:pPr marL="914400" lvl="1" indent="-457200">
+              <a:buFont typeface="Arial" panose="020B0604020202020204" pitchFamily="34" charset="0"/>
+              <a:buChar char="•"/>
+            </a:pPr>
+            <a:r>
+              <a:rPr lang="nl-NL" sz="2400" b="1" dirty="0" err="1">
                 <a:solidFill>
                   <a:schemeClr val="bg1"/>
                 </a:solidFill>
                 <a:latin typeface="Consolas" panose="020B0609020204030204" pitchFamily="49" charset="0"/>
                 <a:cs typeface="Consolas" panose="020B0609020204030204" pitchFamily="49" charset="0"/>
               </a:rPr>
-              <a:t>Example: For a mass of 1969, the fuel required is 654</a:t>
-            </a:r>
-          </a:p>
-          <a:p>
-            <a:endParaRPr lang="en-US" sz="2400" b="1" dirty="0">
-              <a:solidFill>
-                <a:schemeClr val="bg1"/>
-              </a:solidFill>
-              <a:latin typeface="Consolas" panose="020B0609020204030204" pitchFamily="49" charset="0"/>
-              <a:cs typeface="Consolas" panose="020B0609020204030204" pitchFamily="49" charset="0"/>
-            </a:endParaRPr>
-          </a:p>
-          <a:p>
-            <a:r>
-              <a:rPr lang="en" sz="2400" b="1" dirty="0">
+              <a:t>Convert</a:t>
+            </a:r>
+            <a:r>
+              <a:rPr lang="nl-NL" sz="2400" b="1" dirty="0">
                 <a:solidFill>
                   <a:schemeClr val="bg1"/>
                 </a:solidFill>
                 <a:latin typeface="Consolas" panose="020B0609020204030204" pitchFamily="49" charset="0"/>
                 <a:cs typeface="Consolas" panose="020B0609020204030204" pitchFamily="49" charset="0"/>
               </a:rPr>
-              <a:t>However the fuel also has mass itself, which requires fuel to get it in the air. So the total you need is: </a:t>
-            </a:r>
-          </a:p>
-          <a:p>
-            <a:r>
-              <a:rPr lang="en" sz="2400" b="1" dirty="0">
+              <a:t> </a:t>
+            </a:r>
+            <a:r>
+              <a:rPr lang="nl-NL" sz="2400" b="1" dirty="0" err="1">
                 <a:solidFill>
                   <a:schemeClr val="bg1"/>
                 </a:solidFill>
                 <a:latin typeface="Consolas" panose="020B0609020204030204" pitchFamily="49" charset="0"/>
                 <a:cs typeface="Consolas" panose="020B0609020204030204" pitchFamily="49" charset="0"/>
               </a:rPr>
-              <a:t>654 + 216 + 70 + 21 + 5 = 966 fuel</a:t>
+              <a:t>them</a:t>
+            </a:r>
+            <a:r>
+              <a:rPr lang="nl-NL" sz="2400" b="1" dirty="0">
+                <a:solidFill>
+                  <a:schemeClr val="bg1"/>
+                </a:solidFill>
+                <a:latin typeface="Consolas" panose="020B0609020204030204" pitchFamily="49" charset="0"/>
+                <a:cs typeface="Consolas" panose="020B0609020204030204" pitchFamily="49" charset="0"/>
+              </a:rPr>
+              <a:t> back </a:t>
+            </a:r>
+            <a:r>
+              <a:rPr lang="nl-NL" sz="2400" b="1" dirty="0" err="1">
+                <a:solidFill>
+                  <a:schemeClr val="bg1"/>
+                </a:solidFill>
+                <a:latin typeface="Consolas" panose="020B0609020204030204" pitchFamily="49" charset="0"/>
+                <a:cs typeface="Consolas" panose="020B0609020204030204" pitchFamily="49" charset="0"/>
+              </a:rPr>
+              <a:t>with</a:t>
+            </a:r>
+            <a:r>
+              <a:rPr lang="nl-NL" sz="2400" b="1" dirty="0">
+                <a:solidFill>
+                  <a:schemeClr val="bg1"/>
+                </a:solidFill>
+                <a:latin typeface="Consolas" panose="020B0609020204030204" pitchFamily="49" charset="0"/>
+                <a:cs typeface="Consolas" panose="020B0609020204030204" pitchFamily="49" charset="0"/>
+              </a:rPr>
+              <a:t> </a:t>
+            </a:r>
+            <a:r>
+              <a:rPr lang="nl-NL" sz="2400" b="1" i="1" dirty="0" err="1">
+                <a:solidFill>
+                  <a:schemeClr val="bg1"/>
+                </a:solidFill>
+                <a:latin typeface="Consolas" panose="020B0609020204030204" pitchFamily="49" charset="0"/>
+                <a:cs typeface="Consolas" panose="020B0609020204030204" pitchFamily="49" charset="0"/>
+              </a:rPr>
+              <a:t>chr</a:t>
+            </a:r>
+            <a:r>
+              <a:rPr lang="nl-NL" sz="2400" b="1" i="1" dirty="0">
+                <a:solidFill>
+                  <a:schemeClr val="bg1"/>
+                </a:solidFill>
+                <a:latin typeface="Consolas" panose="020B0609020204030204" pitchFamily="49" charset="0"/>
+                <a:cs typeface="Consolas" panose="020B0609020204030204" pitchFamily="49" charset="0"/>
+              </a:rPr>
+              <a:t>()</a:t>
             </a:r>
           </a:p>
           <a:p>
@@ -20464,21 +21173,7 @@
               <a:solidFill>
                 <a:schemeClr val="bg1"/>
               </a:solidFill>
-              <a:latin typeface="Consolas" panose="020B0609020204030204" pitchFamily="49" charset="0"/>
-              <a:cs typeface="Consolas" panose="020B0609020204030204" pitchFamily="49" charset="0"/>
             </a:endParaRPr>
-          </a:p>
-          <a:p>
-            <a:r>
-              <a:rPr lang="en" sz="2400" b="1" dirty="0">
-                <a:solidFill>
-                  <a:schemeClr val="bg1"/>
-                </a:solidFill>
-                <a:latin typeface="Consolas" panose="020B0609020204030204" pitchFamily="49" charset="0"/>
-                <a:cs typeface="Consolas" panose="020B0609020204030204" pitchFamily="49" charset="0"/>
-              </a:rPr>
-              <a:t>What is the sum of the fuel requirements in the list?</a:t>
-            </a:r>
           </a:p>
         </p:txBody>
       </p:sp>
@@ -20515,7 +21210,7 @@
     </p:spTree>
     <p:extLst>
       <p:ext uri="{BB962C8B-B14F-4D97-AF65-F5344CB8AC3E}">
-        <p14:creationId xmlns:p14="http://schemas.microsoft.com/office/powerpoint/2010/main" val="2831782552"/>
+        <p14:creationId xmlns:p14="http://schemas.microsoft.com/office/powerpoint/2010/main" val="1019174389"/>
       </p:ext>
     </p:extLst>
   </p:cSld>
@@ -20582,12 +21277,20 @@
           <a:lstStyle/>
           <a:p>
             <a:r>
+              <a:rPr lang="nl-NL" dirty="0" err="1">
+                <a:solidFill>
+                  <a:schemeClr val="bg1"/>
+                </a:solidFill>
+              </a:rPr>
+              <a:t>Assignment</a:t>
+            </a:r>
+            <a:r>
               <a:rPr lang="nl-NL" dirty="0">
                 <a:solidFill>
                   <a:schemeClr val="bg1"/>
                 </a:solidFill>
               </a:rPr>
-              <a:t>Take </a:t>
+              <a:t> 3 - </a:t>
             </a:r>
             <a:r>
               <a:rPr lang="nl-NL" dirty="0" err="1">
@@ -20595,7 +21298,7 @@
                   <a:schemeClr val="bg1"/>
                 </a:solidFill>
               </a:rPr>
-              <a:t>away</a:t>
+              <a:t>rocket</a:t>
             </a:r>
             <a:r>
               <a:rPr lang="nl-NL" dirty="0">
@@ -20603,7 +21306,7 @@
                   <a:schemeClr val="bg1"/>
                 </a:solidFill>
               </a:rPr>
-              <a:t> - 3 - </a:t>
+              <a:t> </a:t>
             </a:r>
             <a:r>
               <a:rPr lang="nl-NL" dirty="0" err="1">
@@ -20611,7 +21314,7 @@
                   <a:schemeClr val="bg1"/>
                 </a:solidFill>
               </a:rPr>
-              <a:t>rocket</a:t>
+              <a:t>equation</a:t>
             </a:r>
             <a:r>
               <a:rPr lang="nl-NL" dirty="0">
@@ -20621,19 +21324,6 @@
               </a:rPr>
               <a:t> </a:t>
             </a:r>
-            <a:r>
-              <a:rPr lang="nl-NL" dirty="0" err="1">
-                <a:solidFill>
-                  <a:schemeClr val="bg1"/>
-                </a:solidFill>
-              </a:rPr>
-              <a:t>equation</a:t>
-            </a:r>
-            <a:endParaRPr lang="nl-NL" dirty="0">
-              <a:solidFill>
-                <a:schemeClr val="bg1"/>
-              </a:solidFill>
-            </a:endParaRPr>
           </a:p>
         </p:txBody>
       </p:sp>
@@ -20651,8 +21341,8 @@
         </p:nvSpPr>
         <p:spPr>
           <a:xfrm>
-            <a:off x="811012" y="1769201"/>
-            <a:ext cx="9482279" cy="1938992"/>
+            <a:off x="820952" y="1656522"/>
+            <a:ext cx="10244127" cy="4154984"/>
           </a:xfrm>
           <a:prstGeom prst="rect">
             <a:avLst/>
@@ -20665,41 +21355,171 @@
           </a:bodyPr>
           <a:lstStyle/>
           <a:p>
-            <a:pPr marL="457200" indent="-457200">
-              <a:buFont typeface="Arial" panose="020B0604020202020204" pitchFamily="34" charset="0"/>
-              <a:buChar char="•"/>
-            </a:pPr>
-            <a:r>
-              <a:rPr lang="nl-NL" sz="2400" b="1" dirty="0" err="1">
+            <a:r>
+              <a:rPr lang="en" sz="2400" b="1" dirty="0">
                 <a:solidFill>
                   <a:schemeClr val="bg1"/>
                 </a:solidFill>
                 <a:latin typeface="Consolas" panose="020B0609020204030204" pitchFamily="49" charset="0"/>
                 <a:cs typeface="Consolas" panose="020B0609020204030204" pitchFamily="49" charset="0"/>
               </a:rPr>
-              <a:t>Recursive</a:t>
-            </a:r>
-            <a:r>
-              <a:rPr lang="nl-NL" sz="2400" b="1" dirty="0">
+              <a:t>If you launch a something into space you need fuel. The higher the mass the more fuel you need. </a:t>
+            </a:r>
+            <a:r>
+              <a:rPr lang="nl-NL" sz="2400" b="1" dirty="0" err="1">
                 <a:solidFill>
                   <a:schemeClr val="bg1"/>
                 </a:solidFill>
                 <a:latin typeface="Consolas" panose="020B0609020204030204" pitchFamily="49" charset="0"/>
                 <a:cs typeface="Consolas" panose="020B0609020204030204" pitchFamily="49" charset="0"/>
               </a:rPr>
-              <a:t> </a:t>
-            </a:r>
-            <a:r>
-              <a:rPr lang="nl-NL" sz="2400" b="1" dirty="0" err="1">
+              <a:t>To</a:t>
+            </a:r>
+            <a:r>
+              <a:rPr lang="nl-NL" sz="2400" b="1" dirty="0">
                 <a:solidFill>
                   <a:schemeClr val="bg1"/>
                 </a:solidFill>
                 <a:latin typeface="Consolas" panose="020B0609020204030204" pitchFamily="49" charset="0"/>
                 <a:cs typeface="Consolas" panose="020B0609020204030204" pitchFamily="49" charset="0"/>
               </a:rPr>
-              <a:t>functions</a:t>
-            </a:r>
-            <a:endParaRPr lang="nl-NL" sz="2400" b="1" dirty="0">
+              <a:t> </a:t>
+            </a:r>
+            <a:r>
+              <a:rPr lang="nl-NL" sz="2400" b="1" dirty="0" err="1">
+                <a:solidFill>
+                  <a:schemeClr val="bg1"/>
+                </a:solidFill>
+                <a:latin typeface="Consolas" panose="020B0609020204030204" pitchFamily="49" charset="0"/>
+                <a:cs typeface="Consolas" panose="020B0609020204030204" pitchFamily="49" charset="0"/>
+              </a:rPr>
+              <a:t>find</a:t>
+            </a:r>
+            <a:r>
+              <a:rPr lang="nl-NL" sz="2400" b="1" dirty="0">
+                <a:solidFill>
+                  <a:schemeClr val="bg1"/>
+                </a:solidFill>
+                <a:latin typeface="Consolas" panose="020B0609020204030204" pitchFamily="49" charset="0"/>
+                <a:cs typeface="Consolas" panose="020B0609020204030204" pitchFamily="49" charset="0"/>
+              </a:rPr>
+              <a:t> </a:t>
+            </a:r>
+            <a:r>
+              <a:rPr lang="nl-NL" sz="2400" b="1" dirty="0" err="1">
+                <a:solidFill>
+                  <a:schemeClr val="bg1"/>
+                </a:solidFill>
+                <a:latin typeface="Consolas" panose="020B0609020204030204" pitchFamily="49" charset="0"/>
+                <a:cs typeface="Consolas" panose="020B0609020204030204" pitchFamily="49" charset="0"/>
+              </a:rPr>
+              <a:t>the</a:t>
+            </a:r>
+            <a:r>
+              <a:rPr lang="nl-NL" sz="2400" b="1" dirty="0">
+                <a:solidFill>
+                  <a:schemeClr val="bg1"/>
+                </a:solidFill>
+                <a:latin typeface="Consolas" panose="020B0609020204030204" pitchFamily="49" charset="0"/>
+                <a:cs typeface="Consolas" panose="020B0609020204030204" pitchFamily="49" charset="0"/>
+              </a:rPr>
+              <a:t> </a:t>
+            </a:r>
+            <a:r>
+              <a:rPr lang="nl-NL" sz="2400" b="1" dirty="0" err="1">
+                <a:solidFill>
+                  <a:schemeClr val="bg1"/>
+                </a:solidFill>
+                <a:latin typeface="Consolas" panose="020B0609020204030204" pitchFamily="49" charset="0"/>
+                <a:cs typeface="Consolas" panose="020B0609020204030204" pitchFamily="49" charset="0"/>
+              </a:rPr>
+              <a:t>fuel</a:t>
+            </a:r>
+            <a:r>
+              <a:rPr lang="nl-NL" sz="2400" b="1" dirty="0">
+                <a:solidFill>
+                  <a:schemeClr val="bg1"/>
+                </a:solidFill>
+                <a:latin typeface="Consolas" panose="020B0609020204030204" pitchFamily="49" charset="0"/>
+                <a:cs typeface="Consolas" panose="020B0609020204030204" pitchFamily="49" charset="0"/>
+              </a:rPr>
+              <a:t> </a:t>
+            </a:r>
+            <a:r>
+              <a:rPr lang="nl-NL" sz="2400" b="1" dirty="0" err="1">
+                <a:solidFill>
+                  <a:schemeClr val="bg1"/>
+                </a:solidFill>
+                <a:latin typeface="Consolas" panose="020B0609020204030204" pitchFamily="49" charset="0"/>
+                <a:cs typeface="Consolas" panose="020B0609020204030204" pitchFamily="49" charset="0"/>
+              </a:rPr>
+              <a:t>for</a:t>
+            </a:r>
+            <a:r>
+              <a:rPr lang="nl-NL" sz="2400" b="1" dirty="0">
+                <a:solidFill>
+                  <a:schemeClr val="bg1"/>
+                </a:solidFill>
+                <a:latin typeface="Consolas" panose="020B0609020204030204" pitchFamily="49" charset="0"/>
+                <a:cs typeface="Consolas" panose="020B0609020204030204" pitchFamily="49" charset="0"/>
+              </a:rPr>
+              <a:t> </a:t>
+            </a:r>
+            <a:r>
+              <a:rPr lang="nl-NL" sz="2400" b="1" dirty="0" err="1">
+                <a:solidFill>
+                  <a:schemeClr val="bg1"/>
+                </a:solidFill>
+                <a:latin typeface="Consolas" panose="020B0609020204030204" pitchFamily="49" charset="0"/>
+                <a:cs typeface="Consolas" panose="020B0609020204030204" pitchFamily="49" charset="0"/>
+              </a:rPr>
+              <a:t>this</a:t>
+            </a:r>
+            <a:r>
+              <a:rPr lang="nl-NL" sz="2400" b="1" dirty="0">
+                <a:solidFill>
+                  <a:schemeClr val="bg1"/>
+                </a:solidFill>
+                <a:latin typeface="Consolas" panose="020B0609020204030204" pitchFamily="49" charset="0"/>
+                <a:cs typeface="Consolas" panose="020B0609020204030204" pitchFamily="49" charset="0"/>
+              </a:rPr>
+              <a:t> </a:t>
+            </a:r>
+            <a:r>
+              <a:rPr lang="nl-NL" sz="2400" b="1" dirty="0" err="1">
+                <a:solidFill>
+                  <a:schemeClr val="bg1"/>
+                </a:solidFill>
+                <a:latin typeface="Consolas" panose="020B0609020204030204" pitchFamily="49" charset="0"/>
+                <a:cs typeface="Consolas" panose="020B0609020204030204" pitchFamily="49" charset="0"/>
+              </a:rPr>
+              <a:t>assignment</a:t>
+            </a:r>
+            <a:r>
+              <a:rPr lang="en-US" sz="2400" b="1" dirty="0">
+                <a:solidFill>
+                  <a:schemeClr val="bg1"/>
+                </a:solidFill>
+                <a:latin typeface="Consolas" panose="020B0609020204030204" pitchFamily="49" charset="0"/>
+                <a:cs typeface="Consolas" panose="020B0609020204030204" pitchFamily="49" charset="0"/>
+              </a:rPr>
+              <a:t> take its mass, divide by three, round down, and subtract 2.</a:t>
+            </a:r>
+          </a:p>
+          <a:p>
+            <a:r>
+              <a:rPr lang="en-US" sz="2400" b="1" dirty="0">
+                <a:solidFill>
+                  <a:schemeClr val="bg1"/>
+                </a:solidFill>
+                <a:latin typeface="Consolas" panose="020B0609020204030204" pitchFamily="49" charset="0"/>
+                <a:cs typeface="Consolas" panose="020B0609020204030204" pitchFamily="49" charset="0"/>
+              </a:rPr>
+              <a:t>Example: For a mass of 1969, the fuel required is 654</a:t>
+            </a:r>
+          </a:p>
+          <a:p>
+            <a:endParaRPr lang="en-US" sz="2400" b="1" dirty="0">
               <a:solidFill>
                 <a:schemeClr val="bg1"/>
               </a:solidFill>
@@ -20708,31 +21528,31 @@
             </a:endParaRPr>
           </a:p>
           <a:p>
-            <a:pPr marL="457200" indent="-457200">
-              <a:buFont typeface="Arial" panose="020B0604020202020204" pitchFamily="34" charset="0"/>
-              <a:buChar char="•"/>
-            </a:pPr>
-            <a:r>
-              <a:rPr lang="nl-NL" sz="2400" b="1" dirty="0">
+            <a:r>
+              <a:rPr lang="en" sz="2400" b="1" dirty="0">
                 <a:solidFill>
                   <a:schemeClr val="bg1"/>
                 </a:solidFill>
                 <a:latin typeface="Consolas" panose="020B0609020204030204" pitchFamily="49" charset="0"/>
                 <a:cs typeface="Consolas" panose="020B0609020204030204" pitchFamily="49" charset="0"/>
               </a:rPr>
-              <a:t>Integer </a:t>
-            </a:r>
-            <a:r>
-              <a:rPr lang="nl-NL" sz="2400" b="1" dirty="0" err="1">
+              <a:t>However the fuel also has mass itself, which requires fuel to get it in the air. So the total you need is: </a:t>
+            </a:r>
+          </a:p>
+          <a:p>
+            <a:r>
+              <a:rPr lang="en" sz="2400" b="1" dirty="0">
                 <a:solidFill>
                   <a:schemeClr val="bg1"/>
                 </a:solidFill>
                 <a:latin typeface="Consolas" panose="020B0609020204030204" pitchFamily="49" charset="0"/>
                 <a:cs typeface="Consolas" panose="020B0609020204030204" pitchFamily="49" charset="0"/>
               </a:rPr>
-              <a:t>division</a:t>
-            </a:r>
-            <a:endParaRPr lang="nl-NL" sz="2400" b="1" dirty="0">
+              <a:t>654 + 216 + 70 + 21 + 5 = 966 fuel</a:t>
+            </a:r>
+          </a:p>
+          <a:p>
+            <a:endParaRPr lang="en" sz="2400" b="1" dirty="0">
               <a:solidFill>
                 <a:schemeClr val="bg1"/>
               </a:solidFill>
@@ -20741,57 +21561,16 @@
             </a:endParaRPr>
           </a:p>
           <a:p>
-            <a:pPr marL="457200" indent="-457200">
-              <a:buFont typeface="Arial" panose="020B0604020202020204" pitchFamily="34" charset="0"/>
-              <a:buChar char="•"/>
-            </a:pPr>
-            <a:r>
-              <a:rPr lang="nl-NL" sz="2400" b="1" dirty="0">
+            <a:r>
+              <a:rPr lang="en" sz="2400" b="1" dirty="0">
                 <a:solidFill>
                   <a:schemeClr val="bg1"/>
                 </a:solidFill>
                 <a:latin typeface="Consolas" panose="020B0609020204030204" pitchFamily="49" charset="0"/>
                 <a:cs typeface="Consolas" panose="020B0609020204030204" pitchFamily="49" charset="0"/>
               </a:rPr>
-              <a:t>list </a:t>
-            </a:r>
-            <a:r>
-              <a:rPr lang="nl-NL" sz="2400" b="1" dirty="0" err="1">
-                <a:solidFill>
-                  <a:schemeClr val="bg1"/>
-                </a:solidFill>
-                <a:latin typeface="Consolas" panose="020B0609020204030204" pitchFamily="49" charset="0"/>
-                <a:cs typeface="Consolas" panose="020B0609020204030204" pitchFamily="49" charset="0"/>
-              </a:rPr>
-              <a:t>comprehension</a:t>
-            </a:r>
-            <a:endParaRPr lang="nl-NL" sz="2400" b="1" dirty="0">
-              <a:solidFill>
-                <a:schemeClr val="bg1"/>
-              </a:solidFill>
-              <a:latin typeface="Consolas" panose="020B0609020204030204" pitchFamily="49" charset="0"/>
-              <a:cs typeface="Consolas" panose="020B0609020204030204" pitchFamily="49" charset="0"/>
-            </a:endParaRPr>
-          </a:p>
-          <a:p>
-            <a:pPr marL="457200" indent="-457200">
-              <a:buFont typeface="Arial" panose="020B0604020202020204" pitchFamily="34" charset="0"/>
-              <a:buChar char="•"/>
-            </a:pPr>
-            <a:endParaRPr lang="nl-NL" sz="2400" b="1" dirty="0">
-              <a:solidFill>
-                <a:schemeClr val="bg1"/>
-              </a:solidFill>
-              <a:latin typeface="Consolas" panose="020B0609020204030204" pitchFamily="49" charset="0"/>
-              <a:cs typeface="Consolas" panose="020B0609020204030204" pitchFamily="49" charset="0"/>
-            </a:endParaRPr>
-          </a:p>
-          <a:p>
-            <a:endParaRPr lang="en" sz="2400" b="1" dirty="0">
-              <a:solidFill>
-                <a:schemeClr val="bg1"/>
-              </a:solidFill>
-            </a:endParaRPr>
+              <a:t>What is the sum of the fuel requirements in the list?</a:t>
+            </a:r>
           </a:p>
         </p:txBody>
       </p:sp>
@@ -20828,7 +21607,7 @@
     </p:spTree>
     <p:extLst>
       <p:ext uri="{BB962C8B-B14F-4D97-AF65-F5344CB8AC3E}">
-        <p14:creationId xmlns:p14="http://schemas.microsoft.com/office/powerpoint/2010/main" val="1029142472"/>
+        <p14:creationId xmlns:p14="http://schemas.microsoft.com/office/powerpoint/2010/main" val="2831782552"/>
       </p:ext>
     </p:extLst>
   </p:cSld>
@@ -20900,7 +21679,7 @@
                   <a:schemeClr val="bg1"/>
                 </a:solidFill>
               </a:rPr>
-              <a:t>Assignment</a:t>
+              <a:t>Learnings</a:t>
             </a:r>
             <a:r>
               <a:rPr lang="nl-NL" dirty="0">
@@ -20908,7 +21687,7 @@
                   <a:schemeClr val="bg1"/>
                 </a:solidFill>
               </a:rPr>
-              <a:t> 4 - Timer</a:t>
+              <a:t> 3</a:t>
             </a:r>
           </a:p>
         </p:txBody>
@@ -20927,8 +21706,8 @@
         </p:nvSpPr>
         <p:spPr>
           <a:xfrm>
-            <a:off x="811013" y="1769201"/>
-            <a:ext cx="6508381" cy="830997"/>
+            <a:off x="820952" y="1769201"/>
+            <a:ext cx="9482279" cy="1938992"/>
           </a:xfrm>
           <a:prstGeom prst="rect">
             <a:avLst/>
@@ -20941,76 +21720,195 @@
           </a:bodyPr>
           <a:lstStyle/>
           <a:p>
-            <a:r>
-              <a:rPr lang="nl-NL" sz="2400" b="1" dirty="0">
+            <a:pPr marL="457200" indent="-457200">
+              <a:buFont typeface="Arial" panose="020B0604020202020204" pitchFamily="34" charset="0"/>
+              <a:buChar char="•"/>
+            </a:pPr>
+            <a:r>
+              <a:rPr lang="nl-NL" sz="2400" b="1" dirty="0" err="1">
                 <a:solidFill>
                   <a:schemeClr val="bg1"/>
                 </a:solidFill>
                 <a:latin typeface="Consolas" panose="020B0609020204030204" pitchFamily="49" charset="0"/>
                 <a:cs typeface="Consolas" panose="020B0609020204030204" pitchFamily="49" charset="0"/>
               </a:rPr>
-              <a:t>Time </a:t>
-            </a:r>
-            <a:r>
-              <a:rPr lang="nl-NL" sz="2400" b="1" dirty="0" err="1">
+              <a:t>Recursive</a:t>
+            </a:r>
+            <a:r>
+              <a:rPr lang="nl-NL" sz="2400" b="1" dirty="0">
                 <a:solidFill>
                   <a:schemeClr val="bg1"/>
                 </a:solidFill>
                 <a:latin typeface="Consolas" panose="020B0609020204030204" pitchFamily="49" charset="0"/>
                 <a:cs typeface="Consolas" panose="020B0609020204030204" pitchFamily="49" charset="0"/>
               </a:rPr>
-              <a:t>how</a:t>
-            </a:r>
-            <a:r>
-              <a:rPr lang="nl-NL" sz="2400" b="1" dirty="0">
+              <a:t> </a:t>
+            </a:r>
+            <a:r>
+              <a:rPr lang="nl-NL" sz="2400" b="1" dirty="0" err="1">
                 <a:solidFill>
                   <a:schemeClr val="bg1"/>
                 </a:solidFill>
                 <a:latin typeface="Consolas" panose="020B0609020204030204" pitchFamily="49" charset="0"/>
                 <a:cs typeface="Consolas" panose="020B0609020204030204" pitchFamily="49" charset="0"/>
               </a:rPr>
-              <a:t> </a:t>
-            </a:r>
-            <a:r>
-              <a:rPr lang="nl-NL" sz="2400" b="1" dirty="0" err="1">
+              <a:t>functions</a:t>
+            </a:r>
+            <a:r>
+              <a:rPr lang="nl-NL" sz="2400" b="1" dirty="0">
                 <a:solidFill>
                   <a:schemeClr val="bg1"/>
                 </a:solidFill>
                 <a:latin typeface="Consolas" panose="020B0609020204030204" pitchFamily="49" charset="0"/>
                 <a:cs typeface="Consolas" panose="020B0609020204030204" pitchFamily="49" charset="0"/>
               </a:rPr>
-              <a:t>fast</a:t>
-            </a:r>
-            <a:r>
-              <a:rPr lang="nl-NL" sz="2400" b="1" dirty="0">
+              <a:t>     </a:t>
+            </a:r>
+            <a:r>
+              <a:rPr lang="nl-NL" sz="2400" b="1" i="1" dirty="0">
                 <a:solidFill>
                   <a:schemeClr val="bg1"/>
                 </a:solidFill>
                 <a:latin typeface="Consolas" panose="020B0609020204030204" pitchFamily="49" charset="0"/>
                 <a:cs typeface="Consolas" panose="020B0609020204030204" pitchFamily="49" charset="0"/>
               </a:rPr>
-              <a:t> </a:t>
-            </a:r>
-            <a:r>
-              <a:rPr lang="nl-NL" sz="2400" b="1" dirty="0" err="1">
+              <a:t>return </a:t>
+            </a:r>
+            <a:r>
+              <a:rPr lang="nl-NL" sz="2400" b="1" i="1" dirty="0" err="1">
                 <a:solidFill>
                   <a:schemeClr val="bg1"/>
                 </a:solidFill>
                 <a:latin typeface="Consolas" panose="020B0609020204030204" pitchFamily="49" charset="0"/>
                 <a:cs typeface="Consolas" panose="020B0609020204030204" pitchFamily="49" charset="0"/>
               </a:rPr>
-              <a:t>assignment</a:t>
-            </a:r>
-            <a:r>
-              <a:rPr lang="nl-NL" sz="2400" b="1" dirty="0">
+              <a:t>func</a:t>
+            </a:r>
+            <a:r>
+              <a:rPr lang="nl-NL" sz="2400" b="1" i="1" dirty="0">
                 <a:solidFill>
                   <a:schemeClr val="bg1"/>
                 </a:solidFill>
                 <a:latin typeface="Consolas" panose="020B0609020204030204" pitchFamily="49" charset="0"/>
                 <a:cs typeface="Consolas" panose="020B0609020204030204" pitchFamily="49" charset="0"/>
               </a:rPr>
-              <a:t> 3 runs</a:t>
-            </a:r>
+              <a:t>(x)</a:t>
+            </a:r>
+          </a:p>
+          <a:p>
+            <a:pPr marL="457200" indent="-457200">
+              <a:buFont typeface="Arial" panose="020B0604020202020204" pitchFamily="34" charset="0"/>
+              <a:buChar char="•"/>
+            </a:pPr>
+            <a:r>
+              <a:rPr lang="nl-NL" sz="2400" b="1" dirty="0">
+                <a:solidFill>
+                  <a:schemeClr val="bg1"/>
+                </a:solidFill>
+                <a:latin typeface="Consolas" panose="020B0609020204030204" pitchFamily="49" charset="0"/>
+                <a:cs typeface="Consolas" panose="020B0609020204030204" pitchFamily="49" charset="0"/>
+              </a:rPr>
+              <a:t>Integer </a:t>
+            </a:r>
+            <a:r>
+              <a:rPr lang="nl-NL" sz="2400" b="1" dirty="0" err="1">
+                <a:solidFill>
+                  <a:schemeClr val="bg1"/>
+                </a:solidFill>
+                <a:latin typeface="Consolas" panose="020B0609020204030204" pitchFamily="49" charset="0"/>
+                <a:cs typeface="Consolas" panose="020B0609020204030204" pitchFamily="49" charset="0"/>
+              </a:rPr>
+              <a:t>division</a:t>
+            </a:r>
+            <a:r>
+              <a:rPr lang="nl-NL" sz="2400" b="1" dirty="0">
+                <a:solidFill>
+                  <a:schemeClr val="bg1"/>
+                </a:solidFill>
+                <a:latin typeface="Consolas" panose="020B0609020204030204" pitchFamily="49" charset="0"/>
+                <a:cs typeface="Consolas" panose="020B0609020204030204" pitchFamily="49" charset="0"/>
+              </a:rPr>
+              <a:t>        // </a:t>
+            </a:r>
+          </a:p>
+          <a:p>
+            <a:pPr marL="457200" indent="-457200">
+              <a:buFont typeface="Arial" panose="020B0604020202020204" pitchFamily="34" charset="0"/>
+              <a:buChar char="•"/>
+            </a:pPr>
+            <a:r>
+              <a:rPr lang="nl-NL" sz="2400" b="1" dirty="0">
+                <a:solidFill>
+                  <a:schemeClr val="bg1"/>
+                </a:solidFill>
+                <a:latin typeface="Consolas" panose="020B0609020204030204" pitchFamily="49" charset="0"/>
+                <a:cs typeface="Consolas" panose="020B0609020204030204" pitchFamily="49" charset="0"/>
+              </a:rPr>
+              <a:t>list </a:t>
+            </a:r>
+            <a:r>
+              <a:rPr lang="nl-NL" sz="2400" b="1" dirty="0" err="1">
+                <a:solidFill>
+                  <a:schemeClr val="bg1"/>
+                </a:solidFill>
+                <a:latin typeface="Consolas" panose="020B0609020204030204" pitchFamily="49" charset="0"/>
+                <a:cs typeface="Consolas" panose="020B0609020204030204" pitchFamily="49" charset="0"/>
+              </a:rPr>
+              <a:t>comprehension</a:t>
+            </a:r>
+            <a:r>
+              <a:rPr lang="nl-NL" sz="2400" b="1" dirty="0">
+                <a:solidFill>
+                  <a:schemeClr val="bg1"/>
+                </a:solidFill>
+                <a:latin typeface="Consolas" panose="020B0609020204030204" pitchFamily="49" charset="0"/>
+                <a:cs typeface="Consolas" panose="020B0609020204030204" pitchFamily="49" charset="0"/>
+              </a:rPr>
+              <a:t>      </a:t>
+            </a:r>
+            <a:r>
+              <a:rPr lang="nl-NL" sz="2400" b="1" i="1" dirty="0">
+                <a:solidFill>
+                  <a:schemeClr val="bg1"/>
+                </a:solidFill>
+                <a:latin typeface="Consolas" panose="020B0609020204030204" pitchFamily="49" charset="0"/>
+                <a:cs typeface="Consolas" panose="020B0609020204030204" pitchFamily="49" charset="0"/>
+              </a:rPr>
+              <a:t>[x </a:t>
+            </a:r>
+            <a:r>
+              <a:rPr lang="nl-NL" sz="2400" b="1" i="1" dirty="0" err="1">
+                <a:solidFill>
+                  <a:schemeClr val="bg1"/>
+                </a:solidFill>
+                <a:latin typeface="Consolas" panose="020B0609020204030204" pitchFamily="49" charset="0"/>
+                <a:cs typeface="Consolas" panose="020B0609020204030204" pitchFamily="49" charset="0"/>
+              </a:rPr>
+              <a:t>for</a:t>
+            </a:r>
+            <a:r>
+              <a:rPr lang="nl-NL" sz="2400" b="1" i="1" dirty="0">
+                <a:solidFill>
+                  <a:schemeClr val="bg1"/>
+                </a:solidFill>
+                <a:latin typeface="Consolas" panose="020B0609020204030204" pitchFamily="49" charset="0"/>
+                <a:cs typeface="Consolas" panose="020B0609020204030204" pitchFamily="49" charset="0"/>
+              </a:rPr>
+              <a:t> x in y]</a:t>
+            </a:r>
+          </a:p>
+          <a:p>
+            <a:pPr marL="457200" indent="-457200">
+              <a:buFont typeface="Arial" panose="020B0604020202020204" pitchFamily="34" charset="0"/>
+              <a:buChar char="•"/>
+            </a:pPr>
+            <a:endParaRPr lang="nl-NL" sz="2400" b="1" dirty="0">
+              <a:solidFill>
+                <a:schemeClr val="bg1"/>
+              </a:solidFill>
+              <a:latin typeface="Consolas" panose="020B0609020204030204" pitchFamily="49" charset="0"/>
+              <a:cs typeface="Consolas" panose="020B0609020204030204" pitchFamily="49" charset="0"/>
+            </a:endParaRPr>
           </a:p>
           <a:p>
             <a:endParaRPr lang="en" sz="2400" b="1" dirty="0">
@@ -21054,7 +21952,7 @@
     </p:spTree>
     <p:extLst>
       <p:ext uri="{BB962C8B-B14F-4D97-AF65-F5344CB8AC3E}">
-        <p14:creationId xmlns:p14="http://schemas.microsoft.com/office/powerpoint/2010/main" val="377636335"/>
+        <p14:creationId xmlns:p14="http://schemas.microsoft.com/office/powerpoint/2010/main" val="1029142472"/>
       </p:ext>
     </p:extLst>
   </p:cSld>
